--- a/Presentazione.pptx
+++ b/Presentazione.pptx
@@ -5,26 +5,27 @@
     <p:sldMasterId id="2147483853" r:id="rId1"/>
   </p:sldMasterIdLst>
   <p:notesMasterIdLst>
-    <p:notesMasterId r:id="rId19"/>
+    <p:notesMasterId r:id="rId20"/>
   </p:notesMasterIdLst>
   <p:sldIdLst>
     <p:sldId id="256" r:id="rId2"/>
     <p:sldId id="273" r:id="rId3"/>
-    <p:sldId id="271" r:id="rId4"/>
-    <p:sldId id="258" r:id="rId5"/>
-    <p:sldId id="259" r:id="rId6"/>
-    <p:sldId id="265" r:id="rId7"/>
-    <p:sldId id="268" r:id="rId8"/>
-    <p:sldId id="267" r:id="rId9"/>
-    <p:sldId id="269" r:id="rId10"/>
-    <p:sldId id="260" r:id="rId11"/>
-    <p:sldId id="278" r:id="rId12"/>
-    <p:sldId id="263" r:id="rId13"/>
-    <p:sldId id="272" r:id="rId14"/>
-    <p:sldId id="274" r:id="rId15"/>
-    <p:sldId id="264" r:id="rId16"/>
-    <p:sldId id="261" r:id="rId17"/>
-    <p:sldId id="270" r:id="rId18"/>
+    <p:sldId id="279" r:id="rId4"/>
+    <p:sldId id="271" r:id="rId5"/>
+    <p:sldId id="258" r:id="rId6"/>
+    <p:sldId id="260" r:id="rId7"/>
+    <p:sldId id="278" r:id="rId8"/>
+    <p:sldId id="263" r:id="rId9"/>
+    <p:sldId id="272" r:id="rId10"/>
+    <p:sldId id="274" r:id="rId11"/>
+    <p:sldId id="259" r:id="rId12"/>
+    <p:sldId id="265" r:id="rId13"/>
+    <p:sldId id="268" r:id="rId14"/>
+    <p:sldId id="267" r:id="rId15"/>
+    <p:sldId id="269" r:id="rId16"/>
+    <p:sldId id="264" r:id="rId17"/>
+    <p:sldId id="261" r:id="rId18"/>
+    <p:sldId id="270" r:id="rId19"/>
   </p:sldIdLst>
   <p:sldSz cx="12192000" cy="6858000"/>
   <p:notesSz cx="6858000" cy="9144000"/>
@@ -130,18 +131,19 @@
           <p14:sldIdLst>
             <p14:sldId id="256"/>
             <p14:sldId id="273"/>
+            <p14:sldId id="279"/>
             <p14:sldId id="271"/>
             <p14:sldId id="258"/>
+            <p14:sldId id="260"/>
+            <p14:sldId id="278"/>
+            <p14:sldId id="263"/>
+            <p14:sldId id="272"/>
+            <p14:sldId id="274"/>
             <p14:sldId id="259"/>
             <p14:sldId id="265"/>
             <p14:sldId id="268"/>
             <p14:sldId id="267"/>
             <p14:sldId id="269"/>
-            <p14:sldId id="260"/>
-            <p14:sldId id="278"/>
-            <p14:sldId id="263"/>
-            <p14:sldId id="272"/>
-            <p14:sldId id="274"/>
             <p14:sldId id="264"/>
             <p14:sldId id="261"/>
             <p14:sldId id="270"/>
@@ -4014,7 +4016,7 @@
           <p:cNvPr id="2" name="Title 1">
             <a:extLst>
               <a:ext uri="{FF2B5EF4-FFF2-40B4-BE49-F238E27FC236}">
-                <a16:creationId xmlns:a16="http://schemas.microsoft.com/office/drawing/2014/main" id="{AEDBEBE5-6F8D-934E-972A-889CF2339823}"/>
+                <a16:creationId xmlns:a16="http://schemas.microsoft.com/office/drawing/2014/main" id="{EFCC0D2A-105A-2A46-BCDA-2D846645CBB2}"/>
               </a:ext>
             </a:extLst>
           </p:cNvPr>
@@ -4036,25 +4038,25 @@
                 <a:ea typeface="SF Pro Display" pitchFamily="2" charset="0"/>
                 <a:cs typeface="SF Pro Display" pitchFamily="2" charset="0"/>
               </a:rPr>
-              <a:t>Validazione su reti semplici</a:t>
-            </a:r>
-          </a:p>
-        </p:txBody>
-      </p:sp>
-      <p:sp>
-        <p:nvSpPr>
-          <p:cNvPr id="16" name="Content Placeholder 15">
-            <a:extLst>
-              <a:ext uri="{FF2B5EF4-FFF2-40B4-BE49-F238E27FC236}">
-                <a16:creationId xmlns:a16="http://schemas.microsoft.com/office/drawing/2014/main" id="{E838C085-0EAA-9941-B43E-62AC4939C722}"/>
-              </a:ext>
-            </a:extLst>
-          </p:cNvPr>
-          <p:cNvSpPr>
-            <a:spLocks noGrp="1"/>
-          </p:cNvSpPr>
-          <p:nvPr>
-            <p:ph sz="half" idx="1"/>
+              <a:t>Analisi della performance</a:t>
+            </a:r>
+          </a:p>
+        </p:txBody>
+      </p:sp>
+      <p:sp>
+        <p:nvSpPr>
+          <p:cNvPr id="3" name="Content Placeholder 2">
+            <a:extLst>
+              <a:ext uri="{FF2B5EF4-FFF2-40B4-BE49-F238E27FC236}">
+                <a16:creationId xmlns:a16="http://schemas.microsoft.com/office/drawing/2014/main" id="{1F179D51-232E-1A40-B09A-A20E845C5B2D}"/>
+              </a:ext>
+            </a:extLst>
+          </p:cNvPr>
+          <p:cNvSpPr>
+            <a:spLocks noGrp="1"/>
+          </p:cNvSpPr>
+          <p:nvPr>
+            <p:ph idx="1"/>
           </p:nvPr>
         </p:nvSpPr>
         <p:spPr/>
@@ -4063,53 +4065,783 @@
           <a:lstStyle/>
           <a:p>
             <a:r>
-              <a:rPr lang="it-IT" dirty="0"/>
-              <a:t>Le euristiche principalmente utilizzate in queste reti riguardano:</a:t>
+              <a:rPr lang="it-IT" dirty="0">
+                <a:latin typeface="SF Pro Text" pitchFamily="2" charset="0"/>
+                <a:ea typeface="SF Pro Text" pitchFamily="2" charset="0"/>
+                <a:cs typeface="SF Pro Text" pitchFamily="2" charset="0"/>
+              </a:rPr>
+              <a:t>Uso di memoria dipendente dal traffico</a:t>
             </a:r>
           </a:p>
           <a:p>
             <a:pPr lvl="1"/>
             <a:r>
-              <a:rPr lang="it-IT" dirty="0"/>
-              <a:t>Access Point</a:t>
+              <a:rPr lang="it-IT" dirty="0">
+                <a:latin typeface="SF Pro Text" pitchFamily="2" charset="0"/>
+                <a:ea typeface="SF Pro Text" pitchFamily="2" charset="0"/>
+                <a:cs typeface="SF Pro Text" pitchFamily="2" charset="0"/>
+              </a:rPr>
+              <a:t>~20MB per 30,000 pacchetti catturati ed analizzati</a:t>
             </a:r>
           </a:p>
           <a:p>
             <a:pPr lvl="1"/>
             <a:r>
-              <a:rPr lang="it-IT" dirty="0"/>
-              <a:t>Risoluzione di indirizzi </a:t>
-            </a:r>
-            <a:r>
-              <a:rPr lang="it-IT" dirty="0" err="1"/>
-              <a:t>multicast</a:t>
-            </a:r>
-            <a:endParaRPr lang="it-IT" dirty="0"/>
+              <a:rPr lang="it-IT" dirty="0">
+                <a:latin typeface="SF Pro Text" pitchFamily="2" charset="0"/>
+                <a:ea typeface="SF Pro Text" pitchFamily="2" charset="0"/>
+                <a:cs typeface="SF Pro Text" pitchFamily="2" charset="0"/>
+              </a:rPr>
+              <a:t>Generalmente ~5MB per catture live di 15 secondi</a:t>
+            </a:r>
+          </a:p>
+          <a:p>
+            <a:r>
+              <a:rPr lang="it-IT" dirty="0">
+                <a:latin typeface="SF Pro Text" pitchFamily="2" charset="0"/>
+                <a:ea typeface="SF Pro Text" pitchFamily="2" charset="0"/>
+                <a:cs typeface="SF Pro Text" pitchFamily="2" charset="0"/>
+              </a:rPr>
+              <a:t>Tempo di calcolo principalmente dovuto alla cattura</a:t>
+            </a:r>
           </a:p>
           <a:p>
             <a:pPr lvl="1"/>
             <a:r>
-              <a:rPr lang="it-IT" dirty="0"/>
-              <a:t>Risoluzione di indirizzi locali</a:t>
+              <a:rPr lang="it-IT" dirty="0">
+                <a:latin typeface="SF Pro Text" pitchFamily="2" charset="0"/>
+                <a:ea typeface="SF Pro Text" pitchFamily="2" charset="0"/>
+                <a:cs typeface="SF Pro Text" pitchFamily="2" charset="0"/>
+              </a:rPr>
+              <a:t>Cattura costante</a:t>
+            </a:r>
+          </a:p>
+          <a:p>
+            <a:pPr lvl="1"/>
+            <a:r>
+              <a:rPr lang="it-IT" dirty="0">
+                <a:latin typeface="SF Pro Text" pitchFamily="2" charset="0"/>
+                <a:ea typeface="SF Pro Text" pitchFamily="2" charset="0"/>
+                <a:cs typeface="SF Pro Text" pitchFamily="2" charset="0"/>
+              </a:rPr>
+              <a:t>Cattura programmata per una durata a scelta</a:t>
+            </a:r>
+          </a:p>
+          <a:p>
+            <a:r>
+              <a:rPr lang="it-IT" dirty="0">
+                <a:latin typeface="SF Pro Text" pitchFamily="2" charset="0"/>
+                <a:ea typeface="SF Pro Text" pitchFamily="2" charset="0"/>
+                <a:cs typeface="SF Pro Text" pitchFamily="2" charset="0"/>
+              </a:rPr>
+              <a:t>Soluzione implementabile su:</a:t>
+            </a:r>
+          </a:p>
+          <a:p>
+            <a:pPr lvl="1"/>
+            <a:r>
+              <a:rPr lang="it-IT" dirty="0">
+                <a:latin typeface="SF Pro Text" pitchFamily="2" charset="0"/>
+                <a:ea typeface="SF Pro Text" pitchFamily="2" charset="0"/>
+                <a:cs typeface="SF Pro Text" pitchFamily="2" charset="0"/>
+              </a:rPr>
+              <a:t>Router</a:t>
+            </a:r>
+          </a:p>
+          <a:p>
+            <a:pPr lvl="1"/>
+            <a:r>
+              <a:rPr lang="it-IT" dirty="0">
+                <a:latin typeface="SF Pro Text" pitchFamily="2" charset="0"/>
+                <a:ea typeface="SF Pro Text" pitchFamily="2" charset="0"/>
+                <a:cs typeface="SF Pro Text" pitchFamily="2" charset="0"/>
+              </a:rPr>
+              <a:t>Smartphone</a:t>
+            </a:r>
+          </a:p>
+          <a:p>
+            <a:pPr lvl="1"/>
+            <a:r>
+              <a:rPr lang="it-IT" dirty="0">
+                <a:latin typeface="SF Pro Text" pitchFamily="2" charset="0"/>
+                <a:ea typeface="SF Pro Text" pitchFamily="2" charset="0"/>
+                <a:cs typeface="SF Pro Text" pitchFamily="2" charset="0"/>
+              </a:rPr>
+              <a:t>SBC</a:t>
+            </a:r>
+          </a:p>
+          <a:p>
+            <a:pPr lvl="1"/>
+            <a:endParaRPr lang="it-IT" dirty="0">
+              <a:latin typeface="SF Pro Text" pitchFamily="2" charset="0"/>
+              <a:ea typeface="SF Pro Text" pitchFamily="2" charset="0"/>
+              <a:cs typeface="SF Pro Text" pitchFamily="2" charset="0"/>
+            </a:endParaRPr>
+          </a:p>
+          <a:p>
+            <a:pPr lvl="1"/>
+            <a:endParaRPr lang="it-IT" dirty="0">
+              <a:latin typeface="SF Pro Text" pitchFamily="2" charset="0"/>
+              <a:ea typeface="SF Pro Text" pitchFamily="2" charset="0"/>
+              <a:cs typeface="SF Pro Text" pitchFamily="2" charset="0"/>
+            </a:endParaRPr>
+          </a:p>
+          <a:p>
+            <a:pPr lvl="1"/>
+            <a:endParaRPr lang="it-IT" dirty="0">
+              <a:latin typeface="SF Pro Text" pitchFamily="2" charset="0"/>
+              <a:ea typeface="SF Pro Text" pitchFamily="2" charset="0"/>
+              <a:cs typeface="SF Pro Text" pitchFamily="2" charset="0"/>
+            </a:endParaRPr>
+          </a:p>
+          <a:p>
+            <a:pPr lvl="1"/>
+            <a:endParaRPr lang="it-IT" dirty="0">
+              <a:latin typeface="SF Pro Text" pitchFamily="2" charset="0"/>
+              <a:ea typeface="SF Pro Text" pitchFamily="2" charset="0"/>
+              <a:cs typeface="SF Pro Text" pitchFamily="2" charset="0"/>
+            </a:endParaRPr>
+          </a:p>
+        </p:txBody>
+      </p:sp>
+    </p:spTree>
+    <p:extLst>
+      <p:ext uri="{BB962C8B-B14F-4D97-AF65-F5344CB8AC3E}">
+        <p14:creationId xmlns:p14="http://schemas.microsoft.com/office/powerpoint/2010/main" val="1444998106"/>
+      </p:ext>
+    </p:extLst>
+  </p:cSld>
+  <p:clrMapOvr>
+    <a:masterClrMapping/>
+  </p:clrMapOvr>
+</p:sld>
+</file>
+
+<file path=ppt/slides/slide11.xml><?xml version="1.0" encoding="utf-8"?>
+<p:sld xmlns:a="http://schemas.openxmlformats.org/drawingml/2006/main" xmlns:r="http://schemas.openxmlformats.org/officeDocument/2006/relationships" xmlns:p="http://schemas.openxmlformats.org/presentationml/2006/main">
+  <p:cSld>
+    <p:spTree>
+      <p:nvGrpSpPr>
+        <p:cNvPr id="1" name=""/>
+        <p:cNvGrpSpPr/>
+        <p:nvPr/>
+      </p:nvGrpSpPr>
+      <p:grpSpPr>
+        <a:xfrm>
+          <a:off x="0" y="0"/>
+          <a:ext cx="0" cy="0"/>
+          <a:chOff x="0" y="0"/>
+          <a:chExt cx="0" cy="0"/>
+        </a:xfrm>
+      </p:grpSpPr>
+      <p:sp>
+        <p:nvSpPr>
+          <p:cNvPr id="2" name="Title 1">
+            <a:extLst>
+              <a:ext uri="{FF2B5EF4-FFF2-40B4-BE49-F238E27FC236}">
+                <a16:creationId xmlns:a16="http://schemas.microsoft.com/office/drawing/2014/main" id="{603D3AC7-962A-0C4C-8EB6-FEE3F7399F48}"/>
+              </a:ext>
+            </a:extLst>
+          </p:cNvPr>
+          <p:cNvSpPr>
+            <a:spLocks noGrp="1"/>
+          </p:cNvSpPr>
+          <p:nvPr>
+            <p:ph type="title"/>
+          </p:nvPr>
+        </p:nvSpPr>
+        <p:spPr/>
+        <p:txBody>
+          <a:bodyPr/>
+          <a:lstStyle/>
+          <a:p>
+            <a:r>
+              <a:rPr lang="it-IT" dirty="0" err="1">
+                <a:latin typeface="SF Pro Display" pitchFamily="2" charset="0"/>
+                <a:ea typeface="SF Pro Display" pitchFamily="2" charset="0"/>
+                <a:cs typeface="SF Pro Display" pitchFamily="2" charset="0"/>
+              </a:rPr>
+              <a:t>ArpScanner</a:t>
+            </a:r>
+            <a:endParaRPr lang="it-IT" dirty="0">
+              <a:latin typeface="SF Pro Display" pitchFamily="2" charset="0"/>
+              <a:ea typeface="SF Pro Display" pitchFamily="2" charset="0"/>
+              <a:cs typeface="SF Pro Display" pitchFamily="2" charset="0"/>
+            </a:endParaRPr>
+          </a:p>
+        </p:txBody>
+      </p:sp>
+      <p:sp>
+        <p:nvSpPr>
+          <p:cNvPr id="3" name="Content Placeholder 2">
+            <a:extLst>
+              <a:ext uri="{FF2B5EF4-FFF2-40B4-BE49-F238E27FC236}">
+                <a16:creationId xmlns:a16="http://schemas.microsoft.com/office/drawing/2014/main" id="{5E42DEE0-3990-0848-AE87-82145D2349A4}"/>
+              </a:ext>
+            </a:extLst>
+          </p:cNvPr>
+          <p:cNvSpPr>
+            <a:spLocks noGrp="1"/>
+          </p:cNvSpPr>
+          <p:nvPr>
+            <p:ph idx="1"/>
+          </p:nvPr>
+        </p:nvSpPr>
+        <p:spPr/>
+        <p:txBody>
+          <a:bodyPr/>
+          <a:lstStyle/>
+          <a:p>
+            <a:r>
+              <a:rPr lang="it-IT" dirty="0">
+                <a:latin typeface="SF Pro Text" pitchFamily="2" charset="0"/>
+                <a:ea typeface="SF Pro Text" pitchFamily="2" charset="0"/>
+                <a:cs typeface="SF Pro Text" pitchFamily="2" charset="0"/>
+              </a:rPr>
+              <a:t>Monitoraggio attivo</a:t>
+            </a:r>
+          </a:p>
+          <a:p>
+            <a:r>
+              <a:rPr lang="it-IT" dirty="0">
+                <a:latin typeface="SF Pro Text" pitchFamily="2" charset="0"/>
+                <a:ea typeface="SF Pro Text" pitchFamily="2" charset="0"/>
+                <a:cs typeface="SF Pro Text" pitchFamily="2" charset="0"/>
+              </a:rPr>
+              <a:t>Effettua </a:t>
+            </a:r>
+            <a:r>
+              <a:rPr lang="it-IT" dirty="0" err="1">
+                <a:latin typeface="SF Pro Text" pitchFamily="2" charset="0"/>
+                <a:ea typeface="SF Pro Text" pitchFamily="2" charset="0"/>
+                <a:cs typeface="SF Pro Text" pitchFamily="2" charset="0"/>
+              </a:rPr>
+              <a:t>Arp</a:t>
+            </a:r>
+            <a:r>
+              <a:rPr lang="it-IT" dirty="0">
+                <a:latin typeface="SF Pro Text" pitchFamily="2" charset="0"/>
+                <a:ea typeface="SF Pro Text" pitchFamily="2" charset="0"/>
+                <a:cs typeface="SF Pro Text" pitchFamily="2" charset="0"/>
+              </a:rPr>
+              <a:t> </a:t>
+            </a:r>
+            <a:r>
+              <a:rPr lang="it-IT" dirty="0" err="1">
+                <a:latin typeface="SF Pro Text" pitchFamily="2" charset="0"/>
+                <a:ea typeface="SF Pro Text" pitchFamily="2" charset="0"/>
+                <a:cs typeface="SF Pro Text" pitchFamily="2" charset="0"/>
+              </a:rPr>
+              <a:t>Scan</a:t>
+            </a:r>
+            <a:r>
+              <a:rPr lang="it-IT" dirty="0">
+                <a:latin typeface="SF Pro Text" pitchFamily="2" charset="0"/>
+                <a:ea typeface="SF Pro Text" pitchFamily="2" charset="0"/>
+                <a:cs typeface="SF Pro Text" pitchFamily="2" charset="0"/>
+              </a:rPr>
+              <a:t> sulla rete in analisi</a:t>
+            </a:r>
+          </a:p>
+          <a:p>
+            <a:pPr lvl="1"/>
+            <a:r>
+              <a:rPr lang="it-IT" dirty="0">
+                <a:latin typeface="SF Pro Text" pitchFamily="2" charset="0"/>
+                <a:ea typeface="SF Pro Text" pitchFamily="2" charset="0"/>
+                <a:cs typeface="SF Pro Text" pitchFamily="2" charset="0"/>
+              </a:rPr>
+              <a:t>Assegna indirizzi MAC ad indirizzi IPv4</a:t>
+            </a:r>
+          </a:p>
+          <a:p>
+            <a:r>
+              <a:rPr lang="it-IT" dirty="0" err="1">
+                <a:latin typeface="SF Pro Text" pitchFamily="2" charset="0"/>
+                <a:ea typeface="SF Pro Text" pitchFamily="2" charset="0"/>
+                <a:cs typeface="SF Pro Text" pitchFamily="2" charset="0"/>
+              </a:rPr>
+              <a:t>Arp</a:t>
+            </a:r>
+            <a:r>
+              <a:rPr lang="it-IT" dirty="0">
+                <a:latin typeface="SF Pro Text" pitchFamily="2" charset="0"/>
+                <a:ea typeface="SF Pro Text" pitchFamily="2" charset="0"/>
+                <a:cs typeface="SF Pro Text" pitchFamily="2" charset="0"/>
+              </a:rPr>
+              <a:t> </a:t>
+            </a:r>
+            <a:r>
+              <a:rPr lang="it-IT" dirty="0" err="1">
+                <a:latin typeface="SF Pro Text" pitchFamily="2" charset="0"/>
+                <a:ea typeface="SF Pro Text" pitchFamily="2" charset="0"/>
+                <a:cs typeface="SF Pro Text" pitchFamily="2" charset="0"/>
+              </a:rPr>
+              <a:t>Ping</a:t>
+            </a:r>
+            <a:endParaRPr lang="it-IT" dirty="0">
+              <a:latin typeface="SF Pro Text" pitchFamily="2" charset="0"/>
+              <a:ea typeface="SF Pro Text" pitchFamily="2" charset="0"/>
+              <a:cs typeface="SF Pro Text" pitchFamily="2" charset="0"/>
+            </a:endParaRPr>
+          </a:p>
+          <a:p>
+            <a:pPr lvl="1"/>
+            <a:r>
+              <a:rPr lang="it-IT" dirty="0">
+                <a:latin typeface="SF Pro Text" pitchFamily="2" charset="0"/>
+                <a:ea typeface="SF Pro Text" pitchFamily="2" charset="0"/>
+                <a:cs typeface="SF Pro Text" pitchFamily="2" charset="0"/>
+              </a:rPr>
+              <a:t>Calcolo del RTT dei pacchetti inviati</a:t>
+            </a:r>
+          </a:p>
+          <a:p>
+            <a:pPr lvl="1"/>
+            <a:r>
+              <a:rPr lang="it-IT" dirty="0">
+                <a:latin typeface="SF Pro Text" pitchFamily="2" charset="0"/>
+                <a:ea typeface="SF Pro Text" pitchFamily="2" charset="0"/>
+                <a:cs typeface="SF Pro Text" pitchFamily="2" charset="0"/>
+              </a:rPr>
+              <a:t>Metrica utile per dispositivi cablati e Wi-Fi</a:t>
+            </a:r>
+          </a:p>
+          <a:p>
+            <a:r>
+              <a:rPr lang="it-IT" dirty="0">
+                <a:latin typeface="SF Pro Text" pitchFamily="2" charset="0"/>
+                <a:ea typeface="SF Pro Text" pitchFamily="2" charset="0"/>
+                <a:cs typeface="SF Pro Text" pitchFamily="2" charset="0"/>
+              </a:rPr>
+              <a:t>Fornisce dati utili alla libreria </a:t>
+            </a:r>
+            <a:r>
+              <a:rPr lang="it-IT" dirty="0" err="1">
+                <a:latin typeface="SF Pro Text" pitchFamily="2" charset="0"/>
+                <a:ea typeface="SF Pro Text" pitchFamily="2" charset="0"/>
+                <a:cs typeface="SF Pro Text" pitchFamily="2" charset="0"/>
+              </a:rPr>
+              <a:t>WiFi-Topology</a:t>
+            </a:r>
+            <a:endParaRPr lang="it-IT" dirty="0">
+              <a:latin typeface="SF Pro Text" pitchFamily="2" charset="0"/>
+              <a:ea typeface="SF Pro Text" pitchFamily="2" charset="0"/>
+              <a:cs typeface="SF Pro Text" pitchFamily="2" charset="0"/>
+            </a:endParaRPr>
+          </a:p>
+        </p:txBody>
+      </p:sp>
+    </p:spTree>
+    <p:extLst>
+      <p:ext uri="{BB962C8B-B14F-4D97-AF65-F5344CB8AC3E}">
+        <p14:creationId xmlns:p14="http://schemas.microsoft.com/office/powerpoint/2010/main" val="3007458683"/>
+      </p:ext>
+    </p:extLst>
+  </p:cSld>
+  <p:clrMapOvr>
+    <a:masterClrMapping/>
+  </p:clrMapOvr>
+</p:sld>
+</file>
+
+<file path=ppt/slides/slide12.xml><?xml version="1.0" encoding="utf-8"?>
+<p:sld xmlns:a="http://schemas.openxmlformats.org/drawingml/2006/main" xmlns:r="http://schemas.openxmlformats.org/officeDocument/2006/relationships" xmlns:p="http://schemas.openxmlformats.org/presentationml/2006/main">
+  <p:cSld>
+    <p:spTree>
+      <p:nvGrpSpPr>
+        <p:cNvPr id="1" name=""/>
+        <p:cNvGrpSpPr/>
+        <p:nvPr/>
+      </p:nvGrpSpPr>
+      <p:grpSpPr>
+        <a:xfrm>
+          <a:off x="0" y="0"/>
+          <a:ext cx="0" cy="0"/>
+          <a:chOff x="0" y="0"/>
+          <a:chExt cx="0" cy="0"/>
+        </a:xfrm>
+      </p:grpSpPr>
+      <p:sp>
+        <p:nvSpPr>
+          <p:cNvPr id="2" name="Title 1">
+            <a:extLst>
+              <a:ext uri="{FF2B5EF4-FFF2-40B4-BE49-F238E27FC236}">
+                <a16:creationId xmlns:a16="http://schemas.microsoft.com/office/drawing/2014/main" id="{DDC49C2A-59AD-F945-A187-CE13E849F4B4}"/>
+              </a:ext>
+            </a:extLst>
+          </p:cNvPr>
+          <p:cNvSpPr>
+            <a:spLocks noGrp="1"/>
+          </p:cNvSpPr>
+          <p:nvPr>
+            <p:ph type="title"/>
+          </p:nvPr>
+        </p:nvSpPr>
+        <p:spPr/>
+        <p:txBody>
+          <a:bodyPr/>
+          <a:lstStyle/>
+          <a:p>
+            <a:r>
+              <a:rPr lang="it-IT" dirty="0" err="1">
+                <a:latin typeface="SF Pro Display" pitchFamily="2" charset="0"/>
+                <a:ea typeface="SF Pro Display" pitchFamily="2" charset="0"/>
+                <a:cs typeface="SF Pro Display" pitchFamily="2" charset="0"/>
+              </a:rPr>
+              <a:t>WiFi-Topology</a:t>
+            </a:r>
+            <a:endParaRPr lang="it-IT" dirty="0">
+              <a:latin typeface="SF Pro Display" pitchFamily="2" charset="0"/>
+              <a:ea typeface="SF Pro Display" pitchFamily="2" charset="0"/>
+              <a:cs typeface="SF Pro Display" pitchFamily="2" charset="0"/>
+            </a:endParaRPr>
+          </a:p>
+        </p:txBody>
+      </p:sp>
+      <p:sp>
+        <p:nvSpPr>
+          <p:cNvPr id="3" name="Content Placeholder 2">
+            <a:extLst>
+              <a:ext uri="{FF2B5EF4-FFF2-40B4-BE49-F238E27FC236}">
+                <a16:creationId xmlns:a16="http://schemas.microsoft.com/office/drawing/2014/main" id="{381268DC-7A04-A64E-AE12-7AEDA1ACD4BF}"/>
+              </a:ext>
+            </a:extLst>
+          </p:cNvPr>
+          <p:cNvSpPr>
+            <a:spLocks noGrp="1"/>
+          </p:cNvSpPr>
+          <p:nvPr>
+            <p:ph idx="1"/>
+          </p:nvPr>
+        </p:nvSpPr>
+        <p:spPr/>
+        <p:txBody>
+          <a:bodyPr/>
+          <a:lstStyle/>
+          <a:p>
+            <a:r>
+              <a:rPr lang="it-IT" dirty="0">
+                <a:latin typeface="SF Pro Text" pitchFamily="2" charset="0"/>
+                <a:ea typeface="SF Pro Text" pitchFamily="2" charset="0"/>
+                <a:cs typeface="SF Pro Text" pitchFamily="2" charset="0"/>
+              </a:rPr>
+              <a:t>Monitoraggio passivo</a:t>
+            </a:r>
+          </a:p>
+          <a:p>
+            <a:r>
+              <a:rPr lang="it-IT" dirty="0">
+                <a:latin typeface="SF Pro Text" pitchFamily="2" charset="0"/>
+                <a:ea typeface="SF Pro Text" pitchFamily="2" charset="0"/>
+                <a:cs typeface="SF Pro Text" pitchFamily="2" charset="0"/>
+              </a:rPr>
+              <a:t>Cattura del traffico 802.11</a:t>
+            </a:r>
+          </a:p>
+          <a:p>
+            <a:pPr lvl="1"/>
+            <a:r>
+              <a:rPr lang="it-IT" dirty="0">
+                <a:latin typeface="SF Pro Text" pitchFamily="2" charset="0"/>
+                <a:ea typeface="SF Pro Text" pitchFamily="2" charset="0"/>
+                <a:cs typeface="SF Pro Text" pitchFamily="2" charset="0"/>
+              </a:rPr>
+              <a:t>Ricostruzione della topologia della rete</a:t>
+            </a:r>
+          </a:p>
+          <a:p>
+            <a:pPr lvl="1"/>
+            <a:r>
+              <a:rPr lang="it-IT" dirty="0">
+                <a:latin typeface="SF Pro Text" pitchFamily="2" charset="0"/>
+                <a:ea typeface="SF Pro Text" pitchFamily="2" charset="0"/>
+                <a:cs typeface="SF Pro Text" pitchFamily="2" charset="0"/>
+              </a:rPr>
+              <a:t>Calcolo della potenza del segnale Wi-Fi</a:t>
+            </a:r>
+          </a:p>
+          <a:p>
+            <a:r>
+              <a:rPr lang="it-IT" dirty="0">
+                <a:latin typeface="SF Pro Text" pitchFamily="2" charset="0"/>
+                <a:ea typeface="SF Pro Text" pitchFamily="2" charset="0"/>
+                <a:cs typeface="SF Pro Text" pitchFamily="2" charset="0"/>
+              </a:rPr>
+              <a:t>Utilizzo di euristiche per determinare:</a:t>
+            </a:r>
+          </a:p>
+          <a:p>
+            <a:pPr lvl="1"/>
+            <a:r>
+              <a:rPr lang="it-IT" dirty="0">
+                <a:latin typeface="SF Pro Text" pitchFamily="2" charset="0"/>
+                <a:ea typeface="SF Pro Text" pitchFamily="2" charset="0"/>
+                <a:cs typeface="SF Pro Text" pitchFamily="2" charset="0"/>
+              </a:rPr>
+              <a:t>Access </a:t>
+            </a:r>
+            <a:r>
+              <a:rPr lang="it-IT" dirty="0" err="1">
+                <a:latin typeface="SF Pro Text" pitchFamily="2" charset="0"/>
+                <a:ea typeface="SF Pro Text" pitchFamily="2" charset="0"/>
+                <a:cs typeface="SF Pro Text" pitchFamily="2" charset="0"/>
+              </a:rPr>
+              <a:t>point</a:t>
+            </a:r>
+            <a:endParaRPr lang="it-IT" dirty="0">
+              <a:latin typeface="SF Pro Text" pitchFamily="2" charset="0"/>
+              <a:ea typeface="SF Pro Text" pitchFamily="2" charset="0"/>
+              <a:cs typeface="SF Pro Text" pitchFamily="2" charset="0"/>
+            </a:endParaRPr>
+          </a:p>
+          <a:p>
+            <a:pPr lvl="1"/>
+            <a:r>
+              <a:rPr lang="it-IT" dirty="0" err="1">
+                <a:latin typeface="SF Pro Text" pitchFamily="2" charset="0"/>
+                <a:ea typeface="SF Pro Text" pitchFamily="2" charset="0"/>
+                <a:cs typeface="SF Pro Text" pitchFamily="2" charset="0"/>
+              </a:rPr>
+              <a:t>Repeater</a:t>
+            </a:r>
+            <a:endParaRPr lang="it-IT" dirty="0">
+              <a:latin typeface="SF Pro Text" pitchFamily="2" charset="0"/>
+              <a:ea typeface="SF Pro Text" pitchFamily="2" charset="0"/>
+              <a:cs typeface="SF Pro Text" pitchFamily="2" charset="0"/>
+            </a:endParaRPr>
+          </a:p>
+        </p:txBody>
+      </p:sp>
+    </p:spTree>
+    <p:extLst>
+      <p:ext uri="{BB962C8B-B14F-4D97-AF65-F5344CB8AC3E}">
+        <p14:creationId xmlns:p14="http://schemas.microsoft.com/office/powerpoint/2010/main" val="1609217226"/>
+      </p:ext>
+    </p:extLst>
+  </p:cSld>
+  <p:clrMapOvr>
+    <a:masterClrMapping/>
+  </p:clrMapOvr>
+</p:sld>
+</file>
+
+<file path=ppt/slides/slide13.xml><?xml version="1.0" encoding="utf-8"?>
+<p:sld xmlns:a="http://schemas.openxmlformats.org/drawingml/2006/main" xmlns:r="http://schemas.openxmlformats.org/officeDocument/2006/relationships" xmlns:p="http://schemas.openxmlformats.org/presentationml/2006/main">
+  <p:cSld>
+    <p:spTree>
+      <p:nvGrpSpPr>
+        <p:cNvPr id="1" name=""/>
+        <p:cNvGrpSpPr/>
+        <p:nvPr/>
+      </p:nvGrpSpPr>
+      <p:grpSpPr>
+        <a:xfrm>
+          <a:off x="0" y="0"/>
+          <a:ext cx="0" cy="0"/>
+          <a:chOff x="0" y="0"/>
+          <a:chExt cx="0" cy="0"/>
+        </a:xfrm>
+      </p:grpSpPr>
+      <p:sp>
+        <p:nvSpPr>
+          <p:cNvPr id="2" name="Title 1">
+            <a:extLst>
+              <a:ext uri="{FF2B5EF4-FFF2-40B4-BE49-F238E27FC236}">
+                <a16:creationId xmlns:a16="http://schemas.microsoft.com/office/drawing/2014/main" id="{E7F88316-EBBA-654C-B9FB-5217348FF359}"/>
+              </a:ext>
+            </a:extLst>
+          </p:cNvPr>
+          <p:cNvSpPr>
+            <a:spLocks noGrp="1"/>
+          </p:cNvSpPr>
+          <p:nvPr>
+            <p:ph type="title"/>
+          </p:nvPr>
+        </p:nvSpPr>
+        <p:spPr/>
+        <p:txBody>
+          <a:bodyPr/>
+          <a:lstStyle/>
+          <a:p>
+            <a:r>
+              <a:rPr lang="it-IT" dirty="0">
+                <a:latin typeface="SF Pro Display" pitchFamily="2" charset="0"/>
+                <a:ea typeface="SF Pro Display" pitchFamily="2" charset="0"/>
+                <a:cs typeface="SF Pro Display" pitchFamily="2" charset="0"/>
+              </a:rPr>
+              <a:t>802.11 </a:t>
+            </a:r>
+            <a:r>
+              <a:rPr lang="it-IT" dirty="0" err="1">
+                <a:latin typeface="SF Pro Display" pitchFamily="2" charset="0"/>
+                <a:ea typeface="SF Pro Display" pitchFamily="2" charset="0"/>
+                <a:cs typeface="SF Pro Display" pitchFamily="2" charset="0"/>
+              </a:rPr>
+              <a:t>Frames</a:t>
+            </a:r>
+            <a:endParaRPr lang="it-IT" dirty="0">
+              <a:latin typeface="SF Pro Display" pitchFamily="2" charset="0"/>
+              <a:ea typeface="SF Pro Display" pitchFamily="2" charset="0"/>
+              <a:cs typeface="SF Pro Display" pitchFamily="2" charset="0"/>
+            </a:endParaRPr>
+          </a:p>
+        </p:txBody>
+      </p:sp>
+      <p:sp>
+        <p:nvSpPr>
+          <p:cNvPr id="3" name="Content Placeholder 2">
+            <a:extLst>
+              <a:ext uri="{FF2B5EF4-FFF2-40B4-BE49-F238E27FC236}">
+                <a16:creationId xmlns:a16="http://schemas.microsoft.com/office/drawing/2014/main" id="{2FB09B19-C98B-BD46-BD00-432F2A5CC815}"/>
+              </a:ext>
+            </a:extLst>
+          </p:cNvPr>
+          <p:cNvSpPr>
+            <a:spLocks noGrp="1"/>
+          </p:cNvSpPr>
+          <p:nvPr>
+            <p:ph idx="1"/>
+          </p:nvPr>
+        </p:nvSpPr>
+        <p:spPr/>
+        <p:txBody>
+          <a:bodyPr>
+            <a:normAutofit lnSpcReduction="10000"/>
+          </a:bodyPr>
+          <a:lstStyle/>
+          <a:p>
+            <a:r>
+              <a:rPr lang="it-IT" dirty="0">
+                <a:latin typeface="SF Pro Text" pitchFamily="2" charset="0"/>
+                <a:ea typeface="SF Pro Text" pitchFamily="2" charset="0"/>
+                <a:cs typeface="SF Pro Text" pitchFamily="2" charset="0"/>
+              </a:rPr>
+              <a:t>FC:</a:t>
+            </a:r>
+          </a:p>
+          <a:p>
+            <a:pPr lvl="1"/>
+            <a:r>
+              <a:rPr lang="it-IT" dirty="0">
+                <a:latin typeface="SF Pro Text" pitchFamily="2" charset="0"/>
+                <a:ea typeface="SF Pro Text" pitchFamily="2" charset="0"/>
+                <a:cs typeface="SF Pro Text" pitchFamily="2" charset="0"/>
+              </a:rPr>
+              <a:t>Tipi di frame</a:t>
+            </a:r>
+          </a:p>
+          <a:p>
+            <a:pPr lvl="2"/>
+            <a:r>
+              <a:rPr lang="it-IT" dirty="0">
+                <a:latin typeface="SF Pro Text" pitchFamily="2" charset="0"/>
+                <a:ea typeface="SF Pro Text" pitchFamily="2" charset="0"/>
+                <a:cs typeface="SF Pro Text" pitchFamily="2" charset="0"/>
+              </a:rPr>
+              <a:t>Management frame</a:t>
+            </a:r>
+          </a:p>
+          <a:p>
+            <a:pPr lvl="2"/>
+            <a:r>
+              <a:rPr lang="it-IT" dirty="0">
+                <a:latin typeface="SF Pro Text" pitchFamily="2" charset="0"/>
+                <a:ea typeface="SF Pro Text" pitchFamily="2" charset="0"/>
+                <a:cs typeface="SF Pro Text" pitchFamily="2" charset="0"/>
+              </a:rPr>
+              <a:t>Control frame</a:t>
+            </a:r>
+          </a:p>
+          <a:p>
+            <a:pPr lvl="2"/>
+            <a:r>
+              <a:rPr lang="it-IT" dirty="0">
+                <a:latin typeface="SF Pro Text" pitchFamily="2" charset="0"/>
+                <a:ea typeface="SF Pro Text" pitchFamily="2" charset="0"/>
+                <a:cs typeface="SF Pro Text" pitchFamily="2" charset="0"/>
+              </a:rPr>
+              <a:t>Data frame</a:t>
+            </a:r>
+          </a:p>
+          <a:p>
+            <a:pPr lvl="1"/>
+            <a:r>
+              <a:rPr lang="it-IT" dirty="0">
+                <a:latin typeface="SF Pro Text" pitchFamily="2" charset="0"/>
+                <a:ea typeface="SF Pro Text" pitchFamily="2" charset="0"/>
+                <a:cs typeface="SF Pro Text" pitchFamily="2" charset="0"/>
+              </a:rPr>
+              <a:t>Sottotipi di frame</a:t>
+            </a:r>
+          </a:p>
+          <a:p>
+            <a:pPr lvl="1"/>
+            <a:r>
+              <a:rPr lang="it-IT" dirty="0">
+                <a:latin typeface="SF Pro Text" pitchFamily="2" charset="0"/>
+                <a:ea typeface="SF Pro Text" pitchFamily="2" charset="0"/>
+                <a:cs typeface="SF Pro Text" pitchFamily="2" charset="0"/>
+              </a:rPr>
+              <a:t>To DS</a:t>
+            </a:r>
+          </a:p>
+          <a:p>
+            <a:pPr lvl="1"/>
+            <a:r>
+              <a:rPr lang="it-IT" dirty="0">
+                <a:latin typeface="SF Pro Text" pitchFamily="2" charset="0"/>
+                <a:ea typeface="SF Pro Text" pitchFamily="2" charset="0"/>
+                <a:cs typeface="SF Pro Text" pitchFamily="2" charset="0"/>
+              </a:rPr>
+              <a:t>From DS</a:t>
+            </a:r>
+          </a:p>
+          <a:p>
+            <a:r>
+              <a:rPr lang="it-IT" dirty="0">
+                <a:latin typeface="SF Pro Text" pitchFamily="2" charset="0"/>
+                <a:ea typeface="SF Pro Text" pitchFamily="2" charset="0"/>
+                <a:cs typeface="SF Pro Text" pitchFamily="2" charset="0"/>
+              </a:rPr>
+              <a:t>Indirizzi MAC</a:t>
+            </a:r>
+          </a:p>
+          <a:p>
+            <a:r>
+              <a:rPr lang="it-IT" dirty="0">
+                <a:latin typeface="SF Pro Text" pitchFamily="2" charset="0"/>
+                <a:ea typeface="SF Pro Text" pitchFamily="2" charset="0"/>
+                <a:cs typeface="SF Pro Text" pitchFamily="2" charset="0"/>
+              </a:rPr>
+              <a:t>Frame body</a:t>
+            </a:r>
+          </a:p>
+          <a:p>
+            <a:r>
+              <a:rPr lang="it-IT" dirty="0">
+                <a:latin typeface="SF Pro Text" pitchFamily="2" charset="0"/>
+                <a:ea typeface="SF Pro Text" pitchFamily="2" charset="0"/>
+                <a:cs typeface="SF Pro Text" pitchFamily="2" charset="0"/>
+              </a:rPr>
+              <a:t>FCS</a:t>
             </a:r>
           </a:p>
         </p:txBody>
       </p:sp>
       <p:pic>
         <p:nvPicPr>
-          <p:cNvPr id="23" name="Content Placeholder 22">
-            <a:extLst>
-              <a:ext uri="{FF2B5EF4-FFF2-40B4-BE49-F238E27FC236}">
-                <a16:creationId xmlns:a16="http://schemas.microsoft.com/office/drawing/2014/main" id="{3D232C09-17D2-6840-83E6-9A34F4213078}"/>
+          <p:cNvPr id="4" name="Content Placeholder 4">
+            <a:extLst>
+              <a:ext uri="{FF2B5EF4-FFF2-40B4-BE49-F238E27FC236}">
+                <a16:creationId xmlns:a16="http://schemas.microsoft.com/office/drawing/2014/main" id="{874BA4C6-D77C-1946-8E2D-13A8E8A3E3A8}"/>
               </a:ext>
             </a:extLst>
           </p:cNvPr>
           <p:cNvPicPr>
-            <a:picLocks noGrp="1" noChangeAspect="1"/>
+            <a:picLocks noChangeAspect="1"/>
           </p:cNvPicPr>
-          <p:nvPr>
-            <p:ph sz="half" idx="2"/>
-          </p:nvPr>
+          <p:nvPr/>
         </p:nvPicPr>
         <p:blipFill>
           <a:blip r:embed="rId2"/>
@@ -4119,7 +4851,2019 @@
         </p:blipFill>
         <p:spPr>
           <a:xfrm>
-            <a:off x="3291097" y="2085270"/>
+            <a:off x="5171508" y="4255910"/>
+            <a:ext cx="5763192" cy="589933"/>
+          </a:xfrm>
+          <a:prstGeom prst="rect">
+            <a:avLst/>
+          </a:prstGeom>
+          <a:ln>
+            <a:noFill/>
+          </a:ln>
+        </p:spPr>
+      </p:pic>
+      <p:pic>
+        <p:nvPicPr>
+          <p:cNvPr id="5" name="Picture 4">
+            <a:extLst>
+              <a:ext uri="{FF2B5EF4-FFF2-40B4-BE49-F238E27FC236}">
+                <a16:creationId xmlns:a16="http://schemas.microsoft.com/office/drawing/2014/main" id="{50496116-153C-254D-8D09-D4CEC6F90B8B}"/>
+              </a:ext>
+            </a:extLst>
+          </p:cNvPr>
+          <p:cNvPicPr>
+            <a:picLocks noChangeAspect="1"/>
+          </p:cNvPicPr>
+          <p:nvPr/>
+        </p:nvPicPr>
+        <p:blipFill>
+          <a:blip r:embed="rId3"/>
+          <a:stretch>
+            <a:fillRect/>
+          </a:stretch>
+        </p:blipFill>
+        <p:spPr>
+          <a:xfrm>
+            <a:off x="5171508" y="5254889"/>
+            <a:ext cx="5763192" cy="589933"/>
+          </a:xfrm>
+          <a:prstGeom prst="rect">
+            <a:avLst/>
+          </a:prstGeom>
+        </p:spPr>
+      </p:pic>
+    </p:spTree>
+    <p:extLst>
+      <p:ext uri="{BB962C8B-B14F-4D97-AF65-F5344CB8AC3E}">
+        <p14:creationId xmlns:p14="http://schemas.microsoft.com/office/powerpoint/2010/main" val="599413113"/>
+      </p:ext>
+    </p:extLst>
+  </p:cSld>
+  <p:clrMapOvr>
+    <a:masterClrMapping/>
+  </p:clrMapOvr>
+</p:sld>
+</file>
+
+<file path=ppt/slides/slide14.xml><?xml version="1.0" encoding="utf-8"?>
+<p:sld xmlns:a="http://schemas.openxmlformats.org/drawingml/2006/main" xmlns:r="http://schemas.openxmlformats.org/officeDocument/2006/relationships" xmlns:p="http://schemas.openxmlformats.org/presentationml/2006/main">
+  <p:cSld>
+    <p:spTree>
+      <p:nvGrpSpPr>
+        <p:cNvPr id="1" name=""/>
+        <p:cNvGrpSpPr/>
+        <p:nvPr/>
+      </p:nvGrpSpPr>
+      <p:grpSpPr>
+        <a:xfrm>
+          <a:off x="0" y="0"/>
+          <a:ext cx="0" cy="0"/>
+          <a:chOff x="0" y="0"/>
+          <a:chExt cx="0" cy="0"/>
+        </a:xfrm>
+      </p:grpSpPr>
+      <p:sp>
+        <p:nvSpPr>
+          <p:cNvPr id="2" name="Title 1">
+            <a:extLst>
+              <a:ext uri="{FF2B5EF4-FFF2-40B4-BE49-F238E27FC236}">
+                <a16:creationId xmlns:a16="http://schemas.microsoft.com/office/drawing/2014/main" id="{117988A5-6468-044A-B211-6F5913642180}"/>
+              </a:ext>
+            </a:extLst>
+          </p:cNvPr>
+          <p:cNvSpPr>
+            <a:spLocks noGrp="1"/>
+          </p:cNvSpPr>
+          <p:nvPr>
+            <p:ph type="title"/>
+          </p:nvPr>
+        </p:nvSpPr>
+        <p:spPr/>
+        <p:txBody>
+          <a:bodyPr/>
+          <a:lstStyle/>
+          <a:p>
+            <a:r>
+              <a:rPr lang="it-IT" dirty="0">
+                <a:latin typeface="SF Pro Display" pitchFamily="2" charset="0"/>
+                <a:ea typeface="SF Pro Display" pitchFamily="2" charset="0"/>
+                <a:cs typeface="SF Pro Display" pitchFamily="2" charset="0"/>
+              </a:rPr>
+              <a:t>Indirizzi MAC</a:t>
+            </a:r>
+          </a:p>
+        </p:txBody>
+      </p:sp>
+      <p:pic>
+        <p:nvPicPr>
+          <p:cNvPr id="5" name="Content Placeholder 4">
+            <a:extLst>
+              <a:ext uri="{FF2B5EF4-FFF2-40B4-BE49-F238E27FC236}">
+                <a16:creationId xmlns:a16="http://schemas.microsoft.com/office/drawing/2014/main" id="{9F7EABEE-6F6F-344B-A88B-9B06DFAE4800}"/>
+              </a:ext>
+            </a:extLst>
+          </p:cNvPr>
+          <p:cNvPicPr>
+            <a:picLocks noGrp="1" noChangeAspect="1"/>
+          </p:cNvPicPr>
+          <p:nvPr>
+            <p:ph sz="half" idx="1"/>
+          </p:nvPr>
+        </p:nvPicPr>
+        <p:blipFill>
+          <a:blip r:embed="rId2"/>
+          <a:stretch>
+            <a:fillRect/>
+          </a:stretch>
+        </p:blipFill>
+        <p:spPr>
+          <a:xfrm>
+            <a:off x="6882542" y="2724944"/>
+            <a:ext cx="4584700" cy="2552700"/>
+          </a:xfrm>
+        </p:spPr>
+      </p:pic>
+      <p:sp>
+        <p:nvSpPr>
+          <p:cNvPr id="9" name="Content Placeholder 8">
+            <a:extLst>
+              <a:ext uri="{FF2B5EF4-FFF2-40B4-BE49-F238E27FC236}">
+                <a16:creationId xmlns:a16="http://schemas.microsoft.com/office/drawing/2014/main" id="{EB66286E-2D71-7446-B1CB-9779F11914B7}"/>
+              </a:ext>
+            </a:extLst>
+          </p:cNvPr>
+          <p:cNvSpPr>
+            <a:spLocks noGrp="1"/>
+          </p:cNvSpPr>
+          <p:nvPr>
+            <p:ph sz="half" idx="2"/>
+          </p:nvPr>
+        </p:nvSpPr>
+        <p:spPr>
+          <a:xfrm>
+            <a:off x="914400" y="1825625"/>
+            <a:ext cx="10552842" cy="4351338"/>
+          </a:xfrm>
+        </p:spPr>
+        <p:txBody>
+          <a:bodyPr/>
+          <a:lstStyle/>
+          <a:p>
+            <a:r>
+              <a:rPr lang="it-IT" dirty="0">
+                <a:latin typeface="SF Pro Text" pitchFamily="2" charset="0"/>
+                <a:ea typeface="SF Pro Text" pitchFamily="2" charset="0"/>
+                <a:cs typeface="SF Pro Text" pitchFamily="2" charset="0"/>
+              </a:rPr>
+              <a:t>Identificano unicamente una scheda di rete</a:t>
+            </a:r>
+          </a:p>
+          <a:p>
+            <a:r>
+              <a:rPr lang="it-IT" dirty="0">
+                <a:latin typeface="SF Pro Text" pitchFamily="2" charset="0"/>
+                <a:ea typeface="SF Pro Text" pitchFamily="2" charset="0"/>
+                <a:cs typeface="SF Pro Text" pitchFamily="2" charset="0"/>
+              </a:rPr>
+              <a:t>Suddivisi in due gruppi di ottetti:</a:t>
+            </a:r>
+          </a:p>
+          <a:p>
+            <a:pPr lvl="1"/>
+            <a:r>
+              <a:rPr lang="it-IT" dirty="0">
+                <a:latin typeface="SF Pro Text" pitchFamily="2" charset="0"/>
+                <a:ea typeface="SF Pro Text" pitchFamily="2" charset="0"/>
+                <a:cs typeface="SF Pro Text" pitchFamily="2" charset="0"/>
+              </a:rPr>
+              <a:t>OUI: Assegnato dall’ IEEE</a:t>
+            </a:r>
+          </a:p>
+          <a:p>
+            <a:pPr lvl="1"/>
+            <a:r>
+              <a:rPr lang="it-IT" dirty="0">
+                <a:latin typeface="SF Pro Text" pitchFamily="2" charset="0"/>
+                <a:ea typeface="SF Pro Text" pitchFamily="2" charset="0"/>
+                <a:cs typeface="SF Pro Text" pitchFamily="2" charset="0"/>
+              </a:rPr>
+              <a:t>NIC: Scelto dal produttore</a:t>
+            </a:r>
+          </a:p>
+          <a:p>
+            <a:r>
+              <a:rPr lang="it-IT" dirty="0">
+                <a:latin typeface="SF Pro Text" pitchFamily="2" charset="0"/>
+                <a:ea typeface="SF Pro Text" pitchFamily="2" charset="0"/>
+                <a:cs typeface="SF Pro Text" pitchFamily="2" charset="0"/>
+              </a:rPr>
+              <a:t>Il primo ottetto determina:</a:t>
+            </a:r>
+          </a:p>
+          <a:p>
+            <a:pPr lvl="1"/>
+            <a:r>
+              <a:rPr lang="it-IT" dirty="0" err="1">
+                <a:latin typeface="SF Pro Text" pitchFamily="2" charset="0"/>
+                <a:ea typeface="SF Pro Text" pitchFamily="2" charset="0"/>
+                <a:cs typeface="SF Pro Text" pitchFamily="2" charset="0"/>
+              </a:rPr>
+              <a:t>Globally</a:t>
+            </a:r>
+            <a:r>
+              <a:rPr lang="it-IT" dirty="0">
+                <a:latin typeface="SF Pro Text" pitchFamily="2" charset="0"/>
+                <a:ea typeface="SF Pro Text" pitchFamily="2" charset="0"/>
+                <a:cs typeface="SF Pro Text" pitchFamily="2" charset="0"/>
+              </a:rPr>
+              <a:t> </a:t>
+            </a:r>
+            <a:r>
+              <a:rPr lang="it-IT" dirty="0" err="1">
+                <a:latin typeface="SF Pro Text" pitchFamily="2" charset="0"/>
+                <a:ea typeface="SF Pro Text" pitchFamily="2" charset="0"/>
+                <a:cs typeface="SF Pro Text" pitchFamily="2" charset="0"/>
+              </a:rPr>
+              <a:t>Assigned</a:t>
+            </a:r>
+            <a:endParaRPr lang="it-IT" dirty="0">
+              <a:latin typeface="SF Pro Text" pitchFamily="2" charset="0"/>
+              <a:ea typeface="SF Pro Text" pitchFamily="2" charset="0"/>
+              <a:cs typeface="SF Pro Text" pitchFamily="2" charset="0"/>
+            </a:endParaRPr>
+          </a:p>
+          <a:p>
+            <a:pPr lvl="1"/>
+            <a:r>
+              <a:rPr lang="it-IT" dirty="0" err="1">
+                <a:latin typeface="SF Pro Text" pitchFamily="2" charset="0"/>
+                <a:ea typeface="SF Pro Text" pitchFamily="2" charset="0"/>
+                <a:cs typeface="SF Pro Text" pitchFamily="2" charset="0"/>
+              </a:rPr>
+              <a:t>Locally</a:t>
+            </a:r>
+            <a:r>
+              <a:rPr lang="it-IT" dirty="0">
+                <a:latin typeface="SF Pro Text" pitchFamily="2" charset="0"/>
+                <a:ea typeface="SF Pro Text" pitchFamily="2" charset="0"/>
+                <a:cs typeface="SF Pro Text" pitchFamily="2" charset="0"/>
+              </a:rPr>
+              <a:t> </a:t>
+            </a:r>
+            <a:r>
+              <a:rPr lang="it-IT" dirty="0" err="1">
+                <a:latin typeface="SF Pro Text" pitchFamily="2" charset="0"/>
+                <a:ea typeface="SF Pro Text" pitchFamily="2" charset="0"/>
+                <a:cs typeface="SF Pro Text" pitchFamily="2" charset="0"/>
+              </a:rPr>
+              <a:t>Assigned</a:t>
+            </a:r>
+            <a:endParaRPr lang="it-IT" dirty="0">
+              <a:latin typeface="SF Pro Text" pitchFamily="2" charset="0"/>
+              <a:ea typeface="SF Pro Text" pitchFamily="2" charset="0"/>
+              <a:cs typeface="SF Pro Text" pitchFamily="2" charset="0"/>
+            </a:endParaRPr>
+          </a:p>
+          <a:p>
+            <a:pPr lvl="1"/>
+            <a:r>
+              <a:rPr lang="it-IT" dirty="0" err="1">
+                <a:latin typeface="SF Pro Text" pitchFamily="2" charset="0"/>
+                <a:ea typeface="SF Pro Text" pitchFamily="2" charset="0"/>
+                <a:cs typeface="SF Pro Text" pitchFamily="2" charset="0"/>
+              </a:rPr>
+              <a:t>Unicast</a:t>
+            </a:r>
+            <a:endParaRPr lang="it-IT" dirty="0">
+              <a:latin typeface="SF Pro Text" pitchFamily="2" charset="0"/>
+              <a:ea typeface="SF Pro Text" pitchFamily="2" charset="0"/>
+              <a:cs typeface="SF Pro Text" pitchFamily="2" charset="0"/>
+            </a:endParaRPr>
+          </a:p>
+          <a:p>
+            <a:pPr lvl="1"/>
+            <a:r>
+              <a:rPr lang="it-IT" dirty="0">
+                <a:latin typeface="SF Pro Text" pitchFamily="2" charset="0"/>
+                <a:ea typeface="SF Pro Text" pitchFamily="2" charset="0"/>
+                <a:cs typeface="SF Pro Text" pitchFamily="2" charset="0"/>
+              </a:rPr>
+              <a:t>Multicast</a:t>
+            </a:r>
+          </a:p>
+          <a:p>
+            <a:endParaRPr lang="it-IT" dirty="0">
+              <a:latin typeface="SF Pro Text" pitchFamily="2" charset="0"/>
+              <a:ea typeface="SF Pro Text" pitchFamily="2" charset="0"/>
+              <a:cs typeface="SF Pro Text" pitchFamily="2" charset="0"/>
+            </a:endParaRPr>
+          </a:p>
+        </p:txBody>
+      </p:sp>
+    </p:spTree>
+    <p:extLst>
+      <p:ext uri="{BB962C8B-B14F-4D97-AF65-F5344CB8AC3E}">
+        <p14:creationId xmlns:p14="http://schemas.microsoft.com/office/powerpoint/2010/main" val="1333549550"/>
+      </p:ext>
+    </p:extLst>
+  </p:cSld>
+  <p:clrMapOvr>
+    <a:masterClrMapping/>
+  </p:clrMapOvr>
+</p:sld>
+</file>
+
+<file path=ppt/slides/slide15.xml><?xml version="1.0" encoding="utf-8"?>
+<p:sld xmlns:a="http://schemas.openxmlformats.org/drawingml/2006/main" xmlns:r="http://schemas.openxmlformats.org/officeDocument/2006/relationships" xmlns:p="http://schemas.openxmlformats.org/presentationml/2006/main">
+  <p:cSld>
+    <p:spTree>
+      <p:nvGrpSpPr>
+        <p:cNvPr id="1" name=""/>
+        <p:cNvGrpSpPr/>
+        <p:nvPr/>
+      </p:nvGrpSpPr>
+      <p:grpSpPr>
+        <a:xfrm>
+          <a:off x="0" y="0"/>
+          <a:ext cx="0" cy="0"/>
+          <a:chOff x="0" y="0"/>
+          <a:chExt cx="0" cy="0"/>
+        </a:xfrm>
+      </p:grpSpPr>
+      <p:sp>
+        <p:nvSpPr>
+          <p:cNvPr id="2" name="Title 1">
+            <a:extLst>
+              <a:ext uri="{FF2B5EF4-FFF2-40B4-BE49-F238E27FC236}">
+                <a16:creationId xmlns:a16="http://schemas.microsoft.com/office/drawing/2014/main" id="{E7921167-8452-A54A-A836-E7AD6AD6CD99}"/>
+              </a:ext>
+            </a:extLst>
+          </p:cNvPr>
+          <p:cNvSpPr>
+            <a:spLocks noGrp="1"/>
+          </p:cNvSpPr>
+          <p:nvPr>
+            <p:ph type="title"/>
+          </p:nvPr>
+        </p:nvSpPr>
+        <p:spPr/>
+        <p:txBody>
+          <a:bodyPr/>
+          <a:lstStyle/>
+          <a:p>
+            <a:r>
+              <a:rPr lang="it-IT" dirty="0">
+                <a:latin typeface="SF Pro Display" pitchFamily="2" charset="0"/>
+                <a:ea typeface="SF Pro Display" pitchFamily="2" charset="0"/>
+                <a:cs typeface="SF Pro Display" pitchFamily="2" charset="0"/>
+              </a:rPr>
+              <a:t>Analisi ed euristiche</a:t>
+            </a:r>
+          </a:p>
+        </p:txBody>
+      </p:sp>
+      <p:sp>
+        <p:nvSpPr>
+          <p:cNvPr id="3" name="Content Placeholder 2">
+            <a:extLst>
+              <a:ext uri="{FF2B5EF4-FFF2-40B4-BE49-F238E27FC236}">
+                <a16:creationId xmlns:a16="http://schemas.microsoft.com/office/drawing/2014/main" id="{38EE5F4F-F455-D448-86AA-16449158A934}"/>
+              </a:ext>
+            </a:extLst>
+          </p:cNvPr>
+          <p:cNvSpPr>
+            <a:spLocks noGrp="1"/>
+          </p:cNvSpPr>
+          <p:nvPr>
+            <p:ph idx="1"/>
+          </p:nvPr>
+        </p:nvSpPr>
+        <p:spPr/>
+        <p:txBody>
+          <a:bodyPr/>
+          <a:lstStyle/>
+          <a:p>
+            <a:r>
+              <a:rPr lang="it-IT" dirty="0">
+                <a:latin typeface="SF Pro Text" pitchFamily="2" charset="0"/>
+                <a:ea typeface="SF Pro Text" pitchFamily="2" charset="0"/>
+                <a:cs typeface="SF Pro Text" pitchFamily="2" charset="0"/>
+              </a:rPr>
+              <a:t>Gestione di indirizzi:</a:t>
+            </a:r>
+          </a:p>
+          <a:p>
+            <a:pPr lvl="1"/>
+            <a:r>
+              <a:rPr lang="it-IT" dirty="0">
+                <a:latin typeface="SF Pro Text" pitchFamily="2" charset="0"/>
+                <a:ea typeface="SF Pro Text" pitchFamily="2" charset="0"/>
+                <a:cs typeface="SF Pro Text" pitchFamily="2" charset="0"/>
+              </a:rPr>
+              <a:t>Globalmente assegnati / Localmente assegnati </a:t>
+            </a:r>
+          </a:p>
+          <a:p>
+            <a:pPr lvl="1"/>
+            <a:r>
+              <a:rPr lang="it-IT" dirty="0" err="1">
+                <a:latin typeface="SF Pro Text" pitchFamily="2" charset="0"/>
+                <a:ea typeface="SF Pro Text" pitchFamily="2" charset="0"/>
+                <a:cs typeface="SF Pro Text" pitchFamily="2" charset="0"/>
+              </a:rPr>
+              <a:t>Unicast</a:t>
+            </a:r>
+            <a:r>
+              <a:rPr lang="it-IT" dirty="0">
+                <a:latin typeface="SF Pro Text" pitchFamily="2" charset="0"/>
+                <a:ea typeface="SF Pro Text" pitchFamily="2" charset="0"/>
+                <a:cs typeface="SF Pro Text" pitchFamily="2" charset="0"/>
+              </a:rPr>
+              <a:t> / Multicast</a:t>
+            </a:r>
+          </a:p>
+          <a:p>
+            <a:r>
+              <a:rPr lang="it-IT" dirty="0">
+                <a:latin typeface="SF Pro Text" pitchFamily="2" charset="0"/>
+                <a:ea typeface="SF Pro Text" pitchFamily="2" charset="0"/>
+                <a:cs typeface="SF Pro Text" pitchFamily="2" charset="0"/>
+              </a:rPr>
+              <a:t>Euristiche:</a:t>
+            </a:r>
+          </a:p>
+          <a:p>
+            <a:pPr lvl="1"/>
+            <a:r>
+              <a:rPr lang="it-IT" dirty="0">
+                <a:latin typeface="SF Pro Text" pitchFamily="2" charset="0"/>
+                <a:ea typeface="SF Pro Text" pitchFamily="2" charset="0"/>
+                <a:cs typeface="SF Pro Text" pitchFamily="2" charset="0"/>
+              </a:rPr>
+              <a:t>Access Point</a:t>
+            </a:r>
+          </a:p>
+          <a:p>
+            <a:pPr lvl="1"/>
+            <a:r>
+              <a:rPr lang="it-IT" dirty="0" err="1">
+                <a:latin typeface="SF Pro Text" pitchFamily="2" charset="0"/>
+                <a:ea typeface="SF Pro Text" pitchFamily="2" charset="0"/>
+                <a:cs typeface="SF Pro Text" pitchFamily="2" charset="0"/>
+              </a:rPr>
+              <a:t>Repeater</a:t>
+            </a:r>
+            <a:endParaRPr lang="it-IT" dirty="0">
+              <a:latin typeface="SF Pro Text" pitchFamily="2" charset="0"/>
+              <a:ea typeface="SF Pro Text" pitchFamily="2" charset="0"/>
+              <a:cs typeface="SF Pro Text" pitchFamily="2" charset="0"/>
+            </a:endParaRPr>
+          </a:p>
+          <a:p>
+            <a:pPr lvl="1"/>
+            <a:endParaRPr lang="it-IT" dirty="0">
+              <a:latin typeface="SF Pro Text" pitchFamily="2" charset="0"/>
+              <a:ea typeface="SF Pro Text" pitchFamily="2" charset="0"/>
+              <a:cs typeface="SF Pro Text" pitchFamily="2" charset="0"/>
+            </a:endParaRPr>
+          </a:p>
+          <a:p>
+            <a:endParaRPr lang="it-IT" dirty="0">
+              <a:latin typeface="SF Pro Text" pitchFamily="2" charset="0"/>
+              <a:ea typeface="SF Pro Text" pitchFamily="2" charset="0"/>
+              <a:cs typeface="SF Pro Text" pitchFamily="2" charset="0"/>
+            </a:endParaRPr>
+          </a:p>
+        </p:txBody>
+      </p:sp>
+    </p:spTree>
+    <p:extLst>
+      <p:ext uri="{BB962C8B-B14F-4D97-AF65-F5344CB8AC3E}">
+        <p14:creationId xmlns:p14="http://schemas.microsoft.com/office/powerpoint/2010/main" val="921771993"/>
+      </p:ext>
+    </p:extLst>
+  </p:cSld>
+  <p:clrMapOvr>
+    <a:masterClrMapping/>
+  </p:clrMapOvr>
+</p:sld>
+</file>
+
+<file path=ppt/slides/slide16.xml><?xml version="1.0" encoding="utf-8"?>
+<p:sld xmlns:a="http://schemas.openxmlformats.org/drawingml/2006/main" xmlns:r="http://schemas.openxmlformats.org/officeDocument/2006/relationships" xmlns:p="http://schemas.openxmlformats.org/presentationml/2006/main">
+  <p:cSld>
+    <p:spTree>
+      <p:nvGrpSpPr>
+        <p:cNvPr id="1" name=""/>
+        <p:cNvGrpSpPr/>
+        <p:nvPr/>
+      </p:nvGrpSpPr>
+      <p:grpSpPr>
+        <a:xfrm>
+          <a:off x="0" y="0"/>
+          <a:ext cx="0" cy="0"/>
+          <a:chOff x="0" y="0"/>
+          <a:chExt cx="0" cy="0"/>
+        </a:xfrm>
+      </p:grpSpPr>
+      <p:sp>
+        <p:nvSpPr>
+          <p:cNvPr id="2" name="Title 1">
+            <a:extLst>
+              <a:ext uri="{FF2B5EF4-FFF2-40B4-BE49-F238E27FC236}">
+                <a16:creationId xmlns:a16="http://schemas.microsoft.com/office/drawing/2014/main" id="{9CCAD127-879B-3449-8443-9F007902E099}"/>
+              </a:ext>
+            </a:extLst>
+          </p:cNvPr>
+          <p:cNvSpPr>
+            <a:spLocks noGrp="1"/>
+          </p:cNvSpPr>
+          <p:nvPr>
+            <p:ph type="title"/>
+          </p:nvPr>
+        </p:nvSpPr>
+        <p:spPr/>
+        <p:txBody>
+          <a:bodyPr/>
+          <a:lstStyle/>
+          <a:p>
+            <a:r>
+              <a:rPr lang="it-IT" dirty="0">
+                <a:latin typeface="SF Pro Display" pitchFamily="2" charset="0"/>
+                <a:ea typeface="SF Pro Display" pitchFamily="2" charset="0"/>
+                <a:cs typeface="SF Pro Display" pitchFamily="2" charset="0"/>
+              </a:rPr>
+              <a:t>Lavori futuri</a:t>
+            </a:r>
+          </a:p>
+        </p:txBody>
+      </p:sp>
+      <p:sp>
+        <p:nvSpPr>
+          <p:cNvPr id="3" name="Content Placeholder 2">
+            <a:extLst>
+              <a:ext uri="{FF2B5EF4-FFF2-40B4-BE49-F238E27FC236}">
+                <a16:creationId xmlns:a16="http://schemas.microsoft.com/office/drawing/2014/main" id="{1F345B69-E527-2E4C-96EB-F0497A7C98D3}"/>
+              </a:ext>
+            </a:extLst>
+          </p:cNvPr>
+          <p:cNvSpPr>
+            <a:spLocks noGrp="1"/>
+          </p:cNvSpPr>
+          <p:nvPr>
+            <p:ph idx="1"/>
+          </p:nvPr>
+        </p:nvSpPr>
+        <p:spPr/>
+        <p:txBody>
+          <a:bodyPr>
+            <a:normAutofit/>
+          </a:bodyPr>
+          <a:lstStyle/>
+          <a:p>
+            <a:r>
+              <a:rPr lang="it-IT" dirty="0">
+                <a:latin typeface="SF Pro Text" pitchFamily="2" charset="0"/>
+                <a:ea typeface="SF Pro Text" pitchFamily="2" charset="0"/>
+                <a:cs typeface="SF Pro Text" pitchFamily="2" charset="0"/>
+              </a:rPr>
+              <a:t>Estendere il supporto di </a:t>
+            </a:r>
+            <a:r>
+              <a:rPr lang="it-IT" dirty="0" err="1">
+                <a:latin typeface="SF Pro Text" pitchFamily="2" charset="0"/>
+                <a:ea typeface="SF Pro Text" pitchFamily="2" charset="0"/>
+                <a:cs typeface="SF Pro Text" pitchFamily="2" charset="0"/>
+              </a:rPr>
+              <a:t>WiFi-Topology</a:t>
+            </a:r>
+            <a:r>
+              <a:rPr lang="it-IT" dirty="0">
+                <a:latin typeface="SF Pro Text" pitchFamily="2" charset="0"/>
+                <a:ea typeface="SF Pro Text" pitchFamily="2" charset="0"/>
+                <a:cs typeface="SF Pro Text" pitchFamily="2" charset="0"/>
+              </a:rPr>
+              <a:t> a reti professionali</a:t>
+            </a:r>
+          </a:p>
+          <a:p>
+            <a:pPr lvl="1"/>
+            <a:r>
+              <a:rPr lang="it-IT" dirty="0">
+                <a:latin typeface="SF Pro Text" pitchFamily="2" charset="0"/>
+                <a:ea typeface="SF Pro Text" pitchFamily="2" charset="0"/>
+                <a:cs typeface="SF Pro Text" pitchFamily="2" charset="0"/>
+              </a:rPr>
+              <a:t>Analisi dei frame destinati a Wireless Distribution Systems (WDS)</a:t>
+            </a:r>
+          </a:p>
+          <a:p>
+            <a:r>
+              <a:rPr lang="it-IT" dirty="0">
+                <a:latin typeface="SF Pro Text" pitchFamily="2" charset="0"/>
+                <a:ea typeface="SF Pro Text" pitchFamily="2" charset="0"/>
+                <a:cs typeface="SF Pro Text" pitchFamily="2" charset="0"/>
+              </a:rPr>
+              <a:t>Aggiunta di euristiche riguardanti canali Wi-Fi</a:t>
+            </a:r>
+          </a:p>
+          <a:p>
+            <a:r>
+              <a:rPr lang="it-IT" dirty="0">
+                <a:latin typeface="SF Pro Text" pitchFamily="2" charset="0"/>
+                <a:ea typeface="SF Pro Text" pitchFamily="2" charset="0"/>
+                <a:cs typeface="SF Pro Text" pitchFamily="2" charset="0"/>
+              </a:rPr>
+              <a:t>Calcolo di statistiche TCP</a:t>
+            </a:r>
+          </a:p>
+          <a:p>
+            <a:pPr lvl="1"/>
+            <a:r>
+              <a:rPr lang="it-IT" dirty="0">
+                <a:latin typeface="SF Pro Text" pitchFamily="2" charset="0"/>
+                <a:ea typeface="SF Pro Text" pitchFamily="2" charset="0"/>
+                <a:cs typeface="SF Pro Text" pitchFamily="2" charset="0"/>
+              </a:rPr>
+              <a:t>Perdita pacchetti</a:t>
+            </a:r>
+          </a:p>
+          <a:p>
+            <a:pPr lvl="1"/>
+            <a:r>
+              <a:rPr lang="it-IT" dirty="0">
+                <a:latin typeface="SF Pro Text" pitchFamily="2" charset="0"/>
+                <a:ea typeface="SF Pro Text" pitchFamily="2" charset="0"/>
+                <a:cs typeface="SF Pro Text" pitchFamily="2" charset="0"/>
+              </a:rPr>
+              <a:t>Pacchetti out of </a:t>
+            </a:r>
+            <a:r>
+              <a:rPr lang="it-IT" dirty="0" err="1">
+                <a:latin typeface="SF Pro Text" pitchFamily="2" charset="0"/>
+                <a:ea typeface="SF Pro Text" pitchFamily="2" charset="0"/>
+                <a:cs typeface="SF Pro Text" pitchFamily="2" charset="0"/>
+              </a:rPr>
+              <a:t>order</a:t>
+            </a:r>
+            <a:endParaRPr lang="it-IT" dirty="0">
+              <a:latin typeface="SF Pro Text" pitchFamily="2" charset="0"/>
+              <a:ea typeface="SF Pro Text" pitchFamily="2" charset="0"/>
+              <a:cs typeface="SF Pro Text" pitchFamily="2" charset="0"/>
+            </a:endParaRPr>
+          </a:p>
+          <a:p>
+            <a:pPr lvl="1"/>
+            <a:r>
+              <a:rPr lang="it-IT" dirty="0">
+                <a:latin typeface="SF Pro Text" pitchFamily="2" charset="0"/>
+                <a:ea typeface="SF Pro Text" pitchFamily="2" charset="0"/>
+                <a:cs typeface="SF Pro Text" pitchFamily="2" charset="0"/>
+              </a:rPr>
+              <a:t>Ritrasmissioni</a:t>
+            </a:r>
+          </a:p>
+          <a:p>
+            <a:r>
+              <a:rPr lang="it-IT" dirty="0">
+                <a:latin typeface="SF Pro Text" pitchFamily="2" charset="0"/>
+                <a:ea typeface="SF Pro Text" pitchFamily="2" charset="0"/>
+                <a:cs typeface="SF Pro Text" pitchFamily="2" charset="0"/>
+              </a:rPr>
+              <a:t>Implementazione di tecniche per il service </a:t>
+            </a:r>
+            <a:r>
+              <a:rPr lang="it-IT" dirty="0" err="1">
+                <a:latin typeface="SF Pro Text" pitchFamily="2" charset="0"/>
+                <a:ea typeface="SF Pro Text" pitchFamily="2" charset="0"/>
+                <a:cs typeface="SF Pro Text" pitchFamily="2" charset="0"/>
+              </a:rPr>
+              <a:t>discovery</a:t>
+            </a:r>
+            <a:endParaRPr lang="it-IT" dirty="0">
+              <a:latin typeface="SF Pro Text" pitchFamily="2" charset="0"/>
+              <a:ea typeface="SF Pro Text" pitchFamily="2" charset="0"/>
+              <a:cs typeface="SF Pro Text" pitchFamily="2" charset="0"/>
+            </a:endParaRPr>
+          </a:p>
+          <a:p>
+            <a:r>
+              <a:rPr lang="it-IT" dirty="0">
+                <a:latin typeface="SF Pro Text" pitchFamily="2" charset="0"/>
+                <a:ea typeface="SF Pro Text" pitchFamily="2" charset="0"/>
+                <a:cs typeface="SF Pro Text" pitchFamily="2" charset="0"/>
+              </a:rPr>
+              <a:t>Database di indirizzi MAC</a:t>
+            </a:r>
+          </a:p>
+          <a:p>
+            <a:endParaRPr lang="it-IT" dirty="0">
+              <a:latin typeface="SF Pro Text" pitchFamily="2" charset="0"/>
+              <a:ea typeface="SF Pro Text" pitchFamily="2" charset="0"/>
+              <a:cs typeface="SF Pro Text" pitchFamily="2" charset="0"/>
+            </a:endParaRPr>
+          </a:p>
+        </p:txBody>
+      </p:sp>
+    </p:spTree>
+    <p:extLst>
+      <p:ext uri="{BB962C8B-B14F-4D97-AF65-F5344CB8AC3E}">
+        <p14:creationId xmlns:p14="http://schemas.microsoft.com/office/powerpoint/2010/main" val="375993403"/>
+      </p:ext>
+    </p:extLst>
+  </p:cSld>
+  <p:clrMapOvr>
+    <a:masterClrMapping/>
+  </p:clrMapOvr>
+</p:sld>
+</file>
+
+<file path=ppt/slides/slide17.xml><?xml version="1.0" encoding="utf-8"?>
+<p:sld xmlns:a="http://schemas.openxmlformats.org/drawingml/2006/main" xmlns:r="http://schemas.openxmlformats.org/officeDocument/2006/relationships" xmlns:p="http://schemas.openxmlformats.org/presentationml/2006/main">
+  <p:cSld>
+    <p:spTree>
+      <p:nvGrpSpPr>
+        <p:cNvPr id="1" name=""/>
+        <p:cNvGrpSpPr/>
+        <p:nvPr/>
+      </p:nvGrpSpPr>
+      <p:grpSpPr>
+        <a:xfrm>
+          <a:off x="0" y="0"/>
+          <a:ext cx="0" cy="0"/>
+          <a:chOff x="0" y="0"/>
+          <a:chExt cx="0" cy="0"/>
+        </a:xfrm>
+      </p:grpSpPr>
+      <p:sp>
+        <p:nvSpPr>
+          <p:cNvPr id="2" name="Title 1">
+            <a:extLst>
+              <a:ext uri="{FF2B5EF4-FFF2-40B4-BE49-F238E27FC236}">
+                <a16:creationId xmlns:a16="http://schemas.microsoft.com/office/drawing/2014/main" id="{74478745-367F-5F4A-B990-81AE6953DF39}"/>
+              </a:ext>
+            </a:extLst>
+          </p:cNvPr>
+          <p:cNvSpPr>
+            <a:spLocks noGrp="1"/>
+          </p:cNvSpPr>
+          <p:nvPr>
+            <p:ph type="title"/>
+          </p:nvPr>
+        </p:nvSpPr>
+        <p:spPr/>
+        <p:txBody>
+          <a:bodyPr/>
+          <a:lstStyle/>
+          <a:p>
+            <a:r>
+              <a:rPr lang="it-IT" dirty="0">
+                <a:latin typeface="SF Pro Display" pitchFamily="2" charset="0"/>
+                <a:ea typeface="SF Pro Display" pitchFamily="2" charset="0"/>
+                <a:cs typeface="SF Pro Display" pitchFamily="2" charset="0"/>
+              </a:rPr>
+              <a:t>Conclusioni</a:t>
+            </a:r>
+          </a:p>
+        </p:txBody>
+      </p:sp>
+      <p:sp>
+        <p:nvSpPr>
+          <p:cNvPr id="3" name="Content Placeholder 2">
+            <a:extLst>
+              <a:ext uri="{FF2B5EF4-FFF2-40B4-BE49-F238E27FC236}">
+                <a16:creationId xmlns:a16="http://schemas.microsoft.com/office/drawing/2014/main" id="{C8AD43A0-35E8-3244-B110-3172A9AF5893}"/>
+              </a:ext>
+            </a:extLst>
+          </p:cNvPr>
+          <p:cNvSpPr>
+            <a:spLocks noGrp="1"/>
+          </p:cNvSpPr>
+          <p:nvPr>
+            <p:ph idx="1"/>
+          </p:nvPr>
+        </p:nvSpPr>
+        <p:spPr/>
+        <p:txBody>
+          <a:bodyPr/>
+          <a:lstStyle/>
+          <a:p>
+            <a:r>
+              <a:rPr lang="it-IT" dirty="0">
+                <a:latin typeface="SF Pro Text" pitchFamily="2" charset="0"/>
+                <a:ea typeface="SF Pro Text" pitchFamily="2" charset="0"/>
+                <a:cs typeface="SF Pro Text" pitchFamily="2" charset="0"/>
+              </a:rPr>
+              <a:t>Sviluppo ed implementazione di una soluzione open-source</a:t>
+            </a:r>
+          </a:p>
+          <a:p>
+            <a:pPr lvl="1"/>
+            <a:r>
+              <a:rPr lang="it-IT" dirty="0" err="1">
+                <a:latin typeface="SF Pro Text" pitchFamily="2" charset="0"/>
+                <a:ea typeface="SF Pro Text" pitchFamily="2" charset="0"/>
+                <a:cs typeface="SF Pro Text" pitchFamily="2" charset="0"/>
+              </a:rPr>
+              <a:t>ArpScanner</a:t>
+            </a:r>
+            <a:endParaRPr lang="it-IT" dirty="0">
+              <a:latin typeface="SF Pro Text" pitchFamily="2" charset="0"/>
+              <a:ea typeface="SF Pro Text" pitchFamily="2" charset="0"/>
+              <a:cs typeface="SF Pro Text" pitchFamily="2" charset="0"/>
+            </a:endParaRPr>
+          </a:p>
+          <a:p>
+            <a:pPr lvl="1"/>
+            <a:r>
+              <a:rPr lang="it-IT" dirty="0" err="1">
+                <a:latin typeface="SF Pro Text" pitchFamily="2" charset="0"/>
+                <a:ea typeface="SF Pro Text" pitchFamily="2" charset="0"/>
+                <a:cs typeface="SF Pro Text" pitchFamily="2" charset="0"/>
+              </a:rPr>
+              <a:t>WiFi-Topology</a:t>
+            </a:r>
+            <a:endParaRPr lang="it-IT" dirty="0">
+              <a:latin typeface="SF Pro Text" pitchFamily="2" charset="0"/>
+              <a:ea typeface="SF Pro Text" pitchFamily="2" charset="0"/>
+              <a:cs typeface="SF Pro Text" pitchFamily="2" charset="0"/>
+            </a:endParaRPr>
+          </a:p>
+          <a:p>
+            <a:r>
+              <a:rPr lang="it-IT" dirty="0">
+                <a:latin typeface="SF Pro Text" pitchFamily="2" charset="0"/>
+                <a:ea typeface="SF Pro Text" pitchFamily="2" charset="0"/>
+                <a:cs typeface="SF Pro Text" pitchFamily="2" charset="0"/>
+              </a:rPr>
+              <a:t>Validata correttamente su diversi tipi di reti:</a:t>
+            </a:r>
+          </a:p>
+          <a:p>
+            <a:pPr lvl="1"/>
+            <a:r>
+              <a:rPr lang="it-IT" dirty="0">
+                <a:latin typeface="SF Pro Text" pitchFamily="2" charset="0"/>
+                <a:ea typeface="SF Pro Text" pitchFamily="2" charset="0"/>
+                <a:cs typeface="SF Pro Text" pitchFamily="2" charset="0"/>
+              </a:rPr>
+              <a:t>Semplici</a:t>
+            </a:r>
+          </a:p>
+          <a:p>
+            <a:pPr lvl="1"/>
+            <a:r>
+              <a:rPr lang="it-IT" dirty="0">
+                <a:latin typeface="SF Pro Text" pitchFamily="2" charset="0"/>
+                <a:ea typeface="SF Pro Text" pitchFamily="2" charset="0"/>
+                <a:cs typeface="SF Pro Text" pitchFamily="2" charset="0"/>
+              </a:rPr>
+              <a:t>Complesse</a:t>
+            </a:r>
+          </a:p>
+          <a:p>
+            <a:r>
+              <a:rPr lang="it-IT" dirty="0">
+                <a:latin typeface="SF Pro Text" pitchFamily="2" charset="0"/>
+                <a:ea typeface="SF Pro Text" pitchFamily="2" charset="0"/>
+                <a:cs typeface="SF Pro Text" pitchFamily="2" charset="0"/>
+              </a:rPr>
+              <a:t>Rilevamento specifico di nodi affetti da disservizi</a:t>
+            </a:r>
+          </a:p>
+          <a:p>
+            <a:r>
+              <a:rPr lang="it-IT" dirty="0">
+                <a:latin typeface="SF Pro Text" pitchFamily="2" charset="0"/>
+                <a:ea typeface="SF Pro Text" pitchFamily="2" charset="0"/>
+                <a:cs typeface="SF Pro Text" pitchFamily="2" charset="0"/>
+              </a:rPr>
+              <a:t>Contenuto utilizzo di risorse</a:t>
+            </a:r>
+          </a:p>
+          <a:p>
+            <a:r>
+              <a:rPr lang="it-IT" dirty="0">
+                <a:latin typeface="SF Pro Text" pitchFamily="2" charset="0"/>
+                <a:ea typeface="SF Pro Text" pitchFamily="2" charset="0"/>
+                <a:cs typeface="SF Pro Text" pitchFamily="2" charset="0"/>
+              </a:rPr>
+              <a:t>Estendibile a reti di tipo professionale</a:t>
+            </a:r>
+          </a:p>
+          <a:p>
+            <a:endParaRPr lang="it-IT" dirty="0">
+              <a:latin typeface="SF Pro Text" pitchFamily="2" charset="0"/>
+              <a:ea typeface="SF Pro Text" pitchFamily="2" charset="0"/>
+              <a:cs typeface="SF Pro Text" pitchFamily="2" charset="0"/>
+            </a:endParaRPr>
+          </a:p>
+        </p:txBody>
+      </p:sp>
+    </p:spTree>
+    <p:extLst>
+      <p:ext uri="{BB962C8B-B14F-4D97-AF65-F5344CB8AC3E}">
+        <p14:creationId xmlns:p14="http://schemas.microsoft.com/office/powerpoint/2010/main" val="1384587162"/>
+      </p:ext>
+    </p:extLst>
+  </p:cSld>
+  <p:clrMapOvr>
+    <a:masterClrMapping/>
+  </p:clrMapOvr>
+</p:sld>
+</file>
+
+<file path=ppt/slides/slide18.xml><?xml version="1.0" encoding="utf-8"?>
+<p:sld xmlns:a="http://schemas.openxmlformats.org/drawingml/2006/main" xmlns:r="http://schemas.openxmlformats.org/officeDocument/2006/relationships" xmlns:p="http://schemas.openxmlformats.org/presentationml/2006/main">
+  <p:cSld>
+    <p:spTree>
+      <p:nvGrpSpPr>
+        <p:cNvPr id="1" name=""/>
+        <p:cNvGrpSpPr/>
+        <p:nvPr/>
+      </p:nvGrpSpPr>
+      <p:grpSpPr>
+        <a:xfrm>
+          <a:off x="0" y="0"/>
+          <a:ext cx="0" cy="0"/>
+          <a:chOff x="0" y="0"/>
+          <a:chExt cx="0" cy="0"/>
+        </a:xfrm>
+      </p:grpSpPr>
+      <p:sp>
+        <p:nvSpPr>
+          <p:cNvPr id="4" name="Title 3">
+            <a:extLst>
+              <a:ext uri="{FF2B5EF4-FFF2-40B4-BE49-F238E27FC236}">
+                <a16:creationId xmlns:a16="http://schemas.microsoft.com/office/drawing/2014/main" id="{D93F61B8-84B7-8246-9AEC-5C26E7307065}"/>
+              </a:ext>
+            </a:extLst>
+          </p:cNvPr>
+          <p:cNvSpPr>
+            <a:spLocks noGrp="1"/>
+          </p:cNvSpPr>
+          <p:nvPr>
+            <p:ph type="title"/>
+          </p:nvPr>
+        </p:nvSpPr>
+        <p:spPr>
+          <a:xfrm>
+            <a:off x="838200" y="2463966"/>
+            <a:ext cx="10515600" cy="965034"/>
+          </a:xfrm>
+        </p:spPr>
+        <p:txBody>
+          <a:bodyPr/>
+          <a:lstStyle/>
+          <a:p>
+            <a:pPr algn="ctr"/>
+            <a:r>
+              <a:rPr lang="it-IT" dirty="0">
+                <a:latin typeface="SF Pro Display" pitchFamily="2" charset="0"/>
+                <a:ea typeface="SF Pro Display" pitchFamily="2" charset="0"/>
+                <a:cs typeface="SF Pro Display" pitchFamily="2" charset="0"/>
+              </a:rPr>
+              <a:t>Grazie per l’attenzione</a:t>
+            </a:r>
+          </a:p>
+        </p:txBody>
+      </p:sp>
+    </p:spTree>
+    <p:extLst>
+      <p:ext uri="{BB962C8B-B14F-4D97-AF65-F5344CB8AC3E}">
+        <p14:creationId xmlns:p14="http://schemas.microsoft.com/office/powerpoint/2010/main" val="1021218627"/>
+      </p:ext>
+    </p:extLst>
+  </p:cSld>
+  <p:clrMapOvr>
+    <a:masterClrMapping/>
+  </p:clrMapOvr>
+</p:sld>
+</file>
+
+<file path=ppt/slides/slide2.xml><?xml version="1.0" encoding="utf-8"?>
+<p:sld xmlns:a="http://schemas.openxmlformats.org/drawingml/2006/main" xmlns:r="http://schemas.openxmlformats.org/officeDocument/2006/relationships" xmlns:p="http://schemas.openxmlformats.org/presentationml/2006/main">
+  <p:cSld>
+    <p:spTree>
+      <p:nvGrpSpPr>
+        <p:cNvPr id="1" name=""/>
+        <p:cNvGrpSpPr/>
+        <p:nvPr/>
+      </p:nvGrpSpPr>
+      <p:grpSpPr>
+        <a:xfrm>
+          <a:off x="0" y="0"/>
+          <a:ext cx="0" cy="0"/>
+          <a:chOff x="0" y="0"/>
+          <a:chExt cx="0" cy="0"/>
+        </a:xfrm>
+      </p:grpSpPr>
+      <p:sp>
+        <p:nvSpPr>
+          <p:cNvPr id="2" name="Title 1">
+            <a:extLst>
+              <a:ext uri="{FF2B5EF4-FFF2-40B4-BE49-F238E27FC236}">
+                <a16:creationId xmlns:a16="http://schemas.microsoft.com/office/drawing/2014/main" id="{F7DE8C56-E1D0-9840-AE1E-81E377D0BA6C}"/>
+              </a:ext>
+            </a:extLst>
+          </p:cNvPr>
+          <p:cNvSpPr>
+            <a:spLocks noGrp="1"/>
+          </p:cNvSpPr>
+          <p:nvPr>
+            <p:ph type="title"/>
+          </p:nvPr>
+        </p:nvSpPr>
+        <p:spPr/>
+        <p:txBody>
+          <a:bodyPr/>
+          <a:lstStyle/>
+          <a:p>
+            <a:r>
+              <a:rPr lang="it-IT" dirty="0">
+                <a:latin typeface="SF Pro Display" pitchFamily="2" charset="0"/>
+                <a:ea typeface="SF Pro Display" pitchFamily="2" charset="0"/>
+                <a:cs typeface="SF Pro Display" pitchFamily="2" charset="0"/>
+              </a:rPr>
+              <a:t>Sviluppo delle reti e del traffico</a:t>
+            </a:r>
+          </a:p>
+        </p:txBody>
+      </p:sp>
+      <p:sp>
+        <p:nvSpPr>
+          <p:cNvPr id="3" name="Content Placeholder 2">
+            <a:extLst>
+              <a:ext uri="{FF2B5EF4-FFF2-40B4-BE49-F238E27FC236}">
+                <a16:creationId xmlns:a16="http://schemas.microsoft.com/office/drawing/2014/main" id="{A1161787-69BE-954E-A165-A0F1961F7D45}"/>
+              </a:ext>
+            </a:extLst>
+          </p:cNvPr>
+          <p:cNvSpPr>
+            <a:spLocks noGrp="1"/>
+          </p:cNvSpPr>
+          <p:nvPr>
+            <p:ph idx="1"/>
+          </p:nvPr>
+        </p:nvSpPr>
+        <p:spPr>
+          <a:xfrm>
+            <a:off x="838200" y="1825625"/>
+            <a:ext cx="10515600" cy="4351338"/>
+          </a:xfrm>
+        </p:spPr>
+        <p:txBody>
+          <a:bodyPr>
+            <a:normAutofit/>
+          </a:bodyPr>
+          <a:lstStyle/>
+          <a:p>
+            <a:r>
+              <a:rPr lang="it-IT" dirty="0">
+                <a:latin typeface="SF Pro Text" pitchFamily="2" charset="0"/>
+                <a:ea typeface="SF Pro Text" pitchFamily="2" charset="0"/>
+                <a:cs typeface="SF Pro Text" pitchFamily="2" charset="0"/>
+              </a:rPr>
+              <a:t>Numero di dispositivi connessi in aumento:</a:t>
+            </a:r>
+          </a:p>
+          <a:p>
+            <a:pPr lvl="1"/>
+            <a:r>
+              <a:rPr lang="it-IT" dirty="0">
+                <a:latin typeface="SF Pro Text" pitchFamily="2" charset="0"/>
+                <a:ea typeface="SF Pro Text" pitchFamily="2" charset="0"/>
+                <a:cs typeface="SF Pro Text" pitchFamily="2" charset="0"/>
+              </a:rPr>
+              <a:t>Smartphone</a:t>
+            </a:r>
+          </a:p>
+          <a:p>
+            <a:pPr lvl="1"/>
+            <a:r>
+              <a:rPr lang="it-IT" dirty="0">
+                <a:latin typeface="SF Pro Text" pitchFamily="2" charset="0"/>
+                <a:ea typeface="SF Pro Text" pitchFamily="2" charset="0"/>
+                <a:cs typeface="SF Pro Text" pitchFamily="2" charset="0"/>
+              </a:rPr>
+              <a:t>Tablet</a:t>
+            </a:r>
+          </a:p>
+          <a:p>
+            <a:pPr lvl="1"/>
+            <a:r>
+              <a:rPr lang="it-IT" dirty="0">
+                <a:latin typeface="SF Pro Text" pitchFamily="2" charset="0"/>
+                <a:ea typeface="SF Pro Text" pitchFamily="2" charset="0"/>
+                <a:cs typeface="SF Pro Text" pitchFamily="2" charset="0"/>
+              </a:rPr>
+              <a:t>Dispositivi </a:t>
+            </a:r>
+            <a:r>
+              <a:rPr lang="it-IT" dirty="0" err="1">
+                <a:latin typeface="SF Pro Text" pitchFamily="2" charset="0"/>
+                <a:ea typeface="SF Pro Text" pitchFamily="2" charset="0"/>
+                <a:cs typeface="SF Pro Text" pitchFamily="2" charset="0"/>
+              </a:rPr>
+              <a:t>IoT</a:t>
+            </a:r>
+            <a:endParaRPr lang="it-IT" dirty="0">
+              <a:latin typeface="SF Pro Text" pitchFamily="2" charset="0"/>
+              <a:ea typeface="SF Pro Text" pitchFamily="2" charset="0"/>
+              <a:cs typeface="SF Pro Text" pitchFamily="2" charset="0"/>
+            </a:endParaRPr>
+          </a:p>
+          <a:p>
+            <a:r>
+              <a:rPr lang="it-IT" dirty="0">
+                <a:latin typeface="SF Pro Text" pitchFamily="2" charset="0"/>
+                <a:ea typeface="SF Pro Text" pitchFamily="2" charset="0"/>
+                <a:cs typeface="SF Pro Text" pitchFamily="2" charset="0"/>
+              </a:rPr>
+              <a:t>Cambio del mezzo trasmissivo in favore del Wi-Fi</a:t>
+            </a:r>
+          </a:p>
+          <a:p>
+            <a:r>
+              <a:rPr lang="it-IT" dirty="0">
+                <a:latin typeface="SF Pro Text" pitchFamily="2" charset="0"/>
+                <a:ea typeface="SF Pro Text" pitchFamily="2" charset="0"/>
+                <a:cs typeface="SF Pro Text" pitchFamily="2" charset="0"/>
+              </a:rPr>
+              <a:t>Nuovi paradigmi per la fruizione dei servizi:</a:t>
+            </a:r>
+          </a:p>
+          <a:p>
+            <a:pPr lvl="1"/>
+            <a:r>
+              <a:rPr lang="it-IT" dirty="0">
+                <a:latin typeface="SF Pro Text" pitchFamily="2" charset="0"/>
+                <a:ea typeface="SF Pro Text" pitchFamily="2" charset="0"/>
+                <a:cs typeface="SF Pro Text" pitchFamily="2" charset="0"/>
+              </a:rPr>
+              <a:t>Streaming</a:t>
+            </a:r>
+          </a:p>
+          <a:p>
+            <a:pPr lvl="1"/>
+            <a:r>
+              <a:rPr lang="it-IT" dirty="0" err="1">
+                <a:latin typeface="SF Pro Text" pitchFamily="2" charset="0"/>
+                <a:ea typeface="SF Pro Text" pitchFamily="2" charset="0"/>
+                <a:cs typeface="SF Pro Text" pitchFamily="2" charset="0"/>
+              </a:rPr>
+              <a:t>Cloud</a:t>
+            </a:r>
+            <a:r>
+              <a:rPr lang="it-IT" dirty="0">
+                <a:latin typeface="SF Pro Text" pitchFamily="2" charset="0"/>
+                <a:ea typeface="SF Pro Text" pitchFamily="2" charset="0"/>
+                <a:cs typeface="SF Pro Text" pitchFamily="2" charset="0"/>
+              </a:rPr>
+              <a:t> </a:t>
+            </a:r>
+            <a:r>
+              <a:rPr lang="it-IT" dirty="0" err="1">
+                <a:latin typeface="SF Pro Text" pitchFamily="2" charset="0"/>
+                <a:ea typeface="SF Pro Text" pitchFamily="2" charset="0"/>
+                <a:cs typeface="SF Pro Text" pitchFamily="2" charset="0"/>
+              </a:rPr>
+              <a:t>storage</a:t>
+            </a:r>
+            <a:endParaRPr lang="it-IT" dirty="0">
+              <a:latin typeface="SF Pro Text" pitchFamily="2" charset="0"/>
+              <a:ea typeface="SF Pro Text" pitchFamily="2" charset="0"/>
+              <a:cs typeface="SF Pro Text" pitchFamily="2" charset="0"/>
+            </a:endParaRPr>
+          </a:p>
+          <a:p>
+            <a:r>
+              <a:rPr lang="it-IT" dirty="0">
+                <a:latin typeface="SF Pro Text" pitchFamily="2" charset="0"/>
+                <a:ea typeface="SF Pro Text" pitchFamily="2" charset="0"/>
+                <a:cs typeface="SF Pro Text" pitchFamily="2" charset="0"/>
+              </a:rPr>
+              <a:t>Necessità di monitorare reti locali per disservizi</a:t>
+            </a:r>
+          </a:p>
+          <a:p>
+            <a:endParaRPr lang="it-IT" dirty="0">
+              <a:latin typeface="SF Pro Text" pitchFamily="2" charset="0"/>
+              <a:ea typeface="SF Pro Text" pitchFamily="2" charset="0"/>
+              <a:cs typeface="SF Pro Text" pitchFamily="2" charset="0"/>
+            </a:endParaRPr>
+          </a:p>
+        </p:txBody>
+      </p:sp>
+    </p:spTree>
+    <p:extLst>
+      <p:ext uri="{BB962C8B-B14F-4D97-AF65-F5344CB8AC3E}">
+        <p14:creationId xmlns:p14="http://schemas.microsoft.com/office/powerpoint/2010/main" val="95985868"/>
+      </p:ext>
+    </p:extLst>
+  </p:cSld>
+  <p:clrMapOvr>
+    <a:masterClrMapping/>
+  </p:clrMapOvr>
+</p:sld>
+</file>
+
+<file path=ppt/slides/slide3.xml><?xml version="1.0" encoding="utf-8"?>
+<p:sld xmlns:a="http://schemas.openxmlformats.org/drawingml/2006/main" xmlns:r="http://schemas.openxmlformats.org/officeDocument/2006/relationships" xmlns:p="http://schemas.openxmlformats.org/presentationml/2006/main">
+  <p:cSld>
+    <p:spTree>
+      <p:nvGrpSpPr>
+        <p:cNvPr id="1" name=""/>
+        <p:cNvGrpSpPr/>
+        <p:nvPr/>
+      </p:nvGrpSpPr>
+      <p:grpSpPr>
+        <a:xfrm>
+          <a:off x="0" y="0"/>
+          <a:ext cx="0" cy="0"/>
+          <a:chOff x="0" y="0"/>
+          <a:chExt cx="0" cy="0"/>
+        </a:xfrm>
+      </p:grpSpPr>
+      <p:sp>
+        <p:nvSpPr>
+          <p:cNvPr id="2" name="Title 1">
+            <a:extLst>
+              <a:ext uri="{FF2B5EF4-FFF2-40B4-BE49-F238E27FC236}">
+                <a16:creationId xmlns:a16="http://schemas.microsoft.com/office/drawing/2014/main" id="{3753AFCF-0DD9-B34C-BCA0-0DF5706990BB}"/>
+              </a:ext>
+            </a:extLst>
+          </p:cNvPr>
+          <p:cNvSpPr>
+            <a:spLocks noGrp="1"/>
+          </p:cNvSpPr>
+          <p:nvPr>
+            <p:ph type="title"/>
+          </p:nvPr>
+        </p:nvSpPr>
+        <p:spPr/>
+        <p:txBody>
+          <a:bodyPr/>
+          <a:lstStyle/>
+          <a:p>
+            <a:r>
+              <a:rPr lang="it-IT" dirty="0">
+                <a:latin typeface="SF Pro Display" pitchFamily="2" charset="0"/>
+                <a:ea typeface="SF Pro Display" pitchFamily="2" charset="0"/>
+                <a:cs typeface="SF Pro Display" pitchFamily="2" charset="0"/>
+              </a:rPr>
+              <a:t>Software in utilizzo  </a:t>
+            </a:r>
+          </a:p>
+        </p:txBody>
+      </p:sp>
+      <p:sp>
+        <p:nvSpPr>
+          <p:cNvPr id="3" name="Content Placeholder 2">
+            <a:extLst>
+              <a:ext uri="{FF2B5EF4-FFF2-40B4-BE49-F238E27FC236}">
+                <a16:creationId xmlns:a16="http://schemas.microsoft.com/office/drawing/2014/main" id="{4C571E02-9AE1-D543-B1FF-49F15F153F97}"/>
+              </a:ext>
+            </a:extLst>
+          </p:cNvPr>
+          <p:cNvSpPr>
+            <a:spLocks noGrp="1"/>
+          </p:cNvSpPr>
+          <p:nvPr>
+            <p:ph idx="1"/>
+          </p:nvPr>
+        </p:nvSpPr>
+        <p:spPr/>
+        <p:txBody>
+          <a:bodyPr/>
+          <a:lstStyle/>
+          <a:p>
+            <a:r>
+              <a:rPr lang="it-IT" dirty="0" err="1">
+                <a:latin typeface="SF Pro Text" pitchFamily="2" charset="0"/>
+                <a:ea typeface="SF Pro Text" pitchFamily="2" charset="0"/>
+                <a:cs typeface="SF Pro Text" pitchFamily="2" charset="0"/>
+              </a:rPr>
+              <a:t>UniFi</a:t>
+            </a:r>
+            <a:r>
+              <a:rPr lang="it-IT" dirty="0">
+                <a:latin typeface="SF Pro Text" pitchFamily="2" charset="0"/>
+                <a:ea typeface="SF Pro Text" pitchFamily="2" charset="0"/>
+                <a:cs typeface="SF Pro Text" pitchFamily="2" charset="0"/>
+              </a:rPr>
+              <a:t> </a:t>
+            </a:r>
+            <a:r>
+              <a:rPr lang="it-IT" dirty="0" err="1">
+                <a:latin typeface="SF Pro Text" pitchFamily="2" charset="0"/>
+                <a:ea typeface="SF Pro Text" pitchFamily="2" charset="0"/>
+                <a:cs typeface="SF Pro Text" pitchFamily="2" charset="0"/>
+              </a:rPr>
+              <a:t>Ubiquity</a:t>
+            </a:r>
+            <a:endParaRPr lang="it-IT" dirty="0">
+              <a:latin typeface="SF Pro Text" pitchFamily="2" charset="0"/>
+              <a:ea typeface="SF Pro Text" pitchFamily="2" charset="0"/>
+              <a:cs typeface="SF Pro Text" pitchFamily="2" charset="0"/>
+            </a:endParaRPr>
+          </a:p>
+          <a:p>
+            <a:pPr lvl="1"/>
+            <a:r>
+              <a:rPr lang="it-IT" dirty="0">
+                <a:latin typeface="SF Pro Text" pitchFamily="2" charset="0"/>
+                <a:ea typeface="SF Pro Text" pitchFamily="2" charset="0"/>
+                <a:cs typeface="SF Pro Text" pitchFamily="2" charset="0"/>
+              </a:rPr>
+              <a:t>Monitoraggio di dispositivi del produttore </a:t>
+            </a:r>
+            <a:r>
+              <a:rPr lang="it-IT" dirty="0" err="1">
+                <a:latin typeface="SF Pro Text" pitchFamily="2" charset="0"/>
+                <a:ea typeface="SF Pro Text" pitchFamily="2" charset="0"/>
+                <a:cs typeface="SF Pro Text" pitchFamily="2" charset="0"/>
+              </a:rPr>
+              <a:t>Ubiquity</a:t>
+            </a:r>
+            <a:endParaRPr lang="it-IT" dirty="0">
+              <a:latin typeface="SF Pro Text" pitchFamily="2" charset="0"/>
+              <a:ea typeface="SF Pro Text" pitchFamily="2" charset="0"/>
+              <a:cs typeface="SF Pro Text" pitchFamily="2" charset="0"/>
+            </a:endParaRPr>
+          </a:p>
+          <a:p>
+            <a:r>
+              <a:rPr lang="it-IT" dirty="0" err="1">
+                <a:latin typeface="SF Pro Text" pitchFamily="2" charset="0"/>
+                <a:ea typeface="SF Pro Text" pitchFamily="2" charset="0"/>
+                <a:cs typeface="SF Pro Text" pitchFamily="2" charset="0"/>
+              </a:rPr>
+              <a:t>Netspot</a:t>
+            </a:r>
+            <a:endParaRPr lang="it-IT" dirty="0">
+              <a:latin typeface="SF Pro Text" pitchFamily="2" charset="0"/>
+              <a:ea typeface="SF Pro Text" pitchFamily="2" charset="0"/>
+              <a:cs typeface="SF Pro Text" pitchFamily="2" charset="0"/>
+            </a:endParaRPr>
+          </a:p>
+          <a:p>
+            <a:pPr lvl="1"/>
+            <a:r>
+              <a:rPr lang="it-IT" dirty="0">
+                <a:latin typeface="SF Pro Text" pitchFamily="2" charset="0"/>
+                <a:ea typeface="SF Pro Text" pitchFamily="2" charset="0"/>
+                <a:cs typeface="SF Pro Text" pitchFamily="2" charset="0"/>
+              </a:rPr>
+              <a:t>Fornisce soluzioni per il </a:t>
+            </a:r>
+            <a:r>
+              <a:rPr lang="it-IT" dirty="0" err="1">
+                <a:latin typeface="SF Pro Text" pitchFamily="2" charset="0"/>
+                <a:ea typeface="SF Pro Text" pitchFamily="2" charset="0"/>
+                <a:cs typeface="SF Pro Text" pitchFamily="2" charset="0"/>
+              </a:rPr>
+              <a:t>deploy</a:t>
+            </a:r>
+            <a:r>
+              <a:rPr lang="it-IT" dirty="0">
+                <a:latin typeface="SF Pro Text" pitchFamily="2" charset="0"/>
+                <a:ea typeface="SF Pro Text" pitchFamily="2" charset="0"/>
+                <a:cs typeface="SF Pro Text" pitchFamily="2" charset="0"/>
+              </a:rPr>
+              <a:t> di reti Wi-Fi</a:t>
+            </a:r>
+          </a:p>
+          <a:p>
+            <a:r>
+              <a:rPr lang="it-IT" dirty="0" err="1">
+                <a:latin typeface="SF Pro Text" pitchFamily="2" charset="0"/>
+                <a:ea typeface="SF Pro Text" pitchFamily="2" charset="0"/>
+                <a:cs typeface="SF Pro Text" pitchFamily="2" charset="0"/>
+              </a:rPr>
+              <a:t>inSSIder</a:t>
+            </a:r>
+            <a:endParaRPr lang="it-IT" dirty="0">
+              <a:latin typeface="SF Pro Text" pitchFamily="2" charset="0"/>
+              <a:ea typeface="SF Pro Text" pitchFamily="2" charset="0"/>
+              <a:cs typeface="SF Pro Text" pitchFamily="2" charset="0"/>
+            </a:endParaRPr>
+          </a:p>
+          <a:p>
+            <a:pPr lvl="1"/>
+            <a:r>
+              <a:rPr lang="it-IT" dirty="0">
+                <a:latin typeface="SF Pro Text" pitchFamily="2" charset="0"/>
+                <a:ea typeface="SF Pro Text" pitchFamily="2" charset="0"/>
+                <a:cs typeface="SF Pro Text" pitchFamily="2" charset="0"/>
+              </a:rPr>
+              <a:t>Analizzatore di reti Wi-Fi, suggerisce canali su cui instaurare Wi-Fi</a:t>
+            </a:r>
+          </a:p>
+          <a:p>
+            <a:r>
+              <a:rPr lang="it-IT" dirty="0" err="1">
+                <a:latin typeface="SF Pro Text" pitchFamily="2" charset="0"/>
+                <a:ea typeface="SF Pro Text" pitchFamily="2" charset="0"/>
+                <a:cs typeface="SF Pro Text" pitchFamily="2" charset="0"/>
+              </a:rPr>
+              <a:t>Kismet</a:t>
+            </a:r>
+            <a:endParaRPr lang="it-IT" dirty="0">
+              <a:latin typeface="SF Pro Text" pitchFamily="2" charset="0"/>
+              <a:ea typeface="SF Pro Text" pitchFamily="2" charset="0"/>
+              <a:cs typeface="SF Pro Text" pitchFamily="2" charset="0"/>
+            </a:endParaRPr>
+          </a:p>
+          <a:p>
+            <a:pPr lvl="1"/>
+            <a:r>
+              <a:rPr lang="it-IT" dirty="0">
+                <a:latin typeface="SF Pro Text" pitchFamily="2" charset="0"/>
+                <a:ea typeface="SF Pro Text" pitchFamily="2" charset="0"/>
+                <a:cs typeface="SF Pro Text" pitchFamily="2" charset="0"/>
+              </a:rPr>
+              <a:t>Rilevamento di dispositivi wireless, </a:t>
+            </a:r>
+            <a:r>
+              <a:rPr lang="it-IT" dirty="0" err="1">
+                <a:latin typeface="SF Pro Text" pitchFamily="2" charset="0"/>
+                <a:ea typeface="SF Pro Text" pitchFamily="2" charset="0"/>
+                <a:cs typeface="SF Pro Text" pitchFamily="2" charset="0"/>
+              </a:rPr>
+              <a:t>sniffer</a:t>
+            </a:r>
+            <a:r>
+              <a:rPr lang="it-IT" dirty="0">
+                <a:latin typeface="SF Pro Text" pitchFamily="2" charset="0"/>
+                <a:ea typeface="SF Pro Text" pitchFamily="2" charset="0"/>
+                <a:cs typeface="SF Pro Text" pitchFamily="2" charset="0"/>
+              </a:rPr>
+              <a:t> e WIDS </a:t>
+            </a:r>
+            <a:r>
+              <a:rPr lang="it-IT" dirty="0" err="1">
+                <a:latin typeface="SF Pro Text" pitchFamily="2" charset="0"/>
+                <a:ea typeface="SF Pro Text" pitchFamily="2" charset="0"/>
+                <a:cs typeface="SF Pro Text" pitchFamily="2" charset="0"/>
+              </a:rPr>
+              <a:t>framework</a:t>
+            </a:r>
+            <a:endParaRPr lang="it-IT" dirty="0">
+              <a:latin typeface="SF Pro Text" pitchFamily="2" charset="0"/>
+              <a:ea typeface="SF Pro Text" pitchFamily="2" charset="0"/>
+              <a:cs typeface="SF Pro Text" pitchFamily="2" charset="0"/>
+            </a:endParaRPr>
+          </a:p>
+          <a:p>
+            <a:pPr lvl="1"/>
+            <a:endParaRPr lang="it-IT" dirty="0">
+              <a:latin typeface="SF Pro Text" pitchFamily="2" charset="0"/>
+              <a:ea typeface="SF Pro Text" pitchFamily="2" charset="0"/>
+              <a:cs typeface="SF Pro Text" pitchFamily="2" charset="0"/>
+            </a:endParaRPr>
+          </a:p>
+          <a:p>
+            <a:endParaRPr lang="it-IT" dirty="0">
+              <a:latin typeface="SF Pro Text" pitchFamily="2" charset="0"/>
+              <a:ea typeface="SF Pro Text" pitchFamily="2" charset="0"/>
+              <a:cs typeface="SF Pro Text" pitchFamily="2" charset="0"/>
+            </a:endParaRPr>
+          </a:p>
+        </p:txBody>
+      </p:sp>
+    </p:spTree>
+    <p:extLst>
+      <p:ext uri="{BB962C8B-B14F-4D97-AF65-F5344CB8AC3E}">
+        <p14:creationId xmlns:p14="http://schemas.microsoft.com/office/powerpoint/2010/main" val="3942508823"/>
+      </p:ext>
+    </p:extLst>
+  </p:cSld>
+  <p:clrMapOvr>
+    <a:masterClrMapping/>
+  </p:clrMapOvr>
+</p:sld>
+</file>
+
+<file path=ppt/slides/slide4.xml><?xml version="1.0" encoding="utf-8"?>
+<p:sld xmlns:a="http://schemas.openxmlformats.org/drawingml/2006/main" xmlns:r="http://schemas.openxmlformats.org/officeDocument/2006/relationships" xmlns:p="http://schemas.openxmlformats.org/presentationml/2006/main">
+  <p:cSld>
+    <p:spTree>
+      <p:nvGrpSpPr>
+        <p:cNvPr id="1" name=""/>
+        <p:cNvGrpSpPr/>
+        <p:nvPr/>
+      </p:nvGrpSpPr>
+      <p:grpSpPr>
+        <a:xfrm>
+          <a:off x="0" y="0"/>
+          <a:ext cx="0" cy="0"/>
+          <a:chOff x="0" y="0"/>
+          <a:chExt cx="0" cy="0"/>
+        </a:xfrm>
+      </p:grpSpPr>
+      <p:sp>
+        <p:nvSpPr>
+          <p:cNvPr id="2" name="Title 1">
+            <a:extLst>
+              <a:ext uri="{FF2B5EF4-FFF2-40B4-BE49-F238E27FC236}">
+                <a16:creationId xmlns:a16="http://schemas.microsoft.com/office/drawing/2014/main" id="{95BC62E2-8B18-BB4C-A2E0-CAF5F79EAEE8}"/>
+              </a:ext>
+            </a:extLst>
+          </p:cNvPr>
+          <p:cNvSpPr>
+            <a:spLocks noGrp="1"/>
+          </p:cNvSpPr>
+          <p:nvPr>
+            <p:ph type="title"/>
+          </p:nvPr>
+        </p:nvSpPr>
+        <p:spPr/>
+        <p:txBody>
+          <a:bodyPr>
+            <a:normAutofit/>
+          </a:bodyPr>
+          <a:lstStyle/>
+          <a:p>
+            <a:r>
+              <a:rPr lang="it-IT" dirty="0">
+                <a:latin typeface="SF Pro Display" pitchFamily="2" charset="0"/>
+                <a:ea typeface="SF Pro Display" pitchFamily="2" charset="0"/>
+                <a:cs typeface="SF Pro Display" pitchFamily="2" charset="0"/>
+              </a:rPr>
+              <a:t>Limiti delle attuali soluzioni</a:t>
+            </a:r>
+          </a:p>
+        </p:txBody>
+      </p:sp>
+      <p:sp>
+        <p:nvSpPr>
+          <p:cNvPr id="3" name="Content Placeholder 2">
+            <a:extLst>
+              <a:ext uri="{FF2B5EF4-FFF2-40B4-BE49-F238E27FC236}">
+                <a16:creationId xmlns:a16="http://schemas.microsoft.com/office/drawing/2014/main" id="{4649526F-BE59-AB41-8191-3A82B8655B01}"/>
+              </a:ext>
+            </a:extLst>
+          </p:cNvPr>
+          <p:cNvSpPr>
+            <a:spLocks noGrp="1"/>
+          </p:cNvSpPr>
+          <p:nvPr>
+            <p:ph idx="1"/>
+          </p:nvPr>
+        </p:nvSpPr>
+        <p:spPr/>
+        <p:txBody>
+          <a:bodyPr/>
+          <a:lstStyle/>
+          <a:p>
+            <a:r>
+              <a:rPr lang="it-IT" dirty="0">
+                <a:latin typeface="SF Pro Text" pitchFamily="2" charset="0"/>
+                <a:ea typeface="SF Pro Text" pitchFamily="2" charset="0"/>
+                <a:cs typeface="SF Pro Text" pitchFamily="2" charset="0"/>
+              </a:rPr>
+              <a:t>Focus principale sullo stato </a:t>
+            </a:r>
+            <a:r>
+              <a:rPr lang="it-IT" dirty="0" err="1">
+                <a:latin typeface="SF Pro Text" pitchFamily="2" charset="0"/>
+                <a:ea typeface="SF Pro Text" pitchFamily="2" charset="0"/>
+                <a:cs typeface="SF Pro Text" pitchFamily="2" charset="0"/>
+              </a:rPr>
+              <a:t>dell’access</a:t>
+            </a:r>
+            <a:r>
+              <a:rPr lang="it-IT" dirty="0">
+                <a:latin typeface="SF Pro Text" pitchFamily="2" charset="0"/>
+                <a:ea typeface="SF Pro Text" pitchFamily="2" charset="0"/>
+                <a:cs typeface="SF Pro Text" pitchFamily="2" charset="0"/>
+              </a:rPr>
+              <a:t> </a:t>
+            </a:r>
+            <a:r>
+              <a:rPr lang="it-IT" dirty="0" err="1">
+                <a:latin typeface="SF Pro Text" pitchFamily="2" charset="0"/>
+                <a:ea typeface="SF Pro Text" pitchFamily="2" charset="0"/>
+                <a:cs typeface="SF Pro Text" pitchFamily="2" charset="0"/>
+              </a:rPr>
+              <a:t>point</a:t>
+            </a:r>
+            <a:endParaRPr lang="it-IT" dirty="0">
+              <a:latin typeface="SF Pro Text" pitchFamily="2" charset="0"/>
+              <a:ea typeface="SF Pro Text" pitchFamily="2" charset="0"/>
+              <a:cs typeface="SF Pro Text" pitchFamily="2" charset="0"/>
+            </a:endParaRPr>
+          </a:p>
+          <a:p>
+            <a:pPr lvl="1"/>
+            <a:r>
+              <a:rPr lang="it-IT" dirty="0">
+                <a:latin typeface="SF Pro Text" pitchFamily="2" charset="0"/>
+                <a:ea typeface="SF Pro Text" pitchFamily="2" charset="0"/>
+                <a:cs typeface="SF Pro Text" pitchFamily="2" charset="0"/>
+              </a:rPr>
+              <a:t>Valori di bontà del segnale </a:t>
+            </a:r>
+          </a:p>
+          <a:p>
+            <a:pPr lvl="1"/>
+            <a:r>
+              <a:rPr lang="it-IT" dirty="0">
+                <a:latin typeface="SF Pro Text" pitchFamily="2" charset="0"/>
+                <a:ea typeface="SF Pro Text" pitchFamily="2" charset="0"/>
+                <a:cs typeface="SF Pro Text" pitchFamily="2" charset="0"/>
+              </a:rPr>
+              <a:t>Suggerimenti non real-time per un’ottimizzazione della connessione</a:t>
+            </a:r>
+          </a:p>
+          <a:p>
+            <a:r>
+              <a:rPr lang="it-IT" dirty="0">
+                <a:latin typeface="SF Pro Text" pitchFamily="2" charset="0"/>
+                <a:ea typeface="SF Pro Text" pitchFamily="2" charset="0"/>
+                <a:cs typeface="SF Pro Text" pitchFamily="2" charset="0"/>
+              </a:rPr>
+              <a:t>Mancanza di una visione totale della rete e dei dispositivi ad essa connessi</a:t>
+            </a:r>
+          </a:p>
+          <a:p>
+            <a:r>
+              <a:rPr lang="it-IT" dirty="0">
+                <a:latin typeface="SF Pro Text" pitchFamily="2" charset="0"/>
+                <a:ea typeface="SF Pro Text" pitchFamily="2" charset="0"/>
+                <a:cs typeface="SF Pro Text" pitchFamily="2" charset="0"/>
+              </a:rPr>
+              <a:t>Ristrette a dispositivi di rete professionali</a:t>
+            </a:r>
+          </a:p>
+          <a:p>
+            <a:endParaRPr lang="it-IT" dirty="0">
+              <a:latin typeface="SF Pro Text" pitchFamily="2" charset="0"/>
+              <a:ea typeface="SF Pro Text" pitchFamily="2" charset="0"/>
+              <a:cs typeface="SF Pro Text" pitchFamily="2" charset="0"/>
+            </a:endParaRPr>
+          </a:p>
+        </p:txBody>
+      </p:sp>
+      <p:sp>
+        <p:nvSpPr>
+          <p:cNvPr id="4" name="TextBox 3">
+            <a:extLst>
+              <a:ext uri="{FF2B5EF4-FFF2-40B4-BE49-F238E27FC236}">
+                <a16:creationId xmlns:a16="http://schemas.microsoft.com/office/drawing/2014/main" id="{C3221C66-34C2-E74E-8280-5E916EFBD0E1}"/>
+              </a:ext>
+            </a:extLst>
+          </p:cNvPr>
+          <p:cNvSpPr txBox="1"/>
+          <p:nvPr/>
+        </p:nvSpPr>
+        <p:spPr>
+          <a:xfrm>
+            <a:off x="3291840" y="720090"/>
+            <a:ext cx="184731" cy="369332"/>
+          </a:xfrm>
+          <a:prstGeom prst="rect">
+            <a:avLst/>
+          </a:prstGeom>
+          <a:noFill/>
+        </p:spPr>
+        <p:txBody>
+          <a:bodyPr wrap="none" rtlCol="0">
+            <a:spAutoFit/>
+          </a:bodyPr>
+          <a:lstStyle/>
+          <a:p>
+            <a:endParaRPr lang="it-IT" dirty="0"/>
+          </a:p>
+        </p:txBody>
+      </p:sp>
+    </p:spTree>
+    <p:extLst>
+      <p:ext uri="{BB962C8B-B14F-4D97-AF65-F5344CB8AC3E}">
+        <p14:creationId xmlns:p14="http://schemas.microsoft.com/office/powerpoint/2010/main" val="2645319197"/>
+      </p:ext>
+    </p:extLst>
+  </p:cSld>
+  <p:clrMapOvr>
+    <a:masterClrMapping/>
+  </p:clrMapOvr>
+</p:sld>
+</file>
+
+<file path=ppt/slides/slide5.xml><?xml version="1.0" encoding="utf-8"?>
+<p:sld xmlns:a="http://schemas.openxmlformats.org/drawingml/2006/main" xmlns:r="http://schemas.openxmlformats.org/officeDocument/2006/relationships" xmlns:p="http://schemas.openxmlformats.org/presentationml/2006/main">
+  <p:cSld>
+    <p:spTree>
+      <p:nvGrpSpPr>
+        <p:cNvPr id="1" name=""/>
+        <p:cNvGrpSpPr/>
+        <p:nvPr/>
+      </p:nvGrpSpPr>
+      <p:grpSpPr>
+        <a:xfrm>
+          <a:off x="0" y="0"/>
+          <a:ext cx="0" cy="0"/>
+          <a:chOff x="0" y="0"/>
+          <a:chExt cx="0" cy="0"/>
+        </a:xfrm>
+      </p:grpSpPr>
+      <p:sp>
+        <p:nvSpPr>
+          <p:cNvPr id="2" name="Title 1">
+            <a:extLst>
+              <a:ext uri="{FF2B5EF4-FFF2-40B4-BE49-F238E27FC236}">
+                <a16:creationId xmlns:a16="http://schemas.microsoft.com/office/drawing/2014/main" id="{43033D69-F1CB-154B-8ED1-A11D328F1777}"/>
+              </a:ext>
+            </a:extLst>
+          </p:cNvPr>
+          <p:cNvSpPr>
+            <a:spLocks noGrp="1"/>
+          </p:cNvSpPr>
+          <p:nvPr>
+            <p:ph type="title"/>
+          </p:nvPr>
+        </p:nvSpPr>
+        <p:spPr/>
+        <p:txBody>
+          <a:bodyPr/>
+          <a:lstStyle/>
+          <a:p>
+            <a:r>
+              <a:rPr lang="it-IT" dirty="0">
+                <a:latin typeface="SF Pro Display" pitchFamily="2" charset="0"/>
+                <a:ea typeface="SF Pro Display" pitchFamily="2" charset="0"/>
+                <a:cs typeface="SF Pro Display" pitchFamily="2" charset="0"/>
+              </a:rPr>
+              <a:t>Una soluzione per reti domestiche</a:t>
+            </a:r>
+          </a:p>
+        </p:txBody>
+      </p:sp>
+      <p:sp>
+        <p:nvSpPr>
+          <p:cNvPr id="3" name="Content Placeholder 2">
+            <a:extLst>
+              <a:ext uri="{FF2B5EF4-FFF2-40B4-BE49-F238E27FC236}">
+                <a16:creationId xmlns:a16="http://schemas.microsoft.com/office/drawing/2014/main" id="{D9FA3C68-FC22-C54B-95AF-6DAFD9098296}"/>
+              </a:ext>
+            </a:extLst>
+          </p:cNvPr>
+          <p:cNvSpPr>
+            <a:spLocks noGrp="1"/>
+          </p:cNvSpPr>
+          <p:nvPr>
+            <p:ph idx="1"/>
+          </p:nvPr>
+        </p:nvSpPr>
+        <p:spPr/>
+        <p:txBody>
+          <a:bodyPr/>
+          <a:lstStyle/>
+          <a:p>
+            <a:r>
+              <a:rPr lang="it-IT" dirty="0">
+                <a:latin typeface="SF Pro Text" pitchFamily="2" charset="0"/>
+                <a:ea typeface="SF Pro Text" pitchFamily="2" charset="0"/>
+                <a:cs typeface="SF Pro Text" pitchFamily="2" charset="0"/>
+              </a:rPr>
+              <a:t>Analisi real-time del traffico della rete</a:t>
+            </a:r>
+          </a:p>
+          <a:p>
+            <a:pPr lvl="1"/>
+            <a:r>
+              <a:rPr lang="it-IT" dirty="0">
+                <a:latin typeface="SF Pro Text" pitchFamily="2" charset="0"/>
+                <a:ea typeface="SF Pro Text" pitchFamily="2" charset="0"/>
+                <a:cs typeface="SF Pro Text" pitchFamily="2" charset="0"/>
+              </a:rPr>
+              <a:t>Ricostruzione della topologia di rete</a:t>
+            </a:r>
+          </a:p>
+          <a:p>
+            <a:pPr lvl="1"/>
+            <a:r>
+              <a:rPr lang="it-IT" dirty="0">
+                <a:latin typeface="SF Pro Text" pitchFamily="2" charset="0"/>
+                <a:ea typeface="SF Pro Text" pitchFamily="2" charset="0"/>
+                <a:cs typeface="SF Pro Text" pitchFamily="2" charset="0"/>
+              </a:rPr>
+              <a:t>Misure di bontà del segnale</a:t>
+            </a:r>
+          </a:p>
+          <a:p>
+            <a:r>
+              <a:rPr lang="it-IT" dirty="0">
+                <a:latin typeface="SF Pro Text" pitchFamily="2" charset="0"/>
+                <a:ea typeface="SF Pro Text" pitchFamily="2" charset="0"/>
+                <a:cs typeface="SF Pro Text" pitchFamily="2" charset="0"/>
+              </a:rPr>
+              <a:t>Monitoraggio dei dispositivi connessi alla rete</a:t>
+            </a:r>
+          </a:p>
+          <a:p>
+            <a:r>
+              <a:rPr lang="it-IT" dirty="0">
+                <a:latin typeface="SF Pro Text" pitchFamily="2" charset="0"/>
+                <a:ea typeface="SF Pro Text" pitchFamily="2" charset="0"/>
+                <a:cs typeface="SF Pro Text" pitchFamily="2" charset="0"/>
+              </a:rPr>
+              <a:t>Identificazione dei nodi affetti da disservizi di connessione</a:t>
+            </a:r>
+          </a:p>
+          <a:p>
+            <a:r>
+              <a:rPr lang="it-IT" dirty="0">
+                <a:latin typeface="SF Pro Text" pitchFamily="2" charset="0"/>
+                <a:ea typeface="SF Pro Text" pitchFamily="2" charset="0"/>
+                <a:cs typeface="SF Pro Text" pitchFamily="2" charset="0"/>
+              </a:rPr>
+              <a:t>Facile utilizzo e contenuto uso di risorse</a:t>
+            </a:r>
+          </a:p>
+          <a:p>
+            <a:endParaRPr lang="it-IT" dirty="0">
+              <a:latin typeface="SF Pro Text" pitchFamily="2" charset="0"/>
+              <a:ea typeface="SF Pro Text" pitchFamily="2" charset="0"/>
+              <a:cs typeface="SF Pro Text" pitchFamily="2" charset="0"/>
+            </a:endParaRPr>
+          </a:p>
+        </p:txBody>
+      </p:sp>
+    </p:spTree>
+    <p:extLst>
+      <p:ext uri="{BB962C8B-B14F-4D97-AF65-F5344CB8AC3E}">
+        <p14:creationId xmlns:p14="http://schemas.microsoft.com/office/powerpoint/2010/main" val="3159557930"/>
+      </p:ext>
+    </p:extLst>
+  </p:cSld>
+  <p:clrMapOvr>
+    <a:masterClrMapping/>
+  </p:clrMapOvr>
+</p:sld>
+</file>
+
+<file path=ppt/slides/slide6.xml><?xml version="1.0" encoding="utf-8"?>
+<p:sld xmlns:a="http://schemas.openxmlformats.org/drawingml/2006/main" xmlns:r="http://schemas.openxmlformats.org/officeDocument/2006/relationships" xmlns:p="http://schemas.openxmlformats.org/presentationml/2006/main">
+  <p:cSld>
+    <p:spTree>
+      <p:nvGrpSpPr>
+        <p:cNvPr id="1" name=""/>
+        <p:cNvGrpSpPr/>
+        <p:nvPr/>
+      </p:nvGrpSpPr>
+      <p:grpSpPr>
+        <a:xfrm>
+          <a:off x="0" y="0"/>
+          <a:ext cx="0" cy="0"/>
+          <a:chOff x="0" y="0"/>
+          <a:chExt cx="0" cy="0"/>
+        </a:xfrm>
+      </p:grpSpPr>
+      <p:sp>
+        <p:nvSpPr>
+          <p:cNvPr id="2" name="Title 1">
+            <a:extLst>
+              <a:ext uri="{FF2B5EF4-FFF2-40B4-BE49-F238E27FC236}">
+                <a16:creationId xmlns:a16="http://schemas.microsoft.com/office/drawing/2014/main" id="{AEDBEBE5-6F8D-934E-972A-889CF2339823}"/>
+              </a:ext>
+            </a:extLst>
+          </p:cNvPr>
+          <p:cNvSpPr>
+            <a:spLocks noGrp="1"/>
+          </p:cNvSpPr>
+          <p:nvPr>
+            <p:ph type="title"/>
+          </p:nvPr>
+        </p:nvSpPr>
+        <p:spPr/>
+        <p:txBody>
+          <a:bodyPr/>
+          <a:lstStyle/>
+          <a:p>
+            <a:r>
+              <a:rPr lang="it-IT" dirty="0">
+                <a:latin typeface="SF Pro Display" pitchFamily="2" charset="0"/>
+                <a:ea typeface="SF Pro Display" pitchFamily="2" charset="0"/>
+                <a:cs typeface="SF Pro Display" pitchFamily="2" charset="0"/>
+              </a:rPr>
+              <a:t>Validazione su reti semplici</a:t>
+            </a:r>
+          </a:p>
+        </p:txBody>
+      </p:sp>
+      <p:sp>
+        <p:nvSpPr>
+          <p:cNvPr id="16" name="Content Placeholder 15">
+            <a:extLst>
+              <a:ext uri="{FF2B5EF4-FFF2-40B4-BE49-F238E27FC236}">
+                <a16:creationId xmlns:a16="http://schemas.microsoft.com/office/drawing/2014/main" id="{E838C085-0EAA-9941-B43E-62AC4939C722}"/>
+              </a:ext>
+            </a:extLst>
+          </p:cNvPr>
+          <p:cNvSpPr>
+            <a:spLocks noGrp="1"/>
+          </p:cNvSpPr>
+          <p:nvPr>
+            <p:ph sz="half" idx="1"/>
+          </p:nvPr>
+        </p:nvSpPr>
+        <p:spPr>
+          <a:xfrm>
+            <a:off x="838200" y="1825625"/>
+            <a:ext cx="10515600" cy="4351338"/>
+          </a:xfrm>
+        </p:spPr>
+        <p:txBody>
+          <a:bodyPr/>
+          <a:lstStyle/>
+          <a:p>
+            <a:r>
+              <a:rPr lang="it-IT" dirty="0">
+                <a:latin typeface="SF Pro Text" pitchFamily="2" charset="0"/>
+                <a:ea typeface="SF Pro Text" pitchFamily="2" charset="0"/>
+                <a:cs typeface="SF Pro Text" pitchFamily="2" charset="0"/>
+              </a:rPr>
+              <a:t>Dispositivi direttamente collegati ad un </a:t>
+            </a:r>
+            <a:r>
+              <a:rPr lang="it-IT" dirty="0" err="1">
+                <a:latin typeface="SF Pro Text" pitchFamily="2" charset="0"/>
+                <a:ea typeface="SF Pro Text" pitchFamily="2" charset="0"/>
+                <a:cs typeface="SF Pro Text" pitchFamily="2" charset="0"/>
+              </a:rPr>
+              <a:t>access</a:t>
+            </a:r>
+            <a:r>
+              <a:rPr lang="it-IT" dirty="0">
+                <a:latin typeface="SF Pro Text" pitchFamily="2" charset="0"/>
+                <a:ea typeface="SF Pro Text" pitchFamily="2" charset="0"/>
+                <a:cs typeface="SF Pro Text" pitchFamily="2" charset="0"/>
+              </a:rPr>
+              <a:t> </a:t>
+            </a:r>
+            <a:r>
+              <a:rPr lang="it-IT" dirty="0" err="1">
+                <a:latin typeface="SF Pro Text" pitchFamily="2" charset="0"/>
+                <a:ea typeface="SF Pro Text" pitchFamily="2" charset="0"/>
+                <a:cs typeface="SF Pro Text" pitchFamily="2" charset="0"/>
+              </a:rPr>
+              <a:t>point</a:t>
+            </a:r>
+            <a:endParaRPr lang="it-IT" dirty="0">
+              <a:latin typeface="SF Pro Text" pitchFamily="2" charset="0"/>
+              <a:ea typeface="SF Pro Text" pitchFamily="2" charset="0"/>
+              <a:cs typeface="SF Pro Text" pitchFamily="2" charset="0"/>
+            </a:endParaRPr>
+          </a:p>
+          <a:p>
+            <a:r>
+              <a:rPr lang="it-IT" dirty="0">
+                <a:latin typeface="SF Pro Text" pitchFamily="2" charset="0"/>
+                <a:ea typeface="SF Pro Text" pitchFamily="2" charset="0"/>
+                <a:cs typeface="SF Pro Text" pitchFamily="2" charset="0"/>
+              </a:rPr>
+              <a:t>Analisi validata dalla conoscenza della rete</a:t>
+            </a:r>
+          </a:p>
+          <a:p>
+            <a:endParaRPr lang="it-IT" dirty="0">
+              <a:latin typeface="SF Pro Text" pitchFamily="2" charset="0"/>
+              <a:ea typeface="SF Pro Text" pitchFamily="2" charset="0"/>
+              <a:cs typeface="SF Pro Text" pitchFamily="2" charset="0"/>
+            </a:endParaRPr>
+          </a:p>
+          <a:p>
+            <a:endParaRPr lang="it-IT" dirty="0"/>
+          </a:p>
+        </p:txBody>
+      </p:sp>
+      <p:pic>
+        <p:nvPicPr>
+          <p:cNvPr id="23" name="Content Placeholder 22">
+            <a:extLst>
+              <a:ext uri="{FF2B5EF4-FFF2-40B4-BE49-F238E27FC236}">
+                <a16:creationId xmlns:a16="http://schemas.microsoft.com/office/drawing/2014/main" id="{3D232C09-17D2-6840-83E6-9A34F4213078}"/>
+              </a:ext>
+            </a:extLst>
+          </p:cNvPr>
+          <p:cNvPicPr>
+            <a:picLocks noGrp="1" noChangeAspect="1"/>
+          </p:cNvPicPr>
+          <p:nvPr>
+            <p:ph sz="half" idx="2"/>
+          </p:nvPr>
+        </p:nvPicPr>
+        <p:blipFill>
+          <a:blip r:embed="rId2"/>
+          <a:stretch>
+            <a:fillRect/>
+          </a:stretch>
+        </p:blipFill>
+        <p:spPr>
+          <a:xfrm>
+            <a:off x="3291097" y="2908741"/>
             <a:ext cx="7738853" cy="1040518"/>
           </a:xfrm>
         </p:spPr>
@@ -4167,7 +6911,7 @@
 </p:sld>
 </file>
 
-<file path=ppt/slides/slide11.xml><?xml version="1.0" encoding="utf-8"?>
+<file path=ppt/slides/slide7.xml><?xml version="1.0" encoding="utf-8"?>
 <p:sld xmlns:a="http://schemas.openxmlformats.org/drawingml/2006/main" xmlns:r="http://schemas.openxmlformats.org/officeDocument/2006/relationships" xmlns:p="http://schemas.openxmlformats.org/presentationml/2006/main">
   <p:cSld>
     <p:spTree>
@@ -4277,7 +7021,7 @@
         <p:spPr>
           <a:xfrm>
             <a:off x="838199" y="1825625"/>
-            <a:ext cx="5915325" cy="4563886"/>
+            <a:ext cx="5036821" cy="4563886"/>
           </a:xfrm>
         </p:spPr>
         <p:txBody>
@@ -4290,69 +7034,33 @@
                 <a:ea typeface="SF Pro Text" pitchFamily="2" charset="0"/>
                 <a:cs typeface="SF Pro Text" pitchFamily="2" charset="0"/>
               </a:rPr>
-              <a:t>Euristiche utilizzate riguardano:</a:t>
-            </a:r>
-          </a:p>
-          <a:p>
-            <a:pPr lvl="1"/>
-            <a:r>
-              <a:rPr lang="it-IT" dirty="0">
-                <a:latin typeface="SF Pro Text" pitchFamily="2" charset="0"/>
-                <a:ea typeface="SF Pro Text" pitchFamily="2" charset="0"/>
-                <a:cs typeface="SF Pro Text" pitchFamily="2" charset="0"/>
-              </a:rPr>
-              <a:t>Access Point</a:t>
-            </a:r>
-          </a:p>
-          <a:p>
-            <a:pPr lvl="1"/>
+              <a:t>Presenza di </a:t>
+            </a:r>
             <a:r>
               <a:rPr lang="it-IT" dirty="0" err="1">
                 <a:latin typeface="SF Pro Text" pitchFamily="2" charset="0"/>
                 <a:ea typeface="SF Pro Text" pitchFamily="2" charset="0"/>
                 <a:cs typeface="SF Pro Text" pitchFamily="2" charset="0"/>
               </a:rPr>
-              <a:t>Repeater</a:t>
-            </a:r>
-            <a:endParaRPr lang="it-IT" dirty="0">
-              <a:latin typeface="SF Pro Text" pitchFamily="2" charset="0"/>
-              <a:ea typeface="SF Pro Text" pitchFamily="2" charset="0"/>
-              <a:cs typeface="SF Pro Text" pitchFamily="2" charset="0"/>
-            </a:endParaRPr>
-          </a:p>
-          <a:p>
-            <a:pPr lvl="1"/>
-            <a:r>
-              <a:rPr lang="it-IT" dirty="0">
-                <a:latin typeface="SF Pro Text" pitchFamily="2" charset="0"/>
-                <a:ea typeface="SF Pro Text" pitchFamily="2" charset="0"/>
-                <a:cs typeface="SF Pro Text" pitchFamily="2" charset="0"/>
-              </a:rPr>
-              <a:t>Risoluzione di indirizzi </a:t>
-            </a:r>
-            <a:r>
-              <a:rPr lang="it-IT" dirty="0" err="1">
-                <a:latin typeface="SF Pro Text" pitchFamily="2" charset="0"/>
-                <a:ea typeface="SF Pro Text" pitchFamily="2" charset="0"/>
-                <a:cs typeface="SF Pro Text" pitchFamily="2" charset="0"/>
-              </a:rPr>
-              <a:t>multicast</a:t>
-            </a:r>
-            <a:endParaRPr lang="it-IT" dirty="0">
-              <a:latin typeface="SF Pro Text" pitchFamily="2" charset="0"/>
-              <a:ea typeface="SF Pro Text" pitchFamily="2" charset="0"/>
-              <a:cs typeface="SF Pro Text" pitchFamily="2" charset="0"/>
-            </a:endParaRPr>
-          </a:p>
-          <a:p>
-            <a:pPr lvl="1"/>
-            <a:r>
-              <a:rPr lang="it-IT" dirty="0">
-                <a:latin typeface="SF Pro Text" pitchFamily="2" charset="0"/>
-                <a:ea typeface="SF Pro Text" pitchFamily="2" charset="0"/>
-                <a:cs typeface="SF Pro Text" pitchFamily="2" charset="0"/>
-              </a:rPr>
-              <a:t>Risoluzione di indirizzi locali</a:t>
+              <a:t>repeater</a:t>
+            </a:r>
+            <a:r>
+              <a:rPr lang="it-IT" dirty="0">
+                <a:latin typeface="SF Pro Text" pitchFamily="2" charset="0"/>
+                <a:ea typeface="SF Pro Text" pitchFamily="2" charset="0"/>
+                <a:cs typeface="SF Pro Text" pitchFamily="2" charset="0"/>
+              </a:rPr>
+              <a:t> ed altri dispositivi che annunciano reti wireless</a:t>
+            </a:r>
+          </a:p>
+          <a:p>
+            <a:r>
+              <a:rPr lang="it-IT" dirty="0">
+                <a:latin typeface="SF Pro Text" pitchFamily="2" charset="0"/>
+                <a:ea typeface="SF Pro Text" pitchFamily="2" charset="0"/>
+                <a:cs typeface="SF Pro Text" pitchFamily="2" charset="0"/>
+              </a:rPr>
+              <a:t>Ricostruzione attraverso euristiche e validazione data dalla conoscenza della topologia della rete</a:t>
             </a:r>
           </a:p>
         </p:txBody>
@@ -4430,7 +7138,7 @@
 </p:sld>
 </file>
 
-<file path=ppt/slides/slide12.xml><?xml version="1.0" encoding="utf-8"?>
+<file path=ppt/slides/slide8.xml><?xml version="1.0" encoding="utf-8"?>
 <p:sld xmlns:a="http://schemas.openxmlformats.org/drawingml/2006/main" xmlns:r="http://schemas.openxmlformats.org/officeDocument/2006/relationships" xmlns:p="http://schemas.openxmlformats.org/presentationml/2006/main">
   <p:cSld>
     <p:spTree>
@@ -4620,7 +7328,7 @@
 </p:sld>
 </file>
 
-<file path=ppt/slides/slide13.xml><?xml version="1.0" encoding="utf-8"?>
+<file path=ppt/slides/slide9.xml><?xml version="1.0" encoding="utf-8"?>
 <p:sld xmlns:a="http://schemas.openxmlformats.org/drawingml/2006/main" xmlns:r="http://schemas.openxmlformats.org/officeDocument/2006/relationships" xmlns:p="http://schemas.openxmlformats.org/presentationml/2006/main">
   <p:cSld>
     <p:spTree>
@@ -5124,2366 +7832,6 @@
     <p:extLst>
       <p:ext uri="{BB962C8B-B14F-4D97-AF65-F5344CB8AC3E}">
         <p14:creationId xmlns:p14="http://schemas.microsoft.com/office/powerpoint/2010/main" val="3883438021"/>
-      </p:ext>
-    </p:extLst>
-  </p:cSld>
-  <p:clrMapOvr>
-    <a:masterClrMapping/>
-  </p:clrMapOvr>
-</p:sld>
-</file>
-
-<file path=ppt/slides/slide14.xml><?xml version="1.0" encoding="utf-8"?>
-<p:sld xmlns:a="http://schemas.openxmlformats.org/drawingml/2006/main" xmlns:r="http://schemas.openxmlformats.org/officeDocument/2006/relationships" xmlns:p="http://schemas.openxmlformats.org/presentationml/2006/main">
-  <p:cSld>
-    <p:spTree>
-      <p:nvGrpSpPr>
-        <p:cNvPr id="1" name=""/>
-        <p:cNvGrpSpPr/>
-        <p:nvPr/>
-      </p:nvGrpSpPr>
-      <p:grpSpPr>
-        <a:xfrm>
-          <a:off x="0" y="0"/>
-          <a:ext cx="0" cy="0"/>
-          <a:chOff x="0" y="0"/>
-          <a:chExt cx="0" cy="0"/>
-        </a:xfrm>
-      </p:grpSpPr>
-      <p:sp>
-        <p:nvSpPr>
-          <p:cNvPr id="2" name="Title 1">
-            <a:extLst>
-              <a:ext uri="{FF2B5EF4-FFF2-40B4-BE49-F238E27FC236}">
-                <a16:creationId xmlns:a16="http://schemas.microsoft.com/office/drawing/2014/main" id="{EFCC0D2A-105A-2A46-BCDA-2D846645CBB2}"/>
-              </a:ext>
-            </a:extLst>
-          </p:cNvPr>
-          <p:cNvSpPr>
-            <a:spLocks noGrp="1"/>
-          </p:cNvSpPr>
-          <p:nvPr>
-            <p:ph type="title"/>
-          </p:nvPr>
-        </p:nvSpPr>
-        <p:spPr/>
-        <p:txBody>
-          <a:bodyPr/>
-          <a:lstStyle/>
-          <a:p>
-            <a:r>
-              <a:rPr lang="it-IT" dirty="0">
-                <a:latin typeface="SF Pro Display" pitchFamily="2" charset="0"/>
-                <a:ea typeface="SF Pro Display" pitchFamily="2" charset="0"/>
-                <a:cs typeface="SF Pro Display" pitchFamily="2" charset="0"/>
-              </a:rPr>
-              <a:t>Analisi della performance</a:t>
-            </a:r>
-          </a:p>
-        </p:txBody>
-      </p:sp>
-      <p:sp>
-        <p:nvSpPr>
-          <p:cNvPr id="3" name="Content Placeholder 2">
-            <a:extLst>
-              <a:ext uri="{FF2B5EF4-FFF2-40B4-BE49-F238E27FC236}">
-                <a16:creationId xmlns:a16="http://schemas.microsoft.com/office/drawing/2014/main" id="{1F179D51-232E-1A40-B09A-A20E845C5B2D}"/>
-              </a:ext>
-            </a:extLst>
-          </p:cNvPr>
-          <p:cNvSpPr>
-            <a:spLocks noGrp="1"/>
-          </p:cNvSpPr>
-          <p:nvPr>
-            <p:ph idx="1"/>
-          </p:nvPr>
-        </p:nvSpPr>
-        <p:spPr/>
-        <p:txBody>
-          <a:bodyPr/>
-          <a:lstStyle/>
-          <a:p>
-            <a:r>
-              <a:rPr lang="it-IT" dirty="0">
-                <a:latin typeface="SF Pro Text" pitchFamily="2" charset="0"/>
-                <a:ea typeface="SF Pro Text" pitchFamily="2" charset="0"/>
-                <a:cs typeface="SF Pro Text" pitchFamily="2" charset="0"/>
-              </a:rPr>
-              <a:t>Uso di memoria dipendente dal traffico</a:t>
-            </a:r>
-          </a:p>
-          <a:p>
-            <a:pPr lvl="1"/>
-            <a:r>
-              <a:rPr lang="it-IT" dirty="0">
-                <a:latin typeface="SF Pro Text" pitchFamily="2" charset="0"/>
-                <a:ea typeface="SF Pro Text" pitchFamily="2" charset="0"/>
-                <a:cs typeface="SF Pro Text" pitchFamily="2" charset="0"/>
-              </a:rPr>
-              <a:t>~20MB per 30,000 pacchetti catturati ed analizzati</a:t>
-            </a:r>
-          </a:p>
-          <a:p>
-            <a:pPr lvl="1"/>
-            <a:r>
-              <a:rPr lang="it-IT" dirty="0">
-                <a:latin typeface="SF Pro Text" pitchFamily="2" charset="0"/>
-                <a:ea typeface="SF Pro Text" pitchFamily="2" charset="0"/>
-                <a:cs typeface="SF Pro Text" pitchFamily="2" charset="0"/>
-              </a:rPr>
-              <a:t>Generalmente ~5MB per catture live di 15 secondi</a:t>
-            </a:r>
-          </a:p>
-          <a:p>
-            <a:r>
-              <a:rPr lang="it-IT" dirty="0">
-                <a:latin typeface="SF Pro Text" pitchFamily="2" charset="0"/>
-                <a:ea typeface="SF Pro Text" pitchFamily="2" charset="0"/>
-                <a:cs typeface="SF Pro Text" pitchFamily="2" charset="0"/>
-              </a:rPr>
-              <a:t>Tempo di calcolo principalmente dovuto alla cattura</a:t>
-            </a:r>
-          </a:p>
-          <a:p>
-            <a:pPr lvl="1"/>
-            <a:r>
-              <a:rPr lang="it-IT" dirty="0">
-                <a:latin typeface="SF Pro Text" pitchFamily="2" charset="0"/>
-                <a:ea typeface="SF Pro Text" pitchFamily="2" charset="0"/>
-                <a:cs typeface="SF Pro Text" pitchFamily="2" charset="0"/>
-              </a:rPr>
-              <a:t>Cattura costante</a:t>
-            </a:r>
-          </a:p>
-          <a:p>
-            <a:pPr lvl="1"/>
-            <a:r>
-              <a:rPr lang="it-IT" dirty="0">
-                <a:latin typeface="SF Pro Text" pitchFamily="2" charset="0"/>
-                <a:ea typeface="SF Pro Text" pitchFamily="2" charset="0"/>
-                <a:cs typeface="SF Pro Text" pitchFamily="2" charset="0"/>
-              </a:rPr>
-              <a:t>Cattura programmata per una durata a scelta</a:t>
-            </a:r>
-          </a:p>
-          <a:p>
-            <a:r>
-              <a:rPr lang="it-IT" dirty="0">
-                <a:latin typeface="SF Pro Text" pitchFamily="2" charset="0"/>
-                <a:ea typeface="SF Pro Text" pitchFamily="2" charset="0"/>
-                <a:cs typeface="SF Pro Text" pitchFamily="2" charset="0"/>
-              </a:rPr>
-              <a:t>Soluzione implementabile su:</a:t>
-            </a:r>
-          </a:p>
-          <a:p>
-            <a:pPr lvl="1"/>
-            <a:r>
-              <a:rPr lang="it-IT" dirty="0">
-                <a:latin typeface="SF Pro Text" pitchFamily="2" charset="0"/>
-                <a:ea typeface="SF Pro Text" pitchFamily="2" charset="0"/>
-                <a:cs typeface="SF Pro Text" pitchFamily="2" charset="0"/>
-              </a:rPr>
-              <a:t>Router</a:t>
-            </a:r>
-          </a:p>
-          <a:p>
-            <a:pPr lvl="1"/>
-            <a:r>
-              <a:rPr lang="it-IT" dirty="0">
-                <a:latin typeface="SF Pro Text" pitchFamily="2" charset="0"/>
-                <a:ea typeface="SF Pro Text" pitchFamily="2" charset="0"/>
-                <a:cs typeface="SF Pro Text" pitchFamily="2" charset="0"/>
-              </a:rPr>
-              <a:t>Smartphone</a:t>
-            </a:r>
-          </a:p>
-          <a:p>
-            <a:pPr lvl="1"/>
-            <a:r>
-              <a:rPr lang="it-IT" dirty="0">
-                <a:latin typeface="SF Pro Text" pitchFamily="2" charset="0"/>
-                <a:ea typeface="SF Pro Text" pitchFamily="2" charset="0"/>
-                <a:cs typeface="SF Pro Text" pitchFamily="2" charset="0"/>
-              </a:rPr>
-              <a:t>SBC</a:t>
-            </a:r>
-          </a:p>
-          <a:p>
-            <a:pPr lvl="1"/>
-            <a:endParaRPr lang="it-IT" dirty="0">
-              <a:latin typeface="SF Pro Text" pitchFamily="2" charset="0"/>
-              <a:ea typeface="SF Pro Text" pitchFamily="2" charset="0"/>
-              <a:cs typeface="SF Pro Text" pitchFamily="2" charset="0"/>
-            </a:endParaRPr>
-          </a:p>
-          <a:p>
-            <a:pPr lvl="1"/>
-            <a:endParaRPr lang="it-IT" dirty="0">
-              <a:latin typeface="SF Pro Text" pitchFamily="2" charset="0"/>
-              <a:ea typeface="SF Pro Text" pitchFamily="2" charset="0"/>
-              <a:cs typeface="SF Pro Text" pitchFamily="2" charset="0"/>
-            </a:endParaRPr>
-          </a:p>
-          <a:p>
-            <a:pPr lvl="1"/>
-            <a:endParaRPr lang="it-IT" dirty="0">
-              <a:latin typeface="SF Pro Text" pitchFamily="2" charset="0"/>
-              <a:ea typeface="SF Pro Text" pitchFamily="2" charset="0"/>
-              <a:cs typeface="SF Pro Text" pitchFamily="2" charset="0"/>
-            </a:endParaRPr>
-          </a:p>
-          <a:p>
-            <a:pPr lvl="1"/>
-            <a:endParaRPr lang="it-IT" dirty="0">
-              <a:latin typeface="SF Pro Text" pitchFamily="2" charset="0"/>
-              <a:ea typeface="SF Pro Text" pitchFamily="2" charset="0"/>
-              <a:cs typeface="SF Pro Text" pitchFamily="2" charset="0"/>
-            </a:endParaRPr>
-          </a:p>
-        </p:txBody>
-      </p:sp>
-    </p:spTree>
-    <p:extLst>
-      <p:ext uri="{BB962C8B-B14F-4D97-AF65-F5344CB8AC3E}">
-        <p14:creationId xmlns:p14="http://schemas.microsoft.com/office/powerpoint/2010/main" val="1444998106"/>
-      </p:ext>
-    </p:extLst>
-  </p:cSld>
-  <p:clrMapOvr>
-    <a:masterClrMapping/>
-  </p:clrMapOvr>
-</p:sld>
-</file>
-
-<file path=ppt/slides/slide15.xml><?xml version="1.0" encoding="utf-8"?>
-<p:sld xmlns:a="http://schemas.openxmlformats.org/drawingml/2006/main" xmlns:r="http://schemas.openxmlformats.org/officeDocument/2006/relationships" xmlns:p="http://schemas.openxmlformats.org/presentationml/2006/main">
-  <p:cSld>
-    <p:spTree>
-      <p:nvGrpSpPr>
-        <p:cNvPr id="1" name=""/>
-        <p:cNvGrpSpPr/>
-        <p:nvPr/>
-      </p:nvGrpSpPr>
-      <p:grpSpPr>
-        <a:xfrm>
-          <a:off x="0" y="0"/>
-          <a:ext cx="0" cy="0"/>
-          <a:chOff x="0" y="0"/>
-          <a:chExt cx="0" cy="0"/>
-        </a:xfrm>
-      </p:grpSpPr>
-      <p:sp>
-        <p:nvSpPr>
-          <p:cNvPr id="2" name="Title 1">
-            <a:extLst>
-              <a:ext uri="{FF2B5EF4-FFF2-40B4-BE49-F238E27FC236}">
-                <a16:creationId xmlns:a16="http://schemas.microsoft.com/office/drawing/2014/main" id="{9CCAD127-879B-3449-8443-9F007902E099}"/>
-              </a:ext>
-            </a:extLst>
-          </p:cNvPr>
-          <p:cNvSpPr>
-            <a:spLocks noGrp="1"/>
-          </p:cNvSpPr>
-          <p:nvPr>
-            <p:ph type="title"/>
-          </p:nvPr>
-        </p:nvSpPr>
-        <p:spPr/>
-        <p:txBody>
-          <a:bodyPr/>
-          <a:lstStyle/>
-          <a:p>
-            <a:r>
-              <a:rPr lang="it-IT" dirty="0">
-                <a:latin typeface="SF Pro Display" pitchFamily="2" charset="0"/>
-                <a:ea typeface="SF Pro Display" pitchFamily="2" charset="0"/>
-                <a:cs typeface="SF Pro Display" pitchFamily="2" charset="0"/>
-              </a:rPr>
-              <a:t>Lavori futuri</a:t>
-            </a:r>
-          </a:p>
-        </p:txBody>
-      </p:sp>
-      <p:sp>
-        <p:nvSpPr>
-          <p:cNvPr id="3" name="Content Placeholder 2">
-            <a:extLst>
-              <a:ext uri="{FF2B5EF4-FFF2-40B4-BE49-F238E27FC236}">
-                <a16:creationId xmlns:a16="http://schemas.microsoft.com/office/drawing/2014/main" id="{1F345B69-E527-2E4C-96EB-F0497A7C98D3}"/>
-              </a:ext>
-            </a:extLst>
-          </p:cNvPr>
-          <p:cNvSpPr>
-            <a:spLocks noGrp="1"/>
-          </p:cNvSpPr>
-          <p:nvPr>
-            <p:ph idx="1"/>
-          </p:nvPr>
-        </p:nvSpPr>
-        <p:spPr/>
-        <p:txBody>
-          <a:bodyPr>
-            <a:normAutofit/>
-          </a:bodyPr>
-          <a:lstStyle/>
-          <a:p>
-            <a:r>
-              <a:rPr lang="it-IT" dirty="0">
-                <a:latin typeface="SF Pro Text" pitchFamily="2" charset="0"/>
-                <a:ea typeface="SF Pro Text" pitchFamily="2" charset="0"/>
-                <a:cs typeface="SF Pro Text" pitchFamily="2" charset="0"/>
-              </a:rPr>
-              <a:t>Estendere il supporto di </a:t>
-            </a:r>
-            <a:r>
-              <a:rPr lang="it-IT" dirty="0" err="1">
-                <a:latin typeface="SF Pro Text" pitchFamily="2" charset="0"/>
-                <a:ea typeface="SF Pro Text" pitchFamily="2" charset="0"/>
-                <a:cs typeface="SF Pro Text" pitchFamily="2" charset="0"/>
-              </a:rPr>
-              <a:t>WiFi-Topology</a:t>
-            </a:r>
-            <a:r>
-              <a:rPr lang="it-IT" dirty="0">
-                <a:latin typeface="SF Pro Text" pitchFamily="2" charset="0"/>
-                <a:ea typeface="SF Pro Text" pitchFamily="2" charset="0"/>
-                <a:cs typeface="SF Pro Text" pitchFamily="2" charset="0"/>
-              </a:rPr>
-              <a:t> a reti professionali</a:t>
-            </a:r>
-          </a:p>
-          <a:p>
-            <a:pPr lvl="1"/>
-            <a:r>
-              <a:rPr lang="it-IT" dirty="0">
-                <a:latin typeface="SF Pro Text" pitchFamily="2" charset="0"/>
-                <a:ea typeface="SF Pro Text" pitchFamily="2" charset="0"/>
-                <a:cs typeface="SF Pro Text" pitchFamily="2" charset="0"/>
-              </a:rPr>
-              <a:t>Analisi dei frame destinati a Wireless Distribution Systems (WDS)</a:t>
-            </a:r>
-          </a:p>
-          <a:p>
-            <a:r>
-              <a:rPr lang="it-IT" dirty="0">
-                <a:latin typeface="SF Pro Text" pitchFamily="2" charset="0"/>
-                <a:ea typeface="SF Pro Text" pitchFamily="2" charset="0"/>
-                <a:cs typeface="SF Pro Text" pitchFamily="2" charset="0"/>
-              </a:rPr>
-              <a:t>Aggiunta di euristiche riguardanti canali Wi-Fi</a:t>
-            </a:r>
-          </a:p>
-          <a:p>
-            <a:r>
-              <a:rPr lang="it-IT" dirty="0">
-                <a:latin typeface="SF Pro Text" pitchFamily="2" charset="0"/>
-                <a:ea typeface="SF Pro Text" pitchFamily="2" charset="0"/>
-                <a:cs typeface="SF Pro Text" pitchFamily="2" charset="0"/>
-              </a:rPr>
-              <a:t>Calcolo di statistiche TCP</a:t>
-            </a:r>
-          </a:p>
-          <a:p>
-            <a:pPr lvl="1"/>
-            <a:r>
-              <a:rPr lang="it-IT" dirty="0">
-                <a:latin typeface="SF Pro Text" pitchFamily="2" charset="0"/>
-                <a:ea typeface="SF Pro Text" pitchFamily="2" charset="0"/>
-                <a:cs typeface="SF Pro Text" pitchFamily="2" charset="0"/>
-              </a:rPr>
-              <a:t>Perdita pacchetti</a:t>
-            </a:r>
-          </a:p>
-          <a:p>
-            <a:pPr lvl="1"/>
-            <a:r>
-              <a:rPr lang="it-IT" dirty="0">
-                <a:latin typeface="SF Pro Text" pitchFamily="2" charset="0"/>
-                <a:ea typeface="SF Pro Text" pitchFamily="2" charset="0"/>
-                <a:cs typeface="SF Pro Text" pitchFamily="2" charset="0"/>
-              </a:rPr>
-              <a:t>Pacchetti out of </a:t>
-            </a:r>
-            <a:r>
-              <a:rPr lang="it-IT" dirty="0" err="1">
-                <a:latin typeface="SF Pro Text" pitchFamily="2" charset="0"/>
-                <a:ea typeface="SF Pro Text" pitchFamily="2" charset="0"/>
-                <a:cs typeface="SF Pro Text" pitchFamily="2" charset="0"/>
-              </a:rPr>
-              <a:t>order</a:t>
-            </a:r>
-            <a:endParaRPr lang="it-IT" dirty="0">
-              <a:latin typeface="SF Pro Text" pitchFamily="2" charset="0"/>
-              <a:ea typeface="SF Pro Text" pitchFamily="2" charset="0"/>
-              <a:cs typeface="SF Pro Text" pitchFamily="2" charset="0"/>
-            </a:endParaRPr>
-          </a:p>
-          <a:p>
-            <a:pPr lvl="1"/>
-            <a:r>
-              <a:rPr lang="it-IT" dirty="0">
-                <a:latin typeface="SF Pro Text" pitchFamily="2" charset="0"/>
-                <a:ea typeface="SF Pro Text" pitchFamily="2" charset="0"/>
-                <a:cs typeface="SF Pro Text" pitchFamily="2" charset="0"/>
-              </a:rPr>
-              <a:t>Ritrasmissioni</a:t>
-            </a:r>
-          </a:p>
-          <a:p>
-            <a:r>
-              <a:rPr lang="it-IT" dirty="0">
-                <a:latin typeface="SF Pro Text" pitchFamily="2" charset="0"/>
-                <a:ea typeface="SF Pro Text" pitchFamily="2" charset="0"/>
-                <a:cs typeface="SF Pro Text" pitchFamily="2" charset="0"/>
-              </a:rPr>
-              <a:t>Implementazione di tecniche per il service </a:t>
-            </a:r>
-            <a:r>
-              <a:rPr lang="it-IT" dirty="0" err="1">
-                <a:latin typeface="SF Pro Text" pitchFamily="2" charset="0"/>
-                <a:ea typeface="SF Pro Text" pitchFamily="2" charset="0"/>
-                <a:cs typeface="SF Pro Text" pitchFamily="2" charset="0"/>
-              </a:rPr>
-              <a:t>discovery</a:t>
-            </a:r>
-            <a:endParaRPr lang="it-IT" dirty="0">
-              <a:latin typeface="SF Pro Text" pitchFamily="2" charset="0"/>
-              <a:ea typeface="SF Pro Text" pitchFamily="2" charset="0"/>
-              <a:cs typeface="SF Pro Text" pitchFamily="2" charset="0"/>
-            </a:endParaRPr>
-          </a:p>
-          <a:p>
-            <a:r>
-              <a:rPr lang="it-IT" dirty="0">
-                <a:latin typeface="SF Pro Text" pitchFamily="2" charset="0"/>
-                <a:ea typeface="SF Pro Text" pitchFamily="2" charset="0"/>
-                <a:cs typeface="SF Pro Text" pitchFamily="2" charset="0"/>
-              </a:rPr>
-              <a:t>Database di indirizzi MAC</a:t>
-            </a:r>
-          </a:p>
-          <a:p>
-            <a:endParaRPr lang="it-IT" dirty="0">
-              <a:latin typeface="SF Pro Text" pitchFamily="2" charset="0"/>
-              <a:ea typeface="SF Pro Text" pitchFamily="2" charset="0"/>
-              <a:cs typeface="SF Pro Text" pitchFamily="2" charset="0"/>
-            </a:endParaRPr>
-          </a:p>
-        </p:txBody>
-      </p:sp>
-    </p:spTree>
-    <p:extLst>
-      <p:ext uri="{BB962C8B-B14F-4D97-AF65-F5344CB8AC3E}">
-        <p14:creationId xmlns:p14="http://schemas.microsoft.com/office/powerpoint/2010/main" val="375993403"/>
-      </p:ext>
-    </p:extLst>
-  </p:cSld>
-  <p:clrMapOvr>
-    <a:masterClrMapping/>
-  </p:clrMapOvr>
-</p:sld>
-</file>
-
-<file path=ppt/slides/slide16.xml><?xml version="1.0" encoding="utf-8"?>
-<p:sld xmlns:a="http://schemas.openxmlformats.org/drawingml/2006/main" xmlns:r="http://schemas.openxmlformats.org/officeDocument/2006/relationships" xmlns:p="http://schemas.openxmlformats.org/presentationml/2006/main">
-  <p:cSld>
-    <p:spTree>
-      <p:nvGrpSpPr>
-        <p:cNvPr id="1" name=""/>
-        <p:cNvGrpSpPr/>
-        <p:nvPr/>
-      </p:nvGrpSpPr>
-      <p:grpSpPr>
-        <a:xfrm>
-          <a:off x="0" y="0"/>
-          <a:ext cx="0" cy="0"/>
-          <a:chOff x="0" y="0"/>
-          <a:chExt cx="0" cy="0"/>
-        </a:xfrm>
-      </p:grpSpPr>
-      <p:sp>
-        <p:nvSpPr>
-          <p:cNvPr id="2" name="Title 1">
-            <a:extLst>
-              <a:ext uri="{FF2B5EF4-FFF2-40B4-BE49-F238E27FC236}">
-                <a16:creationId xmlns:a16="http://schemas.microsoft.com/office/drawing/2014/main" id="{74478745-367F-5F4A-B990-81AE6953DF39}"/>
-              </a:ext>
-            </a:extLst>
-          </p:cNvPr>
-          <p:cNvSpPr>
-            <a:spLocks noGrp="1"/>
-          </p:cNvSpPr>
-          <p:nvPr>
-            <p:ph type="title"/>
-          </p:nvPr>
-        </p:nvSpPr>
-        <p:spPr/>
-        <p:txBody>
-          <a:bodyPr/>
-          <a:lstStyle/>
-          <a:p>
-            <a:r>
-              <a:rPr lang="it-IT" dirty="0">
-                <a:latin typeface="SF Pro Display" pitchFamily="2" charset="0"/>
-                <a:ea typeface="SF Pro Display" pitchFamily="2" charset="0"/>
-                <a:cs typeface="SF Pro Display" pitchFamily="2" charset="0"/>
-              </a:rPr>
-              <a:t>Conclusioni</a:t>
-            </a:r>
-          </a:p>
-        </p:txBody>
-      </p:sp>
-      <p:sp>
-        <p:nvSpPr>
-          <p:cNvPr id="3" name="Content Placeholder 2">
-            <a:extLst>
-              <a:ext uri="{FF2B5EF4-FFF2-40B4-BE49-F238E27FC236}">
-                <a16:creationId xmlns:a16="http://schemas.microsoft.com/office/drawing/2014/main" id="{C8AD43A0-35E8-3244-B110-3172A9AF5893}"/>
-              </a:ext>
-            </a:extLst>
-          </p:cNvPr>
-          <p:cNvSpPr>
-            <a:spLocks noGrp="1"/>
-          </p:cNvSpPr>
-          <p:nvPr>
-            <p:ph idx="1"/>
-          </p:nvPr>
-        </p:nvSpPr>
-        <p:spPr/>
-        <p:txBody>
-          <a:bodyPr/>
-          <a:lstStyle/>
-          <a:p>
-            <a:r>
-              <a:rPr lang="it-IT" dirty="0">
-                <a:latin typeface="SF Pro Text" pitchFamily="2" charset="0"/>
-                <a:ea typeface="SF Pro Text" pitchFamily="2" charset="0"/>
-                <a:cs typeface="SF Pro Text" pitchFamily="2" charset="0"/>
-              </a:rPr>
-              <a:t>Sviluppo ed implementazione di una soluzione open-source</a:t>
-            </a:r>
-          </a:p>
-          <a:p>
-            <a:pPr lvl="1"/>
-            <a:r>
-              <a:rPr lang="it-IT" dirty="0" err="1">
-                <a:latin typeface="SF Pro Text" pitchFamily="2" charset="0"/>
-                <a:ea typeface="SF Pro Text" pitchFamily="2" charset="0"/>
-                <a:cs typeface="SF Pro Text" pitchFamily="2" charset="0"/>
-              </a:rPr>
-              <a:t>ArpScanner</a:t>
-            </a:r>
-            <a:endParaRPr lang="it-IT" dirty="0">
-              <a:latin typeface="SF Pro Text" pitchFamily="2" charset="0"/>
-              <a:ea typeface="SF Pro Text" pitchFamily="2" charset="0"/>
-              <a:cs typeface="SF Pro Text" pitchFamily="2" charset="0"/>
-            </a:endParaRPr>
-          </a:p>
-          <a:p>
-            <a:pPr lvl="1"/>
-            <a:r>
-              <a:rPr lang="it-IT" dirty="0" err="1">
-                <a:latin typeface="SF Pro Text" pitchFamily="2" charset="0"/>
-                <a:ea typeface="SF Pro Text" pitchFamily="2" charset="0"/>
-                <a:cs typeface="SF Pro Text" pitchFamily="2" charset="0"/>
-              </a:rPr>
-              <a:t>WiFi-Topology</a:t>
-            </a:r>
-            <a:endParaRPr lang="it-IT" dirty="0">
-              <a:latin typeface="SF Pro Text" pitchFamily="2" charset="0"/>
-              <a:ea typeface="SF Pro Text" pitchFamily="2" charset="0"/>
-              <a:cs typeface="SF Pro Text" pitchFamily="2" charset="0"/>
-            </a:endParaRPr>
-          </a:p>
-          <a:p>
-            <a:r>
-              <a:rPr lang="it-IT" dirty="0">
-                <a:latin typeface="SF Pro Text" pitchFamily="2" charset="0"/>
-                <a:ea typeface="SF Pro Text" pitchFamily="2" charset="0"/>
-                <a:cs typeface="SF Pro Text" pitchFamily="2" charset="0"/>
-              </a:rPr>
-              <a:t>Validata correttamente su diversi tipi di reti:</a:t>
-            </a:r>
-          </a:p>
-          <a:p>
-            <a:pPr lvl="1"/>
-            <a:r>
-              <a:rPr lang="it-IT" dirty="0">
-                <a:latin typeface="SF Pro Text" pitchFamily="2" charset="0"/>
-                <a:ea typeface="SF Pro Text" pitchFamily="2" charset="0"/>
-                <a:cs typeface="SF Pro Text" pitchFamily="2" charset="0"/>
-              </a:rPr>
-              <a:t>Semplici</a:t>
-            </a:r>
-          </a:p>
-          <a:p>
-            <a:pPr lvl="1"/>
-            <a:r>
-              <a:rPr lang="it-IT" dirty="0">
-                <a:latin typeface="SF Pro Text" pitchFamily="2" charset="0"/>
-                <a:ea typeface="SF Pro Text" pitchFamily="2" charset="0"/>
-                <a:cs typeface="SF Pro Text" pitchFamily="2" charset="0"/>
-              </a:rPr>
-              <a:t>Complesse</a:t>
-            </a:r>
-          </a:p>
-          <a:p>
-            <a:r>
-              <a:rPr lang="it-IT" dirty="0">
-                <a:latin typeface="SF Pro Text" pitchFamily="2" charset="0"/>
-                <a:ea typeface="SF Pro Text" pitchFamily="2" charset="0"/>
-                <a:cs typeface="SF Pro Text" pitchFamily="2" charset="0"/>
-              </a:rPr>
-              <a:t>Rilevamento specifico di nodi affetti da disservizi</a:t>
-            </a:r>
-          </a:p>
-          <a:p>
-            <a:r>
-              <a:rPr lang="it-IT" dirty="0">
-                <a:latin typeface="SF Pro Text" pitchFamily="2" charset="0"/>
-                <a:ea typeface="SF Pro Text" pitchFamily="2" charset="0"/>
-                <a:cs typeface="SF Pro Text" pitchFamily="2" charset="0"/>
-              </a:rPr>
-              <a:t>Contenuto utilizzo di risorse</a:t>
-            </a:r>
-          </a:p>
-          <a:p>
-            <a:r>
-              <a:rPr lang="it-IT" dirty="0">
-                <a:latin typeface="SF Pro Text" pitchFamily="2" charset="0"/>
-                <a:ea typeface="SF Pro Text" pitchFamily="2" charset="0"/>
-                <a:cs typeface="SF Pro Text" pitchFamily="2" charset="0"/>
-              </a:rPr>
-              <a:t>Estendibile a reti di tipo professionale</a:t>
-            </a:r>
-          </a:p>
-          <a:p>
-            <a:endParaRPr lang="it-IT" dirty="0">
-              <a:latin typeface="SF Pro Text" pitchFamily="2" charset="0"/>
-              <a:ea typeface="SF Pro Text" pitchFamily="2" charset="0"/>
-              <a:cs typeface="SF Pro Text" pitchFamily="2" charset="0"/>
-            </a:endParaRPr>
-          </a:p>
-        </p:txBody>
-      </p:sp>
-    </p:spTree>
-    <p:extLst>
-      <p:ext uri="{BB962C8B-B14F-4D97-AF65-F5344CB8AC3E}">
-        <p14:creationId xmlns:p14="http://schemas.microsoft.com/office/powerpoint/2010/main" val="1384587162"/>
-      </p:ext>
-    </p:extLst>
-  </p:cSld>
-  <p:clrMapOvr>
-    <a:masterClrMapping/>
-  </p:clrMapOvr>
-</p:sld>
-</file>
-
-<file path=ppt/slides/slide17.xml><?xml version="1.0" encoding="utf-8"?>
-<p:sld xmlns:a="http://schemas.openxmlformats.org/drawingml/2006/main" xmlns:r="http://schemas.openxmlformats.org/officeDocument/2006/relationships" xmlns:p="http://schemas.openxmlformats.org/presentationml/2006/main">
-  <p:cSld>
-    <p:spTree>
-      <p:nvGrpSpPr>
-        <p:cNvPr id="1" name=""/>
-        <p:cNvGrpSpPr/>
-        <p:nvPr/>
-      </p:nvGrpSpPr>
-      <p:grpSpPr>
-        <a:xfrm>
-          <a:off x="0" y="0"/>
-          <a:ext cx="0" cy="0"/>
-          <a:chOff x="0" y="0"/>
-          <a:chExt cx="0" cy="0"/>
-        </a:xfrm>
-      </p:grpSpPr>
-      <p:sp>
-        <p:nvSpPr>
-          <p:cNvPr id="4" name="Title 3">
-            <a:extLst>
-              <a:ext uri="{FF2B5EF4-FFF2-40B4-BE49-F238E27FC236}">
-                <a16:creationId xmlns:a16="http://schemas.microsoft.com/office/drawing/2014/main" id="{D93F61B8-84B7-8246-9AEC-5C26E7307065}"/>
-              </a:ext>
-            </a:extLst>
-          </p:cNvPr>
-          <p:cNvSpPr>
-            <a:spLocks noGrp="1"/>
-          </p:cNvSpPr>
-          <p:nvPr>
-            <p:ph type="title"/>
-          </p:nvPr>
-        </p:nvSpPr>
-        <p:spPr>
-          <a:xfrm>
-            <a:off x="838200" y="2463966"/>
-            <a:ext cx="10515600" cy="965034"/>
-          </a:xfrm>
-        </p:spPr>
-        <p:txBody>
-          <a:bodyPr/>
-          <a:lstStyle/>
-          <a:p>
-            <a:pPr algn="ctr"/>
-            <a:r>
-              <a:rPr lang="it-IT" dirty="0">
-                <a:latin typeface="SF Pro Display" pitchFamily="2" charset="0"/>
-                <a:ea typeface="SF Pro Display" pitchFamily="2" charset="0"/>
-                <a:cs typeface="SF Pro Display" pitchFamily="2" charset="0"/>
-              </a:rPr>
-              <a:t>Grazie per l’attenzione</a:t>
-            </a:r>
-          </a:p>
-        </p:txBody>
-      </p:sp>
-    </p:spTree>
-    <p:extLst>
-      <p:ext uri="{BB962C8B-B14F-4D97-AF65-F5344CB8AC3E}">
-        <p14:creationId xmlns:p14="http://schemas.microsoft.com/office/powerpoint/2010/main" val="1021218627"/>
-      </p:ext>
-    </p:extLst>
-  </p:cSld>
-  <p:clrMapOvr>
-    <a:masterClrMapping/>
-  </p:clrMapOvr>
-</p:sld>
-</file>
-
-<file path=ppt/slides/slide2.xml><?xml version="1.0" encoding="utf-8"?>
-<p:sld xmlns:a="http://schemas.openxmlformats.org/drawingml/2006/main" xmlns:r="http://schemas.openxmlformats.org/officeDocument/2006/relationships" xmlns:p="http://schemas.openxmlformats.org/presentationml/2006/main">
-  <p:cSld>
-    <p:spTree>
-      <p:nvGrpSpPr>
-        <p:cNvPr id="1" name=""/>
-        <p:cNvGrpSpPr/>
-        <p:nvPr/>
-      </p:nvGrpSpPr>
-      <p:grpSpPr>
-        <a:xfrm>
-          <a:off x="0" y="0"/>
-          <a:ext cx="0" cy="0"/>
-          <a:chOff x="0" y="0"/>
-          <a:chExt cx="0" cy="0"/>
-        </a:xfrm>
-      </p:grpSpPr>
-      <p:sp>
-        <p:nvSpPr>
-          <p:cNvPr id="2" name="Title 1">
-            <a:extLst>
-              <a:ext uri="{FF2B5EF4-FFF2-40B4-BE49-F238E27FC236}">
-                <a16:creationId xmlns:a16="http://schemas.microsoft.com/office/drawing/2014/main" id="{F7DE8C56-E1D0-9840-AE1E-81E377D0BA6C}"/>
-              </a:ext>
-            </a:extLst>
-          </p:cNvPr>
-          <p:cNvSpPr>
-            <a:spLocks noGrp="1"/>
-          </p:cNvSpPr>
-          <p:nvPr>
-            <p:ph type="title"/>
-          </p:nvPr>
-        </p:nvSpPr>
-        <p:spPr/>
-        <p:txBody>
-          <a:bodyPr/>
-          <a:lstStyle/>
-          <a:p>
-            <a:r>
-              <a:rPr lang="it-IT" dirty="0">
-                <a:latin typeface="SF Pro Display" pitchFamily="2" charset="0"/>
-                <a:ea typeface="SF Pro Display" pitchFamily="2" charset="0"/>
-                <a:cs typeface="SF Pro Display" pitchFamily="2" charset="0"/>
-              </a:rPr>
-              <a:t>Sviluppo delle reti e traffico</a:t>
-            </a:r>
-          </a:p>
-        </p:txBody>
-      </p:sp>
-      <p:sp>
-        <p:nvSpPr>
-          <p:cNvPr id="3" name="Content Placeholder 2">
-            <a:extLst>
-              <a:ext uri="{FF2B5EF4-FFF2-40B4-BE49-F238E27FC236}">
-                <a16:creationId xmlns:a16="http://schemas.microsoft.com/office/drawing/2014/main" id="{A1161787-69BE-954E-A165-A0F1961F7D45}"/>
-              </a:ext>
-            </a:extLst>
-          </p:cNvPr>
-          <p:cNvSpPr>
-            <a:spLocks noGrp="1"/>
-          </p:cNvSpPr>
-          <p:nvPr>
-            <p:ph idx="1"/>
-          </p:nvPr>
-        </p:nvSpPr>
-        <p:spPr>
-          <a:xfrm>
-            <a:off x="838200" y="1825625"/>
-            <a:ext cx="10515600" cy="4351338"/>
-          </a:xfrm>
-        </p:spPr>
-        <p:txBody>
-          <a:bodyPr>
-            <a:normAutofit/>
-          </a:bodyPr>
-          <a:lstStyle/>
-          <a:p>
-            <a:r>
-              <a:rPr lang="it-IT" dirty="0">
-                <a:latin typeface="SF Pro Text" pitchFamily="2" charset="0"/>
-                <a:ea typeface="SF Pro Text" pitchFamily="2" charset="0"/>
-                <a:cs typeface="SF Pro Text" pitchFamily="2" charset="0"/>
-              </a:rPr>
-              <a:t>Numero di dispositivi connessi in aumento:</a:t>
-            </a:r>
-          </a:p>
-          <a:p>
-            <a:pPr lvl="1"/>
-            <a:r>
-              <a:rPr lang="it-IT" dirty="0">
-                <a:latin typeface="SF Pro Text" pitchFamily="2" charset="0"/>
-                <a:ea typeface="SF Pro Text" pitchFamily="2" charset="0"/>
-                <a:cs typeface="SF Pro Text" pitchFamily="2" charset="0"/>
-              </a:rPr>
-              <a:t>Smartphone</a:t>
-            </a:r>
-          </a:p>
-          <a:p>
-            <a:pPr lvl="1"/>
-            <a:r>
-              <a:rPr lang="it-IT" dirty="0">
-                <a:latin typeface="SF Pro Text" pitchFamily="2" charset="0"/>
-                <a:ea typeface="SF Pro Text" pitchFamily="2" charset="0"/>
-                <a:cs typeface="SF Pro Text" pitchFamily="2" charset="0"/>
-              </a:rPr>
-              <a:t>Tablet</a:t>
-            </a:r>
-          </a:p>
-          <a:p>
-            <a:pPr lvl="1"/>
-            <a:r>
-              <a:rPr lang="it-IT" dirty="0">
-                <a:latin typeface="SF Pro Text" pitchFamily="2" charset="0"/>
-                <a:ea typeface="SF Pro Text" pitchFamily="2" charset="0"/>
-                <a:cs typeface="SF Pro Text" pitchFamily="2" charset="0"/>
-              </a:rPr>
-              <a:t>Dispositivi </a:t>
-            </a:r>
-            <a:r>
-              <a:rPr lang="it-IT" dirty="0" err="1">
-                <a:latin typeface="SF Pro Text" pitchFamily="2" charset="0"/>
-                <a:ea typeface="SF Pro Text" pitchFamily="2" charset="0"/>
-                <a:cs typeface="SF Pro Text" pitchFamily="2" charset="0"/>
-              </a:rPr>
-              <a:t>IoT</a:t>
-            </a:r>
-            <a:endParaRPr lang="it-IT" dirty="0">
-              <a:latin typeface="SF Pro Text" pitchFamily="2" charset="0"/>
-              <a:ea typeface="SF Pro Text" pitchFamily="2" charset="0"/>
-              <a:cs typeface="SF Pro Text" pitchFamily="2" charset="0"/>
-            </a:endParaRPr>
-          </a:p>
-          <a:p>
-            <a:r>
-              <a:rPr lang="it-IT" dirty="0">
-                <a:latin typeface="SF Pro Text" pitchFamily="2" charset="0"/>
-                <a:ea typeface="SF Pro Text" pitchFamily="2" charset="0"/>
-                <a:cs typeface="SF Pro Text" pitchFamily="2" charset="0"/>
-              </a:rPr>
-              <a:t>Cambio del mezzo trasmissivo in favore del Wi-Fi</a:t>
-            </a:r>
-          </a:p>
-          <a:p>
-            <a:r>
-              <a:rPr lang="it-IT" dirty="0">
-                <a:latin typeface="SF Pro Text" pitchFamily="2" charset="0"/>
-                <a:ea typeface="SF Pro Text" pitchFamily="2" charset="0"/>
-                <a:cs typeface="SF Pro Text" pitchFamily="2" charset="0"/>
-              </a:rPr>
-              <a:t>Nuovi paradigmi per la fruizione dei servizi:</a:t>
-            </a:r>
-          </a:p>
-          <a:p>
-            <a:pPr lvl="1"/>
-            <a:r>
-              <a:rPr lang="it-IT" dirty="0">
-                <a:latin typeface="SF Pro Text" pitchFamily="2" charset="0"/>
-                <a:ea typeface="SF Pro Text" pitchFamily="2" charset="0"/>
-                <a:cs typeface="SF Pro Text" pitchFamily="2" charset="0"/>
-              </a:rPr>
-              <a:t>Streaming</a:t>
-            </a:r>
-          </a:p>
-          <a:p>
-            <a:pPr lvl="1"/>
-            <a:r>
-              <a:rPr lang="it-IT" dirty="0" err="1">
-                <a:latin typeface="SF Pro Text" pitchFamily="2" charset="0"/>
-                <a:ea typeface="SF Pro Text" pitchFamily="2" charset="0"/>
-                <a:cs typeface="SF Pro Text" pitchFamily="2" charset="0"/>
-              </a:rPr>
-              <a:t>Cloud</a:t>
-            </a:r>
-            <a:r>
-              <a:rPr lang="it-IT" dirty="0">
-                <a:latin typeface="SF Pro Text" pitchFamily="2" charset="0"/>
-                <a:ea typeface="SF Pro Text" pitchFamily="2" charset="0"/>
-                <a:cs typeface="SF Pro Text" pitchFamily="2" charset="0"/>
-              </a:rPr>
-              <a:t> </a:t>
-            </a:r>
-            <a:r>
-              <a:rPr lang="it-IT" dirty="0" err="1">
-                <a:latin typeface="SF Pro Text" pitchFamily="2" charset="0"/>
-                <a:ea typeface="SF Pro Text" pitchFamily="2" charset="0"/>
-                <a:cs typeface="SF Pro Text" pitchFamily="2" charset="0"/>
-              </a:rPr>
-              <a:t>storage</a:t>
-            </a:r>
-            <a:endParaRPr lang="it-IT" dirty="0">
-              <a:latin typeface="SF Pro Text" pitchFamily="2" charset="0"/>
-              <a:ea typeface="SF Pro Text" pitchFamily="2" charset="0"/>
-              <a:cs typeface="SF Pro Text" pitchFamily="2" charset="0"/>
-            </a:endParaRPr>
-          </a:p>
-          <a:p>
-            <a:r>
-              <a:rPr lang="it-IT" dirty="0">
-                <a:latin typeface="SF Pro Text" pitchFamily="2" charset="0"/>
-                <a:ea typeface="SF Pro Text" pitchFamily="2" charset="0"/>
-                <a:cs typeface="SF Pro Text" pitchFamily="2" charset="0"/>
-              </a:rPr>
-              <a:t>Necessità di monitorare reti locali per disservizi</a:t>
-            </a:r>
-          </a:p>
-          <a:p>
-            <a:endParaRPr lang="it-IT" dirty="0">
-              <a:latin typeface="SF Pro Text" pitchFamily="2" charset="0"/>
-              <a:ea typeface="SF Pro Text" pitchFamily="2" charset="0"/>
-              <a:cs typeface="SF Pro Text" pitchFamily="2" charset="0"/>
-            </a:endParaRPr>
-          </a:p>
-        </p:txBody>
-      </p:sp>
-    </p:spTree>
-    <p:extLst>
-      <p:ext uri="{BB962C8B-B14F-4D97-AF65-F5344CB8AC3E}">
-        <p14:creationId xmlns:p14="http://schemas.microsoft.com/office/powerpoint/2010/main" val="95985868"/>
-      </p:ext>
-    </p:extLst>
-  </p:cSld>
-  <p:clrMapOvr>
-    <a:masterClrMapping/>
-  </p:clrMapOvr>
-</p:sld>
-</file>
-
-<file path=ppt/slides/slide3.xml><?xml version="1.0" encoding="utf-8"?>
-<p:sld xmlns:a="http://schemas.openxmlformats.org/drawingml/2006/main" xmlns:r="http://schemas.openxmlformats.org/officeDocument/2006/relationships" xmlns:p="http://schemas.openxmlformats.org/presentationml/2006/main">
-  <p:cSld>
-    <p:spTree>
-      <p:nvGrpSpPr>
-        <p:cNvPr id="1" name=""/>
-        <p:cNvGrpSpPr/>
-        <p:nvPr/>
-      </p:nvGrpSpPr>
-      <p:grpSpPr>
-        <a:xfrm>
-          <a:off x="0" y="0"/>
-          <a:ext cx="0" cy="0"/>
-          <a:chOff x="0" y="0"/>
-          <a:chExt cx="0" cy="0"/>
-        </a:xfrm>
-      </p:grpSpPr>
-      <p:sp>
-        <p:nvSpPr>
-          <p:cNvPr id="2" name="Title 1">
-            <a:extLst>
-              <a:ext uri="{FF2B5EF4-FFF2-40B4-BE49-F238E27FC236}">
-                <a16:creationId xmlns:a16="http://schemas.microsoft.com/office/drawing/2014/main" id="{95BC62E2-8B18-BB4C-A2E0-CAF5F79EAEE8}"/>
-              </a:ext>
-            </a:extLst>
-          </p:cNvPr>
-          <p:cNvSpPr>
-            <a:spLocks noGrp="1"/>
-          </p:cNvSpPr>
-          <p:nvPr>
-            <p:ph type="title"/>
-          </p:nvPr>
-        </p:nvSpPr>
-        <p:spPr/>
-        <p:txBody>
-          <a:bodyPr>
-            <a:normAutofit/>
-          </a:bodyPr>
-          <a:lstStyle/>
-          <a:p>
-            <a:r>
-              <a:rPr lang="it-IT" dirty="0">
-                <a:latin typeface="SF Pro Display" pitchFamily="2" charset="0"/>
-                <a:ea typeface="SF Pro Display" pitchFamily="2" charset="0"/>
-                <a:cs typeface="SF Pro Display" pitchFamily="2" charset="0"/>
-              </a:rPr>
-              <a:t>Come viene effettuato il monitoraggio?</a:t>
-            </a:r>
-          </a:p>
-        </p:txBody>
-      </p:sp>
-      <p:sp>
-        <p:nvSpPr>
-          <p:cNvPr id="3" name="Content Placeholder 2">
-            <a:extLst>
-              <a:ext uri="{FF2B5EF4-FFF2-40B4-BE49-F238E27FC236}">
-                <a16:creationId xmlns:a16="http://schemas.microsoft.com/office/drawing/2014/main" id="{4649526F-BE59-AB41-8191-3A82B8655B01}"/>
-              </a:ext>
-            </a:extLst>
-          </p:cNvPr>
-          <p:cNvSpPr>
-            <a:spLocks noGrp="1"/>
-          </p:cNvSpPr>
-          <p:nvPr>
-            <p:ph idx="1"/>
-          </p:nvPr>
-        </p:nvSpPr>
-        <p:spPr/>
-        <p:txBody>
-          <a:bodyPr/>
-          <a:lstStyle/>
-          <a:p>
-            <a:r>
-              <a:rPr lang="it-IT" dirty="0">
-                <a:latin typeface="SF Pro Text" pitchFamily="2" charset="0"/>
-                <a:ea typeface="SF Pro Text" pitchFamily="2" charset="0"/>
-                <a:cs typeface="SF Pro Text" pitchFamily="2" charset="0"/>
-              </a:rPr>
-              <a:t>Dispositivi di natura professionale</a:t>
-            </a:r>
-          </a:p>
-          <a:p>
-            <a:r>
-              <a:rPr lang="it-IT" dirty="0">
-                <a:latin typeface="SF Pro Text" pitchFamily="2" charset="0"/>
-                <a:ea typeface="SF Pro Text" pitchFamily="2" charset="0"/>
-                <a:cs typeface="SF Pro Text" pitchFamily="2" charset="0"/>
-              </a:rPr>
-              <a:t>Software proprietario</a:t>
-            </a:r>
-          </a:p>
-          <a:p>
-            <a:r>
-              <a:rPr lang="it-IT" dirty="0">
-                <a:latin typeface="SF Pro Text" pitchFamily="2" charset="0"/>
-                <a:ea typeface="SF Pro Text" pitchFamily="2" charset="0"/>
-                <a:cs typeface="SF Pro Text" pitchFamily="2" charset="0"/>
-              </a:rPr>
-              <a:t>Necessità di personale specializzato</a:t>
-            </a:r>
-          </a:p>
-          <a:p>
-            <a:endParaRPr lang="it-IT" dirty="0">
-              <a:latin typeface="SF Pro Text" pitchFamily="2" charset="0"/>
-              <a:ea typeface="SF Pro Text" pitchFamily="2" charset="0"/>
-              <a:cs typeface="SF Pro Text" pitchFamily="2" charset="0"/>
-            </a:endParaRPr>
-          </a:p>
-        </p:txBody>
-      </p:sp>
-    </p:spTree>
-    <p:extLst>
-      <p:ext uri="{BB962C8B-B14F-4D97-AF65-F5344CB8AC3E}">
-        <p14:creationId xmlns:p14="http://schemas.microsoft.com/office/powerpoint/2010/main" val="2645319197"/>
-      </p:ext>
-    </p:extLst>
-  </p:cSld>
-  <p:clrMapOvr>
-    <a:masterClrMapping/>
-  </p:clrMapOvr>
-</p:sld>
-</file>
-
-<file path=ppt/slides/slide4.xml><?xml version="1.0" encoding="utf-8"?>
-<p:sld xmlns:a="http://schemas.openxmlformats.org/drawingml/2006/main" xmlns:r="http://schemas.openxmlformats.org/officeDocument/2006/relationships" xmlns:p="http://schemas.openxmlformats.org/presentationml/2006/main">
-  <p:cSld>
-    <p:spTree>
-      <p:nvGrpSpPr>
-        <p:cNvPr id="1" name=""/>
-        <p:cNvGrpSpPr/>
-        <p:nvPr/>
-      </p:nvGrpSpPr>
-      <p:grpSpPr>
-        <a:xfrm>
-          <a:off x="0" y="0"/>
-          <a:ext cx="0" cy="0"/>
-          <a:chOff x="0" y="0"/>
-          <a:chExt cx="0" cy="0"/>
-        </a:xfrm>
-      </p:grpSpPr>
-      <p:sp>
-        <p:nvSpPr>
-          <p:cNvPr id="2" name="Title 1">
-            <a:extLst>
-              <a:ext uri="{FF2B5EF4-FFF2-40B4-BE49-F238E27FC236}">
-                <a16:creationId xmlns:a16="http://schemas.microsoft.com/office/drawing/2014/main" id="{43033D69-F1CB-154B-8ED1-A11D328F1777}"/>
-              </a:ext>
-            </a:extLst>
-          </p:cNvPr>
-          <p:cNvSpPr>
-            <a:spLocks noGrp="1"/>
-          </p:cNvSpPr>
-          <p:nvPr>
-            <p:ph type="title"/>
-          </p:nvPr>
-        </p:nvSpPr>
-        <p:spPr/>
-        <p:txBody>
-          <a:bodyPr/>
-          <a:lstStyle/>
-          <a:p>
-            <a:r>
-              <a:rPr lang="it-IT" dirty="0">
-                <a:latin typeface="SF Pro Display" pitchFamily="2" charset="0"/>
-                <a:ea typeface="SF Pro Display" pitchFamily="2" charset="0"/>
-                <a:cs typeface="SF Pro Display" pitchFamily="2" charset="0"/>
-              </a:rPr>
-              <a:t>Soluzione proposta</a:t>
-            </a:r>
-          </a:p>
-        </p:txBody>
-      </p:sp>
-      <p:sp>
-        <p:nvSpPr>
-          <p:cNvPr id="3" name="Content Placeholder 2">
-            <a:extLst>
-              <a:ext uri="{FF2B5EF4-FFF2-40B4-BE49-F238E27FC236}">
-                <a16:creationId xmlns:a16="http://schemas.microsoft.com/office/drawing/2014/main" id="{D9FA3C68-FC22-C54B-95AF-6DAFD9098296}"/>
-              </a:ext>
-            </a:extLst>
-          </p:cNvPr>
-          <p:cNvSpPr>
-            <a:spLocks noGrp="1"/>
-          </p:cNvSpPr>
-          <p:nvPr>
-            <p:ph idx="1"/>
-          </p:nvPr>
-        </p:nvSpPr>
-        <p:spPr/>
-        <p:txBody>
-          <a:bodyPr/>
-          <a:lstStyle/>
-          <a:p>
-            <a:r>
-              <a:rPr lang="it-IT" dirty="0">
-                <a:latin typeface="SF Pro Text" pitchFamily="2" charset="0"/>
-                <a:ea typeface="SF Pro Text" pitchFamily="2" charset="0"/>
-                <a:cs typeface="SF Pro Text" pitchFamily="2" charset="0"/>
-              </a:rPr>
-              <a:t>Open-Source</a:t>
-            </a:r>
-          </a:p>
-          <a:p>
-            <a:r>
-              <a:rPr lang="it-IT" dirty="0">
-                <a:latin typeface="SF Pro Text" pitchFamily="2" charset="0"/>
-                <a:ea typeface="SF Pro Text" pitchFamily="2" charset="0"/>
-                <a:cs typeface="SF Pro Text" pitchFamily="2" charset="0"/>
-              </a:rPr>
-              <a:t>Multipiattaforma</a:t>
-            </a:r>
-          </a:p>
-          <a:p>
-            <a:r>
-              <a:rPr lang="it-IT" dirty="0">
-                <a:latin typeface="SF Pro Text" pitchFamily="2" charset="0"/>
-                <a:ea typeface="SF Pro Text" pitchFamily="2" charset="0"/>
-                <a:cs typeface="SF Pro Text" pitchFamily="2" charset="0"/>
-              </a:rPr>
-              <a:t>Bassi requisiti di memoria e calcolo</a:t>
-            </a:r>
-          </a:p>
-          <a:p>
-            <a:r>
-              <a:rPr lang="it-IT" dirty="0">
-                <a:latin typeface="SF Pro Text" pitchFamily="2" charset="0"/>
-                <a:ea typeface="SF Pro Text" pitchFamily="2" charset="0"/>
-                <a:cs typeface="SF Pro Text" pitchFamily="2" charset="0"/>
-              </a:rPr>
-              <a:t>Monitoraggio della rete</a:t>
-            </a:r>
-          </a:p>
-          <a:p>
-            <a:pPr lvl="1"/>
-            <a:r>
-              <a:rPr lang="it-IT" dirty="0">
-                <a:latin typeface="SF Pro Text" pitchFamily="2" charset="0"/>
-                <a:ea typeface="SF Pro Text" pitchFamily="2" charset="0"/>
-                <a:cs typeface="SF Pro Text" pitchFamily="2" charset="0"/>
-              </a:rPr>
-              <a:t>Attivo</a:t>
-            </a:r>
-          </a:p>
-          <a:p>
-            <a:pPr lvl="1"/>
-            <a:r>
-              <a:rPr lang="it-IT" dirty="0">
-                <a:latin typeface="SF Pro Text" pitchFamily="2" charset="0"/>
-                <a:ea typeface="SF Pro Text" pitchFamily="2" charset="0"/>
-                <a:cs typeface="SF Pro Text" pitchFamily="2" charset="0"/>
-              </a:rPr>
-              <a:t>Passivo</a:t>
-            </a:r>
-          </a:p>
-          <a:p>
-            <a:r>
-              <a:rPr lang="it-IT" dirty="0">
-                <a:latin typeface="SF Pro Text" pitchFamily="2" charset="0"/>
-                <a:ea typeface="SF Pro Text" pitchFamily="2" charset="0"/>
-                <a:cs typeface="SF Pro Text" pitchFamily="2" charset="0"/>
-              </a:rPr>
-              <a:t>Pensata per l’utilizzo su reti domestiche</a:t>
-            </a:r>
-          </a:p>
-          <a:p>
-            <a:endParaRPr lang="it-IT" dirty="0">
-              <a:latin typeface="SF Pro Text" pitchFamily="2" charset="0"/>
-              <a:ea typeface="SF Pro Text" pitchFamily="2" charset="0"/>
-              <a:cs typeface="SF Pro Text" pitchFamily="2" charset="0"/>
-            </a:endParaRPr>
-          </a:p>
-        </p:txBody>
-      </p:sp>
-    </p:spTree>
-    <p:extLst>
-      <p:ext uri="{BB962C8B-B14F-4D97-AF65-F5344CB8AC3E}">
-        <p14:creationId xmlns:p14="http://schemas.microsoft.com/office/powerpoint/2010/main" val="3159557930"/>
-      </p:ext>
-    </p:extLst>
-  </p:cSld>
-  <p:clrMapOvr>
-    <a:masterClrMapping/>
-  </p:clrMapOvr>
-</p:sld>
-</file>
-
-<file path=ppt/slides/slide5.xml><?xml version="1.0" encoding="utf-8"?>
-<p:sld xmlns:a="http://schemas.openxmlformats.org/drawingml/2006/main" xmlns:r="http://schemas.openxmlformats.org/officeDocument/2006/relationships" xmlns:p="http://schemas.openxmlformats.org/presentationml/2006/main">
-  <p:cSld>
-    <p:spTree>
-      <p:nvGrpSpPr>
-        <p:cNvPr id="1" name=""/>
-        <p:cNvGrpSpPr/>
-        <p:nvPr/>
-      </p:nvGrpSpPr>
-      <p:grpSpPr>
-        <a:xfrm>
-          <a:off x="0" y="0"/>
-          <a:ext cx="0" cy="0"/>
-          <a:chOff x="0" y="0"/>
-          <a:chExt cx="0" cy="0"/>
-        </a:xfrm>
-      </p:grpSpPr>
-      <p:sp>
-        <p:nvSpPr>
-          <p:cNvPr id="2" name="Title 1">
-            <a:extLst>
-              <a:ext uri="{FF2B5EF4-FFF2-40B4-BE49-F238E27FC236}">
-                <a16:creationId xmlns:a16="http://schemas.microsoft.com/office/drawing/2014/main" id="{603D3AC7-962A-0C4C-8EB6-FEE3F7399F48}"/>
-              </a:ext>
-            </a:extLst>
-          </p:cNvPr>
-          <p:cNvSpPr>
-            <a:spLocks noGrp="1"/>
-          </p:cNvSpPr>
-          <p:nvPr>
-            <p:ph type="title"/>
-          </p:nvPr>
-        </p:nvSpPr>
-        <p:spPr/>
-        <p:txBody>
-          <a:bodyPr/>
-          <a:lstStyle/>
-          <a:p>
-            <a:r>
-              <a:rPr lang="it-IT" dirty="0" err="1">
-                <a:latin typeface="SF Pro Display" pitchFamily="2" charset="0"/>
-                <a:ea typeface="SF Pro Display" pitchFamily="2" charset="0"/>
-                <a:cs typeface="SF Pro Display" pitchFamily="2" charset="0"/>
-              </a:rPr>
-              <a:t>ArpScanner</a:t>
-            </a:r>
-            <a:endParaRPr lang="it-IT" dirty="0">
-              <a:latin typeface="SF Pro Display" pitchFamily="2" charset="0"/>
-              <a:ea typeface="SF Pro Display" pitchFamily="2" charset="0"/>
-              <a:cs typeface="SF Pro Display" pitchFamily="2" charset="0"/>
-            </a:endParaRPr>
-          </a:p>
-        </p:txBody>
-      </p:sp>
-      <p:sp>
-        <p:nvSpPr>
-          <p:cNvPr id="3" name="Content Placeholder 2">
-            <a:extLst>
-              <a:ext uri="{FF2B5EF4-FFF2-40B4-BE49-F238E27FC236}">
-                <a16:creationId xmlns:a16="http://schemas.microsoft.com/office/drawing/2014/main" id="{5E42DEE0-3990-0848-AE87-82145D2349A4}"/>
-              </a:ext>
-            </a:extLst>
-          </p:cNvPr>
-          <p:cNvSpPr>
-            <a:spLocks noGrp="1"/>
-          </p:cNvSpPr>
-          <p:nvPr>
-            <p:ph idx="1"/>
-          </p:nvPr>
-        </p:nvSpPr>
-        <p:spPr/>
-        <p:txBody>
-          <a:bodyPr/>
-          <a:lstStyle/>
-          <a:p>
-            <a:r>
-              <a:rPr lang="it-IT" dirty="0">
-                <a:latin typeface="SF Pro Text" pitchFamily="2" charset="0"/>
-                <a:ea typeface="SF Pro Text" pitchFamily="2" charset="0"/>
-                <a:cs typeface="SF Pro Text" pitchFamily="2" charset="0"/>
-              </a:rPr>
-              <a:t>Monitoraggio attivo</a:t>
-            </a:r>
-          </a:p>
-          <a:p>
-            <a:r>
-              <a:rPr lang="it-IT" dirty="0">
-                <a:latin typeface="SF Pro Text" pitchFamily="2" charset="0"/>
-                <a:ea typeface="SF Pro Text" pitchFamily="2" charset="0"/>
-                <a:cs typeface="SF Pro Text" pitchFamily="2" charset="0"/>
-              </a:rPr>
-              <a:t>Effettua </a:t>
-            </a:r>
-            <a:r>
-              <a:rPr lang="it-IT" dirty="0" err="1">
-                <a:latin typeface="SF Pro Text" pitchFamily="2" charset="0"/>
-                <a:ea typeface="SF Pro Text" pitchFamily="2" charset="0"/>
-                <a:cs typeface="SF Pro Text" pitchFamily="2" charset="0"/>
-              </a:rPr>
-              <a:t>Arp</a:t>
-            </a:r>
-            <a:r>
-              <a:rPr lang="it-IT" dirty="0">
-                <a:latin typeface="SF Pro Text" pitchFamily="2" charset="0"/>
-                <a:ea typeface="SF Pro Text" pitchFamily="2" charset="0"/>
-                <a:cs typeface="SF Pro Text" pitchFamily="2" charset="0"/>
-              </a:rPr>
-              <a:t> </a:t>
-            </a:r>
-            <a:r>
-              <a:rPr lang="it-IT" dirty="0" err="1">
-                <a:latin typeface="SF Pro Text" pitchFamily="2" charset="0"/>
-                <a:ea typeface="SF Pro Text" pitchFamily="2" charset="0"/>
-                <a:cs typeface="SF Pro Text" pitchFamily="2" charset="0"/>
-              </a:rPr>
-              <a:t>Scan</a:t>
-            </a:r>
-            <a:r>
-              <a:rPr lang="it-IT" dirty="0">
-                <a:latin typeface="SF Pro Text" pitchFamily="2" charset="0"/>
-                <a:ea typeface="SF Pro Text" pitchFamily="2" charset="0"/>
-                <a:cs typeface="SF Pro Text" pitchFamily="2" charset="0"/>
-              </a:rPr>
-              <a:t> sulla rete in analisi</a:t>
-            </a:r>
-          </a:p>
-          <a:p>
-            <a:pPr lvl="1"/>
-            <a:r>
-              <a:rPr lang="it-IT" dirty="0">
-                <a:latin typeface="SF Pro Text" pitchFamily="2" charset="0"/>
-                <a:ea typeface="SF Pro Text" pitchFamily="2" charset="0"/>
-                <a:cs typeface="SF Pro Text" pitchFamily="2" charset="0"/>
-              </a:rPr>
-              <a:t>Assegna indirizzi MAC ad indirizzi IPv4</a:t>
-            </a:r>
-          </a:p>
-          <a:p>
-            <a:r>
-              <a:rPr lang="it-IT" dirty="0" err="1">
-                <a:latin typeface="SF Pro Text" pitchFamily="2" charset="0"/>
-                <a:ea typeface="SF Pro Text" pitchFamily="2" charset="0"/>
-                <a:cs typeface="SF Pro Text" pitchFamily="2" charset="0"/>
-              </a:rPr>
-              <a:t>Arp</a:t>
-            </a:r>
-            <a:r>
-              <a:rPr lang="it-IT" dirty="0">
-                <a:latin typeface="SF Pro Text" pitchFamily="2" charset="0"/>
-                <a:ea typeface="SF Pro Text" pitchFamily="2" charset="0"/>
-                <a:cs typeface="SF Pro Text" pitchFamily="2" charset="0"/>
-              </a:rPr>
-              <a:t> </a:t>
-            </a:r>
-            <a:r>
-              <a:rPr lang="it-IT" dirty="0" err="1">
-                <a:latin typeface="SF Pro Text" pitchFamily="2" charset="0"/>
-                <a:ea typeface="SF Pro Text" pitchFamily="2" charset="0"/>
-                <a:cs typeface="SF Pro Text" pitchFamily="2" charset="0"/>
-              </a:rPr>
-              <a:t>Ping</a:t>
-            </a:r>
-            <a:endParaRPr lang="it-IT" dirty="0">
-              <a:latin typeface="SF Pro Text" pitchFamily="2" charset="0"/>
-              <a:ea typeface="SF Pro Text" pitchFamily="2" charset="0"/>
-              <a:cs typeface="SF Pro Text" pitchFamily="2" charset="0"/>
-            </a:endParaRPr>
-          </a:p>
-          <a:p>
-            <a:pPr lvl="1"/>
-            <a:r>
-              <a:rPr lang="it-IT" dirty="0">
-                <a:latin typeface="SF Pro Text" pitchFamily="2" charset="0"/>
-                <a:ea typeface="SF Pro Text" pitchFamily="2" charset="0"/>
-                <a:cs typeface="SF Pro Text" pitchFamily="2" charset="0"/>
-              </a:rPr>
-              <a:t>Calcolo del RTT dei pacchetti inviati</a:t>
-            </a:r>
-          </a:p>
-          <a:p>
-            <a:pPr lvl="1"/>
-            <a:r>
-              <a:rPr lang="it-IT" dirty="0">
-                <a:latin typeface="SF Pro Text" pitchFamily="2" charset="0"/>
-                <a:ea typeface="SF Pro Text" pitchFamily="2" charset="0"/>
-                <a:cs typeface="SF Pro Text" pitchFamily="2" charset="0"/>
-              </a:rPr>
-              <a:t>Metrica utile per dispositivi cablati e Wi-Fi</a:t>
-            </a:r>
-          </a:p>
-          <a:p>
-            <a:r>
-              <a:rPr lang="it-IT" dirty="0">
-                <a:latin typeface="SF Pro Text" pitchFamily="2" charset="0"/>
-                <a:ea typeface="SF Pro Text" pitchFamily="2" charset="0"/>
-                <a:cs typeface="SF Pro Text" pitchFamily="2" charset="0"/>
-              </a:rPr>
-              <a:t>Fornisce dati utili alla libreria </a:t>
-            </a:r>
-            <a:r>
-              <a:rPr lang="it-IT" dirty="0" err="1">
-                <a:latin typeface="SF Pro Text" pitchFamily="2" charset="0"/>
-                <a:ea typeface="SF Pro Text" pitchFamily="2" charset="0"/>
-                <a:cs typeface="SF Pro Text" pitchFamily="2" charset="0"/>
-              </a:rPr>
-              <a:t>WiFi-Topology</a:t>
-            </a:r>
-            <a:endParaRPr lang="it-IT" dirty="0">
-              <a:latin typeface="SF Pro Text" pitchFamily="2" charset="0"/>
-              <a:ea typeface="SF Pro Text" pitchFamily="2" charset="0"/>
-              <a:cs typeface="SF Pro Text" pitchFamily="2" charset="0"/>
-            </a:endParaRPr>
-          </a:p>
-        </p:txBody>
-      </p:sp>
-    </p:spTree>
-    <p:extLst>
-      <p:ext uri="{BB962C8B-B14F-4D97-AF65-F5344CB8AC3E}">
-        <p14:creationId xmlns:p14="http://schemas.microsoft.com/office/powerpoint/2010/main" val="590089364"/>
-      </p:ext>
-    </p:extLst>
-  </p:cSld>
-  <p:clrMapOvr>
-    <a:masterClrMapping/>
-  </p:clrMapOvr>
-</p:sld>
-</file>
-
-<file path=ppt/slides/slide6.xml><?xml version="1.0" encoding="utf-8"?>
-<p:sld xmlns:a="http://schemas.openxmlformats.org/drawingml/2006/main" xmlns:r="http://schemas.openxmlformats.org/officeDocument/2006/relationships" xmlns:p="http://schemas.openxmlformats.org/presentationml/2006/main">
-  <p:cSld>
-    <p:spTree>
-      <p:nvGrpSpPr>
-        <p:cNvPr id="1" name=""/>
-        <p:cNvGrpSpPr/>
-        <p:nvPr/>
-      </p:nvGrpSpPr>
-      <p:grpSpPr>
-        <a:xfrm>
-          <a:off x="0" y="0"/>
-          <a:ext cx="0" cy="0"/>
-          <a:chOff x="0" y="0"/>
-          <a:chExt cx="0" cy="0"/>
-        </a:xfrm>
-      </p:grpSpPr>
-      <p:sp>
-        <p:nvSpPr>
-          <p:cNvPr id="2" name="Title 1">
-            <a:extLst>
-              <a:ext uri="{FF2B5EF4-FFF2-40B4-BE49-F238E27FC236}">
-                <a16:creationId xmlns:a16="http://schemas.microsoft.com/office/drawing/2014/main" id="{DDC49C2A-59AD-F945-A187-CE13E849F4B4}"/>
-              </a:ext>
-            </a:extLst>
-          </p:cNvPr>
-          <p:cNvSpPr>
-            <a:spLocks noGrp="1"/>
-          </p:cNvSpPr>
-          <p:nvPr>
-            <p:ph type="title"/>
-          </p:nvPr>
-        </p:nvSpPr>
-        <p:spPr/>
-        <p:txBody>
-          <a:bodyPr/>
-          <a:lstStyle/>
-          <a:p>
-            <a:r>
-              <a:rPr lang="it-IT" dirty="0" err="1">
-                <a:latin typeface="SF Pro Display" pitchFamily="2" charset="0"/>
-                <a:ea typeface="SF Pro Display" pitchFamily="2" charset="0"/>
-                <a:cs typeface="SF Pro Display" pitchFamily="2" charset="0"/>
-              </a:rPr>
-              <a:t>WiFi-Topology</a:t>
-            </a:r>
-            <a:endParaRPr lang="it-IT" dirty="0">
-              <a:latin typeface="SF Pro Display" pitchFamily="2" charset="0"/>
-              <a:ea typeface="SF Pro Display" pitchFamily="2" charset="0"/>
-              <a:cs typeface="SF Pro Display" pitchFamily="2" charset="0"/>
-            </a:endParaRPr>
-          </a:p>
-        </p:txBody>
-      </p:sp>
-      <p:sp>
-        <p:nvSpPr>
-          <p:cNvPr id="3" name="Content Placeholder 2">
-            <a:extLst>
-              <a:ext uri="{FF2B5EF4-FFF2-40B4-BE49-F238E27FC236}">
-                <a16:creationId xmlns:a16="http://schemas.microsoft.com/office/drawing/2014/main" id="{381268DC-7A04-A64E-AE12-7AEDA1ACD4BF}"/>
-              </a:ext>
-            </a:extLst>
-          </p:cNvPr>
-          <p:cNvSpPr>
-            <a:spLocks noGrp="1"/>
-          </p:cNvSpPr>
-          <p:nvPr>
-            <p:ph idx="1"/>
-          </p:nvPr>
-        </p:nvSpPr>
-        <p:spPr/>
-        <p:txBody>
-          <a:bodyPr/>
-          <a:lstStyle/>
-          <a:p>
-            <a:r>
-              <a:rPr lang="it-IT" dirty="0">
-                <a:latin typeface="SF Pro Text" pitchFamily="2" charset="0"/>
-                <a:ea typeface="SF Pro Text" pitchFamily="2" charset="0"/>
-                <a:cs typeface="SF Pro Text" pitchFamily="2" charset="0"/>
-              </a:rPr>
-              <a:t>Monitoraggio passivo</a:t>
-            </a:r>
-          </a:p>
-          <a:p>
-            <a:r>
-              <a:rPr lang="it-IT" dirty="0">
-                <a:latin typeface="SF Pro Text" pitchFamily="2" charset="0"/>
-                <a:ea typeface="SF Pro Text" pitchFamily="2" charset="0"/>
-                <a:cs typeface="SF Pro Text" pitchFamily="2" charset="0"/>
-              </a:rPr>
-              <a:t>Cattura del traffico 802.11</a:t>
-            </a:r>
-          </a:p>
-          <a:p>
-            <a:pPr lvl="1"/>
-            <a:r>
-              <a:rPr lang="it-IT" dirty="0">
-                <a:latin typeface="SF Pro Text" pitchFamily="2" charset="0"/>
-                <a:ea typeface="SF Pro Text" pitchFamily="2" charset="0"/>
-                <a:cs typeface="SF Pro Text" pitchFamily="2" charset="0"/>
-              </a:rPr>
-              <a:t>Ricostruzione della topologia della rete</a:t>
-            </a:r>
-          </a:p>
-          <a:p>
-            <a:pPr lvl="1"/>
-            <a:r>
-              <a:rPr lang="it-IT" dirty="0">
-                <a:latin typeface="SF Pro Text" pitchFamily="2" charset="0"/>
-                <a:ea typeface="SF Pro Text" pitchFamily="2" charset="0"/>
-                <a:cs typeface="SF Pro Text" pitchFamily="2" charset="0"/>
-              </a:rPr>
-              <a:t>Calcolo della potenza del segnale Wi-Fi</a:t>
-            </a:r>
-          </a:p>
-          <a:p>
-            <a:r>
-              <a:rPr lang="it-IT" dirty="0">
-                <a:latin typeface="SF Pro Text" pitchFamily="2" charset="0"/>
-                <a:ea typeface="SF Pro Text" pitchFamily="2" charset="0"/>
-                <a:cs typeface="SF Pro Text" pitchFamily="2" charset="0"/>
-              </a:rPr>
-              <a:t>Utilizzo di euristiche per determinare:</a:t>
-            </a:r>
-          </a:p>
-          <a:p>
-            <a:pPr lvl="1"/>
-            <a:r>
-              <a:rPr lang="it-IT" dirty="0">
-                <a:latin typeface="SF Pro Text" pitchFamily="2" charset="0"/>
-                <a:ea typeface="SF Pro Text" pitchFamily="2" charset="0"/>
-                <a:cs typeface="SF Pro Text" pitchFamily="2" charset="0"/>
-              </a:rPr>
-              <a:t>Access </a:t>
-            </a:r>
-            <a:r>
-              <a:rPr lang="it-IT" dirty="0" err="1">
-                <a:latin typeface="SF Pro Text" pitchFamily="2" charset="0"/>
-                <a:ea typeface="SF Pro Text" pitchFamily="2" charset="0"/>
-                <a:cs typeface="SF Pro Text" pitchFamily="2" charset="0"/>
-              </a:rPr>
-              <a:t>point</a:t>
-            </a:r>
-            <a:endParaRPr lang="it-IT" dirty="0">
-              <a:latin typeface="SF Pro Text" pitchFamily="2" charset="0"/>
-              <a:ea typeface="SF Pro Text" pitchFamily="2" charset="0"/>
-              <a:cs typeface="SF Pro Text" pitchFamily="2" charset="0"/>
-            </a:endParaRPr>
-          </a:p>
-          <a:p>
-            <a:pPr lvl="1"/>
-            <a:r>
-              <a:rPr lang="it-IT" dirty="0" err="1">
-                <a:latin typeface="SF Pro Text" pitchFamily="2" charset="0"/>
-                <a:ea typeface="SF Pro Text" pitchFamily="2" charset="0"/>
-                <a:cs typeface="SF Pro Text" pitchFamily="2" charset="0"/>
-              </a:rPr>
-              <a:t>Repeater</a:t>
-            </a:r>
-            <a:endParaRPr lang="it-IT" dirty="0">
-              <a:latin typeface="SF Pro Text" pitchFamily="2" charset="0"/>
-              <a:ea typeface="SF Pro Text" pitchFamily="2" charset="0"/>
-              <a:cs typeface="SF Pro Text" pitchFamily="2" charset="0"/>
-            </a:endParaRPr>
-          </a:p>
-        </p:txBody>
-      </p:sp>
-    </p:spTree>
-    <p:extLst>
-      <p:ext uri="{BB962C8B-B14F-4D97-AF65-F5344CB8AC3E}">
-        <p14:creationId xmlns:p14="http://schemas.microsoft.com/office/powerpoint/2010/main" val="3291644766"/>
-      </p:ext>
-    </p:extLst>
-  </p:cSld>
-  <p:clrMapOvr>
-    <a:masterClrMapping/>
-  </p:clrMapOvr>
-</p:sld>
-</file>
-
-<file path=ppt/slides/slide7.xml><?xml version="1.0" encoding="utf-8"?>
-<p:sld xmlns:a="http://schemas.openxmlformats.org/drawingml/2006/main" xmlns:r="http://schemas.openxmlformats.org/officeDocument/2006/relationships" xmlns:p="http://schemas.openxmlformats.org/presentationml/2006/main">
-  <p:cSld>
-    <p:spTree>
-      <p:nvGrpSpPr>
-        <p:cNvPr id="1" name=""/>
-        <p:cNvGrpSpPr/>
-        <p:nvPr/>
-      </p:nvGrpSpPr>
-      <p:grpSpPr>
-        <a:xfrm>
-          <a:off x="0" y="0"/>
-          <a:ext cx="0" cy="0"/>
-          <a:chOff x="0" y="0"/>
-          <a:chExt cx="0" cy="0"/>
-        </a:xfrm>
-      </p:grpSpPr>
-      <p:sp>
-        <p:nvSpPr>
-          <p:cNvPr id="2" name="Title 1">
-            <a:extLst>
-              <a:ext uri="{FF2B5EF4-FFF2-40B4-BE49-F238E27FC236}">
-                <a16:creationId xmlns:a16="http://schemas.microsoft.com/office/drawing/2014/main" id="{E7F88316-EBBA-654C-B9FB-5217348FF359}"/>
-              </a:ext>
-            </a:extLst>
-          </p:cNvPr>
-          <p:cNvSpPr>
-            <a:spLocks noGrp="1"/>
-          </p:cNvSpPr>
-          <p:nvPr>
-            <p:ph type="title"/>
-          </p:nvPr>
-        </p:nvSpPr>
-        <p:spPr/>
-        <p:txBody>
-          <a:bodyPr/>
-          <a:lstStyle/>
-          <a:p>
-            <a:r>
-              <a:rPr lang="it-IT" dirty="0">
-                <a:latin typeface="SF Pro Display" pitchFamily="2" charset="0"/>
-                <a:ea typeface="SF Pro Display" pitchFamily="2" charset="0"/>
-                <a:cs typeface="SF Pro Display" pitchFamily="2" charset="0"/>
-              </a:rPr>
-              <a:t>802.11 </a:t>
-            </a:r>
-            <a:r>
-              <a:rPr lang="it-IT" dirty="0" err="1">
-                <a:latin typeface="SF Pro Display" pitchFamily="2" charset="0"/>
-                <a:ea typeface="SF Pro Display" pitchFamily="2" charset="0"/>
-                <a:cs typeface="SF Pro Display" pitchFamily="2" charset="0"/>
-              </a:rPr>
-              <a:t>Frames</a:t>
-            </a:r>
-            <a:endParaRPr lang="it-IT" dirty="0">
-              <a:latin typeface="SF Pro Display" pitchFamily="2" charset="0"/>
-              <a:ea typeface="SF Pro Display" pitchFamily="2" charset="0"/>
-              <a:cs typeface="SF Pro Display" pitchFamily="2" charset="0"/>
-            </a:endParaRPr>
-          </a:p>
-        </p:txBody>
-      </p:sp>
-      <p:sp>
-        <p:nvSpPr>
-          <p:cNvPr id="3" name="Content Placeholder 2">
-            <a:extLst>
-              <a:ext uri="{FF2B5EF4-FFF2-40B4-BE49-F238E27FC236}">
-                <a16:creationId xmlns:a16="http://schemas.microsoft.com/office/drawing/2014/main" id="{2FB09B19-C98B-BD46-BD00-432F2A5CC815}"/>
-              </a:ext>
-            </a:extLst>
-          </p:cNvPr>
-          <p:cNvSpPr>
-            <a:spLocks noGrp="1"/>
-          </p:cNvSpPr>
-          <p:nvPr>
-            <p:ph idx="1"/>
-          </p:nvPr>
-        </p:nvSpPr>
-        <p:spPr/>
-        <p:txBody>
-          <a:bodyPr>
-            <a:normAutofit lnSpcReduction="10000"/>
-          </a:bodyPr>
-          <a:lstStyle/>
-          <a:p>
-            <a:r>
-              <a:rPr lang="it-IT" dirty="0">
-                <a:latin typeface="SF Pro Text" pitchFamily="2" charset="0"/>
-                <a:ea typeface="SF Pro Text" pitchFamily="2" charset="0"/>
-                <a:cs typeface="SF Pro Text" pitchFamily="2" charset="0"/>
-              </a:rPr>
-              <a:t>FC:</a:t>
-            </a:r>
-          </a:p>
-          <a:p>
-            <a:pPr lvl="1"/>
-            <a:r>
-              <a:rPr lang="it-IT" dirty="0">
-                <a:latin typeface="SF Pro Text" pitchFamily="2" charset="0"/>
-                <a:ea typeface="SF Pro Text" pitchFamily="2" charset="0"/>
-                <a:cs typeface="SF Pro Text" pitchFamily="2" charset="0"/>
-              </a:rPr>
-              <a:t>Tipi di frame</a:t>
-            </a:r>
-          </a:p>
-          <a:p>
-            <a:pPr lvl="2"/>
-            <a:r>
-              <a:rPr lang="it-IT" dirty="0">
-                <a:latin typeface="SF Pro Text" pitchFamily="2" charset="0"/>
-                <a:ea typeface="SF Pro Text" pitchFamily="2" charset="0"/>
-                <a:cs typeface="SF Pro Text" pitchFamily="2" charset="0"/>
-              </a:rPr>
-              <a:t>Management frame</a:t>
-            </a:r>
-          </a:p>
-          <a:p>
-            <a:pPr lvl="2"/>
-            <a:r>
-              <a:rPr lang="it-IT" dirty="0">
-                <a:latin typeface="SF Pro Text" pitchFamily="2" charset="0"/>
-                <a:ea typeface="SF Pro Text" pitchFamily="2" charset="0"/>
-                <a:cs typeface="SF Pro Text" pitchFamily="2" charset="0"/>
-              </a:rPr>
-              <a:t>Control frame</a:t>
-            </a:r>
-          </a:p>
-          <a:p>
-            <a:pPr lvl="2"/>
-            <a:r>
-              <a:rPr lang="it-IT" dirty="0">
-                <a:latin typeface="SF Pro Text" pitchFamily="2" charset="0"/>
-                <a:ea typeface="SF Pro Text" pitchFamily="2" charset="0"/>
-                <a:cs typeface="SF Pro Text" pitchFamily="2" charset="0"/>
-              </a:rPr>
-              <a:t>Data frame</a:t>
-            </a:r>
-          </a:p>
-          <a:p>
-            <a:pPr lvl="1"/>
-            <a:r>
-              <a:rPr lang="it-IT" dirty="0">
-                <a:latin typeface="SF Pro Text" pitchFamily="2" charset="0"/>
-                <a:ea typeface="SF Pro Text" pitchFamily="2" charset="0"/>
-                <a:cs typeface="SF Pro Text" pitchFamily="2" charset="0"/>
-              </a:rPr>
-              <a:t>Sottotipi di frame</a:t>
-            </a:r>
-          </a:p>
-          <a:p>
-            <a:pPr lvl="1"/>
-            <a:r>
-              <a:rPr lang="it-IT" dirty="0">
-                <a:latin typeface="SF Pro Text" pitchFamily="2" charset="0"/>
-                <a:ea typeface="SF Pro Text" pitchFamily="2" charset="0"/>
-                <a:cs typeface="SF Pro Text" pitchFamily="2" charset="0"/>
-              </a:rPr>
-              <a:t>To DS</a:t>
-            </a:r>
-          </a:p>
-          <a:p>
-            <a:pPr lvl="1"/>
-            <a:r>
-              <a:rPr lang="it-IT" dirty="0">
-                <a:latin typeface="SF Pro Text" pitchFamily="2" charset="0"/>
-                <a:ea typeface="SF Pro Text" pitchFamily="2" charset="0"/>
-                <a:cs typeface="SF Pro Text" pitchFamily="2" charset="0"/>
-              </a:rPr>
-              <a:t>From DS</a:t>
-            </a:r>
-          </a:p>
-          <a:p>
-            <a:r>
-              <a:rPr lang="it-IT" dirty="0">
-                <a:latin typeface="SF Pro Text" pitchFamily="2" charset="0"/>
-                <a:ea typeface="SF Pro Text" pitchFamily="2" charset="0"/>
-                <a:cs typeface="SF Pro Text" pitchFamily="2" charset="0"/>
-              </a:rPr>
-              <a:t>Indirizzi MAC</a:t>
-            </a:r>
-          </a:p>
-          <a:p>
-            <a:r>
-              <a:rPr lang="it-IT" dirty="0">
-                <a:latin typeface="SF Pro Text" pitchFamily="2" charset="0"/>
-                <a:ea typeface="SF Pro Text" pitchFamily="2" charset="0"/>
-                <a:cs typeface="SF Pro Text" pitchFamily="2" charset="0"/>
-              </a:rPr>
-              <a:t>Frame body</a:t>
-            </a:r>
-          </a:p>
-          <a:p>
-            <a:r>
-              <a:rPr lang="it-IT" dirty="0">
-                <a:latin typeface="SF Pro Text" pitchFamily="2" charset="0"/>
-                <a:ea typeface="SF Pro Text" pitchFamily="2" charset="0"/>
-                <a:cs typeface="SF Pro Text" pitchFamily="2" charset="0"/>
-              </a:rPr>
-              <a:t>FCS</a:t>
-            </a:r>
-          </a:p>
-        </p:txBody>
-      </p:sp>
-      <p:pic>
-        <p:nvPicPr>
-          <p:cNvPr id="4" name="Content Placeholder 4">
-            <a:extLst>
-              <a:ext uri="{FF2B5EF4-FFF2-40B4-BE49-F238E27FC236}">
-                <a16:creationId xmlns:a16="http://schemas.microsoft.com/office/drawing/2014/main" id="{874BA4C6-D77C-1946-8E2D-13A8E8A3E3A8}"/>
-              </a:ext>
-            </a:extLst>
-          </p:cNvPr>
-          <p:cNvPicPr>
-            <a:picLocks noChangeAspect="1"/>
-          </p:cNvPicPr>
-          <p:nvPr/>
-        </p:nvPicPr>
-        <p:blipFill>
-          <a:blip r:embed="rId2"/>
-          <a:stretch>
-            <a:fillRect/>
-          </a:stretch>
-        </p:blipFill>
-        <p:spPr>
-          <a:xfrm>
-            <a:off x="5171508" y="4255910"/>
-            <a:ext cx="5763192" cy="589933"/>
-          </a:xfrm>
-          <a:prstGeom prst="rect">
-            <a:avLst/>
-          </a:prstGeom>
-          <a:ln>
-            <a:noFill/>
-          </a:ln>
-        </p:spPr>
-      </p:pic>
-      <p:pic>
-        <p:nvPicPr>
-          <p:cNvPr id="5" name="Picture 4">
-            <a:extLst>
-              <a:ext uri="{FF2B5EF4-FFF2-40B4-BE49-F238E27FC236}">
-                <a16:creationId xmlns:a16="http://schemas.microsoft.com/office/drawing/2014/main" id="{50496116-153C-254D-8D09-D4CEC6F90B8B}"/>
-              </a:ext>
-            </a:extLst>
-          </p:cNvPr>
-          <p:cNvPicPr>
-            <a:picLocks noChangeAspect="1"/>
-          </p:cNvPicPr>
-          <p:nvPr/>
-        </p:nvPicPr>
-        <p:blipFill>
-          <a:blip r:embed="rId3"/>
-          <a:stretch>
-            <a:fillRect/>
-          </a:stretch>
-        </p:blipFill>
-        <p:spPr>
-          <a:xfrm>
-            <a:off x="5171508" y="5254889"/>
-            <a:ext cx="5763192" cy="589933"/>
-          </a:xfrm>
-          <a:prstGeom prst="rect">
-            <a:avLst/>
-          </a:prstGeom>
-        </p:spPr>
-      </p:pic>
-    </p:spTree>
-    <p:extLst>
-      <p:ext uri="{BB962C8B-B14F-4D97-AF65-F5344CB8AC3E}">
-        <p14:creationId xmlns:p14="http://schemas.microsoft.com/office/powerpoint/2010/main" val="944253142"/>
-      </p:ext>
-    </p:extLst>
-  </p:cSld>
-  <p:clrMapOvr>
-    <a:masterClrMapping/>
-  </p:clrMapOvr>
-</p:sld>
-</file>
-
-<file path=ppt/slides/slide8.xml><?xml version="1.0" encoding="utf-8"?>
-<p:sld xmlns:a="http://schemas.openxmlformats.org/drawingml/2006/main" xmlns:r="http://schemas.openxmlformats.org/officeDocument/2006/relationships" xmlns:p="http://schemas.openxmlformats.org/presentationml/2006/main">
-  <p:cSld>
-    <p:spTree>
-      <p:nvGrpSpPr>
-        <p:cNvPr id="1" name=""/>
-        <p:cNvGrpSpPr/>
-        <p:nvPr/>
-      </p:nvGrpSpPr>
-      <p:grpSpPr>
-        <a:xfrm>
-          <a:off x="0" y="0"/>
-          <a:ext cx="0" cy="0"/>
-          <a:chOff x="0" y="0"/>
-          <a:chExt cx="0" cy="0"/>
-        </a:xfrm>
-      </p:grpSpPr>
-      <p:sp>
-        <p:nvSpPr>
-          <p:cNvPr id="2" name="Title 1">
-            <a:extLst>
-              <a:ext uri="{FF2B5EF4-FFF2-40B4-BE49-F238E27FC236}">
-                <a16:creationId xmlns:a16="http://schemas.microsoft.com/office/drawing/2014/main" id="{117988A5-6468-044A-B211-6F5913642180}"/>
-              </a:ext>
-            </a:extLst>
-          </p:cNvPr>
-          <p:cNvSpPr>
-            <a:spLocks noGrp="1"/>
-          </p:cNvSpPr>
-          <p:nvPr>
-            <p:ph type="title"/>
-          </p:nvPr>
-        </p:nvSpPr>
-        <p:spPr/>
-        <p:txBody>
-          <a:bodyPr/>
-          <a:lstStyle/>
-          <a:p>
-            <a:r>
-              <a:rPr lang="it-IT" dirty="0">
-                <a:latin typeface="SF Pro Display" pitchFamily="2" charset="0"/>
-                <a:ea typeface="SF Pro Display" pitchFamily="2" charset="0"/>
-                <a:cs typeface="SF Pro Display" pitchFamily="2" charset="0"/>
-              </a:rPr>
-              <a:t>Indirizzi MAC</a:t>
-            </a:r>
-          </a:p>
-        </p:txBody>
-      </p:sp>
-      <p:pic>
-        <p:nvPicPr>
-          <p:cNvPr id="5" name="Content Placeholder 4">
-            <a:extLst>
-              <a:ext uri="{FF2B5EF4-FFF2-40B4-BE49-F238E27FC236}">
-                <a16:creationId xmlns:a16="http://schemas.microsoft.com/office/drawing/2014/main" id="{9F7EABEE-6F6F-344B-A88B-9B06DFAE4800}"/>
-              </a:ext>
-            </a:extLst>
-          </p:cNvPr>
-          <p:cNvPicPr>
-            <a:picLocks noGrp="1" noChangeAspect="1"/>
-          </p:cNvPicPr>
-          <p:nvPr>
-            <p:ph sz="half" idx="1"/>
-          </p:nvPr>
-        </p:nvPicPr>
-        <p:blipFill>
-          <a:blip r:embed="rId2"/>
-          <a:stretch>
-            <a:fillRect/>
-          </a:stretch>
-        </p:blipFill>
-        <p:spPr>
-          <a:xfrm>
-            <a:off x="6882542" y="2724944"/>
-            <a:ext cx="4584700" cy="2552700"/>
-          </a:xfrm>
-        </p:spPr>
-      </p:pic>
-      <p:sp>
-        <p:nvSpPr>
-          <p:cNvPr id="9" name="Content Placeholder 8">
-            <a:extLst>
-              <a:ext uri="{FF2B5EF4-FFF2-40B4-BE49-F238E27FC236}">
-                <a16:creationId xmlns:a16="http://schemas.microsoft.com/office/drawing/2014/main" id="{EB66286E-2D71-7446-B1CB-9779F11914B7}"/>
-              </a:ext>
-            </a:extLst>
-          </p:cNvPr>
-          <p:cNvSpPr>
-            <a:spLocks noGrp="1"/>
-          </p:cNvSpPr>
-          <p:nvPr>
-            <p:ph sz="half" idx="2"/>
-          </p:nvPr>
-        </p:nvSpPr>
-        <p:spPr>
-          <a:xfrm>
-            <a:off x="914400" y="1825625"/>
-            <a:ext cx="10552842" cy="4351338"/>
-          </a:xfrm>
-        </p:spPr>
-        <p:txBody>
-          <a:bodyPr/>
-          <a:lstStyle/>
-          <a:p>
-            <a:r>
-              <a:rPr lang="it-IT" dirty="0">
-                <a:latin typeface="SF Pro Text" pitchFamily="2" charset="0"/>
-                <a:ea typeface="SF Pro Text" pitchFamily="2" charset="0"/>
-                <a:cs typeface="SF Pro Text" pitchFamily="2" charset="0"/>
-              </a:rPr>
-              <a:t>Identificano unicamente una scheda di rete</a:t>
-            </a:r>
-          </a:p>
-          <a:p>
-            <a:r>
-              <a:rPr lang="it-IT" dirty="0">
-                <a:latin typeface="SF Pro Text" pitchFamily="2" charset="0"/>
-                <a:ea typeface="SF Pro Text" pitchFamily="2" charset="0"/>
-                <a:cs typeface="SF Pro Text" pitchFamily="2" charset="0"/>
-              </a:rPr>
-              <a:t>Suddivisi in due gruppi di ottetti:</a:t>
-            </a:r>
-          </a:p>
-          <a:p>
-            <a:pPr lvl="1"/>
-            <a:r>
-              <a:rPr lang="it-IT" dirty="0">
-                <a:latin typeface="SF Pro Text" pitchFamily="2" charset="0"/>
-                <a:ea typeface="SF Pro Text" pitchFamily="2" charset="0"/>
-                <a:cs typeface="SF Pro Text" pitchFamily="2" charset="0"/>
-              </a:rPr>
-              <a:t>OUI: Assegnato dall’ IEEE</a:t>
-            </a:r>
-          </a:p>
-          <a:p>
-            <a:pPr lvl="1"/>
-            <a:r>
-              <a:rPr lang="it-IT" dirty="0">
-                <a:latin typeface="SF Pro Text" pitchFamily="2" charset="0"/>
-                <a:ea typeface="SF Pro Text" pitchFamily="2" charset="0"/>
-                <a:cs typeface="SF Pro Text" pitchFamily="2" charset="0"/>
-              </a:rPr>
-              <a:t>NIC: Scelto dal produttore</a:t>
-            </a:r>
-          </a:p>
-          <a:p>
-            <a:r>
-              <a:rPr lang="it-IT" dirty="0">
-                <a:latin typeface="SF Pro Text" pitchFamily="2" charset="0"/>
-                <a:ea typeface="SF Pro Text" pitchFamily="2" charset="0"/>
-                <a:cs typeface="SF Pro Text" pitchFamily="2" charset="0"/>
-              </a:rPr>
-              <a:t>Il primo ottetto determina:</a:t>
-            </a:r>
-          </a:p>
-          <a:p>
-            <a:pPr lvl="1"/>
-            <a:r>
-              <a:rPr lang="it-IT" dirty="0" err="1">
-                <a:latin typeface="SF Pro Text" pitchFamily="2" charset="0"/>
-                <a:ea typeface="SF Pro Text" pitchFamily="2" charset="0"/>
-                <a:cs typeface="SF Pro Text" pitchFamily="2" charset="0"/>
-              </a:rPr>
-              <a:t>Globally</a:t>
-            </a:r>
-            <a:r>
-              <a:rPr lang="it-IT" dirty="0">
-                <a:latin typeface="SF Pro Text" pitchFamily="2" charset="0"/>
-                <a:ea typeface="SF Pro Text" pitchFamily="2" charset="0"/>
-                <a:cs typeface="SF Pro Text" pitchFamily="2" charset="0"/>
-              </a:rPr>
-              <a:t> </a:t>
-            </a:r>
-            <a:r>
-              <a:rPr lang="it-IT" dirty="0" err="1">
-                <a:latin typeface="SF Pro Text" pitchFamily="2" charset="0"/>
-                <a:ea typeface="SF Pro Text" pitchFamily="2" charset="0"/>
-                <a:cs typeface="SF Pro Text" pitchFamily="2" charset="0"/>
-              </a:rPr>
-              <a:t>Assigned</a:t>
-            </a:r>
-            <a:endParaRPr lang="it-IT" dirty="0">
-              <a:latin typeface="SF Pro Text" pitchFamily="2" charset="0"/>
-              <a:ea typeface="SF Pro Text" pitchFamily="2" charset="0"/>
-              <a:cs typeface="SF Pro Text" pitchFamily="2" charset="0"/>
-            </a:endParaRPr>
-          </a:p>
-          <a:p>
-            <a:pPr lvl="1"/>
-            <a:r>
-              <a:rPr lang="it-IT" dirty="0" err="1">
-                <a:latin typeface="SF Pro Text" pitchFamily="2" charset="0"/>
-                <a:ea typeface="SF Pro Text" pitchFamily="2" charset="0"/>
-                <a:cs typeface="SF Pro Text" pitchFamily="2" charset="0"/>
-              </a:rPr>
-              <a:t>Locally</a:t>
-            </a:r>
-            <a:r>
-              <a:rPr lang="it-IT" dirty="0">
-                <a:latin typeface="SF Pro Text" pitchFamily="2" charset="0"/>
-                <a:ea typeface="SF Pro Text" pitchFamily="2" charset="0"/>
-                <a:cs typeface="SF Pro Text" pitchFamily="2" charset="0"/>
-              </a:rPr>
-              <a:t> </a:t>
-            </a:r>
-            <a:r>
-              <a:rPr lang="it-IT" dirty="0" err="1">
-                <a:latin typeface="SF Pro Text" pitchFamily="2" charset="0"/>
-                <a:ea typeface="SF Pro Text" pitchFamily="2" charset="0"/>
-                <a:cs typeface="SF Pro Text" pitchFamily="2" charset="0"/>
-              </a:rPr>
-              <a:t>Assigned</a:t>
-            </a:r>
-            <a:endParaRPr lang="it-IT" dirty="0">
-              <a:latin typeface="SF Pro Text" pitchFamily="2" charset="0"/>
-              <a:ea typeface="SF Pro Text" pitchFamily="2" charset="0"/>
-              <a:cs typeface="SF Pro Text" pitchFamily="2" charset="0"/>
-            </a:endParaRPr>
-          </a:p>
-          <a:p>
-            <a:pPr lvl="1"/>
-            <a:r>
-              <a:rPr lang="it-IT" dirty="0" err="1">
-                <a:latin typeface="SF Pro Text" pitchFamily="2" charset="0"/>
-                <a:ea typeface="SF Pro Text" pitchFamily="2" charset="0"/>
-                <a:cs typeface="SF Pro Text" pitchFamily="2" charset="0"/>
-              </a:rPr>
-              <a:t>Unicast</a:t>
-            </a:r>
-            <a:endParaRPr lang="it-IT" dirty="0">
-              <a:latin typeface="SF Pro Text" pitchFamily="2" charset="0"/>
-              <a:ea typeface="SF Pro Text" pitchFamily="2" charset="0"/>
-              <a:cs typeface="SF Pro Text" pitchFamily="2" charset="0"/>
-            </a:endParaRPr>
-          </a:p>
-          <a:p>
-            <a:pPr lvl="1"/>
-            <a:r>
-              <a:rPr lang="it-IT" dirty="0">
-                <a:latin typeface="SF Pro Text" pitchFamily="2" charset="0"/>
-                <a:ea typeface="SF Pro Text" pitchFamily="2" charset="0"/>
-                <a:cs typeface="SF Pro Text" pitchFamily="2" charset="0"/>
-              </a:rPr>
-              <a:t>Multicast</a:t>
-            </a:r>
-          </a:p>
-          <a:p>
-            <a:endParaRPr lang="it-IT" dirty="0">
-              <a:latin typeface="SF Pro Text" pitchFamily="2" charset="0"/>
-              <a:ea typeface="SF Pro Text" pitchFamily="2" charset="0"/>
-              <a:cs typeface="SF Pro Text" pitchFamily="2" charset="0"/>
-            </a:endParaRPr>
-          </a:p>
-        </p:txBody>
-      </p:sp>
-    </p:spTree>
-    <p:extLst>
-      <p:ext uri="{BB962C8B-B14F-4D97-AF65-F5344CB8AC3E}">
-        <p14:creationId xmlns:p14="http://schemas.microsoft.com/office/powerpoint/2010/main" val="1568356324"/>
-      </p:ext>
-    </p:extLst>
-  </p:cSld>
-  <p:clrMapOvr>
-    <a:masterClrMapping/>
-  </p:clrMapOvr>
-</p:sld>
-</file>
-
-<file path=ppt/slides/slide9.xml><?xml version="1.0" encoding="utf-8"?>
-<p:sld xmlns:a="http://schemas.openxmlformats.org/drawingml/2006/main" xmlns:r="http://schemas.openxmlformats.org/officeDocument/2006/relationships" xmlns:p="http://schemas.openxmlformats.org/presentationml/2006/main">
-  <p:cSld>
-    <p:spTree>
-      <p:nvGrpSpPr>
-        <p:cNvPr id="1" name=""/>
-        <p:cNvGrpSpPr/>
-        <p:nvPr/>
-      </p:nvGrpSpPr>
-      <p:grpSpPr>
-        <a:xfrm>
-          <a:off x="0" y="0"/>
-          <a:ext cx="0" cy="0"/>
-          <a:chOff x="0" y="0"/>
-          <a:chExt cx="0" cy="0"/>
-        </a:xfrm>
-      </p:grpSpPr>
-      <p:sp>
-        <p:nvSpPr>
-          <p:cNvPr id="2" name="Title 1">
-            <a:extLst>
-              <a:ext uri="{FF2B5EF4-FFF2-40B4-BE49-F238E27FC236}">
-                <a16:creationId xmlns:a16="http://schemas.microsoft.com/office/drawing/2014/main" id="{E7921167-8452-A54A-A836-E7AD6AD6CD99}"/>
-              </a:ext>
-            </a:extLst>
-          </p:cNvPr>
-          <p:cNvSpPr>
-            <a:spLocks noGrp="1"/>
-          </p:cNvSpPr>
-          <p:nvPr>
-            <p:ph type="title"/>
-          </p:nvPr>
-        </p:nvSpPr>
-        <p:spPr/>
-        <p:txBody>
-          <a:bodyPr/>
-          <a:lstStyle/>
-          <a:p>
-            <a:r>
-              <a:rPr lang="it-IT" dirty="0">
-                <a:latin typeface="SF Pro Display" pitchFamily="2" charset="0"/>
-                <a:ea typeface="SF Pro Display" pitchFamily="2" charset="0"/>
-                <a:cs typeface="SF Pro Display" pitchFamily="2" charset="0"/>
-              </a:rPr>
-              <a:t>Analisi ed euristiche</a:t>
-            </a:r>
-          </a:p>
-        </p:txBody>
-      </p:sp>
-      <p:sp>
-        <p:nvSpPr>
-          <p:cNvPr id="3" name="Content Placeholder 2">
-            <a:extLst>
-              <a:ext uri="{FF2B5EF4-FFF2-40B4-BE49-F238E27FC236}">
-                <a16:creationId xmlns:a16="http://schemas.microsoft.com/office/drawing/2014/main" id="{38EE5F4F-F455-D448-86AA-16449158A934}"/>
-              </a:ext>
-            </a:extLst>
-          </p:cNvPr>
-          <p:cNvSpPr>
-            <a:spLocks noGrp="1"/>
-          </p:cNvSpPr>
-          <p:nvPr>
-            <p:ph idx="1"/>
-          </p:nvPr>
-        </p:nvSpPr>
-        <p:spPr/>
-        <p:txBody>
-          <a:bodyPr/>
-          <a:lstStyle/>
-          <a:p>
-            <a:r>
-              <a:rPr lang="it-IT" dirty="0">
-                <a:latin typeface="SF Pro Text" pitchFamily="2" charset="0"/>
-                <a:ea typeface="SF Pro Text" pitchFamily="2" charset="0"/>
-                <a:cs typeface="SF Pro Text" pitchFamily="2" charset="0"/>
-              </a:rPr>
-              <a:t>Gestione di indirizzi:</a:t>
-            </a:r>
-          </a:p>
-          <a:p>
-            <a:pPr lvl="1"/>
-            <a:r>
-              <a:rPr lang="it-IT" dirty="0">
-                <a:latin typeface="SF Pro Text" pitchFamily="2" charset="0"/>
-                <a:ea typeface="SF Pro Text" pitchFamily="2" charset="0"/>
-                <a:cs typeface="SF Pro Text" pitchFamily="2" charset="0"/>
-              </a:rPr>
-              <a:t>Globalmente assegnati / Localmente assegnati </a:t>
-            </a:r>
-          </a:p>
-          <a:p>
-            <a:pPr lvl="1"/>
-            <a:r>
-              <a:rPr lang="it-IT" dirty="0" err="1">
-                <a:latin typeface="SF Pro Text" pitchFamily="2" charset="0"/>
-                <a:ea typeface="SF Pro Text" pitchFamily="2" charset="0"/>
-                <a:cs typeface="SF Pro Text" pitchFamily="2" charset="0"/>
-              </a:rPr>
-              <a:t>Unicast</a:t>
-            </a:r>
-            <a:r>
-              <a:rPr lang="it-IT" dirty="0">
-                <a:latin typeface="SF Pro Text" pitchFamily="2" charset="0"/>
-                <a:ea typeface="SF Pro Text" pitchFamily="2" charset="0"/>
-                <a:cs typeface="SF Pro Text" pitchFamily="2" charset="0"/>
-              </a:rPr>
-              <a:t> / Multicast</a:t>
-            </a:r>
-          </a:p>
-          <a:p>
-            <a:r>
-              <a:rPr lang="it-IT" dirty="0">
-                <a:latin typeface="SF Pro Text" pitchFamily="2" charset="0"/>
-                <a:ea typeface="SF Pro Text" pitchFamily="2" charset="0"/>
-                <a:cs typeface="SF Pro Text" pitchFamily="2" charset="0"/>
-              </a:rPr>
-              <a:t>Euristiche:</a:t>
-            </a:r>
-          </a:p>
-          <a:p>
-            <a:pPr lvl="1"/>
-            <a:r>
-              <a:rPr lang="it-IT" dirty="0">
-                <a:latin typeface="SF Pro Text" pitchFamily="2" charset="0"/>
-                <a:ea typeface="SF Pro Text" pitchFamily="2" charset="0"/>
-                <a:cs typeface="SF Pro Text" pitchFamily="2" charset="0"/>
-              </a:rPr>
-              <a:t>Access Point</a:t>
-            </a:r>
-          </a:p>
-          <a:p>
-            <a:pPr lvl="1"/>
-            <a:r>
-              <a:rPr lang="it-IT" dirty="0" err="1">
-                <a:latin typeface="SF Pro Text" pitchFamily="2" charset="0"/>
-                <a:ea typeface="SF Pro Text" pitchFamily="2" charset="0"/>
-                <a:cs typeface="SF Pro Text" pitchFamily="2" charset="0"/>
-              </a:rPr>
-              <a:t>Repeater</a:t>
-            </a:r>
-            <a:endParaRPr lang="it-IT" dirty="0">
-              <a:latin typeface="SF Pro Text" pitchFamily="2" charset="0"/>
-              <a:ea typeface="SF Pro Text" pitchFamily="2" charset="0"/>
-              <a:cs typeface="SF Pro Text" pitchFamily="2" charset="0"/>
-            </a:endParaRPr>
-          </a:p>
-          <a:p>
-            <a:pPr lvl="1"/>
-            <a:endParaRPr lang="it-IT" dirty="0">
-              <a:latin typeface="SF Pro Text" pitchFamily="2" charset="0"/>
-              <a:ea typeface="SF Pro Text" pitchFamily="2" charset="0"/>
-              <a:cs typeface="SF Pro Text" pitchFamily="2" charset="0"/>
-            </a:endParaRPr>
-          </a:p>
-          <a:p>
-            <a:endParaRPr lang="it-IT" dirty="0">
-              <a:latin typeface="SF Pro Text" pitchFamily="2" charset="0"/>
-              <a:ea typeface="SF Pro Text" pitchFamily="2" charset="0"/>
-              <a:cs typeface="SF Pro Text" pitchFamily="2" charset="0"/>
-            </a:endParaRPr>
-          </a:p>
-        </p:txBody>
-      </p:sp>
-    </p:spTree>
-    <p:extLst>
-      <p:ext uri="{BB962C8B-B14F-4D97-AF65-F5344CB8AC3E}">
-        <p14:creationId xmlns:p14="http://schemas.microsoft.com/office/powerpoint/2010/main" val="3293887920"/>
       </p:ext>
     </p:extLst>
   </p:cSld>

--- a/Presentazione.pptx
+++ b/Presentazione.pptx
@@ -5,7 +5,7 @@
     <p:sldMasterId id="2147483853" r:id="rId1"/>
   </p:sldMasterIdLst>
   <p:notesMasterIdLst>
-    <p:notesMasterId r:id="rId20"/>
+    <p:notesMasterId r:id="rId21"/>
   </p:notesMasterIdLst>
   <p:sldIdLst>
     <p:sldId id="256" r:id="rId2"/>
@@ -13,19 +13,20 @@
     <p:sldId id="279" r:id="rId4"/>
     <p:sldId id="271" r:id="rId5"/>
     <p:sldId id="258" r:id="rId6"/>
-    <p:sldId id="260" r:id="rId7"/>
-    <p:sldId id="278" r:id="rId8"/>
-    <p:sldId id="263" r:id="rId9"/>
-    <p:sldId id="272" r:id="rId10"/>
-    <p:sldId id="274" r:id="rId11"/>
-    <p:sldId id="259" r:id="rId12"/>
-    <p:sldId id="265" r:id="rId13"/>
-    <p:sldId id="268" r:id="rId14"/>
-    <p:sldId id="267" r:id="rId15"/>
-    <p:sldId id="269" r:id="rId16"/>
-    <p:sldId id="264" r:id="rId17"/>
-    <p:sldId id="261" r:id="rId18"/>
-    <p:sldId id="270" r:id="rId19"/>
+    <p:sldId id="259" r:id="rId7"/>
+    <p:sldId id="265" r:id="rId8"/>
+    <p:sldId id="272" r:id="rId9"/>
+    <p:sldId id="269" r:id="rId10"/>
+    <p:sldId id="280" r:id="rId11"/>
+    <p:sldId id="260" r:id="rId12"/>
+    <p:sldId id="278" r:id="rId13"/>
+    <p:sldId id="263" r:id="rId14"/>
+    <p:sldId id="274" r:id="rId15"/>
+    <p:sldId id="264" r:id="rId16"/>
+    <p:sldId id="261" r:id="rId17"/>
+    <p:sldId id="270" r:id="rId18"/>
+    <p:sldId id="268" r:id="rId19"/>
+    <p:sldId id="267" r:id="rId20"/>
   </p:sldIdLst>
   <p:sldSz cx="12192000" cy="6858000"/>
   <p:notesSz cx="6858000" cy="9144000"/>
@@ -134,25 +135,29 @@
             <p14:sldId id="279"/>
             <p14:sldId id="271"/>
             <p14:sldId id="258"/>
+            <p14:sldId id="259"/>
+            <p14:sldId id="265"/>
+            <p14:sldId id="272"/>
+            <p14:sldId id="269"/>
+            <p14:sldId id="280"/>
             <p14:sldId id="260"/>
             <p14:sldId id="278"/>
             <p14:sldId id="263"/>
-            <p14:sldId id="272"/>
             <p14:sldId id="274"/>
-            <p14:sldId id="259"/>
-            <p14:sldId id="265"/>
-            <p14:sldId id="268"/>
-            <p14:sldId id="267"/>
-            <p14:sldId id="269"/>
             <p14:sldId id="264"/>
             <p14:sldId id="261"/>
             <p14:sldId id="270"/>
+            <p14:sldId id="268"/>
+            <p14:sldId id="267"/>
           </p14:sldIdLst>
         </p14:section>
       </p14:sectionLst>
     </p:ext>
     <p:ext uri="{EFAFB233-063F-42B5-8137-9DF3F51BA10A}">
       <p15:sldGuideLst xmlns:p15="http://schemas.microsoft.com/office/powerpoint/2012/main"/>
+    </p:ext>
+    <p:ext uri="{2D200454-40CA-4A62-9FC3-DE9A4176ACB9}">
+      <p15:notesGuideLst xmlns:p15="http://schemas.microsoft.com/office/powerpoint/2012/main"/>
     </p:ext>
   </p:extLst>
 </p:presentation>
@@ -240,7 +245,7 @@
           <a:p>
             <a:fld id="{90543540-6C2E-E74F-B62A-ECC9245892B0}" type="datetimeFigureOut">
               <a:rPr lang="it-IT" smtClean="0"/>
-              <a:t>08/06/19</a:t>
+              <a:t>12/06/19</a:t>
             </a:fld>
             <a:endParaRPr lang="it-IT"/>
           </a:p>
@@ -508,6 +513,90 @@
 </p:notesMaster>
 </file>
 
+<file path=ppt/notesSlides/notesSlide1.xml><?xml version="1.0" encoding="utf-8"?>
+<p:notes xmlns:a="http://schemas.openxmlformats.org/drawingml/2006/main" xmlns:r="http://schemas.openxmlformats.org/officeDocument/2006/relationships" xmlns:p="http://schemas.openxmlformats.org/presentationml/2006/main">
+  <p:cSld>
+    <p:spTree>
+      <p:nvGrpSpPr>
+        <p:cNvPr id="1" name=""/>
+        <p:cNvGrpSpPr/>
+        <p:nvPr/>
+      </p:nvGrpSpPr>
+      <p:grpSpPr>
+        <a:xfrm>
+          <a:off x="0" y="0"/>
+          <a:ext cx="0" cy="0"/>
+          <a:chOff x="0" y="0"/>
+          <a:chExt cx="0" cy="0"/>
+        </a:xfrm>
+      </p:grpSpPr>
+      <p:sp>
+        <p:nvSpPr>
+          <p:cNvPr id="2" name="Slide Image Placeholder 1"/>
+          <p:cNvSpPr>
+            <a:spLocks noGrp="1" noRot="1" noChangeAspect="1"/>
+          </p:cNvSpPr>
+          <p:nvPr>
+            <p:ph type="sldImg"/>
+          </p:nvPr>
+        </p:nvSpPr>
+        <p:spPr/>
+      </p:sp>
+      <p:sp>
+        <p:nvSpPr>
+          <p:cNvPr id="3" name="Notes Placeholder 2"/>
+          <p:cNvSpPr>
+            <a:spLocks noGrp="1"/>
+          </p:cNvSpPr>
+          <p:nvPr>
+            <p:ph type="body" idx="1"/>
+          </p:nvPr>
+        </p:nvSpPr>
+        <p:spPr/>
+        <p:txBody>
+          <a:bodyPr/>
+          <a:lstStyle/>
+          <a:p>
+            <a:endParaRPr lang="it-IT"/>
+          </a:p>
+        </p:txBody>
+      </p:sp>
+      <p:sp>
+        <p:nvSpPr>
+          <p:cNvPr id="4" name="Slide Number Placeholder 3"/>
+          <p:cNvSpPr>
+            <a:spLocks noGrp="1"/>
+          </p:cNvSpPr>
+          <p:nvPr>
+            <p:ph type="sldNum" sz="quarter" idx="5"/>
+          </p:nvPr>
+        </p:nvSpPr>
+        <p:spPr/>
+        <p:txBody>
+          <a:bodyPr/>
+          <a:lstStyle/>
+          <a:p>
+            <a:fld id="{EA24F5DA-A97C-FC4F-A748-B1A77C27DCD5}" type="slidenum">
+              <a:rPr lang="it-IT" smtClean="0"/>
+              <a:t>1</a:t>
+            </a:fld>
+            <a:endParaRPr lang="it-IT"/>
+          </a:p>
+        </p:txBody>
+      </p:sp>
+    </p:spTree>
+    <p:extLst>
+      <p:ext uri="{BB962C8B-B14F-4D97-AF65-F5344CB8AC3E}">
+        <p14:creationId xmlns:p14="http://schemas.microsoft.com/office/powerpoint/2010/main" val="304492390"/>
+      </p:ext>
+    </p:extLst>
+  </p:cSld>
+  <p:clrMapOvr>
+    <a:masterClrMapping/>
+  </p:clrMapOvr>
+</p:notes>
+</file>
+
 <file path=ppt/slideLayouts/slideLayout1.xml><?xml version="1.0" encoding="utf-8"?>
 <p:sldLayout xmlns:a="http://schemas.openxmlformats.org/drawingml/2006/main" xmlns:r="http://schemas.openxmlformats.org/officeDocument/2006/relationships" xmlns:p="http://schemas.openxmlformats.org/presentationml/2006/main" type="title" preserve="1">
   <p:cSld name="Title Slide">
@@ -657,7 +746,7 @@
           <a:p>
             <a:fld id="{13C79C5D-DEAA-D849-A63F-301037F3B08C}" type="datetimeFigureOut">
               <a:rPr lang="it-IT" smtClean="0"/>
-              <a:t>08/06/19</a:t>
+              <a:t>12/06/19</a:t>
             </a:fld>
             <a:endParaRPr lang="it-IT"/>
           </a:p>
@@ -857,7 +946,7 @@
           <a:p>
             <a:fld id="{13C79C5D-DEAA-D849-A63F-301037F3B08C}" type="datetimeFigureOut">
               <a:rPr lang="it-IT" smtClean="0"/>
-              <a:t>08/06/19</a:t>
+              <a:t>12/06/19</a:t>
             </a:fld>
             <a:endParaRPr lang="it-IT"/>
           </a:p>
@@ -1067,7 +1156,7 @@
           <a:p>
             <a:fld id="{13C79C5D-DEAA-D849-A63F-301037F3B08C}" type="datetimeFigureOut">
               <a:rPr lang="it-IT" smtClean="0"/>
-              <a:t>08/06/19</a:t>
+              <a:t>12/06/19</a:t>
             </a:fld>
             <a:endParaRPr lang="it-IT"/>
           </a:p>
@@ -1277,7 +1366,7 @@
           <a:p>
             <a:fld id="{13C79C5D-DEAA-D849-A63F-301037F3B08C}" type="datetimeFigureOut">
               <a:rPr lang="it-IT" smtClean="0"/>
-              <a:t>08/06/19</a:t>
+              <a:t>12/06/19</a:t>
             </a:fld>
             <a:endParaRPr lang="it-IT"/>
           </a:p>
@@ -1592,7 +1681,7 @@
           <a:p>
             <a:fld id="{13C79C5D-DEAA-D849-A63F-301037F3B08C}" type="datetimeFigureOut">
               <a:rPr lang="it-IT" smtClean="0"/>
-              <a:t>08/06/19</a:t>
+              <a:t>12/06/19</a:t>
             </a:fld>
             <a:endParaRPr lang="it-IT"/>
           </a:p>
@@ -1860,7 +1949,7 @@
           <a:p>
             <a:fld id="{13C79C5D-DEAA-D849-A63F-301037F3B08C}" type="datetimeFigureOut">
               <a:rPr lang="it-IT" smtClean="0"/>
-              <a:t>09/06/19</a:t>
+              <a:t>12/06/19</a:t>
             </a:fld>
             <a:endParaRPr lang="it-IT"/>
           </a:p>
@@ -2314,7 +2403,7 @@
           <a:p>
             <a:fld id="{13C79C5D-DEAA-D849-A63F-301037F3B08C}" type="datetimeFigureOut">
               <a:rPr lang="it-IT" smtClean="0"/>
-              <a:t>08/06/19</a:t>
+              <a:t>12/06/19</a:t>
             </a:fld>
             <a:endParaRPr lang="it-IT"/>
           </a:p>
@@ -2456,7 +2545,7 @@
           <a:p>
             <a:fld id="{13C79C5D-DEAA-D849-A63F-301037F3B08C}" type="datetimeFigureOut">
               <a:rPr lang="it-IT" smtClean="0"/>
-              <a:t>08/06/19</a:t>
+              <a:t>12/06/19</a:t>
             </a:fld>
             <a:endParaRPr lang="it-IT"/>
           </a:p>
@@ -2569,7 +2658,7 @@
           <a:p>
             <a:fld id="{13C79C5D-DEAA-D849-A63F-301037F3B08C}" type="datetimeFigureOut">
               <a:rPr lang="it-IT" smtClean="0"/>
-              <a:t>08/06/19</a:t>
+              <a:t>12/06/19</a:t>
             </a:fld>
             <a:endParaRPr lang="it-IT"/>
           </a:p>
@@ -2882,7 +2971,7 @@
           <a:p>
             <a:fld id="{13C79C5D-DEAA-D849-A63F-301037F3B08C}" type="datetimeFigureOut">
               <a:rPr lang="it-IT" smtClean="0"/>
-              <a:t>08/06/19</a:t>
+              <a:t>12/06/19</a:t>
             </a:fld>
             <a:endParaRPr lang="it-IT"/>
           </a:p>
@@ -3171,7 +3260,7 @@
           <a:p>
             <a:fld id="{13C79C5D-DEAA-D849-A63F-301037F3B08C}" type="datetimeFigureOut">
               <a:rPr lang="it-IT" smtClean="0"/>
-              <a:t>08/06/19</a:t>
+              <a:t>12/06/19</a:t>
             </a:fld>
             <a:endParaRPr lang="it-IT"/>
           </a:p>
@@ -3414,7 +3503,7 @@
           <a:p>
             <a:fld id="{13C79C5D-DEAA-D849-A63F-301037F3B08C}" type="datetimeFigureOut">
               <a:rPr lang="it-IT" smtClean="0"/>
-              <a:t>08/06/19</a:t>
+              <a:t>12/06/19</a:t>
             </a:fld>
             <a:endParaRPr lang="it-IT"/>
           </a:p>
@@ -3849,7 +3938,7 @@
         </p:nvSpPr>
         <p:spPr>
           <a:xfrm>
-            <a:off x="1524000" y="858838"/>
+            <a:off x="1524000" y="1289050"/>
             <a:ext cx="9144000" cy="2387600"/>
           </a:xfrm>
         </p:spPr>
@@ -3861,6 +3950,21 @@
           <a:p>
             <a:br>
               <a:rPr lang="it-IT" sz="3500" dirty="0">
+                <a:latin typeface="SF Pro Display" pitchFamily="2" charset="0"/>
+                <a:ea typeface="SF Pro Display" pitchFamily="2" charset="0"/>
+                <a:cs typeface="SF Pro Display" pitchFamily="2" charset="0"/>
+              </a:rPr>
+            </a:br>
+            <a:r>
+              <a:rPr lang="it-IT" sz="2000" dirty="0">
+                <a:latin typeface="SF Pro Display" pitchFamily="2" charset="0"/>
+                <a:ea typeface="SF Pro Display" pitchFamily="2" charset="0"/>
+                <a:cs typeface="SF Pro Display" pitchFamily="2" charset="0"/>
+              </a:rPr>
+              <a:t>Dipartimento di Informatica</a:t>
+            </a:r>
+            <a:br>
+              <a:rPr lang="it-IT" sz="2000" dirty="0">
                 <a:latin typeface="SF Pro Display" pitchFamily="2" charset="0"/>
                 <a:ea typeface="SF Pro Display" pitchFamily="2" charset="0"/>
                 <a:cs typeface="SF Pro Display" pitchFamily="2" charset="0"/>
@@ -3966,7 +4070,7 @@
           <p:nvPr/>
         </p:nvPicPr>
         <p:blipFill>
-          <a:blip r:embed="rId2"/>
+          <a:blip r:embed="rId3"/>
           <a:stretch>
             <a:fillRect/>
           </a:stretch>
@@ -4016,190 +4120,51 @@
           <p:cNvPr id="2" name="Title 1">
             <a:extLst>
               <a:ext uri="{FF2B5EF4-FFF2-40B4-BE49-F238E27FC236}">
-                <a16:creationId xmlns:a16="http://schemas.microsoft.com/office/drawing/2014/main" id="{EFCC0D2A-105A-2A46-BCDA-2D846645CBB2}"/>
-              </a:ext>
-            </a:extLst>
-          </p:cNvPr>
-          <p:cNvSpPr>
-            <a:spLocks noGrp="1"/>
-          </p:cNvSpPr>
-          <p:nvPr>
-            <p:ph type="title"/>
+                <a16:creationId xmlns:a16="http://schemas.microsoft.com/office/drawing/2014/main" id="{230A6FC3-EC69-2340-AECC-4EB9F96B71BC}"/>
+              </a:ext>
+            </a:extLst>
+          </p:cNvPr>
+          <p:cNvSpPr>
+            <a:spLocks noGrp="1"/>
+          </p:cNvSpPr>
+          <p:nvPr>
+            <p:ph type="ctrTitle"/>
           </p:nvPr>
         </p:nvSpPr>
         <p:spPr/>
         <p:txBody>
-          <a:bodyPr/>
+          <a:bodyPr>
+            <a:normAutofit/>
+          </a:bodyPr>
           <a:lstStyle/>
           <a:p>
             <a:r>
-              <a:rPr lang="it-IT" dirty="0">
+              <a:rPr lang="it-IT" sz="4400" dirty="0">
                 <a:latin typeface="SF Pro Display" pitchFamily="2" charset="0"/>
                 <a:ea typeface="SF Pro Display" pitchFamily="2" charset="0"/>
                 <a:cs typeface="SF Pro Display" pitchFamily="2" charset="0"/>
               </a:rPr>
-              <a:t>Analisi della performance</a:t>
-            </a:r>
-          </a:p>
-        </p:txBody>
-      </p:sp>
-      <p:sp>
-        <p:nvSpPr>
-          <p:cNvPr id="3" name="Content Placeholder 2">
-            <a:extLst>
-              <a:ext uri="{FF2B5EF4-FFF2-40B4-BE49-F238E27FC236}">
-                <a16:creationId xmlns:a16="http://schemas.microsoft.com/office/drawing/2014/main" id="{1F179D51-232E-1A40-B09A-A20E845C5B2D}"/>
-              </a:ext>
-            </a:extLst>
-          </p:cNvPr>
-          <p:cNvSpPr>
-            <a:spLocks noGrp="1"/>
-          </p:cNvSpPr>
-          <p:nvPr>
-            <p:ph idx="1"/>
-          </p:nvPr>
-        </p:nvSpPr>
-        <p:spPr/>
-        <p:txBody>
-          <a:bodyPr/>
-          <a:lstStyle/>
-          <a:p>
-            <a:r>
-              <a:rPr lang="it-IT" dirty="0">
-                <a:latin typeface="SF Pro Text" pitchFamily="2" charset="0"/>
-                <a:ea typeface="SF Pro Text" pitchFamily="2" charset="0"/>
-                <a:cs typeface="SF Pro Text" pitchFamily="2" charset="0"/>
-              </a:rPr>
-              <a:t>Uso di memoria dipendente dal traffico</a:t>
-            </a:r>
-          </a:p>
-          <a:p>
-            <a:pPr lvl="1"/>
-            <a:r>
-              <a:rPr lang="it-IT" dirty="0">
-                <a:latin typeface="SF Pro Text" pitchFamily="2" charset="0"/>
-                <a:ea typeface="SF Pro Text" pitchFamily="2" charset="0"/>
-                <a:cs typeface="SF Pro Text" pitchFamily="2" charset="0"/>
-              </a:rPr>
-              <a:t>~20MB per 30,000 pacchetti catturati ed analizzati</a:t>
-            </a:r>
-          </a:p>
-          <a:p>
-            <a:pPr lvl="1"/>
-            <a:r>
-              <a:rPr lang="it-IT" dirty="0">
-                <a:latin typeface="SF Pro Text" pitchFamily="2" charset="0"/>
-                <a:ea typeface="SF Pro Text" pitchFamily="2" charset="0"/>
-                <a:cs typeface="SF Pro Text" pitchFamily="2" charset="0"/>
-              </a:rPr>
-              <a:t>Generalmente ~5MB per catture live di 15 secondi</a:t>
-            </a:r>
-          </a:p>
-          <a:p>
-            <a:r>
-              <a:rPr lang="it-IT" dirty="0">
-                <a:latin typeface="SF Pro Text" pitchFamily="2" charset="0"/>
-                <a:ea typeface="SF Pro Text" pitchFamily="2" charset="0"/>
-                <a:cs typeface="SF Pro Text" pitchFamily="2" charset="0"/>
-              </a:rPr>
-              <a:t>Tempo di calcolo principalmente dovuto alla cattura</a:t>
-            </a:r>
-          </a:p>
-          <a:p>
-            <a:pPr lvl="1"/>
-            <a:r>
-              <a:rPr lang="it-IT" dirty="0">
-                <a:latin typeface="SF Pro Text" pitchFamily="2" charset="0"/>
-                <a:ea typeface="SF Pro Text" pitchFamily="2" charset="0"/>
-                <a:cs typeface="SF Pro Text" pitchFamily="2" charset="0"/>
-              </a:rPr>
-              <a:t>Cattura costante</a:t>
-            </a:r>
-          </a:p>
-          <a:p>
-            <a:pPr lvl="1"/>
-            <a:r>
-              <a:rPr lang="it-IT" dirty="0">
-                <a:latin typeface="SF Pro Text" pitchFamily="2" charset="0"/>
-                <a:ea typeface="SF Pro Text" pitchFamily="2" charset="0"/>
-                <a:cs typeface="SF Pro Text" pitchFamily="2" charset="0"/>
-              </a:rPr>
-              <a:t>Cattura programmata per una durata a scelta</a:t>
-            </a:r>
-          </a:p>
-          <a:p>
-            <a:r>
-              <a:rPr lang="it-IT" dirty="0">
-                <a:latin typeface="SF Pro Text" pitchFamily="2" charset="0"/>
-                <a:ea typeface="SF Pro Text" pitchFamily="2" charset="0"/>
-                <a:cs typeface="SF Pro Text" pitchFamily="2" charset="0"/>
-              </a:rPr>
-              <a:t>Soluzione implementabile su:</a:t>
-            </a:r>
-          </a:p>
-          <a:p>
-            <a:pPr lvl="1"/>
-            <a:r>
-              <a:rPr lang="it-IT" dirty="0">
-                <a:latin typeface="SF Pro Text" pitchFamily="2" charset="0"/>
-                <a:ea typeface="SF Pro Text" pitchFamily="2" charset="0"/>
-                <a:cs typeface="SF Pro Text" pitchFamily="2" charset="0"/>
-              </a:rPr>
-              <a:t>Router</a:t>
-            </a:r>
-          </a:p>
-          <a:p>
-            <a:pPr lvl="1"/>
-            <a:r>
-              <a:rPr lang="it-IT" dirty="0">
-                <a:latin typeface="SF Pro Text" pitchFamily="2" charset="0"/>
-                <a:ea typeface="SF Pro Text" pitchFamily="2" charset="0"/>
-                <a:cs typeface="SF Pro Text" pitchFamily="2" charset="0"/>
-              </a:rPr>
-              <a:t>Smartphone</a:t>
-            </a:r>
-          </a:p>
-          <a:p>
-            <a:pPr lvl="1"/>
-            <a:r>
-              <a:rPr lang="it-IT" dirty="0">
-                <a:latin typeface="SF Pro Text" pitchFamily="2" charset="0"/>
-                <a:ea typeface="SF Pro Text" pitchFamily="2" charset="0"/>
-                <a:cs typeface="SF Pro Text" pitchFamily="2" charset="0"/>
-              </a:rPr>
-              <a:t>SBC</a:t>
-            </a:r>
-          </a:p>
-          <a:p>
-            <a:pPr lvl="1"/>
-            <a:endParaRPr lang="it-IT" dirty="0">
-              <a:latin typeface="SF Pro Text" pitchFamily="2" charset="0"/>
-              <a:ea typeface="SF Pro Text" pitchFamily="2" charset="0"/>
-              <a:cs typeface="SF Pro Text" pitchFamily="2" charset="0"/>
-            </a:endParaRPr>
-          </a:p>
-          <a:p>
-            <a:pPr lvl="1"/>
-            <a:endParaRPr lang="it-IT" dirty="0">
-              <a:latin typeface="SF Pro Text" pitchFamily="2" charset="0"/>
-              <a:ea typeface="SF Pro Text" pitchFamily="2" charset="0"/>
-              <a:cs typeface="SF Pro Text" pitchFamily="2" charset="0"/>
-            </a:endParaRPr>
-          </a:p>
-          <a:p>
-            <a:pPr lvl="1"/>
-            <a:endParaRPr lang="it-IT" dirty="0">
-              <a:latin typeface="SF Pro Text" pitchFamily="2" charset="0"/>
-              <a:ea typeface="SF Pro Text" pitchFamily="2" charset="0"/>
-              <a:cs typeface="SF Pro Text" pitchFamily="2" charset="0"/>
-            </a:endParaRPr>
-          </a:p>
-          <a:p>
-            <a:pPr lvl="1"/>
-            <a:endParaRPr lang="it-IT" dirty="0">
-              <a:latin typeface="SF Pro Text" pitchFamily="2" charset="0"/>
-              <a:ea typeface="SF Pro Text" pitchFamily="2" charset="0"/>
-              <a:cs typeface="SF Pro Text" pitchFamily="2" charset="0"/>
+              <a:t>Esempio di utilizzo </a:t>
+            </a:r>
+            <a:br>
+              <a:rPr lang="it-IT" sz="4400" dirty="0">
+                <a:latin typeface="SF Pro Display" pitchFamily="2" charset="0"/>
+                <a:ea typeface="SF Pro Display" pitchFamily="2" charset="0"/>
+                <a:cs typeface="SF Pro Display" pitchFamily="2" charset="0"/>
+              </a:rPr>
+            </a:br>
+            <a:r>
+              <a:rPr lang="it-IT" sz="4400" dirty="0" err="1">
+                <a:latin typeface="SF Pro Display" pitchFamily="2" charset="0"/>
+                <a:ea typeface="SF Pro Display" pitchFamily="2" charset="0"/>
+                <a:cs typeface="SF Pro Display" pitchFamily="2" charset="0"/>
+              </a:rPr>
+              <a:t>WiFi-Topology</a:t>
+            </a:r>
+            <a:endParaRPr lang="it-IT" sz="4400" dirty="0">
+              <a:latin typeface="SF Pro Display" pitchFamily="2" charset="0"/>
+              <a:ea typeface="SF Pro Display" pitchFamily="2" charset="0"/>
+              <a:cs typeface="SF Pro Display" pitchFamily="2" charset="0"/>
             </a:endParaRPr>
           </a:p>
         </p:txBody>
@@ -4207,7 +4172,7 @@
     </p:spTree>
     <p:extLst>
       <p:ext uri="{BB962C8B-B14F-4D97-AF65-F5344CB8AC3E}">
-        <p14:creationId xmlns:p14="http://schemas.microsoft.com/office/powerpoint/2010/main" val="1444998106"/>
+        <p14:creationId xmlns:p14="http://schemas.microsoft.com/office/powerpoint/2010/main" val="482248868"/>
       </p:ext>
     </p:extLst>
   </p:cSld>
@@ -4239,7 +4204,7 @@
           <p:cNvPr id="2" name="Title 1">
             <a:extLst>
               <a:ext uri="{FF2B5EF4-FFF2-40B4-BE49-F238E27FC236}">
-                <a16:creationId xmlns:a16="http://schemas.microsoft.com/office/drawing/2014/main" id="{603D3AC7-962A-0C4C-8EB6-FEE3F7399F48}"/>
+                <a16:creationId xmlns:a16="http://schemas.microsoft.com/office/drawing/2014/main" id="{AEDBEBE5-6F8D-934E-972A-889CF2339823}"/>
               </a:ext>
             </a:extLst>
           </p:cNvPr>
@@ -4256,38 +4221,38 @@
           <a:lstStyle/>
           <a:p>
             <a:r>
-              <a:rPr lang="it-IT" dirty="0" err="1">
+              <a:rPr lang="it-IT" dirty="0">
                 <a:latin typeface="SF Pro Display" pitchFamily="2" charset="0"/>
                 <a:ea typeface="SF Pro Display" pitchFamily="2" charset="0"/>
                 <a:cs typeface="SF Pro Display" pitchFamily="2" charset="0"/>
               </a:rPr>
-              <a:t>ArpScanner</a:t>
-            </a:r>
-            <a:endParaRPr lang="it-IT" dirty="0">
-              <a:latin typeface="SF Pro Display" pitchFamily="2" charset="0"/>
-              <a:ea typeface="SF Pro Display" pitchFamily="2" charset="0"/>
-              <a:cs typeface="SF Pro Display" pitchFamily="2" charset="0"/>
-            </a:endParaRPr>
-          </a:p>
-        </p:txBody>
-      </p:sp>
-      <p:sp>
-        <p:nvSpPr>
-          <p:cNvPr id="3" name="Content Placeholder 2">
-            <a:extLst>
-              <a:ext uri="{FF2B5EF4-FFF2-40B4-BE49-F238E27FC236}">
-                <a16:creationId xmlns:a16="http://schemas.microsoft.com/office/drawing/2014/main" id="{5E42DEE0-3990-0848-AE87-82145D2349A4}"/>
-              </a:ext>
-            </a:extLst>
-          </p:cNvPr>
-          <p:cNvSpPr>
-            <a:spLocks noGrp="1"/>
-          </p:cNvSpPr>
-          <p:nvPr>
-            <p:ph idx="1"/>
-          </p:nvPr>
-        </p:nvSpPr>
-        <p:spPr/>
+              <a:t>Validazione su reti con topologia semplice</a:t>
+            </a:r>
+          </a:p>
+        </p:txBody>
+      </p:sp>
+      <p:sp>
+        <p:nvSpPr>
+          <p:cNvPr id="16" name="Content Placeholder 15">
+            <a:extLst>
+              <a:ext uri="{FF2B5EF4-FFF2-40B4-BE49-F238E27FC236}">
+                <a16:creationId xmlns:a16="http://schemas.microsoft.com/office/drawing/2014/main" id="{E838C085-0EAA-9941-B43E-62AC4939C722}"/>
+              </a:ext>
+            </a:extLst>
+          </p:cNvPr>
+          <p:cNvSpPr>
+            <a:spLocks noGrp="1"/>
+          </p:cNvSpPr>
+          <p:nvPr>
+            <p:ph sz="half" idx="1"/>
+          </p:nvPr>
+        </p:nvSpPr>
+        <p:spPr>
+          <a:xfrm>
+            <a:off x="838200" y="1825625"/>
+            <a:ext cx="10515600" cy="4351338"/>
+          </a:xfrm>
+        </p:spPr>
         <p:txBody>
           <a:bodyPr/>
           <a:lstStyle/>
@@ -4298,17 +4263,17 @@
                 <a:ea typeface="SF Pro Text" pitchFamily="2" charset="0"/>
                 <a:cs typeface="SF Pro Text" pitchFamily="2" charset="0"/>
               </a:rPr>
-              <a:t>Monitoraggio attivo</a:t>
-            </a:r>
-          </a:p>
-          <a:p>
-            <a:r>
-              <a:rPr lang="it-IT" dirty="0">
-                <a:latin typeface="SF Pro Text" pitchFamily="2" charset="0"/>
-                <a:ea typeface="SF Pro Text" pitchFamily="2" charset="0"/>
-                <a:cs typeface="SF Pro Text" pitchFamily="2" charset="0"/>
-              </a:rPr>
-              <a:t>Effettua </a:t>
+              <a:t>Rete casalinga o SMB</a:t>
+            </a:r>
+          </a:p>
+          <a:p>
+            <a:r>
+              <a:rPr lang="it-IT" dirty="0">
+                <a:latin typeface="SF Pro Text" pitchFamily="2" charset="0"/>
+                <a:ea typeface="SF Pro Text" pitchFamily="2" charset="0"/>
+                <a:cs typeface="SF Pro Text" pitchFamily="2" charset="0"/>
+              </a:rPr>
+              <a:t>Dispositivi direttamente collegati ad un </a:t>
             </a:r>
             <a:r>
               <a:rPr lang="it-IT" dirty="0" err="1">
@@ -4316,7 +4281,7 @@
                 <a:ea typeface="SF Pro Text" pitchFamily="2" charset="0"/>
                 <a:cs typeface="SF Pro Text" pitchFamily="2" charset="0"/>
               </a:rPr>
-              <a:t>Arp</a:t>
+              <a:t>access</a:t>
             </a:r>
             <a:r>
               <a:rPr lang="it-IT" dirty="0">
@@ -4332,52 +4297,7 @@
                 <a:ea typeface="SF Pro Text" pitchFamily="2" charset="0"/>
                 <a:cs typeface="SF Pro Text" pitchFamily="2" charset="0"/>
               </a:rPr>
-              <a:t>Scan</a:t>
-            </a:r>
-            <a:r>
-              <a:rPr lang="it-IT" dirty="0">
-                <a:latin typeface="SF Pro Text" pitchFamily="2" charset="0"/>
-                <a:ea typeface="SF Pro Text" pitchFamily="2" charset="0"/>
-                <a:cs typeface="SF Pro Text" pitchFamily="2" charset="0"/>
-              </a:rPr>
-              <a:t> sulla rete in analisi</a:t>
-            </a:r>
-          </a:p>
-          <a:p>
-            <a:pPr lvl="1"/>
-            <a:r>
-              <a:rPr lang="it-IT" dirty="0">
-                <a:latin typeface="SF Pro Text" pitchFamily="2" charset="0"/>
-                <a:ea typeface="SF Pro Text" pitchFamily="2" charset="0"/>
-                <a:cs typeface="SF Pro Text" pitchFamily="2" charset="0"/>
-              </a:rPr>
-              <a:t>Assegna indirizzi MAC ad indirizzi IPv4</a:t>
-            </a:r>
-          </a:p>
-          <a:p>
-            <a:r>
-              <a:rPr lang="it-IT" dirty="0" err="1">
-                <a:latin typeface="SF Pro Text" pitchFamily="2" charset="0"/>
-                <a:ea typeface="SF Pro Text" pitchFamily="2" charset="0"/>
-                <a:cs typeface="SF Pro Text" pitchFamily="2" charset="0"/>
-              </a:rPr>
-              <a:t>Arp</a:t>
-            </a:r>
-            <a:r>
-              <a:rPr lang="it-IT" dirty="0">
-                <a:latin typeface="SF Pro Text" pitchFamily="2" charset="0"/>
-                <a:ea typeface="SF Pro Text" pitchFamily="2" charset="0"/>
-                <a:cs typeface="SF Pro Text" pitchFamily="2" charset="0"/>
-              </a:rPr>
-              <a:t> </a:t>
-            </a:r>
-            <a:r>
-              <a:rPr lang="it-IT" dirty="0" err="1">
-                <a:latin typeface="SF Pro Text" pitchFamily="2" charset="0"/>
-                <a:ea typeface="SF Pro Text" pitchFamily="2" charset="0"/>
-                <a:cs typeface="SF Pro Text" pitchFamily="2" charset="0"/>
-              </a:rPr>
-              <a:t>Ping</a:t>
+              <a:t>point</a:t>
             </a:r>
             <a:endParaRPr lang="it-IT" dirty="0">
               <a:latin typeface="SF Pro Text" pitchFamily="2" charset="0"/>
@@ -4386,56 +4306,90 @@
             </a:endParaRPr>
           </a:p>
           <a:p>
-            <a:pPr lvl="1"/>
-            <a:r>
-              <a:rPr lang="it-IT" dirty="0">
-                <a:latin typeface="SF Pro Text" pitchFamily="2" charset="0"/>
-                <a:ea typeface="SF Pro Text" pitchFamily="2" charset="0"/>
-                <a:cs typeface="SF Pro Text" pitchFamily="2" charset="0"/>
-              </a:rPr>
-              <a:t>Calcolo del RTT dei pacchetti inviati</a:t>
-            </a:r>
-          </a:p>
-          <a:p>
-            <a:pPr lvl="1"/>
-            <a:r>
-              <a:rPr lang="it-IT" dirty="0">
-                <a:latin typeface="SF Pro Text" pitchFamily="2" charset="0"/>
-                <a:ea typeface="SF Pro Text" pitchFamily="2" charset="0"/>
-                <a:cs typeface="SF Pro Text" pitchFamily="2" charset="0"/>
-              </a:rPr>
-              <a:t>Metrica utile per dispositivi cablati e Wi-Fi</a:t>
-            </a:r>
-          </a:p>
-          <a:p>
-            <a:r>
-              <a:rPr lang="it-IT" dirty="0">
-                <a:latin typeface="SF Pro Text" pitchFamily="2" charset="0"/>
-                <a:ea typeface="SF Pro Text" pitchFamily="2" charset="0"/>
-                <a:cs typeface="SF Pro Text" pitchFamily="2" charset="0"/>
-              </a:rPr>
-              <a:t>Fornisce dati utili alla libreria </a:t>
-            </a:r>
-            <a:r>
-              <a:rPr lang="it-IT" dirty="0" err="1">
-                <a:latin typeface="SF Pro Text" pitchFamily="2" charset="0"/>
-                <a:ea typeface="SF Pro Text" pitchFamily="2" charset="0"/>
-                <a:cs typeface="SF Pro Text" pitchFamily="2" charset="0"/>
-              </a:rPr>
-              <a:t>WiFi-Topology</a:t>
-            </a:r>
+            <a:r>
+              <a:rPr lang="it-IT" dirty="0">
+                <a:latin typeface="SF Pro Text" pitchFamily="2" charset="0"/>
+                <a:ea typeface="SF Pro Text" pitchFamily="2" charset="0"/>
+                <a:cs typeface="SF Pro Text" pitchFamily="2" charset="0"/>
+              </a:rPr>
+              <a:t>Analisi validata dalla conoscenza della rete</a:t>
+            </a:r>
+          </a:p>
+          <a:p>
             <a:endParaRPr lang="it-IT" dirty="0">
               <a:latin typeface="SF Pro Text" pitchFamily="2" charset="0"/>
               <a:ea typeface="SF Pro Text" pitchFamily="2" charset="0"/>
               <a:cs typeface="SF Pro Text" pitchFamily="2" charset="0"/>
             </a:endParaRPr>
           </a:p>
-        </p:txBody>
-      </p:sp>
+          <a:p>
+            <a:endParaRPr lang="it-IT" dirty="0"/>
+          </a:p>
+        </p:txBody>
+      </p:sp>
+      <p:pic>
+        <p:nvPicPr>
+          <p:cNvPr id="23" name="Content Placeholder 22">
+            <a:extLst>
+              <a:ext uri="{FF2B5EF4-FFF2-40B4-BE49-F238E27FC236}">
+                <a16:creationId xmlns:a16="http://schemas.microsoft.com/office/drawing/2014/main" id="{3D232C09-17D2-6840-83E6-9A34F4213078}"/>
+              </a:ext>
+            </a:extLst>
+          </p:cNvPr>
+          <p:cNvPicPr>
+            <a:picLocks noGrp="1" noChangeAspect="1"/>
+          </p:cNvPicPr>
+          <p:nvPr>
+            <p:ph sz="half" idx="2"/>
+          </p:nvPr>
+        </p:nvPicPr>
+        <p:blipFill>
+          <a:blip r:embed="rId2"/>
+          <a:stretch>
+            <a:fillRect/>
+          </a:stretch>
+        </p:blipFill>
+        <p:spPr>
+          <a:xfrm>
+            <a:off x="2144242" y="3469965"/>
+            <a:ext cx="7903516" cy="1062658"/>
+          </a:xfrm>
+        </p:spPr>
+      </p:pic>
+      <p:pic>
+        <p:nvPicPr>
+          <p:cNvPr id="27" name="Picture 26">
+            <a:extLst>
+              <a:ext uri="{FF2B5EF4-FFF2-40B4-BE49-F238E27FC236}">
+                <a16:creationId xmlns:a16="http://schemas.microsoft.com/office/drawing/2014/main" id="{B478D460-2A3C-064C-A0F9-B124962FD800}"/>
+              </a:ext>
+            </a:extLst>
+          </p:cNvPr>
+          <p:cNvPicPr>
+            <a:picLocks noChangeAspect="1"/>
+          </p:cNvPicPr>
+          <p:nvPr/>
+        </p:nvPicPr>
+        <p:blipFill>
+          <a:blip r:embed="rId3"/>
+          <a:stretch>
+            <a:fillRect/>
+          </a:stretch>
+        </p:blipFill>
+        <p:spPr>
+          <a:xfrm>
+            <a:off x="2144242" y="4834533"/>
+            <a:ext cx="7903516" cy="1040519"/>
+          </a:xfrm>
+          <a:prstGeom prst="rect">
+            <a:avLst/>
+          </a:prstGeom>
+        </p:spPr>
+      </p:pic>
     </p:spTree>
     <p:extLst>
       <p:ext uri="{BB962C8B-B14F-4D97-AF65-F5344CB8AC3E}">
-        <p14:creationId xmlns:p14="http://schemas.microsoft.com/office/powerpoint/2010/main" val="3007458683"/>
+        <p14:creationId xmlns:p14="http://schemas.microsoft.com/office/powerpoint/2010/main" val="3098667716"/>
       </p:ext>
     </p:extLst>
   </p:cSld>
@@ -4467,7 +4421,7 @@
           <p:cNvPr id="2" name="Title 1">
             <a:extLst>
               <a:ext uri="{FF2B5EF4-FFF2-40B4-BE49-F238E27FC236}">
-                <a16:creationId xmlns:a16="http://schemas.microsoft.com/office/drawing/2014/main" id="{DDC49C2A-59AD-F945-A187-CE13E849F4B4}"/>
+                <a16:creationId xmlns:a16="http://schemas.microsoft.com/office/drawing/2014/main" id="{AEDBEBE5-6F8D-934E-972A-889CF2339823}"/>
               </a:ext>
             </a:extLst>
           </p:cNvPr>
@@ -4483,13 +4437,21 @@
           <a:bodyPr/>
           <a:lstStyle/>
           <a:p>
+            <a:r>
+              <a:rPr lang="it-IT" dirty="0">
+                <a:latin typeface="SF Pro Display" pitchFamily="2" charset="0"/>
+                <a:ea typeface="SF Pro Display" pitchFamily="2" charset="0"/>
+                <a:cs typeface="SF Pro Display" pitchFamily="2" charset="0"/>
+              </a:rPr>
+              <a:t>Validazione su reti con </a:t>
+            </a:r>
             <a:r>
               <a:rPr lang="it-IT" dirty="0" err="1">
                 <a:latin typeface="SF Pro Display" pitchFamily="2" charset="0"/>
                 <a:ea typeface="SF Pro Display" pitchFamily="2" charset="0"/>
                 <a:cs typeface="SF Pro Display" pitchFamily="2" charset="0"/>
               </a:rPr>
-              <a:t>WiFi-Topology</a:t>
+              <a:t>repeater</a:t>
             </a:r>
             <a:endParaRPr lang="it-IT" dirty="0">
               <a:latin typeface="SF Pro Display" pitchFamily="2" charset="0"/>
@@ -4499,23 +4461,57 @@
           </a:p>
         </p:txBody>
       </p:sp>
+      <p:pic>
+        <p:nvPicPr>
+          <p:cNvPr id="5" name="Content Placeholder 4">
+            <a:extLst>
+              <a:ext uri="{FF2B5EF4-FFF2-40B4-BE49-F238E27FC236}">
+                <a16:creationId xmlns:a16="http://schemas.microsoft.com/office/drawing/2014/main" id="{654367A7-C5E5-6141-B292-BB275EA6B1DE}"/>
+              </a:ext>
+            </a:extLst>
+          </p:cNvPr>
+          <p:cNvPicPr>
+            <a:picLocks noGrp="1" noChangeAspect="1"/>
+          </p:cNvPicPr>
+          <p:nvPr>
+            <p:ph sz="half" idx="1"/>
+          </p:nvPr>
+        </p:nvPicPr>
+        <p:blipFill>
+          <a:blip r:embed="rId2"/>
+          <a:stretch>
+            <a:fillRect/>
+          </a:stretch>
+        </p:blipFill>
+        <p:spPr>
+          <a:xfrm>
+            <a:off x="5652281" y="1894240"/>
+            <a:ext cx="5701519" cy="1101974"/>
+          </a:xfrm>
+        </p:spPr>
+      </p:pic>
       <p:sp>
         <p:nvSpPr>
           <p:cNvPr id="3" name="Content Placeholder 2">
             <a:extLst>
               <a:ext uri="{FF2B5EF4-FFF2-40B4-BE49-F238E27FC236}">
-                <a16:creationId xmlns:a16="http://schemas.microsoft.com/office/drawing/2014/main" id="{381268DC-7A04-A64E-AE12-7AEDA1ACD4BF}"/>
-              </a:ext>
-            </a:extLst>
-          </p:cNvPr>
-          <p:cNvSpPr>
-            <a:spLocks noGrp="1"/>
-          </p:cNvSpPr>
-          <p:nvPr>
-            <p:ph idx="1"/>
-          </p:nvPr>
-        </p:nvSpPr>
-        <p:spPr/>
+                <a16:creationId xmlns:a16="http://schemas.microsoft.com/office/drawing/2014/main" id="{F657461C-5064-1447-BAFF-5DAE20608598}"/>
+              </a:ext>
+            </a:extLst>
+          </p:cNvPr>
+          <p:cNvSpPr>
+            <a:spLocks noGrp="1"/>
+          </p:cNvSpPr>
+          <p:nvPr>
+            <p:ph sz="half" idx="2"/>
+          </p:nvPr>
+        </p:nvSpPr>
+        <p:spPr>
+          <a:xfrm>
+            <a:off x="838199" y="1825625"/>
+            <a:ext cx="5036821" cy="4563886"/>
+          </a:xfrm>
+        </p:spPr>
         <p:txBody>
           <a:bodyPr/>
           <a:lstStyle/>
@@ -4526,60 +4522,7 @@
                 <a:ea typeface="SF Pro Text" pitchFamily="2" charset="0"/>
                 <a:cs typeface="SF Pro Text" pitchFamily="2" charset="0"/>
               </a:rPr>
-              <a:t>Monitoraggio passivo</a:t>
-            </a:r>
-          </a:p>
-          <a:p>
-            <a:r>
-              <a:rPr lang="it-IT" dirty="0">
-                <a:latin typeface="SF Pro Text" pitchFamily="2" charset="0"/>
-                <a:ea typeface="SF Pro Text" pitchFamily="2" charset="0"/>
-                <a:cs typeface="SF Pro Text" pitchFamily="2" charset="0"/>
-              </a:rPr>
-              <a:t>Cattura del traffico 802.11</a:t>
-            </a:r>
-          </a:p>
-          <a:p>
-            <a:pPr lvl="1"/>
-            <a:r>
-              <a:rPr lang="it-IT" dirty="0">
-                <a:latin typeface="SF Pro Text" pitchFamily="2" charset="0"/>
-                <a:ea typeface="SF Pro Text" pitchFamily="2" charset="0"/>
-                <a:cs typeface="SF Pro Text" pitchFamily="2" charset="0"/>
-              </a:rPr>
-              <a:t>Ricostruzione della topologia della rete</a:t>
-            </a:r>
-          </a:p>
-          <a:p>
-            <a:pPr lvl="1"/>
-            <a:r>
-              <a:rPr lang="it-IT" dirty="0">
-                <a:latin typeface="SF Pro Text" pitchFamily="2" charset="0"/>
-                <a:ea typeface="SF Pro Text" pitchFamily="2" charset="0"/>
-                <a:cs typeface="SF Pro Text" pitchFamily="2" charset="0"/>
-              </a:rPr>
-              <a:t>Calcolo della potenza del segnale Wi-Fi</a:t>
-            </a:r>
-          </a:p>
-          <a:p>
-            <a:r>
-              <a:rPr lang="it-IT" dirty="0">
-                <a:latin typeface="SF Pro Text" pitchFamily="2" charset="0"/>
-                <a:ea typeface="SF Pro Text" pitchFamily="2" charset="0"/>
-                <a:cs typeface="SF Pro Text" pitchFamily="2" charset="0"/>
-              </a:rPr>
-              <a:t>Utilizzo di euristiche per determinare:</a:t>
-            </a:r>
-          </a:p>
-          <a:p>
-            <a:pPr lvl="1"/>
-            <a:r>
-              <a:rPr lang="it-IT" dirty="0">
-                <a:latin typeface="SF Pro Text" pitchFamily="2" charset="0"/>
-                <a:ea typeface="SF Pro Text" pitchFamily="2" charset="0"/>
-                <a:cs typeface="SF Pro Text" pitchFamily="2" charset="0"/>
-              </a:rPr>
-              <a:t>Access </a:t>
+              <a:t>Presenza di </a:t>
             </a:r>
             <a:r>
               <a:rPr lang="it-IT" dirty="0" err="1">
@@ -4587,36 +4530,93 @@
                 <a:ea typeface="SF Pro Text" pitchFamily="2" charset="0"/>
                 <a:cs typeface="SF Pro Text" pitchFamily="2" charset="0"/>
               </a:rPr>
-              <a:t>point</a:t>
-            </a:r>
-            <a:endParaRPr lang="it-IT" dirty="0">
-              <a:latin typeface="SF Pro Text" pitchFamily="2" charset="0"/>
-              <a:ea typeface="SF Pro Text" pitchFamily="2" charset="0"/>
-              <a:cs typeface="SF Pro Text" pitchFamily="2" charset="0"/>
-            </a:endParaRPr>
-          </a:p>
-          <a:p>
-            <a:pPr lvl="1"/>
-            <a:r>
-              <a:rPr lang="it-IT" dirty="0" err="1">
-                <a:latin typeface="SF Pro Text" pitchFamily="2" charset="0"/>
-                <a:ea typeface="SF Pro Text" pitchFamily="2" charset="0"/>
-                <a:cs typeface="SF Pro Text" pitchFamily="2" charset="0"/>
-              </a:rPr>
-              <a:t>Repeater</a:t>
-            </a:r>
-            <a:endParaRPr lang="it-IT" dirty="0">
-              <a:latin typeface="SF Pro Text" pitchFamily="2" charset="0"/>
-              <a:ea typeface="SF Pro Text" pitchFamily="2" charset="0"/>
-              <a:cs typeface="SF Pro Text" pitchFamily="2" charset="0"/>
-            </a:endParaRPr>
-          </a:p>
-        </p:txBody>
-      </p:sp>
+              <a:t>repeater</a:t>
+            </a:r>
+            <a:r>
+              <a:rPr lang="it-IT" dirty="0">
+                <a:latin typeface="SF Pro Text" pitchFamily="2" charset="0"/>
+                <a:ea typeface="SF Pro Text" pitchFamily="2" charset="0"/>
+                <a:cs typeface="SF Pro Text" pitchFamily="2" charset="0"/>
+              </a:rPr>
+              <a:t> ed altri dispositivi che annunciano reti wireless</a:t>
+            </a:r>
+          </a:p>
+          <a:p>
+            <a:r>
+              <a:rPr lang="it-IT" dirty="0">
+                <a:latin typeface="SF Pro Text" pitchFamily="2" charset="0"/>
+                <a:ea typeface="SF Pro Text" pitchFamily="2" charset="0"/>
+                <a:cs typeface="SF Pro Text" pitchFamily="2" charset="0"/>
+              </a:rPr>
+              <a:t>Ricostruzione attraverso euristiche e validazione data dalla conoscenza della topologia della rete</a:t>
+            </a:r>
+          </a:p>
+        </p:txBody>
+      </p:sp>
+      <p:pic>
+        <p:nvPicPr>
+          <p:cNvPr id="7" name="Picture 6">
+            <a:extLst>
+              <a:ext uri="{FF2B5EF4-FFF2-40B4-BE49-F238E27FC236}">
+                <a16:creationId xmlns:a16="http://schemas.microsoft.com/office/drawing/2014/main" id="{505518E4-5734-734E-8FDD-4AECDCABC584}"/>
+              </a:ext>
+            </a:extLst>
+          </p:cNvPr>
+          <p:cNvPicPr>
+            <a:picLocks noChangeAspect="1"/>
+          </p:cNvPicPr>
+          <p:nvPr/>
+        </p:nvPicPr>
+        <p:blipFill>
+          <a:blip r:embed="rId3"/>
+          <a:stretch>
+            <a:fillRect/>
+          </a:stretch>
+        </p:blipFill>
+        <p:spPr>
+          <a:xfrm>
+            <a:off x="5652282" y="3360472"/>
+            <a:ext cx="5701518" cy="1325563"/>
+          </a:xfrm>
+          <a:prstGeom prst="rect">
+            <a:avLst/>
+          </a:prstGeom>
+        </p:spPr>
+      </p:pic>
+      <p:pic>
+        <p:nvPicPr>
+          <p:cNvPr id="9" name="Picture 8">
+            <a:extLst>
+              <a:ext uri="{FF2B5EF4-FFF2-40B4-BE49-F238E27FC236}">
+                <a16:creationId xmlns:a16="http://schemas.microsoft.com/office/drawing/2014/main" id="{C101A028-C601-024E-84E8-0E580D112619}"/>
+              </a:ext>
+            </a:extLst>
+          </p:cNvPr>
+          <p:cNvPicPr>
+            <a:picLocks noChangeAspect="1"/>
+          </p:cNvPicPr>
+          <p:nvPr/>
+        </p:nvPicPr>
+        <p:blipFill>
+          <a:blip r:embed="rId4"/>
+          <a:stretch>
+            <a:fillRect/>
+          </a:stretch>
+        </p:blipFill>
+        <p:spPr>
+          <a:xfrm>
+            <a:off x="5652281" y="4788642"/>
+            <a:ext cx="5701519" cy="1277651"/>
+          </a:xfrm>
+          <a:prstGeom prst="rect">
+            <a:avLst/>
+          </a:prstGeom>
+        </p:spPr>
+      </p:pic>
     </p:spTree>
     <p:extLst>
       <p:ext uri="{BB962C8B-B14F-4D97-AF65-F5344CB8AC3E}">
-        <p14:creationId xmlns:p14="http://schemas.microsoft.com/office/powerpoint/2010/main" val="1609217226"/>
+        <p14:creationId xmlns:p14="http://schemas.microsoft.com/office/powerpoint/2010/main" val="3508313722"/>
       </p:ext>
     </p:extLst>
   </p:cSld>
@@ -4627,6 +4627,938 @@
 </file>
 
 <file path=ppt/slides/slide13.xml><?xml version="1.0" encoding="utf-8"?>
+<p:sld xmlns:a="http://schemas.openxmlformats.org/drawingml/2006/main" xmlns:r="http://schemas.openxmlformats.org/officeDocument/2006/relationships" xmlns:p="http://schemas.openxmlformats.org/presentationml/2006/main">
+  <p:cSld>
+    <p:spTree>
+      <p:nvGrpSpPr>
+        <p:cNvPr id="1" name=""/>
+        <p:cNvGrpSpPr/>
+        <p:nvPr/>
+      </p:nvGrpSpPr>
+      <p:grpSpPr>
+        <a:xfrm>
+          <a:off x="0" y="0"/>
+          <a:ext cx="0" cy="0"/>
+          <a:chOff x="0" y="0"/>
+          <a:chExt cx="0" cy="0"/>
+        </a:xfrm>
+      </p:grpSpPr>
+      <p:sp>
+        <p:nvSpPr>
+          <p:cNvPr id="2" name="Title 1">
+            <a:extLst>
+              <a:ext uri="{FF2B5EF4-FFF2-40B4-BE49-F238E27FC236}">
+                <a16:creationId xmlns:a16="http://schemas.microsoft.com/office/drawing/2014/main" id="{AEDBEBE5-6F8D-934E-972A-889CF2339823}"/>
+              </a:ext>
+            </a:extLst>
+          </p:cNvPr>
+          <p:cNvSpPr>
+            <a:spLocks noGrp="1"/>
+          </p:cNvSpPr>
+          <p:nvPr>
+            <p:ph type="title"/>
+          </p:nvPr>
+        </p:nvSpPr>
+        <p:spPr/>
+        <p:txBody>
+          <a:bodyPr/>
+          <a:lstStyle/>
+          <a:p>
+            <a:r>
+              <a:rPr lang="it-IT" dirty="0">
+                <a:latin typeface="SF Pro Display" pitchFamily="2" charset="0"/>
+                <a:ea typeface="SF Pro Display" pitchFamily="2" charset="0"/>
+                <a:cs typeface="SF Pro Display" pitchFamily="2" charset="0"/>
+              </a:rPr>
+              <a:t>Validazione su reti professionali</a:t>
+            </a:r>
+          </a:p>
+        </p:txBody>
+      </p:sp>
+      <p:pic>
+        <p:nvPicPr>
+          <p:cNvPr id="5" name="Content Placeholder 4">
+            <a:extLst>
+              <a:ext uri="{FF2B5EF4-FFF2-40B4-BE49-F238E27FC236}">
+                <a16:creationId xmlns:a16="http://schemas.microsoft.com/office/drawing/2014/main" id="{588A2B94-6978-814A-8EBC-641D2D728840}"/>
+              </a:ext>
+            </a:extLst>
+          </p:cNvPr>
+          <p:cNvPicPr>
+            <a:picLocks noGrp="1" noChangeAspect="1"/>
+          </p:cNvPicPr>
+          <p:nvPr>
+            <p:ph sz="half" idx="1"/>
+          </p:nvPr>
+        </p:nvPicPr>
+        <p:blipFill>
+          <a:blip r:embed="rId2"/>
+          <a:stretch>
+            <a:fillRect/>
+          </a:stretch>
+        </p:blipFill>
+        <p:spPr>
+          <a:xfrm>
+            <a:off x="6858000" y="2756694"/>
+            <a:ext cx="4495800" cy="1244600"/>
+          </a:xfrm>
+        </p:spPr>
+      </p:pic>
+      <p:sp>
+        <p:nvSpPr>
+          <p:cNvPr id="10" name="Content Placeholder 9">
+            <a:extLst>
+              <a:ext uri="{FF2B5EF4-FFF2-40B4-BE49-F238E27FC236}">
+                <a16:creationId xmlns:a16="http://schemas.microsoft.com/office/drawing/2014/main" id="{BD982408-10A1-B749-AF40-96A20587AC90}"/>
+              </a:ext>
+            </a:extLst>
+          </p:cNvPr>
+          <p:cNvSpPr>
+            <a:spLocks noGrp="1"/>
+          </p:cNvSpPr>
+          <p:nvPr>
+            <p:ph sz="half" idx="2"/>
+          </p:nvPr>
+        </p:nvSpPr>
+        <p:spPr>
+          <a:xfrm>
+            <a:off x="838200" y="1825625"/>
+            <a:ext cx="10439400" cy="4351338"/>
+          </a:xfrm>
+        </p:spPr>
+        <p:txBody>
+          <a:bodyPr/>
+          <a:lstStyle/>
+          <a:p>
+            <a:r>
+              <a:rPr lang="it-IT" dirty="0">
+                <a:latin typeface="SF Pro Text" pitchFamily="2" charset="0"/>
+                <a:ea typeface="SF Pro Text" pitchFamily="2" charset="0"/>
+                <a:cs typeface="SF Pro Text" pitchFamily="2" charset="0"/>
+              </a:rPr>
+              <a:t>Corretta identificazione di più reti Wi-Fi per </a:t>
+            </a:r>
+            <a:r>
+              <a:rPr lang="it-IT" dirty="0" err="1">
+                <a:latin typeface="SF Pro Text" pitchFamily="2" charset="0"/>
+                <a:ea typeface="SF Pro Text" pitchFamily="2" charset="0"/>
+                <a:cs typeface="SF Pro Text" pitchFamily="2" charset="0"/>
+              </a:rPr>
+              <a:t>access</a:t>
+            </a:r>
+            <a:r>
+              <a:rPr lang="it-IT" dirty="0">
+                <a:latin typeface="SF Pro Text" pitchFamily="2" charset="0"/>
+                <a:ea typeface="SF Pro Text" pitchFamily="2" charset="0"/>
+                <a:cs typeface="SF Pro Text" pitchFamily="2" charset="0"/>
+              </a:rPr>
+              <a:t> </a:t>
+            </a:r>
+            <a:r>
+              <a:rPr lang="it-IT" dirty="0" err="1">
+                <a:latin typeface="SF Pro Text" pitchFamily="2" charset="0"/>
+                <a:ea typeface="SF Pro Text" pitchFamily="2" charset="0"/>
+                <a:cs typeface="SF Pro Text" pitchFamily="2" charset="0"/>
+              </a:rPr>
+              <a:t>point</a:t>
+            </a:r>
+            <a:r>
+              <a:rPr lang="it-IT" dirty="0">
+                <a:latin typeface="SF Pro Text" pitchFamily="2" charset="0"/>
+                <a:ea typeface="SF Pro Text" pitchFamily="2" charset="0"/>
+                <a:cs typeface="SF Pro Text" pitchFamily="2" charset="0"/>
+              </a:rPr>
+              <a:t> (</a:t>
+            </a:r>
+            <a:r>
+              <a:rPr lang="it-IT" dirty="0" err="1">
+                <a:latin typeface="SF Pro Text" pitchFamily="2" charset="0"/>
+                <a:ea typeface="SF Pro Text" pitchFamily="2" charset="0"/>
+                <a:cs typeface="SF Pro Text" pitchFamily="2" charset="0"/>
+              </a:rPr>
+              <a:t>Unipi</a:t>
+            </a:r>
+            <a:r>
+              <a:rPr lang="it-IT" dirty="0">
+                <a:latin typeface="SF Pro Text" pitchFamily="2" charset="0"/>
+                <a:ea typeface="SF Pro Text" pitchFamily="2" charset="0"/>
+                <a:cs typeface="SF Pro Text" pitchFamily="2" charset="0"/>
+              </a:rPr>
+              <a:t>, Area CNR di Pisa)</a:t>
+            </a:r>
+          </a:p>
+          <a:p>
+            <a:r>
+              <a:rPr lang="it-IT" dirty="0">
+                <a:latin typeface="SF Pro Text" pitchFamily="2" charset="0"/>
+                <a:ea typeface="SF Pro Text" pitchFamily="2" charset="0"/>
+                <a:cs typeface="SF Pro Text" pitchFamily="2" charset="0"/>
+              </a:rPr>
+              <a:t>Difficile da validare:</a:t>
+            </a:r>
+          </a:p>
+          <a:p>
+            <a:pPr lvl="1"/>
+            <a:r>
+              <a:rPr lang="it-IT" dirty="0">
+                <a:latin typeface="SF Pro Text" pitchFamily="2" charset="0"/>
+                <a:ea typeface="SF Pro Text" pitchFamily="2" charset="0"/>
+                <a:cs typeface="SF Pro Text" pitchFamily="2" charset="0"/>
+              </a:rPr>
+              <a:t>Alto numero di dispositivi</a:t>
+            </a:r>
+          </a:p>
+          <a:p>
+            <a:pPr lvl="1"/>
+            <a:r>
+              <a:rPr lang="it-IT" dirty="0">
+                <a:latin typeface="SF Pro Text" pitchFamily="2" charset="0"/>
+                <a:ea typeface="SF Pro Text" pitchFamily="2" charset="0"/>
+                <a:cs typeface="SF Pro Text" pitchFamily="2" charset="0"/>
+              </a:rPr>
+              <a:t>Topologia non conosciuta a priori</a:t>
+            </a:r>
+            <a:endParaRPr lang="it-IT" dirty="0"/>
+          </a:p>
+        </p:txBody>
+      </p:sp>
+    </p:spTree>
+    <p:extLst>
+      <p:ext uri="{BB962C8B-B14F-4D97-AF65-F5344CB8AC3E}">
+        <p14:creationId xmlns:p14="http://schemas.microsoft.com/office/powerpoint/2010/main" val="166328433"/>
+      </p:ext>
+    </p:extLst>
+  </p:cSld>
+  <p:clrMapOvr>
+    <a:masterClrMapping/>
+  </p:clrMapOvr>
+</p:sld>
+</file>
+
+<file path=ppt/slides/slide14.xml><?xml version="1.0" encoding="utf-8"?>
+<p:sld xmlns:a="http://schemas.openxmlformats.org/drawingml/2006/main" xmlns:r="http://schemas.openxmlformats.org/officeDocument/2006/relationships" xmlns:p="http://schemas.openxmlformats.org/presentationml/2006/main">
+  <p:cSld>
+    <p:spTree>
+      <p:nvGrpSpPr>
+        <p:cNvPr id="1" name=""/>
+        <p:cNvGrpSpPr/>
+        <p:nvPr/>
+      </p:nvGrpSpPr>
+      <p:grpSpPr>
+        <a:xfrm>
+          <a:off x="0" y="0"/>
+          <a:ext cx="0" cy="0"/>
+          <a:chOff x="0" y="0"/>
+          <a:chExt cx="0" cy="0"/>
+        </a:xfrm>
+      </p:grpSpPr>
+      <p:sp>
+        <p:nvSpPr>
+          <p:cNvPr id="2" name="Title 1">
+            <a:extLst>
+              <a:ext uri="{FF2B5EF4-FFF2-40B4-BE49-F238E27FC236}">
+                <a16:creationId xmlns:a16="http://schemas.microsoft.com/office/drawing/2014/main" id="{EFCC0D2A-105A-2A46-BCDA-2D846645CBB2}"/>
+              </a:ext>
+            </a:extLst>
+          </p:cNvPr>
+          <p:cNvSpPr>
+            <a:spLocks noGrp="1"/>
+          </p:cNvSpPr>
+          <p:nvPr>
+            <p:ph type="title"/>
+          </p:nvPr>
+        </p:nvSpPr>
+        <p:spPr/>
+        <p:txBody>
+          <a:bodyPr/>
+          <a:lstStyle/>
+          <a:p>
+            <a:r>
+              <a:rPr lang="it-IT" dirty="0">
+                <a:latin typeface="SF Pro Display" pitchFamily="2" charset="0"/>
+                <a:ea typeface="SF Pro Display" pitchFamily="2" charset="0"/>
+                <a:cs typeface="SF Pro Display" pitchFamily="2" charset="0"/>
+              </a:rPr>
+              <a:t>Analisi della performance</a:t>
+            </a:r>
+          </a:p>
+        </p:txBody>
+      </p:sp>
+      <p:sp>
+        <p:nvSpPr>
+          <p:cNvPr id="3" name="Content Placeholder 2">
+            <a:extLst>
+              <a:ext uri="{FF2B5EF4-FFF2-40B4-BE49-F238E27FC236}">
+                <a16:creationId xmlns:a16="http://schemas.microsoft.com/office/drawing/2014/main" id="{1F179D51-232E-1A40-B09A-A20E845C5B2D}"/>
+              </a:ext>
+            </a:extLst>
+          </p:cNvPr>
+          <p:cNvSpPr>
+            <a:spLocks noGrp="1"/>
+          </p:cNvSpPr>
+          <p:nvPr>
+            <p:ph idx="1"/>
+          </p:nvPr>
+        </p:nvSpPr>
+        <p:spPr/>
+        <p:txBody>
+          <a:bodyPr>
+            <a:normAutofit lnSpcReduction="10000"/>
+          </a:bodyPr>
+          <a:lstStyle/>
+          <a:p>
+            <a:r>
+              <a:rPr lang="it-IT" dirty="0">
+                <a:latin typeface="SF Pro Text" pitchFamily="2" charset="0"/>
+                <a:ea typeface="SF Pro Text" pitchFamily="2" charset="0"/>
+                <a:cs typeface="SF Pro Text" pitchFamily="2" charset="0"/>
+              </a:rPr>
+              <a:t>Uso di memoria dipendente dal traffico</a:t>
+            </a:r>
+          </a:p>
+          <a:p>
+            <a:pPr lvl="1"/>
+            <a:r>
+              <a:rPr lang="it-IT" dirty="0">
+                <a:latin typeface="SF Pro Text" pitchFamily="2" charset="0"/>
+                <a:ea typeface="SF Pro Text" pitchFamily="2" charset="0"/>
+                <a:cs typeface="SF Pro Text" pitchFamily="2" charset="0"/>
+              </a:rPr>
+              <a:t>~20MB per 30,000 pacchetti catturati ed analizzati</a:t>
+            </a:r>
+          </a:p>
+          <a:p>
+            <a:pPr lvl="1"/>
+            <a:r>
+              <a:rPr lang="it-IT" dirty="0">
+                <a:latin typeface="SF Pro Text" pitchFamily="2" charset="0"/>
+                <a:ea typeface="SF Pro Text" pitchFamily="2" charset="0"/>
+                <a:cs typeface="SF Pro Text" pitchFamily="2" charset="0"/>
+              </a:rPr>
+              <a:t>Generalmente ~5MB per catture live di 15 secondi</a:t>
+            </a:r>
+          </a:p>
+          <a:p>
+            <a:pPr lvl="1"/>
+            <a:r>
+              <a:rPr lang="it-IT" dirty="0">
+                <a:latin typeface="SF Pro Text" pitchFamily="2" charset="0"/>
+                <a:ea typeface="SF Pro Text" pitchFamily="2" charset="0"/>
+                <a:cs typeface="SF Pro Text" pitchFamily="2" charset="0"/>
+              </a:rPr>
+              <a:t>Cattura a line rate anche su reti con molti dispositivi</a:t>
+            </a:r>
+          </a:p>
+          <a:p>
+            <a:r>
+              <a:rPr lang="it-IT" dirty="0">
+                <a:latin typeface="SF Pro Text" pitchFamily="2" charset="0"/>
+                <a:ea typeface="SF Pro Text" pitchFamily="2" charset="0"/>
+                <a:cs typeface="SF Pro Text" pitchFamily="2" charset="0"/>
+              </a:rPr>
+              <a:t>Tempo di calcolo principalmente dovuto alla cattura</a:t>
+            </a:r>
+          </a:p>
+          <a:p>
+            <a:pPr lvl="1"/>
+            <a:r>
+              <a:rPr lang="it-IT" dirty="0">
+                <a:latin typeface="SF Pro Text" pitchFamily="2" charset="0"/>
+                <a:ea typeface="SF Pro Text" pitchFamily="2" charset="0"/>
+                <a:cs typeface="SF Pro Text" pitchFamily="2" charset="0"/>
+              </a:rPr>
+              <a:t>Cattura costante</a:t>
+            </a:r>
+          </a:p>
+          <a:p>
+            <a:pPr lvl="1"/>
+            <a:r>
+              <a:rPr lang="it-IT" dirty="0">
+                <a:latin typeface="SF Pro Text" pitchFamily="2" charset="0"/>
+                <a:ea typeface="SF Pro Text" pitchFamily="2" charset="0"/>
+                <a:cs typeface="SF Pro Text" pitchFamily="2" charset="0"/>
+              </a:rPr>
+              <a:t>Cattura programmata per una durata a scelta</a:t>
+            </a:r>
+          </a:p>
+          <a:p>
+            <a:r>
+              <a:rPr lang="it-IT" dirty="0">
+                <a:latin typeface="SF Pro Text" pitchFamily="2" charset="0"/>
+                <a:ea typeface="SF Pro Text" pitchFamily="2" charset="0"/>
+                <a:cs typeface="SF Pro Text" pitchFamily="2" charset="0"/>
+              </a:rPr>
+              <a:t>Soluzione implementabile su:</a:t>
+            </a:r>
+          </a:p>
+          <a:p>
+            <a:pPr lvl="1"/>
+            <a:r>
+              <a:rPr lang="it-IT" dirty="0">
+                <a:latin typeface="SF Pro Text" pitchFamily="2" charset="0"/>
+                <a:ea typeface="SF Pro Text" pitchFamily="2" charset="0"/>
+                <a:cs typeface="SF Pro Text" pitchFamily="2" charset="0"/>
+              </a:rPr>
+              <a:t>Router</a:t>
+            </a:r>
+          </a:p>
+          <a:p>
+            <a:pPr lvl="1"/>
+            <a:r>
+              <a:rPr lang="it-IT" dirty="0">
+                <a:latin typeface="SF Pro Text" pitchFamily="2" charset="0"/>
+                <a:ea typeface="SF Pro Text" pitchFamily="2" charset="0"/>
+                <a:cs typeface="SF Pro Text" pitchFamily="2" charset="0"/>
+              </a:rPr>
+              <a:t>Smartphone</a:t>
+            </a:r>
+          </a:p>
+          <a:p>
+            <a:pPr lvl="1"/>
+            <a:r>
+              <a:rPr lang="it-IT" dirty="0">
+                <a:latin typeface="SF Pro Text" pitchFamily="2" charset="0"/>
+                <a:ea typeface="SF Pro Text" pitchFamily="2" charset="0"/>
+                <a:cs typeface="SF Pro Text" pitchFamily="2" charset="0"/>
+              </a:rPr>
+              <a:t>SBC</a:t>
+            </a:r>
+          </a:p>
+          <a:p>
+            <a:pPr lvl="1"/>
+            <a:endParaRPr lang="it-IT" dirty="0">
+              <a:latin typeface="SF Pro Text" pitchFamily="2" charset="0"/>
+              <a:ea typeface="SF Pro Text" pitchFamily="2" charset="0"/>
+              <a:cs typeface="SF Pro Text" pitchFamily="2" charset="0"/>
+            </a:endParaRPr>
+          </a:p>
+          <a:p>
+            <a:pPr lvl="1"/>
+            <a:endParaRPr lang="it-IT" dirty="0">
+              <a:latin typeface="SF Pro Text" pitchFamily="2" charset="0"/>
+              <a:ea typeface="SF Pro Text" pitchFamily="2" charset="0"/>
+              <a:cs typeface="SF Pro Text" pitchFamily="2" charset="0"/>
+            </a:endParaRPr>
+          </a:p>
+          <a:p>
+            <a:pPr lvl="1"/>
+            <a:endParaRPr lang="it-IT" dirty="0">
+              <a:latin typeface="SF Pro Text" pitchFamily="2" charset="0"/>
+              <a:ea typeface="SF Pro Text" pitchFamily="2" charset="0"/>
+              <a:cs typeface="SF Pro Text" pitchFamily="2" charset="0"/>
+            </a:endParaRPr>
+          </a:p>
+          <a:p>
+            <a:pPr lvl="1"/>
+            <a:endParaRPr lang="it-IT" dirty="0">
+              <a:latin typeface="SF Pro Text" pitchFamily="2" charset="0"/>
+              <a:ea typeface="SF Pro Text" pitchFamily="2" charset="0"/>
+              <a:cs typeface="SF Pro Text" pitchFamily="2" charset="0"/>
+            </a:endParaRPr>
+          </a:p>
+        </p:txBody>
+      </p:sp>
+    </p:spTree>
+    <p:extLst>
+      <p:ext uri="{BB962C8B-B14F-4D97-AF65-F5344CB8AC3E}">
+        <p14:creationId xmlns:p14="http://schemas.microsoft.com/office/powerpoint/2010/main" val="1444998106"/>
+      </p:ext>
+    </p:extLst>
+  </p:cSld>
+  <p:clrMapOvr>
+    <a:masterClrMapping/>
+  </p:clrMapOvr>
+</p:sld>
+</file>
+
+<file path=ppt/slides/slide15.xml><?xml version="1.0" encoding="utf-8"?>
+<p:sld xmlns:a="http://schemas.openxmlformats.org/drawingml/2006/main" xmlns:r="http://schemas.openxmlformats.org/officeDocument/2006/relationships" xmlns:p="http://schemas.openxmlformats.org/presentationml/2006/main">
+  <p:cSld>
+    <p:spTree>
+      <p:nvGrpSpPr>
+        <p:cNvPr id="1" name=""/>
+        <p:cNvGrpSpPr/>
+        <p:nvPr/>
+      </p:nvGrpSpPr>
+      <p:grpSpPr>
+        <a:xfrm>
+          <a:off x="0" y="0"/>
+          <a:ext cx="0" cy="0"/>
+          <a:chOff x="0" y="0"/>
+          <a:chExt cx="0" cy="0"/>
+        </a:xfrm>
+      </p:grpSpPr>
+      <p:sp>
+        <p:nvSpPr>
+          <p:cNvPr id="2" name="Title 1">
+            <a:extLst>
+              <a:ext uri="{FF2B5EF4-FFF2-40B4-BE49-F238E27FC236}">
+                <a16:creationId xmlns:a16="http://schemas.microsoft.com/office/drawing/2014/main" id="{9CCAD127-879B-3449-8443-9F007902E099}"/>
+              </a:ext>
+            </a:extLst>
+          </p:cNvPr>
+          <p:cNvSpPr>
+            <a:spLocks noGrp="1"/>
+          </p:cNvSpPr>
+          <p:nvPr>
+            <p:ph type="title"/>
+          </p:nvPr>
+        </p:nvSpPr>
+        <p:spPr/>
+        <p:txBody>
+          <a:bodyPr/>
+          <a:lstStyle/>
+          <a:p>
+            <a:r>
+              <a:rPr lang="it-IT" dirty="0">
+                <a:latin typeface="SF Pro Display" pitchFamily="2" charset="0"/>
+                <a:ea typeface="SF Pro Display" pitchFamily="2" charset="0"/>
+                <a:cs typeface="SF Pro Display" pitchFamily="2" charset="0"/>
+              </a:rPr>
+              <a:t>Lavori futuri</a:t>
+            </a:r>
+          </a:p>
+        </p:txBody>
+      </p:sp>
+      <p:sp>
+        <p:nvSpPr>
+          <p:cNvPr id="3" name="Content Placeholder 2">
+            <a:extLst>
+              <a:ext uri="{FF2B5EF4-FFF2-40B4-BE49-F238E27FC236}">
+                <a16:creationId xmlns:a16="http://schemas.microsoft.com/office/drawing/2014/main" id="{1F345B69-E527-2E4C-96EB-F0497A7C98D3}"/>
+              </a:ext>
+            </a:extLst>
+          </p:cNvPr>
+          <p:cNvSpPr>
+            <a:spLocks noGrp="1"/>
+          </p:cNvSpPr>
+          <p:nvPr>
+            <p:ph idx="1"/>
+          </p:nvPr>
+        </p:nvSpPr>
+        <p:spPr/>
+        <p:txBody>
+          <a:bodyPr>
+            <a:normAutofit/>
+          </a:bodyPr>
+          <a:lstStyle/>
+          <a:p>
+            <a:r>
+              <a:rPr lang="it-IT" dirty="0">
+                <a:latin typeface="SF Pro Text" pitchFamily="2" charset="0"/>
+                <a:ea typeface="SF Pro Text" pitchFamily="2" charset="0"/>
+                <a:cs typeface="SF Pro Text" pitchFamily="2" charset="0"/>
+              </a:rPr>
+              <a:t>Estendere il supporto di </a:t>
+            </a:r>
+            <a:r>
+              <a:rPr lang="it-IT" dirty="0" err="1">
+                <a:latin typeface="SF Pro Text" pitchFamily="2" charset="0"/>
+                <a:ea typeface="SF Pro Text" pitchFamily="2" charset="0"/>
+                <a:cs typeface="SF Pro Text" pitchFamily="2" charset="0"/>
+              </a:rPr>
+              <a:t>WiFi-Topology</a:t>
+            </a:r>
+            <a:r>
+              <a:rPr lang="it-IT" dirty="0">
+                <a:latin typeface="SF Pro Text" pitchFamily="2" charset="0"/>
+                <a:ea typeface="SF Pro Text" pitchFamily="2" charset="0"/>
+                <a:cs typeface="SF Pro Text" pitchFamily="2" charset="0"/>
+              </a:rPr>
+              <a:t> a reti professionali</a:t>
+            </a:r>
+          </a:p>
+          <a:p>
+            <a:pPr lvl="1"/>
+            <a:r>
+              <a:rPr lang="it-IT" dirty="0">
+                <a:latin typeface="SF Pro Text" pitchFamily="2" charset="0"/>
+                <a:ea typeface="SF Pro Text" pitchFamily="2" charset="0"/>
+                <a:cs typeface="SF Pro Text" pitchFamily="2" charset="0"/>
+              </a:rPr>
+              <a:t>Analisi dei frame destinati a Wireless Distribution Systems (WDS)</a:t>
+            </a:r>
+          </a:p>
+          <a:p>
+            <a:r>
+              <a:rPr lang="it-IT" dirty="0">
+                <a:latin typeface="SF Pro Text" pitchFamily="2" charset="0"/>
+                <a:ea typeface="SF Pro Text" pitchFamily="2" charset="0"/>
+                <a:cs typeface="SF Pro Text" pitchFamily="2" charset="0"/>
+              </a:rPr>
+              <a:t>Aggiunta di euristiche riguardanti canali Wi-Fi</a:t>
+            </a:r>
+          </a:p>
+          <a:p>
+            <a:r>
+              <a:rPr lang="it-IT" dirty="0">
+                <a:latin typeface="SF Pro Text" pitchFamily="2" charset="0"/>
+                <a:ea typeface="SF Pro Text" pitchFamily="2" charset="0"/>
+                <a:cs typeface="SF Pro Text" pitchFamily="2" charset="0"/>
+              </a:rPr>
+              <a:t>Calcolo di statistiche TCP</a:t>
+            </a:r>
+          </a:p>
+          <a:p>
+            <a:pPr lvl="1"/>
+            <a:r>
+              <a:rPr lang="it-IT" dirty="0">
+                <a:latin typeface="SF Pro Text" pitchFamily="2" charset="0"/>
+                <a:ea typeface="SF Pro Text" pitchFamily="2" charset="0"/>
+                <a:cs typeface="SF Pro Text" pitchFamily="2" charset="0"/>
+              </a:rPr>
+              <a:t>Perdita pacchetti</a:t>
+            </a:r>
+          </a:p>
+          <a:p>
+            <a:pPr lvl="1"/>
+            <a:r>
+              <a:rPr lang="it-IT" dirty="0">
+                <a:latin typeface="SF Pro Text" pitchFamily="2" charset="0"/>
+                <a:ea typeface="SF Pro Text" pitchFamily="2" charset="0"/>
+                <a:cs typeface="SF Pro Text" pitchFamily="2" charset="0"/>
+              </a:rPr>
+              <a:t>Pacchetti out-of-</a:t>
+            </a:r>
+            <a:r>
+              <a:rPr lang="it-IT" dirty="0" err="1">
+                <a:latin typeface="SF Pro Text" pitchFamily="2" charset="0"/>
+                <a:ea typeface="SF Pro Text" pitchFamily="2" charset="0"/>
+                <a:cs typeface="SF Pro Text" pitchFamily="2" charset="0"/>
+              </a:rPr>
+              <a:t>order</a:t>
+            </a:r>
+            <a:endParaRPr lang="it-IT" dirty="0">
+              <a:latin typeface="SF Pro Text" pitchFamily="2" charset="0"/>
+              <a:ea typeface="SF Pro Text" pitchFamily="2" charset="0"/>
+              <a:cs typeface="SF Pro Text" pitchFamily="2" charset="0"/>
+            </a:endParaRPr>
+          </a:p>
+          <a:p>
+            <a:pPr lvl="1"/>
+            <a:r>
+              <a:rPr lang="it-IT" dirty="0">
+                <a:latin typeface="SF Pro Text" pitchFamily="2" charset="0"/>
+                <a:ea typeface="SF Pro Text" pitchFamily="2" charset="0"/>
+                <a:cs typeface="SF Pro Text" pitchFamily="2" charset="0"/>
+              </a:rPr>
+              <a:t>Ritrasmissioni</a:t>
+            </a:r>
+          </a:p>
+          <a:p>
+            <a:r>
+              <a:rPr lang="it-IT" dirty="0">
+                <a:latin typeface="SF Pro Text" pitchFamily="2" charset="0"/>
+                <a:ea typeface="SF Pro Text" pitchFamily="2" charset="0"/>
+                <a:cs typeface="SF Pro Text" pitchFamily="2" charset="0"/>
+              </a:rPr>
+              <a:t>Implementazione di tecniche per il service </a:t>
+            </a:r>
+            <a:r>
+              <a:rPr lang="it-IT" dirty="0" err="1">
+                <a:latin typeface="SF Pro Text" pitchFamily="2" charset="0"/>
+                <a:ea typeface="SF Pro Text" pitchFamily="2" charset="0"/>
+                <a:cs typeface="SF Pro Text" pitchFamily="2" charset="0"/>
+              </a:rPr>
+              <a:t>discovery</a:t>
+            </a:r>
+            <a:endParaRPr lang="it-IT" dirty="0">
+              <a:latin typeface="SF Pro Text" pitchFamily="2" charset="0"/>
+              <a:ea typeface="SF Pro Text" pitchFamily="2" charset="0"/>
+              <a:cs typeface="SF Pro Text" pitchFamily="2" charset="0"/>
+            </a:endParaRPr>
+          </a:p>
+          <a:p>
+            <a:r>
+              <a:rPr lang="it-IT" dirty="0">
+                <a:latin typeface="SF Pro Text" pitchFamily="2" charset="0"/>
+                <a:ea typeface="SF Pro Text" pitchFamily="2" charset="0"/>
+                <a:cs typeface="SF Pro Text" pitchFamily="2" charset="0"/>
+              </a:rPr>
+              <a:t>Database di indirizzi MAC</a:t>
+            </a:r>
+          </a:p>
+          <a:p>
+            <a:endParaRPr lang="it-IT" dirty="0">
+              <a:latin typeface="SF Pro Text" pitchFamily="2" charset="0"/>
+              <a:ea typeface="SF Pro Text" pitchFamily="2" charset="0"/>
+              <a:cs typeface="SF Pro Text" pitchFamily="2" charset="0"/>
+            </a:endParaRPr>
+          </a:p>
+        </p:txBody>
+      </p:sp>
+    </p:spTree>
+    <p:extLst>
+      <p:ext uri="{BB962C8B-B14F-4D97-AF65-F5344CB8AC3E}">
+        <p14:creationId xmlns:p14="http://schemas.microsoft.com/office/powerpoint/2010/main" val="375993403"/>
+      </p:ext>
+    </p:extLst>
+  </p:cSld>
+  <p:clrMapOvr>
+    <a:masterClrMapping/>
+  </p:clrMapOvr>
+</p:sld>
+</file>
+
+<file path=ppt/slides/slide16.xml><?xml version="1.0" encoding="utf-8"?>
+<p:sld xmlns:a="http://schemas.openxmlformats.org/drawingml/2006/main" xmlns:r="http://schemas.openxmlformats.org/officeDocument/2006/relationships" xmlns:p="http://schemas.openxmlformats.org/presentationml/2006/main">
+  <p:cSld>
+    <p:spTree>
+      <p:nvGrpSpPr>
+        <p:cNvPr id="1" name=""/>
+        <p:cNvGrpSpPr/>
+        <p:nvPr/>
+      </p:nvGrpSpPr>
+      <p:grpSpPr>
+        <a:xfrm>
+          <a:off x="0" y="0"/>
+          <a:ext cx="0" cy="0"/>
+          <a:chOff x="0" y="0"/>
+          <a:chExt cx="0" cy="0"/>
+        </a:xfrm>
+      </p:grpSpPr>
+      <p:sp>
+        <p:nvSpPr>
+          <p:cNvPr id="2" name="Title 1">
+            <a:extLst>
+              <a:ext uri="{FF2B5EF4-FFF2-40B4-BE49-F238E27FC236}">
+                <a16:creationId xmlns:a16="http://schemas.microsoft.com/office/drawing/2014/main" id="{74478745-367F-5F4A-B990-81AE6953DF39}"/>
+              </a:ext>
+            </a:extLst>
+          </p:cNvPr>
+          <p:cNvSpPr>
+            <a:spLocks noGrp="1"/>
+          </p:cNvSpPr>
+          <p:nvPr>
+            <p:ph type="title"/>
+          </p:nvPr>
+        </p:nvSpPr>
+        <p:spPr/>
+        <p:txBody>
+          <a:bodyPr/>
+          <a:lstStyle/>
+          <a:p>
+            <a:r>
+              <a:rPr lang="it-IT" dirty="0">
+                <a:latin typeface="SF Pro Display" pitchFamily="2" charset="0"/>
+                <a:ea typeface="SF Pro Display" pitchFamily="2" charset="0"/>
+                <a:cs typeface="SF Pro Display" pitchFamily="2" charset="0"/>
+              </a:rPr>
+              <a:t>Conclusioni</a:t>
+            </a:r>
+          </a:p>
+        </p:txBody>
+      </p:sp>
+      <p:sp>
+        <p:nvSpPr>
+          <p:cNvPr id="3" name="Content Placeholder 2">
+            <a:extLst>
+              <a:ext uri="{FF2B5EF4-FFF2-40B4-BE49-F238E27FC236}">
+                <a16:creationId xmlns:a16="http://schemas.microsoft.com/office/drawing/2014/main" id="{C8AD43A0-35E8-3244-B110-3172A9AF5893}"/>
+              </a:ext>
+            </a:extLst>
+          </p:cNvPr>
+          <p:cNvSpPr>
+            <a:spLocks noGrp="1"/>
+          </p:cNvSpPr>
+          <p:nvPr>
+            <p:ph idx="1"/>
+          </p:nvPr>
+        </p:nvSpPr>
+        <p:spPr/>
+        <p:txBody>
+          <a:bodyPr>
+            <a:normAutofit lnSpcReduction="10000"/>
+          </a:bodyPr>
+          <a:lstStyle/>
+          <a:p>
+            <a:r>
+              <a:rPr lang="it-IT" dirty="0">
+                <a:latin typeface="SF Pro Text" pitchFamily="2" charset="0"/>
+                <a:ea typeface="SF Pro Text" pitchFamily="2" charset="0"/>
+                <a:cs typeface="SF Pro Text" pitchFamily="2" charset="0"/>
+              </a:rPr>
+              <a:t>Definizione di un nuovo algoritmo per la rilevazione di topologie di reti Wi-Fi.</a:t>
+            </a:r>
+          </a:p>
+          <a:p>
+            <a:r>
+              <a:rPr lang="it-IT" dirty="0">
+                <a:latin typeface="SF Pro Text" pitchFamily="2" charset="0"/>
+                <a:ea typeface="SF Pro Text" pitchFamily="2" charset="0"/>
+                <a:cs typeface="SF Pro Text" pitchFamily="2" charset="0"/>
+              </a:rPr>
+              <a:t>Sviluppo ed implementazione di una soluzione open-source</a:t>
+            </a:r>
+          </a:p>
+          <a:p>
+            <a:pPr lvl="1"/>
+            <a:r>
+              <a:rPr lang="it-IT" dirty="0" err="1">
+                <a:latin typeface="SF Pro Text" pitchFamily="2" charset="0"/>
+                <a:ea typeface="SF Pro Text" pitchFamily="2" charset="0"/>
+                <a:cs typeface="SF Pro Text" pitchFamily="2" charset="0"/>
+              </a:rPr>
+              <a:t>ArpScanner</a:t>
+            </a:r>
+            <a:endParaRPr lang="it-IT" dirty="0">
+              <a:latin typeface="SF Pro Text" pitchFamily="2" charset="0"/>
+              <a:ea typeface="SF Pro Text" pitchFamily="2" charset="0"/>
+              <a:cs typeface="SF Pro Text" pitchFamily="2" charset="0"/>
+            </a:endParaRPr>
+          </a:p>
+          <a:p>
+            <a:pPr lvl="1"/>
+            <a:r>
+              <a:rPr lang="it-IT" dirty="0" err="1">
+                <a:latin typeface="SF Pro Text" pitchFamily="2" charset="0"/>
+                <a:ea typeface="SF Pro Text" pitchFamily="2" charset="0"/>
+                <a:cs typeface="SF Pro Text" pitchFamily="2" charset="0"/>
+              </a:rPr>
+              <a:t>WiFi-Topology</a:t>
+            </a:r>
+            <a:endParaRPr lang="it-IT" dirty="0">
+              <a:latin typeface="SF Pro Text" pitchFamily="2" charset="0"/>
+              <a:ea typeface="SF Pro Text" pitchFamily="2" charset="0"/>
+              <a:cs typeface="SF Pro Text" pitchFamily="2" charset="0"/>
+            </a:endParaRPr>
+          </a:p>
+          <a:p>
+            <a:r>
+              <a:rPr lang="it-IT" dirty="0">
+                <a:latin typeface="SF Pro Text" pitchFamily="2" charset="0"/>
+                <a:ea typeface="SF Pro Text" pitchFamily="2" charset="0"/>
+                <a:cs typeface="SF Pro Text" pitchFamily="2" charset="0"/>
+              </a:rPr>
+              <a:t>Validata correttamente su diversi tipi di reti:</a:t>
+            </a:r>
+          </a:p>
+          <a:p>
+            <a:pPr lvl="1"/>
+            <a:r>
+              <a:rPr lang="it-IT" dirty="0">
+                <a:latin typeface="SF Pro Text" pitchFamily="2" charset="0"/>
+                <a:ea typeface="SF Pro Text" pitchFamily="2" charset="0"/>
+                <a:cs typeface="SF Pro Text" pitchFamily="2" charset="0"/>
+              </a:rPr>
+              <a:t>Semplici</a:t>
+            </a:r>
+          </a:p>
+          <a:p>
+            <a:pPr lvl="1"/>
+            <a:r>
+              <a:rPr lang="it-IT" dirty="0">
+                <a:latin typeface="SF Pro Text" pitchFamily="2" charset="0"/>
+                <a:ea typeface="SF Pro Text" pitchFamily="2" charset="0"/>
+                <a:cs typeface="SF Pro Text" pitchFamily="2" charset="0"/>
+              </a:rPr>
+              <a:t>Complesse</a:t>
+            </a:r>
+          </a:p>
+          <a:p>
+            <a:r>
+              <a:rPr lang="it-IT" dirty="0">
+                <a:latin typeface="SF Pro Text" pitchFamily="2" charset="0"/>
+                <a:ea typeface="SF Pro Text" pitchFamily="2" charset="0"/>
+                <a:cs typeface="SF Pro Text" pitchFamily="2" charset="0"/>
+              </a:rPr>
+              <a:t>Rilevamento specifico di nodi affetti da disservizi</a:t>
+            </a:r>
+          </a:p>
+          <a:p>
+            <a:r>
+              <a:rPr lang="it-IT" dirty="0">
+                <a:latin typeface="SF Pro Text" pitchFamily="2" charset="0"/>
+                <a:ea typeface="SF Pro Text" pitchFamily="2" charset="0"/>
+                <a:cs typeface="SF Pro Text" pitchFamily="2" charset="0"/>
+              </a:rPr>
+              <a:t>Contenuto utilizzo di risorse</a:t>
+            </a:r>
+          </a:p>
+        </p:txBody>
+      </p:sp>
+    </p:spTree>
+    <p:extLst>
+      <p:ext uri="{BB962C8B-B14F-4D97-AF65-F5344CB8AC3E}">
+        <p14:creationId xmlns:p14="http://schemas.microsoft.com/office/powerpoint/2010/main" val="1384587162"/>
+      </p:ext>
+    </p:extLst>
+  </p:cSld>
+  <p:clrMapOvr>
+    <a:masterClrMapping/>
+  </p:clrMapOvr>
+</p:sld>
+</file>
+
+<file path=ppt/slides/slide17.xml><?xml version="1.0" encoding="utf-8"?>
+<p:sld xmlns:a="http://schemas.openxmlformats.org/drawingml/2006/main" xmlns:r="http://schemas.openxmlformats.org/officeDocument/2006/relationships" xmlns:p="http://schemas.openxmlformats.org/presentationml/2006/main">
+  <p:cSld>
+    <p:spTree>
+      <p:nvGrpSpPr>
+        <p:cNvPr id="1" name=""/>
+        <p:cNvGrpSpPr/>
+        <p:nvPr/>
+      </p:nvGrpSpPr>
+      <p:grpSpPr>
+        <a:xfrm>
+          <a:off x="0" y="0"/>
+          <a:ext cx="0" cy="0"/>
+          <a:chOff x="0" y="0"/>
+          <a:chExt cx="0" cy="0"/>
+        </a:xfrm>
+      </p:grpSpPr>
+      <p:sp>
+        <p:nvSpPr>
+          <p:cNvPr id="4" name="Title 3">
+            <a:extLst>
+              <a:ext uri="{FF2B5EF4-FFF2-40B4-BE49-F238E27FC236}">
+                <a16:creationId xmlns:a16="http://schemas.microsoft.com/office/drawing/2014/main" id="{D93F61B8-84B7-8246-9AEC-5C26E7307065}"/>
+              </a:ext>
+            </a:extLst>
+          </p:cNvPr>
+          <p:cNvSpPr>
+            <a:spLocks noGrp="1"/>
+          </p:cNvSpPr>
+          <p:nvPr>
+            <p:ph type="title"/>
+          </p:nvPr>
+        </p:nvSpPr>
+        <p:spPr>
+          <a:xfrm>
+            <a:off x="838200" y="2463966"/>
+            <a:ext cx="10515600" cy="965034"/>
+          </a:xfrm>
+        </p:spPr>
+        <p:txBody>
+          <a:bodyPr/>
+          <a:lstStyle/>
+          <a:p>
+            <a:pPr algn="ctr"/>
+            <a:r>
+              <a:rPr lang="it-IT" dirty="0">
+                <a:latin typeface="SF Pro Display" pitchFamily="2" charset="0"/>
+                <a:ea typeface="SF Pro Display" pitchFamily="2" charset="0"/>
+                <a:cs typeface="SF Pro Display" pitchFamily="2" charset="0"/>
+              </a:rPr>
+              <a:t>Grazie per l’attenzione</a:t>
+            </a:r>
+          </a:p>
+        </p:txBody>
+      </p:sp>
+    </p:spTree>
+    <p:extLst>
+      <p:ext uri="{BB962C8B-B14F-4D97-AF65-F5344CB8AC3E}">
+        <p14:creationId xmlns:p14="http://schemas.microsoft.com/office/powerpoint/2010/main" val="1021218627"/>
+      </p:ext>
+    </p:extLst>
+  </p:cSld>
+  <p:clrMapOvr>
+    <a:masterClrMapping/>
+  </p:clrMapOvr>
+</p:sld>
+</file>
+
+<file path=ppt/slides/slide18.xml><?xml version="1.0" encoding="utf-8"?>
 <p:sld xmlns:a="http://schemas.openxmlformats.org/drawingml/2006/main" xmlns:r="http://schemas.openxmlformats.org/officeDocument/2006/relationships" xmlns:p="http://schemas.openxmlformats.org/presentationml/2006/main">
   <p:cSld>
     <p:spTree>
@@ -4895,7 +5827,7 @@
     </p:spTree>
     <p:extLst>
       <p:ext uri="{BB962C8B-B14F-4D97-AF65-F5344CB8AC3E}">
-        <p14:creationId xmlns:p14="http://schemas.microsoft.com/office/powerpoint/2010/main" val="599413113"/>
+        <p14:creationId xmlns:p14="http://schemas.microsoft.com/office/powerpoint/2010/main" val="2747950733"/>
       </p:ext>
     </p:extLst>
   </p:cSld>
@@ -4905,7 +5837,7 @@
 </p:sld>
 </file>
 
-<file path=ppt/slides/slide14.xml><?xml version="1.0" encoding="utf-8"?>
+<file path=ppt/slides/slide19.xml><?xml version="1.0" encoding="utf-8"?>
 <p:sld xmlns:a="http://schemas.openxmlformats.org/drawingml/2006/main" xmlns:r="http://schemas.openxmlformats.org/officeDocument/2006/relationships" xmlns:p="http://schemas.openxmlformats.org/presentationml/2006/main">
   <p:cSld>
     <p:spTree>
@@ -5163,675 +6095,7 @@
     </p:spTree>
     <p:extLst>
       <p:ext uri="{BB962C8B-B14F-4D97-AF65-F5344CB8AC3E}">
-        <p14:creationId xmlns:p14="http://schemas.microsoft.com/office/powerpoint/2010/main" val="1333549550"/>
-      </p:ext>
-    </p:extLst>
-  </p:cSld>
-  <p:clrMapOvr>
-    <a:masterClrMapping/>
-  </p:clrMapOvr>
-</p:sld>
-</file>
-
-<file path=ppt/slides/slide15.xml><?xml version="1.0" encoding="utf-8"?>
-<p:sld xmlns:a="http://schemas.openxmlformats.org/drawingml/2006/main" xmlns:r="http://schemas.openxmlformats.org/officeDocument/2006/relationships" xmlns:p="http://schemas.openxmlformats.org/presentationml/2006/main">
-  <p:cSld>
-    <p:spTree>
-      <p:nvGrpSpPr>
-        <p:cNvPr id="1" name=""/>
-        <p:cNvGrpSpPr/>
-        <p:nvPr/>
-      </p:nvGrpSpPr>
-      <p:grpSpPr>
-        <a:xfrm>
-          <a:off x="0" y="0"/>
-          <a:ext cx="0" cy="0"/>
-          <a:chOff x="0" y="0"/>
-          <a:chExt cx="0" cy="0"/>
-        </a:xfrm>
-      </p:grpSpPr>
-      <p:sp>
-        <p:nvSpPr>
-          <p:cNvPr id="2" name="Title 1">
-            <a:extLst>
-              <a:ext uri="{FF2B5EF4-FFF2-40B4-BE49-F238E27FC236}">
-                <a16:creationId xmlns:a16="http://schemas.microsoft.com/office/drawing/2014/main" id="{E7921167-8452-A54A-A836-E7AD6AD6CD99}"/>
-              </a:ext>
-            </a:extLst>
-          </p:cNvPr>
-          <p:cNvSpPr>
-            <a:spLocks noGrp="1"/>
-          </p:cNvSpPr>
-          <p:nvPr>
-            <p:ph type="title"/>
-          </p:nvPr>
-        </p:nvSpPr>
-        <p:spPr/>
-        <p:txBody>
-          <a:bodyPr/>
-          <a:lstStyle/>
-          <a:p>
-            <a:r>
-              <a:rPr lang="it-IT" dirty="0">
-                <a:latin typeface="SF Pro Display" pitchFamily="2" charset="0"/>
-                <a:ea typeface="SF Pro Display" pitchFamily="2" charset="0"/>
-                <a:cs typeface="SF Pro Display" pitchFamily="2" charset="0"/>
-              </a:rPr>
-              <a:t>Analisi ed euristiche</a:t>
-            </a:r>
-          </a:p>
-        </p:txBody>
-      </p:sp>
-      <p:sp>
-        <p:nvSpPr>
-          <p:cNvPr id="3" name="Content Placeholder 2">
-            <a:extLst>
-              <a:ext uri="{FF2B5EF4-FFF2-40B4-BE49-F238E27FC236}">
-                <a16:creationId xmlns:a16="http://schemas.microsoft.com/office/drawing/2014/main" id="{38EE5F4F-F455-D448-86AA-16449158A934}"/>
-              </a:ext>
-            </a:extLst>
-          </p:cNvPr>
-          <p:cNvSpPr>
-            <a:spLocks noGrp="1"/>
-          </p:cNvSpPr>
-          <p:nvPr>
-            <p:ph idx="1"/>
-          </p:nvPr>
-        </p:nvSpPr>
-        <p:spPr/>
-        <p:txBody>
-          <a:bodyPr/>
-          <a:lstStyle/>
-          <a:p>
-            <a:r>
-              <a:rPr lang="it-IT" dirty="0">
-                <a:latin typeface="SF Pro Text" pitchFamily="2" charset="0"/>
-                <a:ea typeface="SF Pro Text" pitchFamily="2" charset="0"/>
-                <a:cs typeface="SF Pro Text" pitchFamily="2" charset="0"/>
-              </a:rPr>
-              <a:t>Gestione di indirizzi:</a:t>
-            </a:r>
-          </a:p>
-          <a:p>
-            <a:pPr lvl="1"/>
-            <a:r>
-              <a:rPr lang="it-IT" dirty="0">
-                <a:latin typeface="SF Pro Text" pitchFamily="2" charset="0"/>
-                <a:ea typeface="SF Pro Text" pitchFamily="2" charset="0"/>
-                <a:cs typeface="SF Pro Text" pitchFamily="2" charset="0"/>
-              </a:rPr>
-              <a:t>Globalmente assegnati / Localmente assegnati </a:t>
-            </a:r>
-          </a:p>
-          <a:p>
-            <a:pPr lvl="1"/>
-            <a:r>
-              <a:rPr lang="it-IT" dirty="0" err="1">
-                <a:latin typeface="SF Pro Text" pitchFamily="2" charset="0"/>
-                <a:ea typeface="SF Pro Text" pitchFamily="2" charset="0"/>
-                <a:cs typeface="SF Pro Text" pitchFamily="2" charset="0"/>
-              </a:rPr>
-              <a:t>Unicast</a:t>
-            </a:r>
-            <a:r>
-              <a:rPr lang="it-IT" dirty="0">
-                <a:latin typeface="SF Pro Text" pitchFamily="2" charset="0"/>
-                <a:ea typeface="SF Pro Text" pitchFamily="2" charset="0"/>
-                <a:cs typeface="SF Pro Text" pitchFamily="2" charset="0"/>
-              </a:rPr>
-              <a:t> / Multicast</a:t>
-            </a:r>
-          </a:p>
-          <a:p>
-            <a:r>
-              <a:rPr lang="it-IT" dirty="0">
-                <a:latin typeface="SF Pro Text" pitchFamily="2" charset="0"/>
-                <a:ea typeface="SF Pro Text" pitchFamily="2" charset="0"/>
-                <a:cs typeface="SF Pro Text" pitchFamily="2" charset="0"/>
-              </a:rPr>
-              <a:t>Euristiche:</a:t>
-            </a:r>
-          </a:p>
-          <a:p>
-            <a:pPr lvl="1"/>
-            <a:r>
-              <a:rPr lang="it-IT" dirty="0">
-                <a:latin typeface="SF Pro Text" pitchFamily="2" charset="0"/>
-                <a:ea typeface="SF Pro Text" pitchFamily="2" charset="0"/>
-                <a:cs typeface="SF Pro Text" pitchFamily="2" charset="0"/>
-              </a:rPr>
-              <a:t>Access Point</a:t>
-            </a:r>
-          </a:p>
-          <a:p>
-            <a:pPr lvl="1"/>
-            <a:r>
-              <a:rPr lang="it-IT" dirty="0" err="1">
-                <a:latin typeface="SF Pro Text" pitchFamily="2" charset="0"/>
-                <a:ea typeface="SF Pro Text" pitchFamily="2" charset="0"/>
-                <a:cs typeface="SF Pro Text" pitchFamily="2" charset="0"/>
-              </a:rPr>
-              <a:t>Repeater</a:t>
-            </a:r>
-            <a:endParaRPr lang="it-IT" dirty="0">
-              <a:latin typeface="SF Pro Text" pitchFamily="2" charset="0"/>
-              <a:ea typeface="SF Pro Text" pitchFamily="2" charset="0"/>
-              <a:cs typeface="SF Pro Text" pitchFamily="2" charset="0"/>
-            </a:endParaRPr>
-          </a:p>
-          <a:p>
-            <a:pPr lvl="1"/>
-            <a:endParaRPr lang="it-IT" dirty="0">
-              <a:latin typeface="SF Pro Text" pitchFamily="2" charset="0"/>
-              <a:ea typeface="SF Pro Text" pitchFamily="2" charset="0"/>
-              <a:cs typeface="SF Pro Text" pitchFamily="2" charset="0"/>
-            </a:endParaRPr>
-          </a:p>
-          <a:p>
-            <a:endParaRPr lang="it-IT" dirty="0">
-              <a:latin typeface="SF Pro Text" pitchFamily="2" charset="0"/>
-              <a:ea typeface="SF Pro Text" pitchFamily="2" charset="0"/>
-              <a:cs typeface="SF Pro Text" pitchFamily="2" charset="0"/>
-            </a:endParaRPr>
-          </a:p>
-        </p:txBody>
-      </p:sp>
-    </p:spTree>
-    <p:extLst>
-      <p:ext uri="{BB962C8B-B14F-4D97-AF65-F5344CB8AC3E}">
-        <p14:creationId xmlns:p14="http://schemas.microsoft.com/office/powerpoint/2010/main" val="921771993"/>
-      </p:ext>
-    </p:extLst>
-  </p:cSld>
-  <p:clrMapOvr>
-    <a:masterClrMapping/>
-  </p:clrMapOvr>
-</p:sld>
-</file>
-
-<file path=ppt/slides/slide16.xml><?xml version="1.0" encoding="utf-8"?>
-<p:sld xmlns:a="http://schemas.openxmlformats.org/drawingml/2006/main" xmlns:r="http://schemas.openxmlformats.org/officeDocument/2006/relationships" xmlns:p="http://schemas.openxmlformats.org/presentationml/2006/main">
-  <p:cSld>
-    <p:spTree>
-      <p:nvGrpSpPr>
-        <p:cNvPr id="1" name=""/>
-        <p:cNvGrpSpPr/>
-        <p:nvPr/>
-      </p:nvGrpSpPr>
-      <p:grpSpPr>
-        <a:xfrm>
-          <a:off x="0" y="0"/>
-          <a:ext cx="0" cy="0"/>
-          <a:chOff x="0" y="0"/>
-          <a:chExt cx="0" cy="0"/>
-        </a:xfrm>
-      </p:grpSpPr>
-      <p:sp>
-        <p:nvSpPr>
-          <p:cNvPr id="2" name="Title 1">
-            <a:extLst>
-              <a:ext uri="{FF2B5EF4-FFF2-40B4-BE49-F238E27FC236}">
-                <a16:creationId xmlns:a16="http://schemas.microsoft.com/office/drawing/2014/main" id="{9CCAD127-879B-3449-8443-9F007902E099}"/>
-              </a:ext>
-            </a:extLst>
-          </p:cNvPr>
-          <p:cNvSpPr>
-            <a:spLocks noGrp="1"/>
-          </p:cNvSpPr>
-          <p:nvPr>
-            <p:ph type="title"/>
-          </p:nvPr>
-        </p:nvSpPr>
-        <p:spPr/>
-        <p:txBody>
-          <a:bodyPr/>
-          <a:lstStyle/>
-          <a:p>
-            <a:r>
-              <a:rPr lang="it-IT" dirty="0">
-                <a:latin typeface="SF Pro Display" pitchFamily="2" charset="0"/>
-                <a:ea typeface="SF Pro Display" pitchFamily="2" charset="0"/>
-                <a:cs typeface="SF Pro Display" pitchFamily="2" charset="0"/>
-              </a:rPr>
-              <a:t>Lavori futuri</a:t>
-            </a:r>
-          </a:p>
-        </p:txBody>
-      </p:sp>
-      <p:sp>
-        <p:nvSpPr>
-          <p:cNvPr id="3" name="Content Placeholder 2">
-            <a:extLst>
-              <a:ext uri="{FF2B5EF4-FFF2-40B4-BE49-F238E27FC236}">
-                <a16:creationId xmlns:a16="http://schemas.microsoft.com/office/drawing/2014/main" id="{1F345B69-E527-2E4C-96EB-F0497A7C98D3}"/>
-              </a:ext>
-            </a:extLst>
-          </p:cNvPr>
-          <p:cNvSpPr>
-            <a:spLocks noGrp="1"/>
-          </p:cNvSpPr>
-          <p:nvPr>
-            <p:ph idx="1"/>
-          </p:nvPr>
-        </p:nvSpPr>
-        <p:spPr/>
-        <p:txBody>
-          <a:bodyPr>
-            <a:normAutofit/>
-          </a:bodyPr>
-          <a:lstStyle/>
-          <a:p>
-            <a:r>
-              <a:rPr lang="it-IT" dirty="0">
-                <a:latin typeface="SF Pro Text" pitchFamily="2" charset="0"/>
-                <a:ea typeface="SF Pro Text" pitchFamily="2" charset="0"/>
-                <a:cs typeface="SF Pro Text" pitchFamily="2" charset="0"/>
-              </a:rPr>
-              <a:t>Estendere il supporto di </a:t>
-            </a:r>
-            <a:r>
-              <a:rPr lang="it-IT" dirty="0" err="1">
-                <a:latin typeface="SF Pro Text" pitchFamily="2" charset="0"/>
-                <a:ea typeface="SF Pro Text" pitchFamily="2" charset="0"/>
-                <a:cs typeface="SF Pro Text" pitchFamily="2" charset="0"/>
-              </a:rPr>
-              <a:t>WiFi-Topology</a:t>
-            </a:r>
-            <a:r>
-              <a:rPr lang="it-IT" dirty="0">
-                <a:latin typeface="SF Pro Text" pitchFamily="2" charset="0"/>
-                <a:ea typeface="SF Pro Text" pitchFamily="2" charset="0"/>
-                <a:cs typeface="SF Pro Text" pitchFamily="2" charset="0"/>
-              </a:rPr>
-              <a:t> a reti professionali</a:t>
-            </a:r>
-          </a:p>
-          <a:p>
-            <a:pPr lvl="1"/>
-            <a:r>
-              <a:rPr lang="it-IT" dirty="0">
-                <a:latin typeface="SF Pro Text" pitchFamily="2" charset="0"/>
-                <a:ea typeface="SF Pro Text" pitchFamily="2" charset="0"/>
-                <a:cs typeface="SF Pro Text" pitchFamily="2" charset="0"/>
-              </a:rPr>
-              <a:t>Analisi dei frame destinati a Wireless Distribution Systems (WDS)</a:t>
-            </a:r>
-          </a:p>
-          <a:p>
-            <a:r>
-              <a:rPr lang="it-IT" dirty="0">
-                <a:latin typeface="SF Pro Text" pitchFamily="2" charset="0"/>
-                <a:ea typeface="SF Pro Text" pitchFamily="2" charset="0"/>
-                <a:cs typeface="SF Pro Text" pitchFamily="2" charset="0"/>
-              </a:rPr>
-              <a:t>Aggiunta di euristiche riguardanti canali Wi-Fi</a:t>
-            </a:r>
-          </a:p>
-          <a:p>
-            <a:r>
-              <a:rPr lang="it-IT" dirty="0">
-                <a:latin typeface="SF Pro Text" pitchFamily="2" charset="0"/>
-                <a:ea typeface="SF Pro Text" pitchFamily="2" charset="0"/>
-                <a:cs typeface="SF Pro Text" pitchFamily="2" charset="0"/>
-              </a:rPr>
-              <a:t>Calcolo di statistiche TCP</a:t>
-            </a:r>
-          </a:p>
-          <a:p>
-            <a:pPr lvl="1"/>
-            <a:r>
-              <a:rPr lang="it-IT" dirty="0">
-                <a:latin typeface="SF Pro Text" pitchFamily="2" charset="0"/>
-                <a:ea typeface="SF Pro Text" pitchFamily="2" charset="0"/>
-                <a:cs typeface="SF Pro Text" pitchFamily="2" charset="0"/>
-              </a:rPr>
-              <a:t>Perdita pacchetti</a:t>
-            </a:r>
-          </a:p>
-          <a:p>
-            <a:pPr lvl="1"/>
-            <a:r>
-              <a:rPr lang="it-IT" dirty="0">
-                <a:latin typeface="SF Pro Text" pitchFamily="2" charset="0"/>
-                <a:ea typeface="SF Pro Text" pitchFamily="2" charset="0"/>
-                <a:cs typeface="SF Pro Text" pitchFamily="2" charset="0"/>
-              </a:rPr>
-              <a:t>Pacchetti out of </a:t>
-            </a:r>
-            <a:r>
-              <a:rPr lang="it-IT" dirty="0" err="1">
-                <a:latin typeface="SF Pro Text" pitchFamily="2" charset="0"/>
-                <a:ea typeface="SF Pro Text" pitchFamily="2" charset="0"/>
-                <a:cs typeface="SF Pro Text" pitchFamily="2" charset="0"/>
-              </a:rPr>
-              <a:t>order</a:t>
-            </a:r>
-            <a:endParaRPr lang="it-IT" dirty="0">
-              <a:latin typeface="SF Pro Text" pitchFamily="2" charset="0"/>
-              <a:ea typeface="SF Pro Text" pitchFamily="2" charset="0"/>
-              <a:cs typeface="SF Pro Text" pitchFamily="2" charset="0"/>
-            </a:endParaRPr>
-          </a:p>
-          <a:p>
-            <a:pPr lvl="1"/>
-            <a:r>
-              <a:rPr lang="it-IT" dirty="0">
-                <a:latin typeface="SF Pro Text" pitchFamily="2" charset="0"/>
-                <a:ea typeface="SF Pro Text" pitchFamily="2" charset="0"/>
-                <a:cs typeface="SF Pro Text" pitchFamily="2" charset="0"/>
-              </a:rPr>
-              <a:t>Ritrasmissioni</a:t>
-            </a:r>
-          </a:p>
-          <a:p>
-            <a:r>
-              <a:rPr lang="it-IT" dirty="0">
-                <a:latin typeface="SF Pro Text" pitchFamily="2" charset="0"/>
-                <a:ea typeface="SF Pro Text" pitchFamily="2" charset="0"/>
-                <a:cs typeface="SF Pro Text" pitchFamily="2" charset="0"/>
-              </a:rPr>
-              <a:t>Implementazione di tecniche per il service </a:t>
-            </a:r>
-            <a:r>
-              <a:rPr lang="it-IT" dirty="0" err="1">
-                <a:latin typeface="SF Pro Text" pitchFamily="2" charset="0"/>
-                <a:ea typeface="SF Pro Text" pitchFamily="2" charset="0"/>
-                <a:cs typeface="SF Pro Text" pitchFamily="2" charset="0"/>
-              </a:rPr>
-              <a:t>discovery</a:t>
-            </a:r>
-            <a:endParaRPr lang="it-IT" dirty="0">
-              <a:latin typeface="SF Pro Text" pitchFamily="2" charset="0"/>
-              <a:ea typeface="SF Pro Text" pitchFamily="2" charset="0"/>
-              <a:cs typeface="SF Pro Text" pitchFamily="2" charset="0"/>
-            </a:endParaRPr>
-          </a:p>
-          <a:p>
-            <a:r>
-              <a:rPr lang="it-IT" dirty="0">
-                <a:latin typeface="SF Pro Text" pitchFamily="2" charset="0"/>
-                <a:ea typeface="SF Pro Text" pitchFamily="2" charset="0"/>
-                <a:cs typeface="SF Pro Text" pitchFamily="2" charset="0"/>
-              </a:rPr>
-              <a:t>Database di indirizzi MAC</a:t>
-            </a:r>
-          </a:p>
-          <a:p>
-            <a:endParaRPr lang="it-IT" dirty="0">
-              <a:latin typeface="SF Pro Text" pitchFamily="2" charset="0"/>
-              <a:ea typeface="SF Pro Text" pitchFamily="2" charset="0"/>
-              <a:cs typeface="SF Pro Text" pitchFamily="2" charset="0"/>
-            </a:endParaRPr>
-          </a:p>
-        </p:txBody>
-      </p:sp>
-    </p:spTree>
-    <p:extLst>
-      <p:ext uri="{BB962C8B-B14F-4D97-AF65-F5344CB8AC3E}">
-        <p14:creationId xmlns:p14="http://schemas.microsoft.com/office/powerpoint/2010/main" val="375993403"/>
-      </p:ext>
-    </p:extLst>
-  </p:cSld>
-  <p:clrMapOvr>
-    <a:masterClrMapping/>
-  </p:clrMapOvr>
-</p:sld>
-</file>
-
-<file path=ppt/slides/slide17.xml><?xml version="1.0" encoding="utf-8"?>
-<p:sld xmlns:a="http://schemas.openxmlformats.org/drawingml/2006/main" xmlns:r="http://schemas.openxmlformats.org/officeDocument/2006/relationships" xmlns:p="http://schemas.openxmlformats.org/presentationml/2006/main">
-  <p:cSld>
-    <p:spTree>
-      <p:nvGrpSpPr>
-        <p:cNvPr id="1" name=""/>
-        <p:cNvGrpSpPr/>
-        <p:nvPr/>
-      </p:nvGrpSpPr>
-      <p:grpSpPr>
-        <a:xfrm>
-          <a:off x="0" y="0"/>
-          <a:ext cx="0" cy="0"/>
-          <a:chOff x="0" y="0"/>
-          <a:chExt cx="0" cy="0"/>
-        </a:xfrm>
-      </p:grpSpPr>
-      <p:sp>
-        <p:nvSpPr>
-          <p:cNvPr id="2" name="Title 1">
-            <a:extLst>
-              <a:ext uri="{FF2B5EF4-FFF2-40B4-BE49-F238E27FC236}">
-                <a16:creationId xmlns:a16="http://schemas.microsoft.com/office/drawing/2014/main" id="{74478745-367F-5F4A-B990-81AE6953DF39}"/>
-              </a:ext>
-            </a:extLst>
-          </p:cNvPr>
-          <p:cNvSpPr>
-            <a:spLocks noGrp="1"/>
-          </p:cNvSpPr>
-          <p:nvPr>
-            <p:ph type="title"/>
-          </p:nvPr>
-        </p:nvSpPr>
-        <p:spPr/>
-        <p:txBody>
-          <a:bodyPr/>
-          <a:lstStyle/>
-          <a:p>
-            <a:r>
-              <a:rPr lang="it-IT" dirty="0">
-                <a:latin typeface="SF Pro Display" pitchFamily="2" charset="0"/>
-                <a:ea typeface="SF Pro Display" pitchFamily="2" charset="0"/>
-                <a:cs typeface="SF Pro Display" pitchFamily="2" charset="0"/>
-              </a:rPr>
-              <a:t>Conclusioni</a:t>
-            </a:r>
-          </a:p>
-        </p:txBody>
-      </p:sp>
-      <p:sp>
-        <p:nvSpPr>
-          <p:cNvPr id="3" name="Content Placeholder 2">
-            <a:extLst>
-              <a:ext uri="{FF2B5EF4-FFF2-40B4-BE49-F238E27FC236}">
-                <a16:creationId xmlns:a16="http://schemas.microsoft.com/office/drawing/2014/main" id="{C8AD43A0-35E8-3244-B110-3172A9AF5893}"/>
-              </a:ext>
-            </a:extLst>
-          </p:cNvPr>
-          <p:cNvSpPr>
-            <a:spLocks noGrp="1"/>
-          </p:cNvSpPr>
-          <p:nvPr>
-            <p:ph idx="1"/>
-          </p:nvPr>
-        </p:nvSpPr>
-        <p:spPr/>
-        <p:txBody>
-          <a:bodyPr/>
-          <a:lstStyle/>
-          <a:p>
-            <a:r>
-              <a:rPr lang="it-IT" dirty="0">
-                <a:latin typeface="SF Pro Text" pitchFamily="2" charset="0"/>
-                <a:ea typeface="SF Pro Text" pitchFamily="2" charset="0"/>
-                <a:cs typeface="SF Pro Text" pitchFamily="2" charset="0"/>
-              </a:rPr>
-              <a:t>Sviluppo ed implementazione di una soluzione open-source</a:t>
-            </a:r>
-          </a:p>
-          <a:p>
-            <a:pPr lvl="1"/>
-            <a:r>
-              <a:rPr lang="it-IT" dirty="0" err="1">
-                <a:latin typeface="SF Pro Text" pitchFamily="2" charset="0"/>
-                <a:ea typeface="SF Pro Text" pitchFamily="2" charset="0"/>
-                <a:cs typeface="SF Pro Text" pitchFamily="2" charset="0"/>
-              </a:rPr>
-              <a:t>ArpScanner</a:t>
-            </a:r>
-            <a:endParaRPr lang="it-IT" dirty="0">
-              <a:latin typeface="SF Pro Text" pitchFamily="2" charset="0"/>
-              <a:ea typeface="SF Pro Text" pitchFamily="2" charset="0"/>
-              <a:cs typeface="SF Pro Text" pitchFamily="2" charset="0"/>
-            </a:endParaRPr>
-          </a:p>
-          <a:p>
-            <a:pPr lvl="1"/>
-            <a:r>
-              <a:rPr lang="it-IT" dirty="0" err="1">
-                <a:latin typeface="SF Pro Text" pitchFamily="2" charset="0"/>
-                <a:ea typeface="SF Pro Text" pitchFamily="2" charset="0"/>
-                <a:cs typeface="SF Pro Text" pitchFamily="2" charset="0"/>
-              </a:rPr>
-              <a:t>WiFi-Topology</a:t>
-            </a:r>
-            <a:endParaRPr lang="it-IT" dirty="0">
-              <a:latin typeface="SF Pro Text" pitchFamily="2" charset="0"/>
-              <a:ea typeface="SF Pro Text" pitchFamily="2" charset="0"/>
-              <a:cs typeface="SF Pro Text" pitchFamily="2" charset="0"/>
-            </a:endParaRPr>
-          </a:p>
-          <a:p>
-            <a:r>
-              <a:rPr lang="it-IT" dirty="0">
-                <a:latin typeface="SF Pro Text" pitchFamily="2" charset="0"/>
-                <a:ea typeface="SF Pro Text" pitchFamily="2" charset="0"/>
-                <a:cs typeface="SF Pro Text" pitchFamily="2" charset="0"/>
-              </a:rPr>
-              <a:t>Validata correttamente su diversi tipi di reti:</a:t>
-            </a:r>
-          </a:p>
-          <a:p>
-            <a:pPr lvl="1"/>
-            <a:r>
-              <a:rPr lang="it-IT" dirty="0">
-                <a:latin typeface="SF Pro Text" pitchFamily="2" charset="0"/>
-                <a:ea typeface="SF Pro Text" pitchFamily="2" charset="0"/>
-                <a:cs typeface="SF Pro Text" pitchFamily="2" charset="0"/>
-              </a:rPr>
-              <a:t>Semplici</a:t>
-            </a:r>
-          </a:p>
-          <a:p>
-            <a:pPr lvl="1"/>
-            <a:r>
-              <a:rPr lang="it-IT" dirty="0">
-                <a:latin typeface="SF Pro Text" pitchFamily="2" charset="0"/>
-                <a:ea typeface="SF Pro Text" pitchFamily="2" charset="0"/>
-                <a:cs typeface="SF Pro Text" pitchFamily="2" charset="0"/>
-              </a:rPr>
-              <a:t>Complesse</a:t>
-            </a:r>
-          </a:p>
-          <a:p>
-            <a:r>
-              <a:rPr lang="it-IT" dirty="0">
-                <a:latin typeface="SF Pro Text" pitchFamily="2" charset="0"/>
-                <a:ea typeface="SF Pro Text" pitchFamily="2" charset="0"/>
-                <a:cs typeface="SF Pro Text" pitchFamily="2" charset="0"/>
-              </a:rPr>
-              <a:t>Rilevamento specifico di nodi affetti da disservizi</a:t>
-            </a:r>
-          </a:p>
-          <a:p>
-            <a:r>
-              <a:rPr lang="it-IT" dirty="0">
-                <a:latin typeface="SF Pro Text" pitchFamily="2" charset="0"/>
-                <a:ea typeface="SF Pro Text" pitchFamily="2" charset="0"/>
-                <a:cs typeface="SF Pro Text" pitchFamily="2" charset="0"/>
-              </a:rPr>
-              <a:t>Contenuto utilizzo di risorse</a:t>
-            </a:r>
-          </a:p>
-          <a:p>
-            <a:r>
-              <a:rPr lang="it-IT" dirty="0">
-                <a:latin typeface="SF Pro Text" pitchFamily="2" charset="0"/>
-                <a:ea typeface="SF Pro Text" pitchFamily="2" charset="0"/>
-                <a:cs typeface="SF Pro Text" pitchFamily="2" charset="0"/>
-              </a:rPr>
-              <a:t>Estendibile a reti di tipo professionale</a:t>
-            </a:r>
-          </a:p>
-          <a:p>
-            <a:endParaRPr lang="it-IT" dirty="0">
-              <a:latin typeface="SF Pro Text" pitchFamily="2" charset="0"/>
-              <a:ea typeface="SF Pro Text" pitchFamily="2" charset="0"/>
-              <a:cs typeface="SF Pro Text" pitchFamily="2" charset="0"/>
-            </a:endParaRPr>
-          </a:p>
-        </p:txBody>
-      </p:sp>
-    </p:spTree>
-    <p:extLst>
-      <p:ext uri="{BB962C8B-B14F-4D97-AF65-F5344CB8AC3E}">
-        <p14:creationId xmlns:p14="http://schemas.microsoft.com/office/powerpoint/2010/main" val="1384587162"/>
-      </p:ext>
-    </p:extLst>
-  </p:cSld>
-  <p:clrMapOvr>
-    <a:masterClrMapping/>
-  </p:clrMapOvr>
-</p:sld>
-</file>
-
-<file path=ppt/slides/slide18.xml><?xml version="1.0" encoding="utf-8"?>
-<p:sld xmlns:a="http://schemas.openxmlformats.org/drawingml/2006/main" xmlns:r="http://schemas.openxmlformats.org/officeDocument/2006/relationships" xmlns:p="http://schemas.openxmlformats.org/presentationml/2006/main">
-  <p:cSld>
-    <p:spTree>
-      <p:nvGrpSpPr>
-        <p:cNvPr id="1" name=""/>
-        <p:cNvGrpSpPr/>
-        <p:nvPr/>
-      </p:nvGrpSpPr>
-      <p:grpSpPr>
-        <a:xfrm>
-          <a:off x="0" y="0"/>
-          <a:ext cx="0" cy="0"/>
-          <a:chOff x="0" y="0"/>
-          <a:chExt cx="0" cy="0"/>
-        </a:xfrm>
-      </p:grpSpPr>
-      <p:sp>
-        <p:nvSpPr>
-          <p:cNvPr id="4" name="Title 3">
-            <a:extLst>
-              <a:ext uri="{FF2B5EF4-FFF2-40B4-BE49-F238E27FC236}">
-                <a16:creationId xmlns:a16="http://schemas.microsoft.com/office/drawing/2014/main" id="{D93F61B8-84B7-8246-9AEC-5C26E7307065}"/>
-              </a:ext>
-            </a:extLst>
-          </p:cNvPr>
-          <p:cNvSpPr>
-            <a:spLocks noGrp="1"/>
-          </p:cNvSpPr>
-          <p:nvPr>
-            <p:ph type="title"/>
-          </p:nvPr>
-        </p:nvSpPr>
-        <p:spPr>
-          <a:xfrm>
-            <a:off x="838200" y="2463966"/>
-            <a:ext cx="10515600" cy="965034"/>
-          </a:xfrm>
-        </p:spPr>
-        <p:txBody>
-          <a:bodyPr/>
-          <a:lstStyle/>
-          <a:p>
-            <a:pPr algn="ctr"/>
-            <a:r>
-              <a:rPr lang="it-IT" dirty="0">
-                <a:latin typeface="SF Pro Display" pitchFamily="2" charset="0"/>
-                <a:ea typeface="SF Pro Display" pitchFamily="2" charset="0"/>
-                <a:cs typeface="SF Pro Display" pitchFamily="2" charset="0"/>
-              </a:rPr>
-              <a:t>Grazie per l’attenzione</a:t>
-            </a:r>
-          </a:p>
-        </p:txBody>
-      </p:sp>
-    </p:spTree>
-    <p:extLst>
-      <p:ext uri="{BB962C8B-B14F-4D97-AF65-F5344CB8AC3E}">
-        <p14:creationId xmlns:p14="http://schemas.microsoft.com/office/powerpoint/2010/main" val="1021218627"/>
+        <p14:creationId xmlns:p14="http://schemas.microsoft.com/office/powerpoint/2010/main" val="1643342907"/>
       </p:ext>
     </p:extLst>
   </p:cSld>
@@ -5885,7 +6149,7 @@
                 <a:ea typeface="SF Pro Display" pitchFamily="2" charset="0"/>
                 <a:cs typeface="SF Pro Display" pitchFamily="2" charset="0"/>
               </a:rPr>
-              <a:t>Sviluppo delle reti e del traffico</a:t>
+              <a:t>Motivazione</a:t>
             </a:r>
           </a:p>
         </p:txBody>
@@ -5924,7 +6188,7 @@
                 <a:ea typeface="SF Pro Text" pitchFamily="2" charset="0"/>
                 <a:cs typeface="SF Pro Text" pitchFamily="2" charset="0"/>
               </a:rPr>
-              <a:t>Numero di dispositivi connessi in aumento:</a:t>
+              <a:t>Numero di dispositivi wireless connessi in aumento:</a:t>
             </a:r>
           </a:p>
           <a:p>
@@ -6043,7 +6307,7 @@
                 <a:ea typeface="SF Pro Text" pitchFamily="2" charset="0"/>
                 <a:cs typeface="SF Pro Text" pitchFamily="2" charset="0"/>
               </a:rPr>
-              <a:t>Necessità di monitorare reti locali per disservizi</a:t>
+              <a:t>Necessità di monitorare reti locali per rilevare disservizi</a:t>
             </a:r>
           </a:p>
           <a:p>
@@ -6090,7 +6354,7 @@
           <p:cNvPr id="2" name="Title 1">
             <a:extLst>
               <a:ext uri="{FF2B5EF4-FFF2-40B4-BE49-F238E27FC236}">
-                <a16:creationId xmlns:a16="http://schemas.microsoft.com/office/drawing/2014/main" id="{3753AFCF-0DD9-B34C-BCA0-0DF5706990BB}"/>
+                <a16:creationId xmlns:a16="http://schemas.microsoft.com/office/drawing/2014/main" id="{9635C566-4345-2840-B637-B009D59B0875}"/>
               </a:ext>
             </a:extLst>
           </p:cNvPr>
@@ -6112,8 +6376,9 @@
                 <a:ea typeface="SF Pro Display" pitchFamily="2" charset="0"/>
                 <a:cs typeface="SF Pro Display" pitchFamily="2" charset="0"/>
               </a:rPr>
-              <a:t>Software in utilizzo  </a:t>
-            </a:r>
+              <a:t>Analisi Wi-Fi: Stato dell’Arte</a:t>
+            </a:r>
+            <a:endParaRPr lang="it-IT" dirty="0"/>
           </a:p>
         </p:txBody>
       </p:sp>
@@ -6122,7 +6387,7 @@
           <p:cNvPr id="3" name="Content Placeholder 2">
             <a:extLst>
               <a:ext uri="{FF2B5EF4-FFF2-40B4-BE49-F238E27FC236}">
-                <a16:creationId xmlns:a16="http://schemas.microsoft.com/office/drawing/2014/main" id="{4C571E02-9AE1-D543-B1FF-49F15F153F97}"/>
+                <a16:creationId xmlns:a16="http://schemas.microsoft.com/office/drawing/2014/main" id="{772C3CDB-26DA-0E46-B5B3-06C944F4610E}"/>
               </a:ext>
             </a:extLst>
           </p:cNvPr>
@@ -6135,32 +6400,58 @@
         </p:nvSpPr>
         <p:spPr/>
         <p:txBody>
-          <a:bodyPr/>
+          <a:bodyPr>
+            <a:normAutofit/>
+          </a:bodyPr>
           <a:lstStyle/>
           <a:p>
             <a:r>
+              <a:rPr lang="it-IT" dirty="0">
+                <a:latin typeface="SF Pro Text" pitchFamily="2" charset="0"/>
+                <a:ea typeface="SF Pro Text" pitchFamily="2" charset="0"/>
+                <a:cs typeface="SF Pro Text" pitchFamily="2" charset="0"/>
+              </a:rPr>
+              <a:t>Algoritmi per l’analisi del segnale Wi-Fi:</a:t>
+            </a:r>
+          </a:p>
+          <a:p>
+            <a:pPr lvl="1"/>
+            <a:r>
+              <a:rPr lang="it-IT" dirty="0">
+                <a:latin typeface="SF Pro Text" pitchFamily="2" charset="0"/>
+                <a:ea typeface="SF Pro Text" pitchFamily="2" charset="0"/>
+                <a:cs typeface="SF Pro Text" pitchFamily="2" charset="0"/>
+              </a:rPr>
+              <a:t>Qualità del segnale: SNR</a:t>
+            </a:r>
+          </a:p>
+          <a:p>
+            <a:pPr lvl="1"/>
+            <a:r>
+              <a:rPr lang="it-IT" dirty="0">
+                <a:latin typeface="SF Pro Text" pitchFamily="2" charset="0"/>
+                <a:ea typeface="SF Pro Text" pitchFamily="2" charset="0"/>
+                <a:cs typeface="SF Pro Text" pitchFamily="2" charset="0"/>
+              </a:rPr>
+              <a:t>Topologia: non presenti in letteratura</a:t>
+            </a:r>
+          </a:p>
+          <a:p>
+            <a:r>
+              <a:rPr lang="it-IT" dirty="0">
+                <a:latin typeface="SF Pro Text" pitchFamily="2" charset="0"/>
+                <a:ea typeface="SF Pro Text" pitchFamily="2" charset="0"/>
+                <a:cs typeface="SF Pro Text" pitchFamily="2" charset="0"/>
+              </a:rPr>
+              <a:t>Cattura del traffico di rete mediante standard monitor mode e </a:t>
+            </a:r>
+            <a:r>
               <a:rPr lang="it-IT" dirty="0" err="1">
                 <a:latin typeface="SF Pro Text" pitchFamily="2" charset="0"/>
                 <a:ea typeface="SF Pro Text" pitchFamily="2" charset="0"/>
                 <a:cs typeface="SF Pro Text" pitchFamily="2" charset="0"/>
               </a:rPr>
-              <a:t>UniFi</a:t>
-            </a:r>
-            <a:r>
-              <a:rPr lang="it-IT" dirty="0">
-                <a:latin typeface="SF Pro Text" pitchFamily="2" charset="0"/>
-                <a:ea typeface="SF Pro Text" pitchFamily="2" charset="0"/>
-                <a:cs typeface="SF Pro Text" pitchFamily="2" charset="0"/>
-              </a:rPr>
-              <a:t> </a:t>
-            </a:r>
-            <a:r>
-              <a:rPr lang="it-IT" dirty="0" err="1">
-                <a:latin typeface="SF Pro Text" pitchFamily="2" charset="0"/>
-                <a:ea typeface="SF Pro Text" pitchFamily="2" charset="0"/>
-                <a:cs typeface="SF Pro Text" pitchFamily="2" charset="0"/>
-              </a:rPr>
-              <a:t>Ubiquity</a:t>
+              <a:t>radiotap</a:t>
             </a:r>
             <a:endParaRPr lang="it-IT" dirty="0">
               <a:latin typeface="SF Pro Text" pitchFamily="2" charset="0"/>
@@ -6169,99 +6460,88 @@
             </a:endParaRPr>
           </a:p>
           <a:p>
+            <a:r>
+              <a:rPr lang="it-IT" dirty="0">
+                <a:latin typeface="SF Pro Text" pitchFamily="2" charset="0"/>
+                <a:ea typeface="SF Pro Text" pitchFamily="2" charset="0"/>
+                <a:cs typeface="SF Pro Text" pitchFamily="2" charset="0"/>
+              </a:rPr>
+              <a:t>Strumenti «simili»:</a:t>
+            </a:r>
+          </a:p>
+          <a:p>
             <a:pPr lvl="1"/>
             <a:r>
-              <a:rPr lang="it-IT" dirty="0">
-                <a:latin typeface="SF Pro Text" pitchFamily="2" charset="0"/>
-                <a:ea typeface="SF Pro Text" pitchFamily="2" charset="0"/>
-                <a:cs typeface="SF Pro Text" pitchFamily="2" charset="0"/>
-              </a:rPr>
-              <a:t>Monitoraggio di dispositivi del produttore </a:t>
-            </a:r>
-            <a:r>
               <a:rPr lang="it-IT" dirty="0" err="1">
                 <a:latin typeface="SF Pro Text" pitchFamily="2" charset="0"/>
                 <a:ea typeface="SF Pro Text" pitchFamily="2" charset="0"/>
                 <a:cs typeface="SF Pro Text" pitchFamily="2" charset="0"/>
               </a:rPr>
-              <a:t>Ubiquity</a:t>
-            </a:r>
-            <a:endParaRPr lang="it-IT" dirty="0">
-              <a:latin typeface="SF Pro Text" pitchFamily="2" charset="0"/>
-              <a:ea typeface="SF Pro Text" pitchFamily="2" charset="0"/>
-              <a:cs typeface="SF Pro Text" pitchFamily="2" charset="0"/>
-            </a:endParaRPr>
-          </a:p>
-          <a:p>
+              <a:t>Netspot</a:t>
+            </a:r>
+            <a:r>
+              <a:rPr lang="it-IT" dirty="0">
+                <a:latin typeface="SF Pro Text" pitchFamily="2" charset="0"/>
+                <a:ea typeface="SF Pro Text" pitchFamily="2" charset="0"/>
+                <a:cs typeface="SF Pro Text" pitchFamily="2" charset="0"/>
+              </a:rPr>
+              <a:t>: </a:t>
+            </a:r>
             <a:r>
               <a:rPr lang="it-IT" dirty="0" err="1">
                 <a:latin typeface="SF Pro Text" pitchFamily="2" charset="0"/>
                 <a:ea typeface="SF Pro Text" pitchFamily="2" charset="0"/>
                 <a:cs typeface="SF Pro Text" pitchFamily="2" charset="0"/>
               </a:rPr>
-              <a:t>Netspot</a:t>
-            </a:r>
-            <a:endParaRPr lang="it-IT" dirty="0">
-              <a:latin typeface="SF Pro Text" pitchFamily="2" charset="0"/>
-              <a:ea typeface="SF Pro Text" pitchFamily="2" charset="0"/>
-              <a:cs typeface="SF Pro Text" pitchFamily="2" charset="0"/>
-            </a:endParaRPr>
+              <a:t>heatmap</a:t>
+            </a:r>
+            <a:r>
+              <a:rPr lang="it-IT" dirty="0">
+                <a:latin typeface="SF Pro Text" pitchFamily="2" charset="0"/>
+                <a:ea typeface="SF Pro Text" pitchFamily="2" charset="0"/>
+                <a:cs typeface="SF Pro Text" pitchFamily="2" charset="0"/>
+              </a:rPr>
+              <a:t> di qualità del segnale Wi-Fi</a:t>
+            </a:r>
           </a:p>
           <a:p>
             <a:pPr lvl="1"/>
             <a:r>
-              <a:rPr lang="it-IT" dirty="0">
-                <a:latin typeface="SF Pro Text" pitchFamily="2" charset="0"/>
-                <a:ea typeface="SF Pro Text" pitchFamily="2" charset="0"/>
-                <a:cs typeface="SF Pro Text" pitchFamily="2" charset="0"/>
-              </a:rPr>
-              <a:t>Fornisce soluzioni per il </a:t>
-            </a:r>
-            <a:r>
               <a:rPr lang="it-IT" dirty="0" err="1">
                 <a:latin typeface="SF Pro Text" pitchFamily="2" charset="0"/>
                 <a:ea typeface="SF Pro Text" pitchFamily="2" charset="0"/>
                 <a:cs typeface="SF Pro Text" pitchFamily="2" charset="0"/>
               </a:rPr>
-              <a:t>deploy</a:t>
-            </a:r>
-            <a:r>
-              <a:rPr lang="it-IT" dirty="0">
-                <a:latin typeface="SF Pro Text" pitchFamily="2" charset="0"/>
-                <a:ea typeface="SF Pro Text" pitchFamily="2" charset="0"/>
-                <a:cs typeface="SF Pro Text" pitchFamily="2" charset="0"/>
-              </a:rPr>
-              <a:t> di reti Wi-Fi</a:t>
-            </a:r>
-          </a:p>
-          <a:p>
+              <a:t>UniFi</a:t>
+            </a:r>
+            <a:r>
+              <a:rPr lang="it-IT" dirty="0">
+                <a:latin typeface="SF Pro Text" pitchFamily="2" charset="0"/>
+                <a:ea typeface="SF Pro Text" pitchFamily="2" charset="0"/>
+                <a:cs typeface="SF Pro Text" pitchFamily="2" charset="0"/>
+              </a:rPr>
+              <a:t> by </a:t>
+            </a:r>
             <a:r>
               <a:rPr lang="it-IT" dirty="0" err="1">
                 <a:latin typeface="SF Pro Text" pitchFamily="2" charset="0"/>
                 <a:ea typeface="SF Pro Text" pitchFamily="2" charset="0"/>
                 <a:cs typeface="SF Pro Text" pitchFamily="2" charset="0"/>
               </a:rPr>
-              <a:t>inSSIder</a:t>
-            </a:r>
-            <a:endParaRPr lang="it-IT" dirty="0">
-              <a:latin typeface="SF Pro Text" pitchFamily="2" charset="0"/>
-              <a:ea typeface="SF Pro Text" pitchFamily="2" charset="0"/>
-              <a:cs typeface="SF Pro Text" pitchFamily="2" charset="0"/>
-            </a:endParaRPr>
+              <a:t>Ubiquiti</a:t>
+            </a:r>
+            <a:r>
+              <a:rPr lang="it-IT" dirty="0">
+                <a:latin typeface="SF Pro Text" pitchFamily="2" charset="0"/>
+                <a:ea typeface="SF Pro Text" pitchFamily="2" charset="0"/>
+                <a:cs typeface="SF Pro Text" pitchFamily="2" charset="0"/>
+              </a:rPr>
+              <a:t>: soluzione proprietaria per il monitoraggio di reti</a:t>
+            </a:r>
           </a:p>
           <a:p>
             <a:pPr lvl="1"/>
             <a:r>
-              <a:rPr lang="it-IT" dirty="0">
-                <a:latin typeface="SF Pro Text" pitchFamily="2" charset="0"/>
-                <a:ea typeface="SF Pro Text" pitchFamily="2" charset="0"/>
-                <a:cs typeface="SF Pro Text" pitchFamily="2" charset="0"/>
-              </a:rPr>
-              <a:t>Analizzatore di reti Wi-Fi, suggerisce canali su cui instaurare Wi-Fi</a:t>
-            </a:r>
-          </a:p>
-          <a:p>
-            <a:r>
               <a:rPr lang="it-IT" dirty="0" err="1">
                 <a:latin typeface="SF Pro Text" pitchFamily="2" charset="0"/>
                 <a:ea typeface="SF Pro Text" pitchFamily="2" charset="0"/>
@@ -6269,73 +6549,21 @@
               </a:rPr>
               <a:t>Kismet</a:t>
             </a:r>
-            <a:endParaRPr lang="it-IT" dirty="0">
-              <a:latin typeface="SF Pro Text" pitchFamily="2" charset="0"/>
-              <a:ea typeface="SF Pro Text" pitchFamily="2" charset="0"/>
-              <a:cs typeface="SF Pro Text" pitchFamily="2" charset="0"/>
-            </a:endParaRPr>
-          </a:p>
-          <a:p>
-            <a:pPr lvl="1"/>
-            <a:r>
-              <a:rPr lang="it-IT" dirty="0">
-                <a:latin typeface="SF Pro Text" pitchFamily="2" charset="0"/>
-                <a:ea typeface="SF Pro Text" pitchFamily="2" charset="0"/>
-                <a:cs typeface="SF Pro Text" pitchFamily="2" charset="0"/>
-              </a:rPr>
-              <a:t>Rilevamento di dispositivi wireless, </a:t>
-            </a:r>
-            <a:r>
-              <a:rPr lang="it-IT" dirty="0" err="1">
-                <a:latin typeface="SF Pro Text" pitchFamily="2" charset="0"/>
-                <a:ea typeface="SF Pro Text" pitchFamily="2" charset="0"/>
-                <a:cs typeface="SF Pro Text" pitchFamily="2" charset="0"/>
-              </a:rPr>
-              <a:t>sniffer</a:t>
-            </a:r>
-            <a:r>
-              <a:rPr lang="it-IT" dirty="0">
-                <a:latin typeface="SF Pro Text" pitchFamily="2" charset="0"/>
-                <a:ea typeface="SF Pro Text" pitchFamily="2" charset="0"/>
-                <a:cs typeface="SF Pro Text" pitchFamily="2" charset="0"/>
-              </a:rPr>
-              <a:t> e WIDS </a:t>
-            </a:r>
-            <a:r>
-              <a:rPr lang="it-IT" dirty="0" err="1">
-                <a:latin typeface="SF Pro Text" pitchFamily="2" charset="0"/>
-                <a:ea typeface="SF Pro Text" pitchFamily="2" charset="0"/>
-                <a:cs typeface="SF Pro Text" pitchFamily="2" charset="0"/>
-              </a:rPr>
-              <a:t>framework</a:t>
-            </a:r>
-            <a:endParaRPr lang="it-IT" dirty="0">
-              <a:latin typeface="SF Pro Text" pitchFamily="2" charset="0"/>
-              <a:ea typeface="SF Pro Text" pitchFamily="2" charset="0"/>
-              <a:cs typeface="SF Pro Text" pitchFamily="2" charset="0"/>
-            </a:endParaRPr>
-          </a:p>
-          <a:p>
-            <a:pPr lvl="1"/>
-            <a:endParaRPr lang="it-IT" dirty="0">
-              <a:latin typeface="SF Pro Text" pitchFamily="2" charset="0"/>
-              <a:ea typeface="SF Pro Text" pitchFamily="2" charset="0"/>
-              <a:cs typeface="SF Pro Text" pitchFamily="2" charset="0"/>
-            </a:endParaRPr>
-          </a:p>
-          <a:p>
-            <a:endParaRPr lang="it-IT" dirty="0">
-              <a:latin typeface="SF Pro Text" pitchFamily="2" charset="0"/>
-              <a:ea typeface="SF Pro Text" pitchFamily="2" charset="0"/>
-              <a:cs typeface="SF Pro Text" pitchFamily="2" charset="0"/>
-            </a:endParaRPr>
+            <a:r>
+              <a:rPr lang="it-IT" dirty="0">
+                <a:latin typeface="SF Pro Text" pitchFamily="2" charset="0"/>
+                <a:ea typeface="SF Pro Text" pitchFamily="2" charset="0"/>
+                <a:cs typeface="SF Pro Text" pitchFamily="2" charset="0"/>
+              </a:rPr>
+              <a:t>: limitato al numero di client per AP e potenza del segnale</a:t>
+            </a:r>
           </a:p>
         </p:txBody>
       </p:sp>
     </p:spTree>
     <p:extLst>
       <p:ext uri="{BB962C8B-B14F-4D97-AF65-F5344CB8AC3E}">
-        <p14:creationId xmlns:p14="http://schemas.microsoft.com/office/powerpoint/2010/main" val="3942508823"/>
+        <p14:creationId xmlns:p14="http://schemas.microsoft.com/office/powerpoint/2010/main" val="3100354148"/>
       </p:ext>
     </p:extLst>
   </p:cSld>
@@ -6391,7 +6619,7 @@
                 <a:ea typeface="SF Pro Display" pitchFamily="2" charset="0"/>
                 <a:cs typeface="SF Pro Display" pitchFamily="2" charset="0"/>
               </a:rPr>
-              <a:t>Limiti delle attuali soluzioni</a:t>
+              <a:t>Analisi Wi-Fi: Limiti delle attuali soluzioni</a:t>
             </a:r>
           </a:p>
         </p:txBody>
@@ -6414,9 +6642,15 @@
         </p:nvSpPr>
         <p:spPr/>
         <p:txBody>
-          <a:bodyPr/>
+          <a:bodyPr>
+            <a:normAutofit/>
+          </a:bodyPr>
           <a:lstStyle/>
           <a:p>
+            <a:pPr marL="514350" indent="-514350">
+              <a:buFont typeface="+mj-lt"/>
+              <a:buAutoNum type="arabicPeriod"/>
+            </a:pPr>
             <a:r>
               <a:rPr lang="it-IT" dirty="0">
                 <a:latin typeface="SF Pro Text" pitchFamily="2" charset="0"/>
@@ -6478,6 +6712,24 @@
             </a:r>
           </a:p>
           <a:p>
+            <a:pPr marL="514350" indent="-514350">
+              <a:buFont typeface="+mj-lt"/>
+              <a:buAutoNum type="arabicPeriod"/>
+            </a:pPr>
+            <a:r>
+              <a:rPr lang="it-IT" dirty="0">
+                <a:latin typeface="SF Pro Text" pitchFamily="2" charset="0"/>
+                <a:ea typeface="SF Pro Text" pitchFamily="2" charset="0"/>
+                <a:cs typeface="SF Pro Text" pitchFamily="2" charset="0"/>
+              </a:rPr>
+              <a:t>Soluzione professionali e proprietarie non interoperabili: non utilizzabili in ambito domestico e SMB</a:t>
+            </a:r>
+          </a:p>
+          <a:p>
+            <a:pPr marL="514350" indent="-514350">
+              <a:buFont typeface="+mj-lt"/>
+              <a:buAutoNum type="arabicPeriod"/>
+            </a:pPr>
             <a:r>
               <a:rPr lang="it-IT" dirty="0">
                 <a:latin typeface="SF Pro Text" pitchFamily="2" charset="0"/>
@@ -6494,15 +6746,8 @@
                 <a:ea typeface="SF Pro Text" pitchFamily="2" charset="0"/>
                 <a:cs typeface="SF Pro Text" pitchFamily="2" charset="0"/>
               </a:rPr>
-              <a:t>Ristrette a dispositivi di rete professionali</a:t>
-            </a:r>
-          </a:p>
-          <a:p>
-            <a:endParaRPr lang="it-IT" dirty="0">
-              <a:latin typeface="SF Pro Text" pitchFamily="2" charset="0"/>
-              <a:ea typeface="SF Pro Text" pitchFamily="2" charset="0"/>
-              <a:cs typeface="SF Pro Text" pitchFamily="2" charset="0"/>
-            </a:endParaRPr>
+              <a:t>Obiettivo del lavoro: fornire una soluzione per la rilevazione di disservizi in reti di tipo domestico e SMB</a:t>
+            </a:r>
           </a:p>
         </p:txBody>
       </p:sp>
@@ -6590,12 +6835,43 @@
           <a:lstStyle/>
           <a:p>
             <a:r>
-              <a:rPr lang="it-IT" dirty="0">
+              <a:rPr lang="it-IT" dirty="0" err="1">
                 <a:latin typeface="SF Pro Display" pitchFamily="2" charset="0"/>
                 <a:ea typeface="SF Pro Display" pitchFamily="2" charset="0"/>
                 <a:cs typeface="SF Pro Display" pitchFamily="2" charset="0"/>
               </a:rPr>
-              <a:t>Una soluzione per reti domestiche</a:t>
+              <a:t>ArpScanner</a:t>
+            </a:r>
+            <a:r>
+              <a:rPr lang="it-IT" dirty="0">
+                <a:latin typeface="SF Pro Display" pitchFamily="2" charset="0"/>
+                <a:ea typeface="SF Pro Display" pitchFamily="2" charset="0"/>
+                <a:cs typeface="SF Pro Display" pitchFamily="2" charset="0"/>
+              </a:rPr>
+              <a:t> &amp; Wi-Fi </a:t>
+            </a:r>
+            <a:r>
+              <a:rPr lang="it-IT" dirty="0" err="1">
+                <a:latin typeface="SF Pro Display" pitchFamily="2" charset="0"/>
+                <a:ea typeface="SF Pro Display" pitchFamily="2" charset="0"/>
+                <a:cs typeface="SF Pro Display" pitchFamily="2" charset="0"/>
+              </a:rPr>
+              <a:t>Topology</a:t>
+            </a:r>
+            <a:br>
+              <a:rPr lang="it-IT" dirty="0">
+                <a:latin typeface="SF Pro Display" pitchFamily="2" charset="0"/>
+                <a:ea typeface="SF Pro Display" pitchFamily="2" charset="0"/>
+                <a:cs typeface="SF Pro Display" pitchFamily="2" charset="0"/>
+              </a:rPr>
+            </a:br>
+            <a:r>
+              <a:rPr lang="it-IT" dirty="0">
+                <a:latin typeface="SF Pro Display" pitchFamily="2" charset="0"/>
+                <a:ea typeface="SF Pro Display" pitchFamily="2" charset="0"/>
+                <a:cs typeface="SF Pro Display" pitchFamily="2" charset="0"/>
+              </a:rPr>
+              <a:t>Risultati del Tirocinio</a:t>
             </a:r>
           </a:p>
         </p:txBody>
@@ -6616,7 +6892,12 @@
             <p:ph idx="1"/>
           </p:nvPr>
         </p:nvSpPr>
-        <p:spPr/>
+        <p:spPr>
+          <a:xfrm>
+            <a:off x="838200" y="1825625"/>
+            <a:ext cx="10515600" cy="4352400"/>
+          </a:xfrm>
+        </p:spPr>
         <p:txBody>
           <a:bodyPr/>
           <a:lstStyle/>
@@ -6627,10 +6908,43 @@
                 <a:ea typeface="SF Pro Text" pitchFamily="2" charset="0"/>
                 <a:cs typeface="SF Pro Text" pitchFamily="2" charset="0"/>
               </a:rPr>
+              <a:t>Sviluppo di uno strumento per:</a:t>
+            </a:r>
+          </a:p>
+          <a:p>
+            <a:pPr lvl="1"/>
+            <a:r>
+              <a:rPr lang="it-IT" dirty="0">
+                <a:latin typeface="SF Pro Text" pitchFamily="2" charset="0"/>
+                <a:ea typeface="SF Pro Text" pitchFamily="2" charset="0"/>
+                <a:cs typeface="SF Pro Text" pitchFamily="2" charset="0"/>
+              </a:rPr>
               <a:t>Analisi real-time del traffico della rete</a:t>
             </a:r>
           </a:p>
           <a:p>
+            <a:pPr lvl="2"/>
+            <a:r>
+              <a:rPr lang="it-IT" dirty="0">
+                <a:latin typeface="SF Pro Text" pitchFamily="2" charset="0"/>
+                <a:ea typeface="SF Pro Text" pitchFamily="2" charset="0"/>
+                <a:cs typeface="SF Pro Text" pitchFamily="2" charset="0"/>
+              </a:rPr>
+              <a:t>Ricostruzione della topologia di rete a livello II</a:t>
+            </a:r>
+          </a:p>
+          <a:p>
+            <a:pPr lvl="2"/>
+            <a:r>
+              <a:rPr lang="it-IT" dirty="0">
+                <a:latin typeface="SF Pro Text" pitchFamily="2" charset="0"/>
+                <a:ea typeface="SF Pro Text" pitchFamily="2" charset="0"/>
+                <a:cs typeface="SF Pro Text" pitchFamily="2" charset="0"/>
+              </a:rPr>
+              <a:t>Misure della qualità del segnale</a:t>
+            </a:r>
+          </a:p>
+          <a:p>
             <a:pPr lvl="1"/>
             <a:r>
               <a:rPr lang="it-IT" dirty="0">
@@ -6638,7 +6952,7 @@
                 <a:ea typeface="SF Pro Text" pitchFamily="2" charset="0"/>
                 <a:cs typeface="SF Pro Text" pitchFamily="2" charset="0"/>
               </a:rPr>
-              <a:t>Ricostruzione della topologia di rete</a:t>
+              <a:t>Monitoraggio dei dispositivi connessi alla rete</a:t>
             </a:r>
           </a:p>
           <a:p>
@@ -6649,30 +6963,11 @@
                 <a:ea typeface="SF Pro Text" pitchFamily="2" charset="0"/>
                 <a:cs typeface="SF Pro Text" pitchFamily="2" charset="0"/>
               </a:rPr>
-              <a:t>Misure di bontà del segnale</a:t>
-            </a:r>
-          </a:p>
-          <a:p>
-            <a:r>
-              <a:rPr lang="it-IT" dirty="0">
-                <a:latin typeface="SF Pro Text" pitchFamily="2" charset="0"/>
-                <a:ea typeface="SF Pro Text" pitchFamily="2" charset="0"/>
-                <a:cs typeface="SF Pro Text" pitchFamily="2" charset="0"/>
-              </a:rPr>
-              <a:t>Monitoraggio dei dispositivi connessi alla rete</a:t>
-            </a:r>
-          </a:p>
-          <a:p>
-            <a:r>
-              <a:rPr lang="it-IT" dirty="0">
-                <a:latin typeface="SF Pro Text" pitchFamily="2" charset="0"/>
-                <a:ea typeface="SF Pro Text" pitchFamily="2" charset="0"/>
-                <a:cs typeface="SF Pro Text" pitchFamily="2" charset="0"/>
-              </a:rPr>
               <a:t>Identificazione dei nodi affetti da disservizi di connessione</a:t>
             </a:r>
           </a:p>
           <a:p>
+            <a:pPr lvl="1"/>
             <a:r>
               <a:rPr lang="it-IT" dirty="0">
                 <a:latin typeface="SF Pro Text" pitchFamily="2" charset="0"/>
@@ -6683,11 +6978,50 @@
             </a:r>
           </a:p>
           <a:p>
+            <a:pPr lvl="1"/>
+            <a:r>
+              <a:rPr lang="it-IT" dirty="0">
+                <a:latin typeface="SF Pro Text" pitchFamily="2" charset="0"/>
+                <a:ea typeface="SF Pro Text" pitchFamily="2" charset="0"/>
+                <a:cs typeface="SF Pro Text" pitchFamily="2" charset="0"/>
+              </a:rPr>
+              <a:t>Codice sorgente disponibile su </a:t>
+            </a:r>
+            <a:r>
+              <a:rPr lang="it-IT" dirty="0">
+                <a:latin typeface="SF Pro Text" pitchFamily="2" charset="0"/>
+                <a:ea typeface="SF Pro Text" pitchFamily="2" charset="0"/>
+                <a:cs typeface="SF Pro Text" pitchFamily="2" charset="0"/>
+                <a:hlinkClick r:id="rId2"/>
+              </a:rPr>
+              <a:t>GitHub</a:t>
+            </a:r>
             <a:endParaRPr lang="it-IT" dirty="0">
               <a:latin typeface="SF Pro Text" pitchFamily="2" charset="0"/>
               <a:ea typeface="SF Pro Text" pitchFamily="2" charset="0"/>
               <a:cs typeface="SF Pro Text" pitchFamily="2" charset="0"/>
             </a:endParaRPr>
+          </a:p>
+          <a:p>
+            <a:r>
+              <a:rPr lang="it-IT" dirty="0">
+                <a:latin typeface="SF Pro Text" pitchFamily="2" charset="0"/>
+                <a:ea typeface="SF Pro Text" pitchFamily="2" charset="0"/>
+                <a:cs typeface="SF Pro Text" pitchFamily="2" charset="0"/>
+              </a:rPr>
+              <a:t>Risultato originale:</a:t>
+            </a:r>
+          </a:p>
+          <a:p>
+            <a:pPr lvl="1"/>
+            <a:r>
+              <a:rPr lang="it-IT" dirty="0">
+                <a:latin typeface="SF Pro Text" pitchFamily="2" charset="0"/>
+                <a:ea typeface="SF Pro Text" pitchFamily="2" charset="0"/>
+                <a:cs typeface="SF Pro Text" pitchFamily="2" charset="0"/>
+              </a:rPr>
+              <a:t>Definizione di un algoritmo per la rilevazione della topologia di reti Wi-Fi totalmente passivo ed indipendente da un costruttore</a:t>
+            </a:r>
           </a:p>
         </p:txBody>
       </p:sp>
@@ -6726,7 +7060,7 @@
           <p:cNvPr id="2" name="Title 1">
             <a:extLst>
               <a:ext uri="{FF2B5EF4-FFF2-40B4-BE49-F238E27FC236}">
-                <a16:creationId xmlns:a16="http://schemas.microsoft.com/office/drawing/2014/main" id="{AEDBEBE5-6F8D-934E-972A-889CF2339823}"/>
+                <a16:creationId xmlns:a16="http://schemas.microsoft.com/office/drawing/2014/main" id="{603D3AC7-962A-0C4C-8EB6-FEE3F7399F48}"/>
               </a:ext>
             </a:extLst>
           </p:cNvPr>
@@ -6743,38 +7077,41 @@
           <a:lstStyle/>
           <a:p>
             <a:r>
-              <a:rPr lang="it-IT" dirty="0">
+              <a:rPr lang="it-IT" dirty="0" err="1">
                 <a:latin typeface="SF Pro Display" pitchFamily="2" charset="0"/>
                 <a:ea typeface="SF Pro Display" pitchFamily="2" charset="0"/>
                 <a:cs typeface="SF Pro Display" pitchFamily="2" charset="0"/>
               </a:rPr>
-              <a:t>Validazione su reti semplici</a:t>
-            </a:r>
-          </a:p>
-        </p:txBody>
-      </p:sp>
-      <p:sp>
-        <p:nvSpPr>
-          <p:cNvPr id="16" name="Content Placeholder 15">
-            <a:extLst>
-              <a:ext uri="{FF2B5EF4-FFF2-40B4-BE49-F238E27FC236}">
-                <a16:creationId xmlns:a16="http://schemas.microsoft.com/office/drawing/2014/main" id="{E838C085-0EAA-9941-B43E-62AC4939C722}"/>
-              </a:ext>
-            </a:extLst>
-          </p:cNvPr>
-          <p:cNvSpPr>
-            <a:spLocks noGrp="1"/>
-          </p:cNvSpPr>
-          <p:nvPr>
-            <p:ph sz="half" idx="1"/>
-          </p:nvPr>
-        </p:nvSpPr>
-        <p:spPr>
-          <a:xfrm>
-            <a:off x="838200" y="1825625"/>
-            <a:ext cx="10515600" cy="4351338"/>
-          </a:xfrm>
-        </p:spPr>
+              <a:t>ArpScanner</a:t>
+            </a:r>
+            <a:r>
+              <a:rPr lang="it-IT" dirty="0">
+                <a:latin typeface="SF Pro Display" pitchFamily="2" charset="0"/>
+                <a:ea typeface="SF Pro Display" pitchFamily="2" charset="0"/>
+                <a:cs typeface="SF Pro Display" pitchFamily="2" charset="0"/>
+              </a:rPr>
+              <a:t>: Caratteristiche Principali</a:t>
+            </a:r>
+          </a:p>
+        </p:txBody>
+      </p:sp>
+      <p:sp>
+        <p:nvSpPr>
+          <p:cNvPr id="3" name="Content Placeholder 2">
+            <a:extLst>
+              <a:ext uri="{FF2B5EF4-FFF2-40B4-BE49-F238E27FC236}">
+                <a16:creationId xmlns:a16="http://schemas.microsoft.com/office/drawing/2014/main" id="{5E42DEE0-3990-0848-AE87-82145D2349A4}"/>
+              </a:ext>
+            </a:extLst>
+          </p:cNvPr>
+          <p:cNvSpPr>
+            <a:spLocks noGrp="1"/>
+          </p:cNvSpPr>
+          <p:nvPr>
+            <p:ph idx="1"/>
+          </p:nvPr>
+        </p:nvSpPr>
+        <p:spPr/>
         <p:txBody>
           <a:bodyPr/>
           <a:lstStyle/>
@@ -6785,7 +7122,17 @@
                 <a:ea typeface="SF Pro Text" pitchFamily="2" charset="0"/>
                 <a:cs typeface="SF Pro Text" pitchFamily="2" charset="0"/>
               </a:rPr>
-              <a:t>Dispositivi direttamente collegati ad un </a:t>
+              <a:t>Monitoraggio attivo</a:t>
+            </a:r>
+          </a:p>
+          <a:p>
+            <a:r>
+              <a:rPr lang="it-IT" dirty="0">
+                <a:latin typeface="SF Pro Text" pitchFamily="2" charset="0"/>
+                <a:ea typeface="SF Pro Text" pitchFamily="2" charset="0"/>
+                <a:cs typeface="SF Pro Text" pitchFamily="2" charset="0"/>
+              </a:rPr>
+              <a:t>Effettua </a:t>
             </a:r>
             <a:r>
               <a:rPr lang="it-IT" dirty="0" err="1">
@@ -6793,7 +7140,7 @@
                 <a:ea typeface="SF Pro Text" pitchFamily="2" charset="0"/>
                 <a:cs typeface="SF Pro Text" pitchFamily="2" charset="0"/>
               </a:rPr>
-              <a:t>access</a:t>
+              <a:t>Arp</a:t>
             </a:r>
             <a:r>
               <a:rPr lang="it-IT" dirty="0">
@@ -6809,7 +7156,52 @@
                 <a:ea typeface="SF Pro Text" pitchFamily="2" charset="0"/>
                 <a:cs typeface="SF Pro Text" pitchFamily="2" charset="0"/>
               </a:rPr>
-              <a:t>point</a:t>
+              <a:t>Scan</a:t>
+            </a:r>
+            <a:r>
+              <a:rPr lang="it-IT" dirty="0">
+                <a:latin typeface="SF Pro Text" pitchFamily="2" charset="0"/>
+                <a:ea typeface="SF Pro Text" pitchFamily="2" charset="0"/>
+                <a:cs typeface="SF Pro Text" pitchFamily="2" charset="0"/>
+              </a:rPr>
+              <a:t> sulla rete in analisi</a:t>
+            </a:r>
+          </a:p>
+          <a:p>
+            <a:pPr lvl="1"/>
+            <a:r>
+              <a:rPr lang="it-IT" dirty="0">
+                <a:latin typeface="SF Pro Text" pitchFamily="2" charset="0"/>
+                <a:ea typeface="SF Pro Text" pitchFamily="2" charset="0"/>
+                <a:cs typeface="SF Pro Text" pitchFamily="2" charset="0"/>
+              </a:rPr>
+              <a:t>Assegna indirizzi MAC ad indirizzi IPv4</a:t>
+            </a:r>
+          </a:p>
+          <a:p>
+            <a:r>
+              <a:rPr lang="it-IT" dirty="0" err="1">
+                <a:latin typeface="SF Pro Text" pitchFamily="2" charset="0"/>
+                <a:ea typeface="SF Pro Text" pitchFamily="2" charset="0"/>
+                <a:cs typeface="SF Pro Text" pitchFamily="2" charset="0"/>
+              </a:rPr>
+              <a:t>Arp</a:t>
+            </a:r>
+            <a:r>
+              <a:rPr lang="it-IT" dirty="0">
+                <a:latin typeface="SF Pro Text" pitchFamily="2" charset="0"/>
+                <a:ea typeface="SF Pro Text" pitchFamily="2" charset="0"/>
+                <a:cs typeface="SF Pro Text" pitchFamily="2" charset="0"/>
+              </a:rPr>
+              <a:t> </a:t>
+            </a:r>
+            <a:r>
+              <a:rPr lang="it-IT" dirty="0" err="1">
+                <a:latin typeface="SF Pro Text" pitchFamily="2" charset="0"/>
+                <a:ea typeface="SF Pro Text" pitchFamily="2" charset="0"/>
+                <a:cs typeface="SF Pro Text" pitchFamily="2" charset="0"/>
+              </a:rPr>
+              <a:t>Ping</a:t>
             </a:r>
             <a:endParaRPr lang="it-IT" dirty="0">
               <a:latin typeface="SF Pro Text" pitchFamily="2" charset="0"/>
@@ -6818,42 +7210,65 @@
             </a:endParaRPr>
           </a:p>
           <a:p>
-            <a:r>
-              <a:rPr lang="it-IT" dirty="0">
-                <a:latin typeface="SF Pro Text" pitchFamily="2" charset="0"/>
-                <a:ea typeface="SF Pro Text" pitchFamily="2" charset="0"/>
-                <a:cs typeface="SF Pro Text" pitchFamily="2" charset="0"/>
-              </a:rPr>
-              <a:t>Analisi validata dalla conoscenza della rete</a:t>
-            </a:r>
-          </a:p>
-          <a:p>
+            <a:pPr lvl="1"/>
+            <a:r>
+              <a:rPr lang="it-IT" dirty="0">
+                <a:latin typeface="SF Pro Text" pitchFamily="2" charset="0"/>
+                <a:ea typeface="SF Pro Text" pitchFamily="2" charset="0"/>
+                <a:cs typeface="SF Pro Text" pitchFamily="2" charset="0"/>
+              </a:rPr>
+              <a:t>Calcolo del RTT dei pacchetti inviati</a:t>
+            </a:r>
+          </a:p>
+          <a:p>
+            <a:pPr lvl="1"/>
+            <a:r>
+              <a:rPr lang="it-IT" dirty="0">
+                <a:latin typeface="SF Pro Text" pitchFamily="2" charset="0"/>
+                <a:ea typeface="SF Pro Text" pitchFamily="2" charset="0"/>
+                <a:cs typeface="SF Pro Text" pitchFamily="2" charset="0"/>
+              </a:rPr>
+              <a:t>Metrica utile per dispositivi cablati e Wi-Fi</a:t>
+            </a:r>
+          </a:p>
+          <a:p>
+            <a:r>
+              <a:rPr lang="it-IT" dirty="0">
+                <a:latin typeface="SF Pro Text" pitchFamily="2" charset="0"/>
+                <a:ea typeface="SF Pro Text" pitchFamily="2" charset="0"/>
+                <a:cs typeface="SF Pro Text" pitchFamily="2" charset="0"/>
+              </a:rPr>
+              <a:t>Fornisce dati utili alla libreria </a:t>
+            </a:r>
+            <a:r>
+              <a:rPr lang="it-IT" dirty="0" err="1">
+                <a:latin typeface="SF Pro Text" pitchFamily="2" charset="0"/>
+                <a:ea typeface="SF Pro Text" pitchFamily="2" charset="0"/>
+                <a:cs typeface="SF Pro Text" pitchFamily="2" charset="0"/>
+              </a:rPr>
+              <a:t>WiFi-Topology</a:t>
+            </a:r>
             <a:endParaRPr lang="it-IT" dirty="0">
               <a:latin typeface="SF Pro Text" pitchFamily="2" charset="0"/>
               <a:ea typeface="SF Pro Text" pitchFamily="2" charset="0"/>
               <a:cs typeface="SF Pro Text" pitchFamily="2" charset="0"/>
             </a:endParaRPr>
           </a:p>
-          <a:p>
-            <a:endParaRPr lang="it-IT" dirty="0"/>
-          </a:p>
         </p:txBody>
       </p:sp>
       <p:pic>
         <p:nvPicPr>
-          <p:cNvPr id="23" name="Content Placeholder 22">
-            <a:extLst>
-              <a:ext uri="{FF2B5EF4-FFF2-40B4-BE49-F238E27FC236}">
-                <a16:creationId xmlns:a16="http://schemas.microsoft.com/office/drawing/2014/main" id="{3D232C09-17D2-6840-83E6-9A34F4213078}"/>
+          <p:cNvPr id="5" name="Picture 4">
+            <a:extLst>
+              <a:ext uri="{FF2B5EF4-FFF2-40B4-BE49-F238E27FC236}">
+                <a16:creationId xmlns:a16="http://schemas.microsoft.com/office/drawing/2014/main" id="{1B9DFE17-0662-1A4C-B55F-E6BC9F7D94D5}"/>
               </a:ext>
             </a:extLst>
           </p:cNvPr>
           <p:cNvPicPr>
-            <a:picLocks noGrp="1" noChangeAspect="1"/>
+            <a:picLocks noChangeAspect="1"/>
           </p:cNvPicPr>
-          <p:nvPr>
-            <p:ph sz="half" idx="2"/>
-          </p:nvPr>
+          <p:nvPr/>
         </p:nvPicPr>
         <p:blipFill>
           <a:blip r:embed="rId2"/>
@@ -6863,35 +7278,8 @@
         </p:blipFill>
         <p:spPr>
           <a:xfrm>
-            <a:off x="3291097" y="2908741"/>
-            <a:ext cx="7738853" cy="1040518"/>
-          </a:xfrm>
-        </p:spPr>
-      </p:pic>
-      <p:pic>
-        <p:nvPicPr>
-          <p:cNvPr id="27" name="Picture 26">
-            <a:extLst>
-              <a:ext uri="{FF2B5EF4-FFF2-40B4-BE49-F238E27FC236}">
-                <a16:creationId xmlns:a16="http://schemas.microsoft.com/office/drawing/2014/main" id="{B478D460-2A3C-064C-A0F9-B124962FD800}"/>
-              </a:ext>
-            </a:extLst>
-          </p:cNvPr>
-          <p:cNvPicPr>
-            <a:picLocks noChangeAspect="1"/>
-          </p:cNvPicPr>
-          <p:nvPr/>
-        </p:nvPicPr>
-        <p:blipFill>
-          <a:blip r:embed="rId3"/>
-          <a:stretch>
-            <a:fillRect/>
-          </a:stretch>
-        </p:blipFill>
-        <p:spPr>
-          <a:xfrm>
-            <a:off x="3126434" y="4222044"/>
-            <a:ext cx="7903516" cy="1040519"/>
+            <a:off x="7361697" y="2675731"/>
+            <a:ext cx="3992103" cy="1325563"/>
           </a:xfrm>
           <a:prstGeom prst="rect">
             <a:avLst/>
@@ -6901,7 +7289,7 @@
     </p:spTree>
     <p:extLst>
       <p:ext uri="{BB962C8B-B14F-4D97-AF65-F5344CB8AC3E}">
-        <p14:creationId xmlns:p14="http://schemas.microsoft.com/office/powerpoint/2010/main" val="3098667716"/>
+        <p14:creationId xmlns:p14="http://schemas.microsoft.com/office/powerpoint/2010/main" val="3007458683"/>
       </p:ext>
     </p:extLst>
   </p:cSld>
@@ -6933,7 +7321,7 @@
           <p:cNvPr id="2" name="Title 1">
             <a:extLst>
               <a:ext uri="{FF2B5EF4-FFF2-40B4-BE49-F238E27FC236}">
-                <a16:creationId xmlns:a16="http://schemas.microsoft.com/office/drawing/2014/main" id="{AEDBEBE5-6F8D-934E-972A-889CF2339823}"/>
+                <a16:creationId xmlns:a16="http://schemas.microsoft.com/office/drawing/2014/main" id="{DDC49C2A-59AD-F945-A187-CE13E849F4B4}"/>
               </a:ext>
             </a:extLst>
           </p:cNvPr>
@@ -6949,45 +7337,152 @@
           <a:bodyPr/>
           <a:lstStyle/>
           <a:p>
-            <a:r>
-              <a:rPr lang="it-IT" dirty="0">
-                <a:latin typeface="SF Pro Display" pitchFamily="2" charset="0"/>
-                <a:ea typeface="SF Pro Display" pitchFamily="2" charset="0"/>
-                <a:cs typeface="SF Pro Display" pitchFamily="2" charset="0"/>
-              </a:rPr>
-              <a:t>Validazione su reti con </a:t>
-            </a:r>
             <a:r>
               <a:rPr lang="it-IT" dirty="0" err="1">
                 <a:latin typeface="SF Pro Display" pitchFamily="2" charset="0"/>
                 <a:ea typeface="SF Pro Display" pitchFamily="2" charset="0"/>
                 <a:cs typeface="SF Pro Display" pitchFamily="2" charset="0"/>
               </a:rPr>
-              <a:t>repeater</a:t>
+              <a:t>WiFi-Topology</a:t>
+            </a:r>
+            <a:r>
+              <a:rPr lang="it-IT" dirty="0">
+                <a:latin typeface="SF Pro Display" pitchFamily="2" charset="0"/>
+                <a:ea typeface="SF Pro Display" pitchFamily="2" charset="0"/>
+                <a:cs typeface="SF Pro Display" pitchFamily="2" charset="0"/>
+              </a:rPr>
+              <a:t>: Caratteristiche Principali</a:t>
+            </a:r>
+          </a:p>
+        </p:txBody>
+      </p:sp>
+      <p:sp>
+        <p:nvSpPr>
+          <p:cNvPr id="3" name="Content Placeholder 2">
+            <a:extLst>
+              <a:ext uri="{FF2B5EF4-FFF2-40B4-BE49-F238E27FC236}">
+                <a16:creationId xmlns:a16="http://schemas.microsoft.com/office/drawing/2014/main" id="{381268DC-7A04-A64E-AE12-7AEDA1ACD4BF}"/>
+              </a:ext>
+            </a:extLst>
+          </p:cNvPr>
+          <p:cNvSpPr>
+            <a:spLocks noGrp="1"/>
+          </p:cNvSpPr>
+          <p:nvPr>
+            <p:ph idx="1"/>
+          </p:nvPr>
+        </p:nvSpPr>
+        <p:spPr/>
+        <p:txBody>
+          <a:bodyPr/>
+          <a:lstStyle/>
+          <a:p>
+            <a:r>
+              <a:rPr lang="it-IT" dirty="0">
+                <a:latin typeface="SF Pro Text" pitchFamily="2" charset="0"/>
+                <a:ea typeface="SF Pro Text" pitchFamily="2" charset="0"/>
+                <a:cs typeface="SF Pro Text" pitchFamily="2" charset="0"/>
+              </a:rPr>
+              <a:t>Monitoraggio passivo</a:t>
+            </a:r>
+          </a:p>
+          <a:p>
+            <a:r>
+              <a:rPr lang="it-IT" dirty="0">
+                <a:latin typeface="SF Pro Text" pitchFamily="2" charset="0"/>
+                <a:ea typeface="SF Pro Text" pitchFamily="2" charset="0"/>
+                <a:cs typeface="SF Pro Text" pitchFamily="2" charset="0"/>
+              </a:rPr>
+              <a:t>Cattura del traffico 802.11</a:t>
+            </a:r>
+          </a:p>
+          <a:p>
+            <a:pPr lvl="1"/>
+            <a:r>
+              <a:rPr lang="it-IT" dirty="0">
+                <a:latin typeface="SF Pro Text" pitchFamily="2" charset="0"/>
+                <a:ea typeface="SF Pro Text" pitchFamily="2" charset="0"/>
+                <a:cs typeface="SF Pro Text" pitchFamily="2" charset="0"/>
+              </a:rPr>
+              <a:t>Ricostruzione della topologia della rete</a:t>
+            </a:r>
+          </a:p>
+          <a:p>
+            <a:pPr lvl="1"/>
+            <a:r>
+              <a:rPr lang="it-IT" dirty="0">
+                <a:latin typeface="SF Pro Text" pitchFamily="2" charset="0"/>
+                <a:ea typeface="SF Pro Text" pitchFamily="2" charset="0"/>
+                <a:cs typeface="SF Pro Text" pitchFamily="2" charset="0"/>
+              </a:rPr>
+              <a:t>Calcolo della potenza del segnale Wi-Fi</a:t>
+            </a:r>
+          </a:p>
+          <a:p>
+            <a:r>
+              <a:rPr lang="it-IT" dirty="0">
+                <a:latin typeface="SF Pro Text" pitchFamily="2" charset="0"/>
+                <a:ea typeface="SF Pro Text" pitchFamily="2" charset="0"/>
+                <a:cs typeface="SF Pro Text" pitchFamily="2" charset="0"/>
+              </a:rPr>
+              <a:t>Utilizzo di euristiche per determinare:</a:t>
+            </a:r>
+          </a:p>
+          <a:p>
+            <a:pPr lvl="1"/>
+            <a:r>
+              <a:rPr lang="it-IT" dirty="0">
+                <a:latin typeface="SF Pro Text" pitchFamily="2" charset="0"/>
+                <a:ea typeface="SF Pro Text" pitchFamily="2" charset="0"/>
+                <a:cs typeface="SF Pro Text" pitchFamily="2" charset="0"/>
+              </a:rPr>
+              <a:t>Access </a:t>
+            </a:r>
+            <a:r>
+              <a:rPr lang="it-IT" dirty="0" err="1">
+                <a:latin typeface="SF Pro Text" pitchFamily="2" charset="0"/>
+                <a:ea typeface="SF Pro Text" pitchFamily="2" charset="0"/>
+                <a:cs typeface="SF Pro Text" pitchFamily="2" charset="0"/>
+              </a:rPr>
+              <a:t>point</a:t>
             </a:r>
             <a:endParaRPr lang="it-IT" dirty="0">
-              <a:latin typeface="SF Pro Display" pitchFamily="2" charset="0"/>
-              <a:ea typeface="SF Pro Display" pitchFamily="2" charset="0"/>
-              <a:cs typeface="SF Pro Display" pitchFamily="2" charset="0"/>
+              <a:latin typeface="SF Pro Text" pitchFamily="2" charset="0"/>
+              <a:ea typeface="SF Pro Text" pitchFamily="2" charset="0"/>
+              <a:cs typeface="SF Pro Text" pitchFamily="2" charset="0"/>
+            </a:endParaRPr>
+          </a:p>
+          <a:p>
+            <a:pPr lvl="1"/>
+            <a:r>
+              <a:rPr lang="it-IT" dirty="0" err="1">
+                <a:latin typeface="SF Pro Text" pitchFamily="2" charset="0"/>
+                <a:ea typeface="SF Pro Text" pitchFamily="2" charset="0"/>
+                <a:cs typeface="SF Pro Text" pitchFamily="2" charset="0"/>
+              </a:rPr>
+              <a:t>Repeater</a:t>
+            </a:r>
+            <a:endParaRPr lang="it-IT" dirty="0">
+              <a:latin typeface="SF Pro Text" pitchFamily="2" charset="0"/>
+              <a:ea typeface="SF Pro Text" pitchFamily="2" charset="0"/>
+              <a:cs typeface="SF Pro Text" pitchFamily="2" charset="0"/>
             </a:endParaRPr>
           </a:p>
         </p:txBody>
       </p:sp>
       <p:pic>
         <p:nvPicPr>
-          <p:cNvPr id="5" name="Content Placeholder 4">
-            <a:extLst>
-              <a:ext uri="{FF2B5EF4-FFF2-40B4-BE49-F238E27FC236}">
-                <a16:creationId xmlns:a16="http://schemas.microsoft.com/office/drawing/2014/main" id="{654367A7-C5E5-6141-B292-BB275EA6B1DE}"/>
+          <p:cNvPr id="5" name="Picture 4">
+            <a:extLst>
+              <a:ext uri="{FF2B5EF4-FFF2-40B4-BE49-F238E27FC236}">
+                <a16:creationId xmlns:a16="http://schemas.microsoft.com/office/drawing/2014/main" id="{46740179-3782-9544-A153-04E84EB174AE}"/>
               </a:ext>
             </a:extLst>
           </p:cNvPr>
           <p:cNvPicPr>
-            <a:picLocks noGrp="1" noChangeAspect="1"/>
+            <a:picLocks noChangeAspect="1"/>
           </p:cNvPicPr>
-          <p:nvPr>
-            <p:ph sz="half" idx="1"/>
-          </p:nvPr>
+          <p:nvPr/>
         </p:nvPicPr>
         <p:blipFill>
           <a:blip r:embed="rId2"/>
@@ -6997,128 +7492,8 @@
         </p:blipFill>
         <p:spPr>
           <a:xfrm>
-            <a:off x="5652282" y="1894240"/>
-            <a:ext cx="5701518" cy="1101974"/>
-          </a:xfrm>
-        </p:spPr>
-      </p:pic>
-      <p:sp>
-        <p:nvSpPr>
-          <p:cNvPr id="3" name="Content Placeholder 2">
-            <a:extLst>
-              <a:ext uri="{FF2B5EF4-FFF2-40B4-BE49-F238E27FC236}">
-                <a16:creationId xmlns:a16="http://schemas.microsoft.com/office/drawing/2014/main" id="{F657461C-5064-1447-BAFF-5DAE20608598}"/>
-              </a:ext>
-            </a:extLst>
-          </p:cNvPr>
-          <p:cNvSpPr>
-            <a:spLocks noGrp="1"/>
-          </p:cNvSpPr>
-          <p:nvPr>
-            <p:ph sz="half" idx="2"/>
-          </p:nvPr>
-        </p:nvSpPr>
-        <p:spPr>
-          <a:xfrm>
-            <a:off x="838199" y="1825625"/>
-            <a:ext cx="5036821" cy="4563886"/>
-          </a:xfrm>
-        </p:spPr>
-        <p:txBody>
-          <a:bodyPr/>
-          <a:lstStyle/>
-          <a:p>
-            <a:r>
-              <a:rPr lang="it-IT" dirty="0">
-                <a:latin typeface="SF Pro Text" pitchFamily="2" charset="0"/>
-                <a:ea typeface="SF Pro Text" pitchFamily="2" charset="0"/>
-                <a:cs typeface="SF Pro Text" pitchFamily="2" charset="0"/>
-              </a:rPr>
-              <a:t>Presenza di </a:t>
-            </a:r>
-            <a:r>
-              <a:rPr lang="it-IT" dirty="0" err="1">
-                <a:latin typeface="SF Pro Text" pitchFamily="2" charset="0"/>
-                <a:ea typeface="SF Pro Text" pitchFamily="2" charset="0"/>
-                <a:cs typeface="SF Pro Text" pitchFamily="2" charset="0"/>
-              </a:rPr>
-              <a:t>repeater</a:t>
-            </a:r>
-            <a:r>
-              <a:rPr lang="it-IT" dirty="0">
-                <a:latin typeface="SF Pro Text" pitchFamily="2" charset="0"/>
-                <a:ea typeface="SF Pro Text" pitchFamily="2" charset="0"/>
-                <a:cs typeface="SF Pro Text" pitchFamily="2" charset="0"/>
-              </a:rPr>
-              <a:t> ed altri dispositivi che annunciano reti wireless</a:t>
-            </a:r>
-          </a:p>
-          <a:p>
-            <a:r>
-              <a:rPr lang="it-IT" dirty="0">
-                <a:latin typeface="SF Pro Text" pitchFamily="2" charset="0"/>
-                <a:ea typeface="SF Pro Text" pitchFamily="2" charset="0"/>
-                <a:cs typeface="SF Pro Text" pitchFamily="2" charset="0"/>
-              </a:rPr>
-              <a:t>Ricostruzione attraverso euristiche e validazione data dalla conoscenza della topologia della rete</a:t>
-            </a:r>
-          </a:p>
-        </p:txBody>
-      </p:sp>
-      <p:pic>
-        <p:nvPicPr>
-          <p:cNvPr id="7" name="Picture 6">
-            <a:extLst>
-              <a:ext uri="{FF2B5EF4-FFF2-40B4-BE49-F238E27FC236}">
-                <a16:creationId xmlns:a16="http://schemas.microsoft.com/office/drawing/2014/main" id="{505518E4-5734-734E-8FDD-4AECDCABC584}"/>
-              </a:ext>
-            </a:extLst>
-          </p:cNvPr>
-          <p:cNvPicPr>
-            <a:picLocks noChangeAspect="1"/>
-          </p:cNvPicPr>
-          <p:nvPr/>
-        </p:nvPicPr>
-        <p:blipFill>
-          <a:blip r:embed="rId3"/>
-          <a:stretch>
-            <a:fillRect/>
-          </a:stretch>
-        </p:blipFill>
-        <p:spPr>
-          <a:xfrm>
-            <a:off x="5652282" y="3360472"/>
-            <a:ext cx="5701518" cy="1325563"/>
-          </a:xfrm>
-          <a:prstGeom prst="rect">
-            <a:avLst/>
-          </a:prstGeom>
-        </p:spPr>
-      </p:pic>
-      <p:pic>
-        <p:nvPicPr>
-          <p:cNvPr id="9" name="Picture 8">
-            <a:extLst>
-              <a:ext uri="{FF2B5EF4-FFF2-40B4-BE49-F238E27FC236}">
-                <a16:creationId xmlns:a16="http://schemas.microsoft.com/office/drawing/2014/main" id="{C101A028-C601-024E-84E8-0E580D112619}"/>
-              </a:ext>
-            </a:extLst>
-          </p:cNvPr>
-          <p:cNvPicPr>
-            <a:picLocks noChangeAspect="1"/>
-          </p:cNvPicPr>
-          <p:nvPr/>
-        </p:nvPicPr>
-        <p:blipFill>
-          <a:blip r:embed="rId4"/>
-          <a:stretch>
-            <a:fillRect/>
-          </a:stretch>
-        </p:blipFill>
-        <p:spPr>
-          <a:xfrm>
-            <a:off x="5652281" y="4740730"/>
-            <a:ext cx="5915325" cy="1325563"/>
+            <a:off x="7233068" y="4328931"/>
+            <a:ext cx="4120732" cy="1227452"/>
           </a:xfrm>
           <a:prstGeom prst="rect">
             <a:avLst/>
@@ -7128,7 +7503,7 @@
     </p:spTree>
     <p:extLst>
       <p:ext uri="{BB962C8B-B14F-4D97-AF65-F5344CB8AC3E}">
-        <p14:creationId xmlns:p14="http://schemas.microsoft.com/office/powerpoint/2010/main" val="3508313722"/>
+        <p14:creationId xmlns:p14="http://schemas.microsoft.com/office/powerpoint/2010/main" val="1609217226"/>
       </p:ext>
     </p:extLst>
   </p:cSld>
@@ -7160,196 +7535,6 @@
           <p:cNvPr id="2" name="Title 1">
             <a:extLst>
               <a:ext uri="{FF2B5EF4-FFF2-40B4-BE49-F238E27FC236}">
-                <a16:creationId xmlns:a16="http://schemas.microsoft.com/office/drawing/2014/main" id="{AEDBEBE5-6F8D-934E-972A-889CF2339823}"/>
-              </a:ext>
-            </a:extLst>
-          </p:cNvPr>
-          <p:cNvSpPr>
-            <a:spLocks noGrp="1"/>
-          </p:cNvSpPr>
-          <p:nvPr>
-            <p:ph type="title"/>
-          </p:nvPr>
-        </p:nvSpPr>
-        <p:spPr/>
-        <p:txBody>
-          <a:bodyPr/>
-          <a:lstStyle/>
-          <a:p>
-            <a:r>
-              <a:rPr lang="it-IT" dirty="0">
-                <a:latin typeface="SF Pro Display" pitchFamily="2" charset="0"/>
-                <a:ea typeface="SF Pro Display" pitchFamily="2" charset="0"/>
-                <a:cs typeface="SF Pro Display" pitchFamily="2" charset="0"/>
-              </a:rPr>
-              <a:t>Validazione su reti professionali</a:t>
-            </a:r>
-          </a:p>
-        </p:txBody>
-      </p:sp>
-      <p:pic>
-        <p:nvPicPr>
-          <p:cNvPr id="5" name="Content Placeholder 4">
-            <a:extLst>
-              <a:ext uri="{FF2B5EF4-FFF2-40B4-BE49-F238E27FC236}">
-                <a16:creationId xmlns:a16="http://schemas.microsoft.com/office/drawing/2014/main" id="{588A2B94-6978-814A-8EBC-641D2D728840}"/>
-              </a:ext>
-            </a:extLst>
-          </p:cNvPr>
-          <p:cNvPicPr>
-            <a:picLocks noGrp="1" noChangeAspect="1"/>
-          </p:cNvPicPr>
-          <p:nvPr>
-            <p:ph sz="half" idx="1"/>
-          </p:nvPr>
-        </p:nvPicPr>
-        <p:blipFill>
-          <a:blip r:embed="rId2"/>
-          <a:stretch>
-            <a:fillRect/>
-          </a:stretch>
-        </p:blipFill>
-        <p:spPr>
-          <a:xfrm>
-            <a:off x="6781800" y="4001294"/>
-            <a:ext cx="4495800" cy="1244600"/>
-          </a:xfrm>
-        </p:spPr>
-      </p:pic>
-      <p:sp>
-        <p:nvSpPr>
-          <p:cNvPr id="10" name="Content Placeholder 9">
-            <a:extLst>
-              <a:ext uri="{FF2B5EF4-FFF2-40B4-BE49-F238E27FC236}">
-                <a16:creationId xmlns:a16="http://schemas.microsoft.com/office/drawing/2014/main" id="{BD982408-10A1-B749-AF40-96A20587AC90}"/>
-              </a:ext>
-            </a:extLst>
-          </p:cNvPr>
-          <p:cNvSpPr>
-            <a:spLocks noGrp="1"/>
-          </p:cNvSpPr>
-          <p:nvPr>
-            <p:ph sz="half" idx="2"/>
-          </p:nvPr>
-        </p:nvSpPr>
-        <p:spPr>
-          <a:xfrm>
-            <a:off x="838200" y="1825625"/>
-            <a:ext cx="10439400" cy="4351338"/>
-          </a:xfrm>
-        </p:spPr>
-        <p:txBody>
-          <a:bodyPr/>
-          <a:lstStyle/>
-          <a:p>
-            <a:r>
-              <a:rPr lang="it-IT" dirty="0">
-                <a:latin typeface="SF Pro Text" pitchFamily="2" charset="0"/>
-                <a:ea typeface="SF Pro Text" pitchFamily="2" charset="0"/>
-                <a:cs typeface="SF Pro Text" pitchFamily="2" charset="0"/>
-              </a:rPr>
-              <a:t>Corretta identificazione di più reti Wi-Fi per </a:t>
-            </a:r>
-            <a:r>
-              <a:rPr lang="it-IT" dirty="0" err="1">
-                <a:latin typeface="SF Pro Text" pitchFamily="2" charset="0"/>
-                <a:ea typeface="SF Pro Text" pitchFamily="2" charset="0"/>
-                <a:cs typeface="SF Pro Text" pitchFamily="2" charset="0"/>
-              </a:rPr>
-              <a:t>access</a:t>
-            </a:r>
-            <a:r>
-              <a:rPr lang="it-IT" dirty="0">
-                <a:latin typeface="SF Pro Text" pitchFamily="2" charset="0"/>
-                <a:ea typeface="SF Pro Text" pitchFamily="2" charset="0"/>
-                <a:cs typeface="SF Pro Text" pitchFamily="2" charset="0"/>
-              </a:rPr>
-              <a:t> </a:t>
-            </a:r>
-            <a:r>
-              <a:rPr lang="it-IT" dirty="0" err="1">
-                <a:latin typeface="SF Pro Text" pitchFamily="2" charset="0"/>
-                <a:ea typeface="SF Pro Text" pitchFamily="2" charset="0"/>
-                <a:cs typeface="SF Pro Text" pitchFamily="2" charset="0"/>
-              </a:rPr>
-              <a:t>point</a:t>
-            </a:r>
-            <a:endParaRPr lang="it-IT" dirty="0">
-              <a:latin typeface="SF Pro Text" pitchFamily="2" charset="0"/>
-              <a:ea typeface="SF Pro Text" pitchFamily="2" charset="0"/>
-              <a:cs typeface="SF Pro Text" pitchFamily="2" charset="0"/>
-            </a:endParaRPr>
-          </a:p>
-          <a:p>
-            <a:r>
-              <a:rPr lang="it-IT" dirty="0">
-                <a:latin typeface="SF Pro Text" pitchFamily="2" charset="0"/>
-                <a:ea typeface="SF Pro Text" pitchFamily="2" charset="0"/>
-                <a:cs typeface="SF Pro Text" pitchFamily="2" charset="0"/>
-              </a:rPr>
-              <a:t>Difficile da validare:</a:t>
-            </a:r>
-          </a:p>
-          <a:p>
-            <a:pPr lvl="1"/>
-            <a:r>
-              <a:rPr lang="it-IT" dirty="0">
-                <a:latin typeface="SF Pro Text" pitchFamily="2" charset="0"/>
-                <a:ea typeface="SF Pro Text" pitchFamily="2" charset="0"/>
-                <a:cs typeface="SF Pro Text" pitchFamily="2" charset="0"/>
-              </a:rPr>
-              <a:t>Alto numero di dispositivi</a:t>
-            </a:r>
-          </a:p>
-          <a:p>
-            <a:pPr lvl="1"/>
-            <a:r>
-              <a:rPr lang="it-IT" dirty="0">
-                <a:latin typeface="SF Pro Text" pitchFamily="2" charset="0"/>
-                <a:ea typeface="SF Pro Text" pitchFamily="2" charset="0"/>
-                <a:cs typeface="SF Pro Text" pitchFamily="2" charset="0"/>
-              </a:rPr>
-              <a:t>Topologia non conosciuta a priori</a:t>
-            </a:r>
-            <a:endParaRPr lang="it-IT" dirty="0"/>
-          </a:p>
-        </p:txBody>
-      </p:sp>
-    </p:spTree>
-    <p:extLst>
-      <p:ext uri="{BB962C8B-B14F-4D97-AF65-F5344CB8AC3E}">
-        <p14:creationId xmlns:p14="http://schemas.microsoft.com/office/powerpoint/2010/main" val="166328433"/>
-      </p:ext>
-    </p:extLst>
-  </p:cSld>
-  <p:clrMapOvr>
-    <a:masterClrMapping/>
-  </p:clrMapOvr>
-</p:sld>
-</file>
-
-<file path=ppt/slides/slide9.xml><?xml version="1.0" encoding="utf-8"?>
-<p:sld xmlns:a="http://schemas.openxmlformats.org/drawingml/2006/main" xmlns:r="http://schemas.openxmlformats.org/officeDocument/2006/relationships" xmlns:p="http://schemas.openxmlformats.org/presentationml/2006/main">
-  <p:cSld>
-    <p:spTree>
-      <p:nvGrpSpPr>
-        <p:cNvPr id="1" name=""/>
-        <p:cNvGrpSpPr/>
-        <p:nvPr/>
-      </p:nvGrpSpPr>
-      <p:grpSpPr>
-        <a:xfrm>
-          <a:off x="0" y="0"/>
-          <a:ext cx="0" cy="0"/>
-          <a:chOff x="0" y="0"/>
-          <a:chExt cx="0" cy="0"/>
-        </a:xfrm>
-      </p:grpSpPr>
-      <p:sp>
-        <p:nvSpPr>
-          <p:cNvPr id="2" name="Title 1">
-            <a:extLst>
-              <a:ext uri="{FF2B5EF4-FFF2-40B4-BE49-F238E27FC236}">
                 <a16:creationId xmlns:a16="http://schemas.microsoft.com/office/drawing/2014/main" id="{16C2AD89-93D1-A24E-BC7A-1B9C12694FCB}"/>
               </a:ext>
             </a:extLst>
@@ -7369,12 +7554,20 @@
           <a:lstStyle/>
           <a:p>
             <a:r>
-              <a:rPr lang="it-IT" dirty="0">
+              <a:rPr lang="it-IT" dirty="0" err="1">
                 <a:latin typeface="SF Pro Display" pitchFamily="2" charset="0"/>
                 <a:ea typeface="SF Pro Display" pitchFamily="2" charset="0"/>
                 <a:cs typeface="SF Pro Display" pitchFamily="2" charset="0"/>
               </a:rPr>
-              <a:t>Rilevazione di disservizi</a:t>
+              <a:t>WiFi-Topology</a:t>
+            </a:r>
+            <a:r>
+              <a:rPr lang="it-IT" dirty="0">
+                <a:latin typeface="SF Pro Display" pitchFamily="2" charset="0"/>
+                <a:ea typeface="SF Pro Display" pitchFamily="2" charset="0"/>
+                <a:cs typeface="SF Pro Display" pitchFamily="2" charset="0"/>
+              </a:rPr>
+              <a:t>: Rilevazione di disservizi</a:t>
             </a:r>
           </a:p>
         </p:txBody>
@@ -7394,13 +7587,13 @@
           <p:nvPr>
             <p:extLst>
               <p:ext uri="{D42A27DB-BD31-4B8C-83A1-F6EECF244321}">
-                <p14:modId xmlns:p14="http://schemas.microsoft.com/office/powerpoint/2010/main" val="2084173469"/>
+                <p14:modId xmlns:p14="http://schemas.microsoft.com/office/powerpoint/2010/main" val="2624655389"/>
               </p:ext>
             </p:extLst>
           </p:nvPr>
         </p:nvGraphicFramePr>
         <p:xfrm>
-          <a:off x="4153153" y="4689968"/>
+          <a:off x="4153152" y="4231410"/>
           <a:ext cx="7113156" cy="1947228"/>
         </p:xfrm>
         <a:graphic>
@@ -7746,18 +7939,7 @@
                 <a:ea typeface="SF Pro Text" pitchFamily="2" charset="0"/>
                 <a:cs typeface="SF Pro Text" pitchFamily="2" charset="0"/>
               </a:rPr>
-              <a:t>Round Trip Time (RTT)</a:t>
-            </a:r>
-          </a:p>
-          <a:p>
-            <a:pPr lvl="1"/>
-            <a:r>
-              <a:rPr lang="it-IT" dirty="0">
-                <a:latin typeface="SF Pro Text" pitchFamily="2" charset="0"/>
-                <a:ea typeface="SF Pro Text" pitchFamily="2" charset="0"/>
-                <a:cs typeface="SF Pro Text" pitchFamily="2" charset="0"/>
-              </a:rPr>
-              <a:t>&lt; 1ms all’interno della rete</a:t>
+              <a:t>Round Trip Time (RTT): &lt; 1ms all’interno della rete</a:t>
             </a:r>
           </a:p>
           <a:p>
@@ -7791,18 +7973,7 @@
                 <a:ea typeface="SF Pro Text" pitchFamily="2" charset="0"/>
                 <a:cs typeface="SF Pro Text" pitchFamily="2" charset="0"/>
               </a:rPr>
-              <a:t> Ratio (SNR)</a:t>
-            </a:r>
-          </a:p>
-          <a:p>
-            <a:pPr lvl="1"/>
-            <a:r>
-              <a:rPr lang="it-IT" dirty="0">
-                <a:latin typeface="SF Pro Text" pitchFamily="2" charset="0"/>
-                <a:ea typeface="SF Pro Text" pitchFamily="2" charset="0"/>
-                <a:cs typeface="SF Pro Text" pitchFamily="2" charset="0"/>
-              </a:rPr>
-              <a:t>Differenza tra potenza segnale e rumore di fondo</a:t>
+              <a:t> Ratio (SNR): differenza tra potenza segnale e rumore di fondo</a:t>
             </a:r>
           </a:p>
           <a:p>
@@ -7832,6 +8003,338 @@
     <p:extLst>
       <p:ext uri="{BB962C8B-B14F-4D97-AF65-F5344CB8AC3E}">
         <p14:creationId xmlns:p14="http://schemas.microsoft.com/office/powerpoint/2010/main" val="3883438021"/>
+      </p:ext>
+    </p:extLst>
+  </p:cSld>
+  <p:clrMapOvr>
+    <a:masterClrMapping/>
+  </p:clrMapOvr>
+</p:sld>
+</file>
+
+<file path=ppt/slides/slide9.xml><?xml version="1.0" encoding="utf-8"?>
+<p:sld xmlns:a="http://schemas.openxmlformats.org/drawingml/2006/main" xmlns:r="http://schemas.openxmlformats.org/officeDocument/2006/relationships" xmlns:p="http://schemas.openxmlformats.org/presentationml/2006/main">
+  <p:cSld>
+    <p:spTree>
+      <p:nvGrpSpPr>
+        <p:cNvPr id="1" name=""/>
+        <p:cNvGrpSpPr/>
+        <p:nvPr/>
+      </p:nvGrpSpPr>
+      <p:grpSpPr>
+        <a:xfrm>
+          <a:off x="0" y="0"/>
+          <a:ext cx="0" cy="0"/>
+          <a:chOff x="0" y="0"/>
+          <a:chExt cx="0" cy="0"/>
+        </a:xfrm>
+      </p:grpSpPr>
+      <p:sp>
+        <p:nvSpPr>
+          <p:cNvPr id="2" name="Title 1">
+            <a:extLst>
+              <a:ext uri="{FF2B5EF4-FFF2-40B4-BE49-F238E27FC236}">
+                <a16:creationId xmlns:a16="http://schemas.microsoft.com/office/drawing/2014/main" id="{E7921167-8452-A54A-A836-E7AD6AD6CD99}"/>
+              </a:ext>
+            </a:extLst>
+          </p:cNvPr>
+          <p:cNvSpPr>
+            <a:spLocks noGrp="1"/>
+          </p:cNvSpPr>
+          <p:nvPr>
+            <p:ph type="title"/>
+          </p:nvPr>
+        </p:nvSpPr>
+        <p:spPr/>
+        <p:txBody>
+          <a:bodyPr/>
+          <a:lstStyle/>
+          <a:p>
+            <a:r>
+              <a:rPr lang="it-IT" dirty="0">
+                <a:latin typeface="SF Pro Display" pitchFamily="2" charset="0"/>
+                <a:ea typeface="SF Pro Display" pitchFamily="2" charset="0"/>
+                <a:cs typeface="SF Pro Display" pitchFamily="2" charset="0"/>
+              </a:rPr>
+              <a:t>Analisi ed euristiche: un nuovo algoritmo</a:t>
+            </a:r>
+          </a:p>
+        </p:txBody>
+      </p:sp>
+      <p:sp>
+        <p:nvSpPr>
+          <p:cNvPr id="3" name="Content Placeholder 2">
+            <a:extLst>
+              <a:ext uri="{FF2B5EF4-FFF2-40B4-BE49-F238E27FC236}">
+                <a16:creationId xmlns:a16="http://schemas.microsoft.com/office/drawing/2014/main" id="{38EE5F4F-F455-D448-86AA-16449158A934}"/>
+              </a:ext>
+            </a:extLst>
+          </p:cNvPr>
+          <p:cNvSpPr>
+            <a:spLocks noGrp="1"/>
+          </p:cNvSpPr>
+          <p:nvPr>
+            <p:ph idx="1"/>
+          </p:nvPr>
+        </p:nvSpPr>
+        <p:spPr/>
+        <p:txBody>
+          <a:bodyPr>
+            <a:normAutofit fontScale="92500" lnSpcReduction="10000"/>
+          </a:bodyPr>
+          <a:lstStyle/>
+          <a:p>
+            <a:r>
+              <a:rPr lang="it-IT" dirty="0">
+                <a:latin typeface="SF Pro Text" pitchFamily="2" charset="0"/>
+                <a:ea typeface="SF Pro Text" pitchFamily="2" charset="0"/>
+                <a:cs typeface="SF Pro Text" pitchFamily="2" charset="0"/>
+              </a:rPr>
+              <a:t>Cattura di frame 802.11</a:t>
+            </a:r>
+          </a:p>
+          <a:p>
+            <a:pPr lvl="1"/>
+            <a:r>
+              <a:rPr lang="it-IT" dirty="0">
+                <a:latin typeface="SF Pro Text" pitchFamily="2" charset="0"/>
+                <a:ea typeface="SF Pro Text" pitchFamily="2" charset="0"/>
+                <a:cs typeface="SF Pro Text" pitchFamily="2" charset="0"/>
+              </a:rPr>
+              <a:t>Management </a:t>
+            </a:r>
+            <a:r>
+              <a:rPr lang="it-IT" dirty="0" err="1">
+                <a:latin typeface="SF Pro Text" pitchFamily="2" charset="0"/>
+                <a:ea typeface="SF Pro Text" pitchFamily="2" charset="0"/>
+                <a:cs typeface="SF Pro Text" pitchFamily="2" charset="0"/>
+              </a:rPr>
+              <a:t>frames</a:t>
+            </a:r>
+            <a:endParaRPr lang="it-IT" dirty="0">
+              <a:latin typeface="SF Pro Text" pitchFamily="2" charset="0"/>
+              <a:ea typeface="SF Pro Text" pitchFamily="2" charset="0"/>
+              <a:cs typeface="SF Pro Text" pitchFamily="2" charset="0"/>
+            </a:endParaRPr>
+          </a:p>
+          <a:p>
+            <a:pPr lvl="1"/>
+            <a:r>
+              <a:rPr lang="it-IT" dirty="0">
+                <a:latin typeface="SF Pro Text" pitchFamily="2" charset="0"/>
+                <a:ea typeface="SF Pro Text" pitchFamily="2" charset="0"/>
+                <a:cs typeface="SF Pro Text" pitchFamily="2" charset="0"/>
+              </a:rPr>
+              <a:t>Control </a:t>
+            </a:r>
+            <a:r>
+              <a:rPr lang="it-IT" dirty="0" err="1">
+                <a:latin typeface="SF Pro Text" pitchFamily="2" charset="0"/>
+                <a:ea typeface="SF Pro Text" pitchFamily="2" charset="0"/>
+                <a:cs typeface="SF Pro Text" pitchFamily="2" charset="0"/>
+              </a:rPr>
+              <a:t>frames</a:t>
+            </a:r>
+            <a:endParaRPr lang="it-IT" dirty="0">
+              <a:latin typeface="SF Pro Text" pitchFamily="2" charset="0"/>
+              <a:ea typeface="SF Pro Text" pitchFamily="2" charset="0"/>
+              <a:cs typeface="SF Pro Text" pitchFamily="2" charset="0"/>
+            </a:endParaRPr>
+          </a:p>
+          <a:p>
+            <a:pPr lvl="1"/>
+            <a:r>
+              <a:rPr lang="it-IT" dirty="0">
+                <a:latin typeface="SF Pro Text" pitchFamily="2" charset="0"/>
+                <a:ea typeface="SF Pro Text" pitchFamily="2" charset="0"/>
+                <a:cs typeface="SF Pro Text" pitchFamily="2" charset="0"/>
+              </a:rPr>
+              <a:t>Data </a:t>
+            </a:r>
+            <a:r>
+              <a:rPr lang="it-IT" dirty="0" err="1">
+                <a:latin typeface="SF Pro Text" pitchFamily="2" charset="0"/>
+                <a:ea typeface="SF Pro Text" pitchFamily="2" charset="0"/>
+                <a:cs typeface="SF Pro Text" pitchFamily="2" charset="0"/>
+              </a:rPr>
+              <a:t>frames</a:t>
+            </a:r>
+            <a:endParaRPr lang="it-IT" dirty="0">
+              <a:latin typeface="SF Pro Text" pitchFamily="2" charset="0"/>
+              <a:ea typeface="SF Pro Text" pitchFamily="2" charset="0"/>
+              <a:cs typeface="SF Pro Text" pitchFamily="2" charset="0"/>
+            </a:endParaRPr>
+          </a:p>
+          <a:p>
+            <a:r>
+              <a:rPr lang="it-IT" dirty="0">
+                <a:latin typeface="SF Pro Text" pitchFamily="2" charset="0"/>
+                <a:ea typeface="SF Pro Text" pitchFamily="2" charset="0"/>
+                <a:cs typeface="SF Pro Text" pitchFamily="2" charset="0"/>
+              </a:rPr>
+              <a:t>Analisi di correttezza del frame ricevuto</a:t>
+            </a:r>
+          </a:p>
+          <a:p>
+            <a:r>
+              <a:rPr lang="it-IT" dirty="0">
+                <a:latin typeface="SF Pro Text" pitchFamily="2" charset="0"/>
+                <a:ea typeface="SF Pro Text" pitchFamily="2" charset="0"/>
+                <a:cs typeface="SF Pro Text" pitchFamily="2" charset="0"/>
+              </a:rPr>
+              <a:t>Aggiunta di relazioni tra indirizzi MAC che interagiscono:</a:t>
+            </a:r>
+          </a:p>
+          <a:p>
+            <a:pPr lvl="1"/>
+            <a:r>
+              <a:rPr lang="it-IT" dirty="0" err="1">
+                <a:latin typeface="SF Pro Text" pitchFamily="2" charset="0"/>
+                <a:ea typeface="SF Pro Text" pitchFamily="2" charset="0"/>
+                <a:cs typeface="SF Pro Text" pitchFamily="2" charset="0"/>
+              </a:rPr>
+              <a:t>Talker</a:t>
+            </a:r>
+            <a:endParaRPr lang="it-IT" dirty="0">
+              <a:latin typeface="SF Pro Text" pitchFamily="2" charset="0"/>
+              <a:ea typeface="SF Pro Text" pitchFamily="2" charset="0"/>
+              <a:cs typeface="SF Pro Text" pitchFamily="2" charset="0"/>
+            </a:endParaRPr>
+          </a:p>
+          <a:p>
+            <a:pPr lvl="1"/>
+            <a:r>
+              <a:rPr lang="it-IT" dirty="0">
+                <a:latin typeface="SF Pro Text" pitchFamily="2" charset="0"/>
+                <a:ea typeface="SF Pro Text" pitchFamily="2" charset="0"/>
+                <a:cs typeface="SF Pro Text" pitchFamily="2" charset="0"/>
+              </a:rPr>
+              <a:t>Entry </a:t>
+            </a:r>
+            <a:r>
+              <a:rPr lang="it-IT" dirty="0" err="1">
+                <a:latin typeface="SF Pro Text" pitchFamily="2" charset="0"/>
+                <a:ea typeface="SF Pro Text" pitchFamily="2" charset="0"/>
+                <a:cs typeface="SF Pro Text" pitchFamily="2" charset="0"/>
+              </a:rPr>
+              <a:t>point</a:t>
+            </a:r>
+            <a:endParaRPr lang="it-IT" dirty="0">
+              <a:latin typeface="SF Pro Text" pitchFamily="2" charset="0"/>
+              <a:ea typeface="SF Pro Text" pitchFamily="2" charset="0"/>
+              <a:cs typeface="SF Pro Text" pitchFamily="2" charset="0"/>
+            </a:endParaRPr>
+          </a:p>
+          <a:p>
+            <a:pPr lvl="1"/>
+            <a:r>
+              <a:rPr lang="it-IT" dirty="0">
+                <a:latin typeface="SF Pro Text" pitchFamily="2" charset="0"/>
+                <a:ea typeface="SF Pro Text" pitchFamily="2" charset="0"/>
+                <a:cs typeface="SF Pro Text" pitchFamily="2" charset="0"/>
+              </a:rPr>
+              <a:t>Exit </a:t>
+            </a:r>
+            <a:r>
+              <a:rPr lang="it-IT" dirty="0" err="1">
+                <a:latin typeface="SF Pro Text" pitchFamily="2" charset="0"/>
+                <a:ea typeface="SF Pro Text" pitchFamily="2" charset="0"/>
+                <a:cs typeface="SF Pro Text" pitchFamily="2" charset="0"/>
+              </a:rPr>
+              <a:t>point</a:t>
+            </a:r>
+            <a:endParaRPr lang="it-IT" dirty="0">
+              <a:latin typeface="SF Pro Text" pitchFamily="2" charset="0"/>
+              <a:ea typeface="SF Pro Text" pitchFamily="2" charset="0"/>
+              <a:cs typeface="SF Pro Text" pitchFamily="2" charset="0"/>
+            </a:endParaRPr>
+          </a:p>
+          <a:p>
+            <a:r>
+              <a:rPr lang="it-IT" dirty="0">
+                <a:latin typeface="SF Pro Text" pitchFamily="2" charset="0"/>
+                <a:ea typeface="SF Pro Text" pitchFamily="2" charset="0"/>
+                <a:cs typeface="SF Pro Text" pitchFamily="2" charset="0"/>
+              </a:rPr>
+              <a:t>Identificazione di </a:t>
+            </a:r>
+            <a:r>
+              <a:rPr lang="it-IT" dirty="0" err="1">
+                <a:latin typeface="SF Pro Text" pitchFamily="2" charset="0"/>
+                <a:ea typeface="SF Pro Text" pitchFamily="2" charset="0"/>
+                <a:cs typeface="SF Pro Text" pitchFamily="2" charset="0"/>
+              </a:rPr>
+              <a:t>access</a:t>
+            </a:r>
+            <a:r>
+              <a:rPr lang="it-IT" dirty="0">
+                <a:latin typeface="SF Pro Text" pitchFamily="2" charset="0"/>
+                <a:ea typeface="SF Pro Text" pitchFamily="2" charset="0"/>
+                <a:cs typeface="SF Pro Text" pitchFamily="2" charset="0"/>
+              </a:rPr>
+              <a:t> </a:t>
+            </a:r>
+            <a:r>
+              <a:rPr lang="it-IT" dirty="0" err="1">
+                <a:latin typeface="SF Pro Text" pitchFamily="2" charset="0"/>
+                <a:ea typeface="SF Pro Text" pitchFamily="2" charset="0"/>
+                <a:cs typeface="SF Pro Text" pitchFamily="2" charset="0"/>
+              </a:rPr>
+              <a:t>point</a:t>
+            </a:r>
+            <a:r>
+              <a:rPr lang="it-IT" dirty="0">
+                <a:latin typeface="SF Pro Text" pitchFamily="2" charset="0"/>
+                <a:ea typeface="SF Pro Text" pitchFamily="2" charset="0"/>
+                <a:cs typeface="SF Pro Text" pitchFamily="2" charset="0"/>
+              </a:rPr>
+              <a:t> e </a:t>
+            </a:r>
+            <a:r>
+              <a:rPr lang="it-IT" dirty="0" err="1">
+                <a:latin typeface="SF Pro Text" pitchFamily="2" charset="0"/>
+                <a:ea typeface="SF Pro Text" pitchFamily="2" charset="0"/>
+                <a:cs typeface="SF Pro Text" pitchFamily="2" charset="0"/>
+              </a:rPr>
+              <a:t>repeater</a:t>
+            </a:r>
+            <a:r>
+              <a:rPr lang="it-IT" dirty="0">
+                <a:latin typeface="SF Pro Text" pitchFamily="2" charset="0"/>
+                <a:ea typeface="SF Pro Text" pitchFamily="2" charset="0"/>
+                <a:cs typeface="SF Pro Text" pitchFamily="2" charset="0"/>
+              </a:rPr>
+              <a:t> tramite euristiche su indirizzi MAC</a:t>
+            </a:r>
+          </a:p>
+          <a:p>
+            <a:endParaRPr lang="it-IT" dirty="0">
+              <a:latin typeface="SF Pro Text" pitchFamily="2" charset="0"/>
+              <a:ea typeface="SF Pro Text" pitchFamily="2" charset="0"/>
+              <a:cs typeface="SF Pro Text" pitchFamily="2" charset="0"/>
+            </a:endParaRPr>
+          </a:p>
+          <a:p>
+            <a:pPr lvl="1"/>
+            <a:endParaRPr lang="it-IT" dirty="0">
+              <a:latin typeface="SF Pro Text" pitchFamily="2" charset="0"/>
+              <a:ea typeface="SF Pro Text" pitchFamily="2" charset="0"/>
+              <a:cs typeface="SF Pro Text" pitchFamily="2" charset="0"/>
+            </a:endParaRPr>
+          </a:p>
+          <a:p>
+            <a:endParaRPr lang="it-IT" dirty="0">
+              <a:latin typeface="SF Pro Text" pitchFamily="2" charset="0"/>
+              <a:ea typeface="SF Pro Text" pitchFamily="2" charset="0"/>
+              <a:cs typeface="SF Pro Text" pitchFamily="2" charset="0"/>
+            </a:endParaRPr>
+          </a:p>
+        </p:txBody>
+      </p:sp>
+    </p:spTree>
+    <p:extLst>
+      <p:ext uri="{BB962C8B-B14F-4D97-AF65-F5344CB8AC3E}">
+        <p14:creationId xmlns:p14="http://schemas.microsoft.com/office/powerpoint/2010/main" val="921771993"/>
       </p:ext>
     </p:extLst>
   </p:cSld>
